--- a/docs/design/design-diagrams.pptx
+++ b/docs/design/design-diagrams.pptx
@@ -5,21 +5,22 @@
     <p:sldMasterId id="2147483648" r:id="rId1"/>
   </p:sldMasterIdLst>
   <p:notesMasterIdLst>
-    <p:notesMasterId r:id="rId14"/>
+    <p:notesMasterId r:id="rId15"/>
   </p:notesMasterIdLst>
   <p:sldIdLst>
     <p:sldId id="256" r:id="rId2"/>
     <p:sldId id="262" r:id="rId3"/>
-    <p:sldId id="266" r:id="rId4"/>
-    <p:sldId id="268" r:id="rId5"/>
-    <p:sldId id="263" r:id="rId6"/>
-    <p:sldId id="269" r:id="rId7"/>
-    <p:sldId id="264" r:id="rId8"/>
-    <p:sldId id="265" r:id="rId9"/>
-    <p:sldId id="267" r:id="rId10"/>
-    <p:sldId id="258" r:id="rId11"/>
-    <p:sldId id="270" r:id="rId12"/>
-    <p:sldId id="271" r:id="rId13"/>
+    <p:sldId id="272" r:id="rId4"/>
+    <p:sldId id="266" r:id="rId5"/>
+    <p:sldId id="268" r:id="rId6"/>
+    <p:sldId id="263" r:id="rId7"/>
+    <p:sldId id="269" r:id="rId8"/>
+    <p:sldId id="264" r:id="rId9"/>
+    <p:sldId id="265" r:id="rId10"/>
+    <p:sldId id="267" r:id="rId11"/>
+    <p:sldId id="258" r:id="rId12"/>
+    <p:sldId id="270" r:id="rId13"/>
+    <p:sldId id="271" r:id="rId14"/>
   </p:sldIdLst>
   <p:sldSz cx="12192000" cy="6858000"/>
   <p:notesSz cx="6858000" cy="9144000"/>
@@ -125,6 +126,7 @@
           <p14:sldIdLst>
             <p14:sldId id="256"/>
             <p14:sldId id="262"/>
+            <p14:sldId id="272"/>
           </p14:sldIdLst>
         </p14:section>
         <p14:section name="Virtue/Unity" id="{0D0E284A-AE87-4BE3-8157-4E8B4CDEDCE8}">
@@ -150,6 +152,9 @@
           </p14:sldIdLst>
         </p14:section>
       </p14:sectionLst>
+    </p:ext>
+    <p:ext uri="{EFAFB233-063F-42B5-8137-9DF3F51BA10A}">
+      <p15:sldGuideLst xmlns:p15="http://schemas.microsoft.com/office/powerpoint/2012/main"/>
     </p:ext>
   </p:extLst>
 </p:presentation>
@@ -5672,6 +5677,2318 @@
       </p:grpSpPr>
       <p:sp>
         <p:nvSpPr>
+          <p:cNvPr id="16" name="Bent Arrow 15"/>
+          <p:cNvSpPr/>
+          <p:nvPr/>
+        </p:nvSpPr>
+        <p:spPr>
+          <a:xfrm flipV="1">
+            <a:off x="8736980" y="1316442"/>
+            <a:ext cx="1274673" cy="2027183"/>
+          </a:xfrm>
+          <a:prstGeom prst="bentArrow">
+            <a:avLst>
+              <a:gd name="adj1" fmla="val 13582"/>
+              <a:gd name="adj2" fmla="val 14327"/>
+              <a:gd name="adj3" fmla="val 25000"/>
+              <a:gd name="adj4" fmla="val 43750"/>
+            </a:avLst>
+          </a:prstGeom>
+        </p:spPr>
+        <p:style>
+          <a:lnRef idx="1">
+            <a:schemeClr val="accent2"/>
+          </a:lnRef>
+          <a:fillRef idx="2">
+            <a:schemeClr val="accent2"/>
+          </a:fillRef>
+          <a:effectRef idx="1">
+            <a:schemeClr val="accent2"/>
+          </a:effectRef>
+          <a:fontRef idx="minor">
+            <a:schemeClr val="dk1"/>
+          </a:fontRef>
+        </p:style>
+        <p:txBody>
+          <a:bodyPr rtlCol="0" anchor="ctr"/>
+          <a:lstStyle/>
+          <a:p>
+            <a:pPr algn="ctr"/>
+            <a:endParaRPr lang="en-US">
+              <a:solidFill>
+                <a:schemeClr val="tx1"/>
+              </a:solidFill>
+            </a:endParaRPr>
+          </a:p>
+        </p:txBody>
+      </p:sp>
+      <p:pic>
+        <p:nvPicPr>
+          <p:cNvPr id="4" name="Picture 3"/>
+          <p:cNvPicPr>
+            <a:picLocks noChangeAspect="1"/>
+          </p:cNvPicPr>
+          <p:nvPr/>
+        </p:nvPicPr>
+        <p:blipFill>
+          <a:blip r:embed="rId2" cstate="print">
+            <a:extLst>
+              <a:ext uri="{28A0092B-C50C-407E-A947-70E740481C1C}">
+                <a14:useLocalDpi xmlns:a14="http://schemas.microsoft.com/office/drawing/2010/main" val="0"/>
+              </a:ext>
+            </a:extLst>
+          </a:blip>
+          <a:stretch>
+            <a:fillRect/>
+          </a:stretch>
+        </p:blipFill>
+        <p:spPr>
+          <a:xfrm>
+            <a:off x="549168" y="1767750"/>
+            <a:ext cx="400570" cy="400570"/>
+          </a:xfrm>
+          <a:prstGeom prst="rect">
+            <a:avLst/>
+          </a:prstGeom>
+        </p:spPr>
+      </p:pic>
+      <p:sp>
+        <p:nvSpPr>
+          <p:cNvPr id="5" name="Rectangle 4"/>
+          <p:cNvSpPr/>
+          <p:nvPr/>
+        </p:nvSpPr>
+        <p:spPr>
+          <a:xfrm>
+            <a:off x="2536653" y="1552297"/>
+            <a:ext cx="1097215" cy="337605"/>
+          </a:xfrm>
+          <a:prstGeom prst="rect">
+            <a:avLst/>
+          </a:prstGeom>
+        </p:spPr>
+        <p:style>
+          <a:lnRef idx="2">
+            <a:schemeClr val="accent1">
+              <a:shade val="50000"/>
+            </a:schemeClr>
+          </a:lnRef>
+          <a:fillRef idx="1">
+            <a:schemeClr val="accent1"/>
+          </a:fillRef>
+          <a:effectRef idx="0">
+            <a:schemeClr val="accent1"/>
+          </a:effectRef>
+          <a:fontRef idx="minor">
+            <a:schemeClr val="lt1"/>
+          </a:fontRef>
+        </p:style>
+        <p:txBody>
+          <a:bodyPr rtlCol="0" anchor="ctr"/>
+          <a:lstStyle/>
+          <a:p>
+            <a:pPr algn="ctr"/>
+            <a:r>
+              <a:rPr lang="en-US" sz="1350" dirty="0"/>
+              <a:t>Excalibur API</a:t>
+            </a:r>
+          </a:p>
+        </p:txBody>
+      </p:sp>
+      <p:pic>
+        <p:nvPicPr>
+          <p:cNvPr id="7" name="Picture 6"/>
+          <p:cNvPicPr>
+            <a:picLocks noChangeAspect="1"/>
+          </p:cNvPicPr>
+          <p:nvPr/>
+        </p:nvPicPr>
+        <p:blipFill rotWithShape="1">
+          <a:blip r:embed="rId3" cstate="print">
+            <a:extLst>
+              <a:ext uri="{28A0092B-C50C-407E-A947-70E740481C1C}">
+                <a14:useLocalDpi xmlns:a14="http://schemas.microsoft.com/office/drawing/2010/main" val="0"/>
+              </a:ext>
+            </a:extLst>
+          </a:blip>
+          <a:srcRect l="25880" t="16023" r="36941" b="46856"/>
+          <a:stretch/>
+        </p:blipFill>
+        <p:spPr>
+          <a:xfrm>
+            <a:off x="522009" y="1303545"/>
+            <a:ext cx="427716" cy="383566"/>
+          </a:xfrm>
+          <a:prstGeom prst="rect">
+            <a:avLst/>
+          </a:prstGeom>
+        </p:spPr>
+      </p:pic>
+      <p:cxnSp>
+        <p:nvCxnSpPr>
+          <p:cNvPr id="12" name="Elbow Connector 11"/>
+          <p:cNvCxnSpPr>
+            <a:stCxn id="4" idx="3"/>
+            <a:endCxn id="5" idx="1"/>
+          </p:cNvCxnSpPr>
+          <p:nvPr/>
+        </p:nvCxnSpPr>
+        <p:spPr>
+          <a:xfrm flipV="1">
+            <a:off x="949738" y="1721100"/>
+            <a:ext cx="1586915" cy="246935"/>
+          </a:xfrm>
+          <a:prstGeom prst="bentConnector3">
+            <a:avLst>
+              <a:gd name="adj1" fmla="val 50000"/>
+            </a:avLst>
+          </a:prstGeom>
+          <a:ln w="38100"/>
+        </p:spPr>
+        <p:style>
+          <a:lnRef idx="3">
+            <a:schemeClr val="dk1"/>
+          </a:lnRef>
+          <a:fillRef idx="0">
+            <a:schemeClr val="dk1"/>
+          </a:fillRef>
+          <a:effectRef idx="2">
+            <a:schemeClr val="dk1"/>
+          </a:effectRef>
+          <a:fontRef idx="minor">
+            <a:schemeClr val="tx1"/>
+          </a:fontRef>
+        </p:style>
+      </p:cxnSp>
+      <p:cxnSp>
+        <p:nvCxnSpPr>
+          <p:cNvPr id="14" name="Elbow Connector 13"/>
+          <p:cNvCxnSpPr>
+            <a:stCxn id="7" idx="3"/>
+            <a:endCxn id="5" idx="1"/>
+          </p:cNvCxnSpPr>
+          <p:nvPr/>
+        </p:nvCxnSpPr>
+        <p:spPr>
+          <a:xfrm>
+            <a:off x="949725" y="1495328"/>
+            <a:ext cx="1586928" cy="225772"/>
+          </a:xfrm>
+          <a:prstGeom prst="bentConnector3">
+            <a:avLst>
+              <a:gd name="adj1" fmla="val 50000"/>
+            </a:avLst>
+          </a:prstGeom>
+          <a:ln w="38100"/>
+        </p:spPr>
+        <p:style>
+          <a:lnRef idx="3">
+            <a:schemeClr val="dk1"/>
+          </a:lnRef>
+          <a:fillRef idx="0">
+            <a:schemeClr val="dk1"/>
+          </a:fillRef>
+          <a:effectRef idx="2">
+            <a:schemeClr val="dk1"/>
+          </a:effectRef>
+          <a:fontRef idx="minor">
+            <a:schemeClr val="tx1"/>
+          </a:fontRef>
+        </p:style>
+      </p:cxnSp>
+      <p:sp>
+        <p:nvSpPr>
+          <p:cNvPr id="15" name="Can 14"/>
+          <p:cNvSpPr/>
+          <p:nvPr/>
+        </p:nvSpPr>
+        <p:spPr>
+          <a:xfrm>
+            <a:off x="2074018" y="2195350"/>
+            <a:ext cx="2020367" cy="1283876"/>
+          </a:xfrm>
+          <a:prstGeom prst="can">
+            <a:avLst>
+              <a:gd name="adj" fmla="val 15817"/>
+            </a:avLst>
+          </a:prstGeom>
+        </p:spPr>
+        <p:style>
+          <a:lnRef idx="2">
+            <a:schemeClr val="accent1">
+              <a:shade val="50000"/>
+            </a:schemeClr>
+          </a:lnRef>
+          <a:fillRef idx="1">
+            <a:schemeClr val="accent1"/>
+          </a:fillRef>
+          <a:effectRef idx="0">
+            <a:schemeClr val="accent1"/>
+          </a:effectRef>
+          <a:fontRef idx="minor">
+            <a:schemeClr val="lt1"/>
+          </a:fontRef>
+        </p:style>
+        <p:txBody>
+          <a:bodyPr rtlCol="0" anchor="ctr"/>
+          <a:lstStyle/>
+          <a:p>
+            <a:pPr algn="ctr"/>
+            <a:r>
+              <a:rPr lang="en-US" sz="1400" dirty="0"/>
+              <a:t>Local State:</a:t>
+            </a:r>
+          </a:p>
+          <a:p>
+            <a:pPr marL="214313" indent="-127397">
+              <a:buFont typeface="Arial" panose="020B0604020202020204" pitchFamily="34" charset="0"/>
+              <a:buChar char="•"/>
+            </a:pPr>
+            <a:r>
+              <a:rPr lang="en-US" sz="900" dirty="0"/>
+              <a:t>Running virtue instances</a:t>
+            </a:r>
+          </a:p>
+          <a:p>
+            <a:pPr marL="214313" indent="-127397">
+              <a:buFont typeface="Arial" panose="020B0604020202020204" pitchFamily="34" charset="0"/>
+              <a:buChar char="•"/>
+            </a:pPr>
+            <a:r>
+              <a:rPr lang="en-US" sz="900" dirty="0"/>
+              <a:t>Default sensor </a:t>
+            </a:r>
+            <a:r>
+              <a:rPr lang="en-US" sz="900" dirty="0" err="1"/>
+              <a:t>config</a:t>
+            </a:r>
+            <a:endParaRPr lang="en-US" sz="900" dirty="0"/>
+          </a:p>
+          <a:p>
+            <a:pPr marL="214313" indent="-127397">
+              <a:buFont typeface="Arial" panose="020B0604020202020204" pitchFamily="34" charset="0"/>
+              <a:buChar char="•"/>
+            </a:pPr>
+            <a:r>
+              <a:rPr lang="en-US" sz="900" dirty="0"/>
+              <a:t>Role to virtues to instances map</a:t>
+            </a:r>
+          </a:p>
+          <a:p>
+            <a:pPr marL="214313" indent="-127397">
+              <a:buFont typeface="Arial" panose="020B0604020202020204" pitchFamily="34" charset="0"/>
+              <a:buChar char="•"/>
+            </a:pPr>
+            <a:r>
+              <a:rPr lang="en-US" sz="900" dirty="0"/>
+              <a:t>Desired </a:t>
+            </a:r>
+            <a:r>
+              <a:rPr lang="en-US" sz="900" dirty="0" err="1"/>
+              <a:t>config</a:t>
+            </a:r>
+            <a:r>
+              <a:rPr lang="en-US" sz="900" dirty="0"/>
+              <a:t> x instance</a:t>
+            </a:r>
+            <a:endParaRPr lang="en-US" sz="1400" dirty="0"/>
+          </a:p>
+          <a:p>
+            <a:pPr marL="214313" indent="-127397">
+              <a:buFont typeface="Arial" panose="020B0604020202020204" pitchFamily="34" charset="0"/>
+              <a:buChar char="•"/>
+            </a:pPr>
+            <a:r>
+              <a:rPr lang="en-US" sz="900" dirty="0"/>
+              <a:t>Last reported </a:t>
+            </a:r>
+            <a:r>
+              <a:rPr lang="en-US" sz="900" dirty="0" err="1"/>
+              <a:t>config</a:t>
+            </a:r>
+            <a:r>
+              <a:rPr lang="en-US" sz="900" dirty="0"/>
+              <a:t> x instance</a:t>
+            </a:r>
+          </a:p>
+        </p:txBody>
+      </p:sp>
+      <p:cxnSp>
+        <p:nvCxnSpPr>
+          <p:cNvPr id="17" name="Straight Connector 16"/>
+          <p:cNvCxnSpPr>
+            <a:stCxn id="5" idx="2"/>
+          </p:cNvCxnSpPr>
+          <p:nvPr/>
+        </p:nvCxnSpPr>
+        <p:spPr>
+          <a:xfrm>
+            <a:off x="3085260" y="1889901"/>
+            <a:ext cx="0" cy="385832"/>
+          </a:xfrm>
+          <a:prstGeom prst="line">
+            <a:avLst/>
+          </a:prstGeom>
+          <a:ln w="38100"/>
+        </p:spPr>
+        <p:style>
+          <a:lnRef idx="3">
+            <a:schemeClr val="dk1"/>
+          </a:lnRef>
+          <a:fillRef idx="0">
+            <a:schemeClr val="dk1"/>
+          </a:fillRef>
+          <a:effectRef idx="2">
+            <a:schemeClr val="dk1"/>
+          </a:effectRef>
+          <a:fontRef idx="minor">
+            <a:schemeClr val="tx1"/>
+          </a:fontRef>
+        </p:style>
+      </p:cxnSp>
+      <p:sp>
+        <p:nvSpPr>
+          <p:cNvPr id="45" name="Rectangle 44"/>
+          <p:cNvSpPr/>
+          <p:nvPr/>
+        </p:nvSpPr>
+        <p:spPr>
+          <a:xfrm>
+            <a:off x="1964289" y="1434402"/>
+            <a:ext cx="2230570" cy="2170313"/>
+          </a:xfrm>
+          <a:prstGeom prst="rect">
+            <a:avLst/>
+          </a:prstGeom>
+          <a:noFill/>
+          <a:ln>
+            <a:prstDash val="dash"/>
+          </a:ln>
+        </p:spPr>
+        <p:style>
+          <a:lnRef idx="2">
+            <a:schemeClr val="dk1"/>
+          </a:lnRef>
+          <a:fillRef idx="1">
+            <a:schemeClr val="lt1"/>
+          </a:fillRef>
+          <a:effectRef idx="0">
+            <a:schemeClr val="dk1"/>
+          </a:effectRef>
+          <a:fontRef idx="minor">
+            <a:schemeClr val="dk1"/>
+          </a:fontRef>
+        </p:style>
+        <p:txBody>
+          <a:bodyPr rtlCol="0" anchor="ctr"/>
+          <a:lstStyle/>
+          <a:p>
+            <a:pPr algn="ctr"/>
+            <a:endParaRPr lang="en-US" sz="1350"/>
+          </a:p>
+        </p:txBody>
+      </p:sp>
+      <p:sp>
+        <p:nvSpPr>
+          <p:cNvPr id="44" name="Rectangle 43"/>
+          <p:cNvSpPr/>
+          <p:nvPr/>
+        </p:nvSpPr>
+        <p:spPr>
+          <a:xfrm>
+            <a:off x="7341607" y="1066800"/>
+            <a:ext cx="2283512" cy="2130896"/>
+          </a:xfrm>
+          <a:prstGeom prst="rect">
+            <a:avLst/>
+          </a:prstGeom>
+          <a:noFill/>
+          <a:ln>
+            <a:prstDash val="dash"/>
+          </a:ln>
+        </p:spPr>
+        <p:style>
+          <a:lnRef idx="2">
+            <a:schemeClr val="dk1"/>
+          </a:lnRef>
+          <a:fillRef idx="1">
+            <a:schemeClr val="lt1"/>
+          </a:fillRef>
+          <a:effectRef idx="0">
+            <a:schemeClr val="dk1"/>
+          </a:effectRef>
+          <a:fontRef idx="minor">
+            <a:schemeClr val="dk1"/>
+          </a:fontRef>
+        </p:style>
+        <p:txBody>
+          <a:bodyPr rtlCol="0" anchor="b"/>
+          <a:lstStyle/>
+          <a:p>
+            <a:r>
+              <a:rPr lang="en-US" sz="1050" i="1" dirty="0"/>
+              <a:t>Unity</a:t>
+            </a:r>
+          </a:p>
+        </p:txBody>
+      </p:sp>
+      <p:sp>
+        <p:nvSpPr>
+          <p:cNvPr id="18" name="Rectangle 17"/>
+          <p:cNvSpPr/>
+          <p:nvPr/>
+        </p:nvSpPr>
+        <p:spPr>
+          <a:xfrm>
+            <a:off x="8261027" y="1212730"/>
+            <a:ext cx="1222562" cy="270219"/>
+          </a:xfrm>
+          <a:prstGeom prst="rect">
+            <a:avLst/>
+          </a:prstGeom>
+        </p:spPr>
+        <p:style>
+          <a:lnRef idx="2">
+            <a:schemeClr val="accent6">
+              <a:shade val="50000"/>
+            </a:schemeClr>
+          </a:lnRef>
+          <a:fillRef idx="1">
+            <a:schemeClr val="accent6"/>
+          </a:fillRef>
+          <a:effectRef idx="0">
+            <a:schemeClr val="accent6"/>
+          </a:effectRef>
+          <a:fontRef idx="minor">
+            <a:schemeClr val="lt1"/>
+          </a:fontRef>
+        </p:style>
+        <p:txBody>
+          <a:bodyPr rtlCol="0" anchor="ctr"/>
+          <a:lstStyle/>
+          <a:p>
+            <a:pPr algn="ctr"/>
+            <a:r>
+              <a:rPr lang="en-US" sz="1050" dirty="0"/>
+              <a:t>WINE</a:t>
+            </a:r>
+          </a:p>
+        </p:txBody>
+      </p:sp>
+      <p:sp>
+        <p:nvSpPr>
+          <p:cNvPr id="19" name="Rectangle 18"/>
+          <p:cNvSpPr/>
+          <p:nvPr/>
+        </p:nvSpPr>
+        <p:spPr>
+          <a:xfrm>
+            <a:off x="8256900" y="1476474"/>
+            <a:ext cx="1222562" cy="283755"/>
+          </a:xfrm>
+          <a:prstGeom prst="rect">
+            <a:avLst/>
+          </a:prstGeom>
+        </p:spPr>
+        <p:style>
+          <a:lnRef idx="2">
+            <a:schemeClr val="accent6">
+              <a:shade val="50000"/>
+            </a:schemeClr>
+          </a:lnRef>
+          <a:fillRef idx="1">
+            <a:schemeClr val="accent6"/>
+          </a:fillRef>
+          <a:effectRef idx="0">
+            <a:schemeClr val="accent6"/>
+          </a:effectRef>
+          <a:fontRef idx="minor">
+            <a:schemeClr val="lt1"/>
+          </a:fontRef>
+        </p:style>
+        <p:txBody>
+          <a:bodyPr rtlCol="0" anchor="ctr"/>
+          <a:lstStyle/>
+          <a:p>
+            <a:pPr algn="ctr"/>
+            <a:r>
+              <a:rPr lang="en-US" sz="1050" dirty="0"/>
+              <a:t>LSM</a:t>
+            </a:r>
+          </a:p>
+        </p:txBody>
+      </p:sp>
+      <p:sp>
+        <p:nvSpPr>
+          <p:cNvPr id="20" name="Rectangle 19"/>
+          <p:cNvSpPr/>
+          <p:nvPr/>
+        </p:nvSpPr>
+        <p:spPr>
+          <a:xfrm>
+            <a:off x="8259289" y="1863382"/>
+            <a:ext cx="1222562" cy="205352"/>
+          </a:xfrm>
+          <a:prstGeom prst="rect">
+            <a:avLst/>
+          </a:prstGeom>
+        </p:spPr>
+        <p:style>
+          <a:lnRef idx="2">
+            <a:schemeClr val="accent1">
+              <a:shade val="50000"/>
+            </a:schemeClr>
+          </a:lnRef>
+          <a:fillRef idx="1">
+            <a:schemeClr val="accent1"/>
+          </a:fillRef>
+          <a:effectRef idx="0">
+            <a:schemeClr val="accent1"/>
+          </a:effectRef>
+          <a:fontRef idx="minor">
+            <a:schemeClr val="lt1"/>
+          </a:fontRef>
+        </p:style>
+        <p:txBody>
+          <a:bodyPr rtlCol="0" anchor="ctr"/>
+          <a:lstStyle/>
+          <a:p>
+            <a:pPr algn="ctr"/>
+            <a:r>
+              <a:rPr lang="en-US" sz="1050" dirty="0"/>
+              <a:t>syslog</a:t>
+            </a:r>
+          </a:p>
+        </p:txBody>
+      </p:sp>
+      <p:sp>
+        <p:nvSpPr>
+          <p:cNvPr id="21" name="Rectangle 20"/>
+          <p:cNvSpPr/>
+          <p:nvPr/>
+        </p:nvSpPr>
+        <p:spPr>
+          <a:xfrm>
+            <a:off x="8259289" y="2208023"/>
+            <a:ext cx="1222562" cy="782658"/>
+          </a:xfrm>
+          <a:prstGeom prst="rect">
+            <a:avLst/>
+          </a:prstGeom>
+        </p:spPr>
+        <p:style>
+          <a:lnRef idx="2">
+            <a:schemeClr val="accent1">
+              <a:shade val="50000"/>
+            </a:schemeClr>
+          </a:lnRef>
+          <a:fillRef idx="1">
+            <a:schemeClr val="accent1"/>
+          </a:fillRef>
+          <a:effectRef idx="0">
+            <a:schemeClr val="accent1"/>
+          </a:effectRef>
+          <a:fontRef idx="minor">
+            <a:schemeClr val="lt1"/>
+          </a:fontRef>
+        </p:style>
+        <p:txBody>
+          <a:bodyPr rtlCol="0" anchor="t"/>
+          <a:lstStyle/>
+          <a:p>
+            <a:pPr algn="ctr"/>
+            <a:r>
+              <a:rPr lang="en-US" sz="1050" dirty="0"/>
+              <a:t>syslog-ng</a:t>
+            </a:r>
+          </a:p>
+        </p:txBody>
+      </p:sp>
+      <p:sp>
+        <p:nvSpPr>
+          <p:cNvPr id="22" name="Rectangle 21"/>
+          <p:cNvSpPr/>
+          <p:nvPr/>
+        </p:nvSpPr>
+        <p:spPr>
+          <a:xfrm>
+            <a:off x="8326149" y="2463798"/>
+            <a:ext cx="1098395" cy="364628"/>
+          </a:xfrm>
+          <a:prstGeom prst="rect">
+            <a:avLst/>
+          </a:prstGeom>
+        </p:spPr>
+        <p:style>
+          <a:lnRef idx="3">
+            <a:schemeClr val="lt1"/>
+          </a:lnRef>
+          <a:fillRef idx="1">
+            <a:schemeClr val="accent4"/>
+          </a:fillRef>
+          <a:effectRef idx="1">
+            <a:schemeClr val="accent4"/>
+          </a:effectRef>
+          <a:fontRef idx="minor">
+            <a:schemeClr val="lt1"/>
+          </a:fontRef>
+        </p:style>
+        <p:txBody>
+          <a:bodyPr rtlCol="0" anchor="ctr"/>
+          <a:lstStyle/>
+          <a:p>
+            <a:pPr algn="ctr"/>
+            <a:r>
+              <a:rPr lang="en-US" sz="1050" dirty="0">
+                <a:solidFill>
+                  <a:schemeClr val="tx1"/>
+                </a:solidFill>
+              </a:rPr>
+              <a:t>Filter logic</a:t>
+            </a:r>
+          </a:p>
+        </p:txBody>
+      </p:sp>
+      <p:sp>
+        <p:nvSpPr>
+          <p:cNvPr id="24" name="Cloud 23"/>
+          <p:cNvSpPr/>
+          <p:nvPr/>
+        </p:nvSpPr>
+        <p:spPr>
+          <a:xfrm>
+            <a:off x="10117583" y="2889602"/>
+            <a:ext cx="1624841" cy="530096"/>
+          </a:xfrm>
+          <a:prstGeom prst="cloud">
+            <a:avLst/>
+          </a:prstGeom>
+        </p:spPr>
+        <p:style>
+          <a:lnRef idx="1">
+            <a:schemeClr val="accent3"/>
+          </a:lnRef>
+          <a:fillRef idx="2">
+            <a:schemeClr val="accent3"/>
+          </a:fillRef>
+          <a:effectRef idx="1">
+            <a:schemeClr val="accent3"/>
+          </a:effectRef>
+          <a:fontRef idx="minor">
+            <a:schemeClr val="dk1"/>
+          </a:fontRef>
+        </p:style>
+        <p:txBody>
+          <a:bodyPr rtlCol="0" anchor="ctr"/>
+          <a:lstStyle/>
+          <a:p>
+            <a:pPr algn="ctr"/>
+            <a:r>
+              <a:rPr lang="en-US" sz="1050" dirty="0"/>
+              <a:t>ElasticSearch</a:t>
+            </a:r>
+          </a:p>
+        </p:txBody>
+      </p:sp>
+      <p:pic>
+        <p:nvPicPr>
+          <p:cNvPr id="25" name="Picture 24"/>
+          <p:cNvPicPr>
+            <a:picLocks noChangeAspect="1"/>
+          </p:cNvPicPr>
+          <p:nvPr/>
+        </p:nvPicPr>
+        <p:blipFill>
+          <a:blip r:embed="rId4" cstate="print">
+            <a:clrChange>
+              <a:clrFrom>
+                <a:srgbClr val="FFFFFF"/>
+              </a:clrFrom>
+              <a:clrTo>
+                <a:srgbClr val="FFFFFF">
+                  <a:alpha val="0"/>
+                </a:srgbClr>
+              </a:clrTo>
+            </a:clrChange>
+            <a:extLst>
+              <a:ext uri="{28A0092B-C50C-407E-A947-70E740481C1C}">
+                <a14:useLocalDpi xmlns:a14="http://schemas.microsoft.com/office/drawing/2010/main" val="0"/>
+              </a:ext>
+            </a:extLst>
+          </a:blip>
+          <a:stretch>
+            <a:fillRect/>
+          </a:stretch>
+        </p:blipFill>
+        <p:spPr>
+          <a:xfrm>
+            <a:off x="9913215" y="2483739"/>
+            <a:ext cx="324745" cy="324745"/>
+          </a:xfrm>
+          <a:prstGeom prst="rect">
+            <a:avLst/>
+          </a:prstGeom>
+        </p:spPr>
+      </p:pic>
+      <p:sp>
+        <p:nvSpPr>
+          <p:cNvPr id="26" name="Rectangle 25"/>
+          <p:cNvSpPr/>
+          <p:nvPr/>
+        </p:nvSpPr>
+        <p:spPr>
+          <a:xfrm>
+            <a:off x="7428328" y="2395391"/>
+            <a:ext cx="654263" cy="501442"/>
+          </a:xfrm>
+          <a:prstGeom prst="rect">
+            <a:avLst/>
+          </a:prstGeom>
+        </p:spPr>
+        <p:style>
+          <a:lnRef idx="3">
+            <a:schemeClr val="lt1"/>
+          </a:lnRef>
+          <a:fillRef idx="1">
+            <a:schemeClr val="accent4"/>
+          </a:fillRef>
+          <a:effectRef idx="1">
+            <a:schemeClr val="accent4"/>
+          </a:effectRef>
+          <a:fontRef idx="minor">
+            <a:schemeClr val="lt1"/>
+          </a:fontRef>
+        </p:style>
+        <p:txBody>
+          <a:bodyPr rtlCol="0" anchor="ctr"/>
+          <a:lstStyle/>
+          <a:p>
+            <a:pPr algn="ctr"/>
+            <a:r>
+              <a:rPr lang="en-US" sz="1000" dirty="0">
+                <a:solidFill>
+                  <a:schemeClr val="tx1"/>
+                </a:solidFill>
+              </a:rPr>
+              <a:t>Comms Endpoint</a:t>
+            </a:r>
+          </a:p>
+        </p:txBody>
+      </p:sp>
+      <p:sp>
+        <p:nvSpPr>
+          <p:cNvPr id="27" name="Rectangle 26"/>
+          <p:cNvSpPr/>
+          <p:nvPr/>
+        </p:nvSpPr>
+        <p:spPr>
+          <a:xfrm>
+            <a:off x="8034835" y="2568508"/>
+            <a:ext cx="329519" cy="155209"/>
+          </a:xfrm>
+          <a:prstGeom prst="rect">
+            <a:avLst/>
+          </a:prstGeom>
+          <a:pattFill prst="wdUpDiag">
+            <a:fgClr>
+              <a:schemeClr val="accent1"/>
+            </a:fgClr>
+            <a:bgClr>
+              <a:schemeClr val="bg1"/>
+            </a:bgClr>
+          </a:pattFill>
+        </p:spPr>
+        <p:style>
+          <a:lnRef idx="2">
+            <a:schemeClr val="accent1">
+              <a:shade val="50000"/>
+            </a:schemeClr>
+          </a:lnRef>
+          <a:fillRef idx="1">
+            <a:schemeClr val="accent1"/>
+          </a:fillRef>
+          <a:effectRef idx="0">
+            <a:schemeClr val="accent1"/>
+          </a:effectRef>
+          <a:fontRef idx="minor">
+            <a:schemeClr val="lt1"/>
+          </a:fontRef>
+        </p:style>
+        <p:txBody>
+          <a:bodyPr rtlCol="0" anchor="ctr"/>
+          <a:lstStyle/>
+          <a:p>
+            <a:pPr algn="ctr"/>
+            <a:endParaRPr lang="en-US" sz="1050"/>
+          </a:p>
+        </p:txBody>
+      </p:sp>
+      <p:sp>
+        <p:nvSpPr>
+          <p:cNvPr id="46" name="TextBox 45"/>
+          <p:cNvSpPr txBox="1"/>
+          <p:nvPr/>
+        </p:nvSpPr>
+        <p:spPr>
+          <a:xfrm>
+            <a:off x="10231626" y="2438363"/>
+            <a:ext cx="1407758" cy="415498"/>
+          </a:xfrm>
+          <a:prstGeom prst="rect">
+            <a:avLst/>
+          </a:prstGeom>
+          <a:noFill/>
+        </p:spPr>
+        <p:txBody>
+          <a:bodyPr wrap="none" rtlCol="0">
+            <a:spAutoFit/>
+          </a:bodyPr>
+          <a:lstStyle/>
+          <a:p>
+            <a:r>
+              <a:rPr lang="en-US" sz="1050" dirty="0"/>
+              <a:t>Secured via</a:t>
+            </a:r>
+          </a:p>
+          <a:p>
+            <a:r>
+              <a:rPr lang="en-US" sz="1050" dirty="0" err="1"/>
+              <a:t>SearchGuard</a:t>
+            </a:r>
+            <a:r>
+              <a:rPr lang="en-US" sz="1050" dirty="0"/>
+              <a:t> with TLS</a:t>
+            </a:r>
+          </a:p>
+        </p:txBody>
+      </p:sp>
+      <p:sp>
+        <p:nvSpPr>
+          <p:cNvPr id="47" name="TextBox 46"/>
+          <p:cNvSpPr txBox="1"/>
+          <p:nvPr/>
+        </p:nvSpPr>
+        <p:spPr>
+          <a:xfrm>
+            <a:off x="4597971" y="1021284"/>
+            <a:ext cx="2251172" cy="577081"/>
+          </a:xfrm>
+          <a:prstGeom prst="rect">
+            <a:avLst/>
+          </a:prstGeom>
+          <a:noFill/>
+        </p:spPr>
+        <p:txBody>
+          <a:bodyPr wrap="square" rtlCol="0">
+            <a:spAutoFit/>
+          </a:bodyPr>
+          <a:lstStyle/>
+          <a:p>
+            <a:pPr algn="ctr"/>
+            <a:r>
+              <a:rPr lang="en-US" sz="1350" dirty="0"/>
+              <a:t>Secured via TLS</a:t>
+            </a:r>
+          </a:p>
+          <a:p>
+            <a:pPr algn="ctr"/>
+            <a:r>
+              <a:rPr lang="en-US" sz="900" dirty="0"/>
+              <a:t>Static certs for T&amp;E</a:t>
+            </a:r>
+          </a:p>
+          <a:p>
+            <a:pPr algn="ctr"/>
+            <a:r>
+              <a:rPr lang="en-US" sz="900" dirty="0"/>
+              <a:t>Per-instance certs later</a:t>
+            </a:r>
+          </a:p>
+        </p:txBody>
+      </p:sp>
+      <p:sp>
+        <p:nvSpPr>
+          <p:cNvPr id="37" name="Can 36"/>
+          <p:cNvSpPr/>
+          <p:nvPr/>
+        </p:nvSpPr>
+        <p:spPr>
+          <a:xfrm>
+            <a:off x="5200494" y="1810375"/>
+            <a:ext cx="1135481" cy="798438"/>
+          </a:xfrm>
+          <a:prstGeom prst="can">
+            <a:avLst/>
+          </a:prstGeom>
+        </p:spPr>
+        <p:style>
+          <a:lnRef idx="1">
+            <a:schemeClr val="accent2"/>
+          </a:lnRef>
+          <a:fillRef idx="2">
+            <a:schemeClr val="accent2"/>
+          </a:fillRef>
+          <a:effectRef idx="1">
+            <a:schemeClr val="accent2"/>
+          </a:effectRef>
+          <a:fontRef idx="minor">
+            <a:schemeClr val="dk1"/>
+          </a:fontRef>
+        </p:style>
+        <p:txBody>
+          <a:bodyPr rtlCol="0" anchor="ctr"/>
+          <a:lstStyle/>
+          <a:p>
+            <a:pPr algn="ctr"/>
+            <a:r>
+              <a:rPr lang="en-US" sz="1350" dirty="0"/>
+              <a:t>RethinkDB</a:t>
+            </a:r>
+          </a:p>
+        </p:txBody>
+      </p:sp>
+      <p:sp>
+        <p:nvSpPr>
+          <p:cNvPr id="33" name="Title 32"/>
+          <p:cNvSpPr>
+            <a:spLocks noGrp="1"/>
+          </p:cNvSpPr>
+          <p:nvPr>
+            <p:ph type="title"/>
+          </p:nvPr>
+        </p:nvSpPr>
+        <p:spPr/>
+        <p:txBody>
+          <a:bodyPr/>
+          <a:lstStyle/>
+          <a:p>
+            <a:r>
+              <a:rPr lang="en-US" dirty="0" smtClean="0"/>
+              <a:t>Transducer Control Architecture – Midterm T&amp;E</a:t>
+            </a:r>
+            <a:endParaRPr lang="en-US" dirty="0"/>
+          </a:p>
+        </p:txBody>
+      </p:sp>
+      <p:cxnSp>
+        <p:nvCxnSpPr>
+          <p:cNvPr id="36" name="Elbow Connector 35"/>
+          <p:cNvCxnSpPr>
+            <a:stCxn id="5" idx="3"/>
+            <a:endCxn id="37" idx="2"/>
+          </p:cNvCxnSpPr>
+          <p:nvPr/>
+        </p:nvCxnSpPr>
+        <p:spPr>
+          <a:xfrm>
+            <a:off x="3633867" y="1721100"/>
+            <a:ext cx="1566626" cy="488495"/>
+          </a:xfrm>
+          <a:prstGeom prst="bentConnector3">
+            <a:avLst/>
+          </a:prstGeom>
+          <a:ln w="57150">
+            <a:headEnd type="triangle"/>
+            <a:tailEnd type="triangle"/>
+          </a:ln>
+        </p:spPr>
+        <p:style>
+          <a:lnRef idx="3">
+            <a:schemeClr val="dk1"/>
+          </a:lnRef>
+          <a:fillRef idx="0">
+            <a:schemeClr val="dk1"/>
+          </a:fillRef>
+          <a:effectRef idx="2">
+            <a:schemeClr val="dk1"/>
+          </a:effectRef>
+          <a:fontRef idx="minor">
+            <a:schemeClr val="tx1"/>
+          </a:fontRef>
+        </p:style>
+      </p:cxnSp>
+      <p:cxnSp>
+        <p:nvCxnSpPr>
+          <p:cNvPr id="53" name="Straight Arrow Connector 52"/>
+          <p:cNvCxnSpPr>
+            <a:stCxn id="37" idx="4"/>
+            <a:endCxn id="26" idx="1"/>
+          </p:cNvCxnSpPr>
+          <p:nvPr/>
+        </p:nvCxnSpPr>
+        <p:spPr>
+          <a:xfrm>
+            <a:off x="6335974" y="2209596"/>
+            <a:ext cx="1092353" cy="436517"/>
+          </a:xfrm>
+          <a:prstGeom prst="straightConnector1">
+            <a:avLst/>
+          </a:prstGeom>
+          <a:ln w="57150">
+            <a:solidFill>
+              <a:schemeClr val="tx1"/>
+            </a:solidFill>
+            <a:headEnd type="triangle"/>
+            <a:tailEnd type="triangle"/>
+          </a:ln>
+        </p:spPr>
+        <p:style>
+          <a:lnRef idx="1">
+            <a:schemeClr val="accent1"/>
+          </a:lnRef>
+          <a:fillRef idx="0">
+            <a:schemeClr val="accent1"/>
+          </a:fillRef>
+          <a:effectRef idx="0">
+            <a:schemeClr val="accent1"/>
+          </a:effectRef>
+          <a:fontRef idx="minor">
+            <a:schemeClr val="tx1"/>
+          </a:fontRef>
+        </p:style>
+      </p:cxnSp>
+      <p:cxnSp>
+        <p:nvCxnSpPr>
+          <p:cNvPr id="54" name="Straight Arrow Connector 53"/>
+          <p:cNvCxnSpPr/>
+          <p:nvPr/>
+        </p:nvCxnSpPr>
+        <p:spPr>
+          <a:xfrm flipV="1">
+            <a:off x="6341341" y="1654765"/>
+            <a:ext cx="441155" cy="428052"/>
+          </a:xfrm>
+          <a:prstGeom prst="straightConnector1">
+            <a:avLst/>
+          </a:prstGeom>
+          <a:ln w="57150">
+            <a:solidFill>
+              <a:schemeClr val="tx1"/>
+            </a:solidFill>
+            <a:headEnd type="triangle"/>
+            <a:tailEnd type="triangle"/>
+          </a:ln>
+        </p:spPr>
+        <p:style>
+          <a:lnRef idx="1">
+            <a:schemeClr val="accent1"/>
+          </a:lnRef>
+          <a:fillRef idx="0">
+            <a:schemeClr val="accent1"/>
+          </a:fillRef>
+          <a:effectRef idx="0">
+            <a:schemeClr val="accent1"/>
+          </a:effectRef>
+          <a:fontRef idx="minor">
+            <a:schemeClr val="tx1"/>
+          </a:fontRef>
+        </p:style>
+      </p:cxnSp>
+      <p:cxnSp>
+        <p:nvCxnSpPr>
+          <p:cNvPr id="57" name="Straight Arrow Connector 56"/>
+          <p:cNvCxnSpPr/>
+          <p:nvPr/>
+        </p:nvCxnSpPr>
+        <p:spPr>
+          <a:xfrm>
+            <a:off x="6341122" y="2453923"/>
+            <a:ext cx="541028" cy="591408"/>
+          </a:xfrm>
+          <a:prstGeom prst="straightConnector1">
+            <a:avLst/>
+          </a:prstGeom>
+          <a:ln w="57150">
+            <a:solidFill>
+              <a:schemeClr val="tx1"/>
+            </a:solidFill>
+            <a:headEnd type="triangle"/>
+            <a:tailEnd type="triangle"/>
+          </a:ln>
+        </p:spPr>
+        <p:style>
+          <a:lnRef idx="1">
+            <a:schemeClr val="accent1"/>
+          </a:lnRef>
+          <a:fillRef idx="0">
+            <a:schemeClr val="accent1"/>
+          </a:fillRef>
+          <a:effectRef idx="0">
+            <a:schemeClr val="accent1"/>
+          </a:effectRef>
+          <a:fontRef idx="minor">
+            <a:schemeClr val="tx1"/>
+          </a:fontRef>
+        </p:style>
+      </p:cxnSp>
+      <p:sp>
+        <p:nvSpPr>
+          <p:cNvPr id="61" name="Line Callout 1 (No Border) 60"/>
+          <p:cNvSpPr/>
+          <p:nvPr/>
+        </p:nvSpPr>
+        <p:spPr>
+          <a:xfrm>
+            <a:off x="7428328" y="1552298"/>
+            <a:ext cx="654263" cy="516437"/>
+          </a:xfrm>
+          <a:prstGeom prst="callout1">
+            <a:avLst>
+              <a:gd name="adj1" fmla="val 97029"/>
+              <a:gd name="adj2" fmla="val 84350"/>
+              <a:gd name="adj3" fmla="val 200564"/>
+              <a:gd name="adj4" fmla="val 112829"/>
+            </a:avLst>
+          </a:prstGeom>
+        </p:spPr>
+        <p:style>
+          <a:lnRef idx="2">
+            <a:schemeClr val="dk1"/>
+          </a:lnRef>
+          <a:fillRef idx="1">
+            <a:schemeClr val="lt1"/>
+          </a:fillRef>
+          <a:effectRef idx="0">
+            <a:schemeClr val="dk1"/>
+          </a:effectRef>
+          <a:fontRef idx="minor">
+            <a:schemeClr val="dk1"/>
+          </a:fontRef>
+        </p:style>
+        <p:txBody>
+          <a:bodyPr rot="0" spcFirstLastPara="0" vertOverflow="overflow" horzOverflow="overflow" vert="horz" wrap="square" lIns="68580" tIns="34290" rIns="68580" bIns="34290" numCol="1" spcCol="0" rtlCol="0" fromWordArt="0" anchor="ctr" anchorCtr="0" forceAA="0" compatLnSpc="1">
+            <a:prstTxWarp prst="textNoShape">
+              <a:avLst/>
+            </a:prstTxWarp>
+            <a:noAutofit/>
+          </a:bodyPr>
+          <a:lstStyle/>
+          <a:p>
+            <a:pPr algn="ctr"/>
+            <a:r>
+              <a:rPr lang="en-US" sz="1050" dirty="0"/>
+              <a:t>UNIX Domain Socket</a:t>
+            </a:r>
+          </a:p>
+        </p:txBody>
+      </p:sp>
+      <p:sp>
+        <p:nvSpPr>
+          <p:cNvPr id="32" name="Action Button: Home 31">
+            <a:hlinkClick r:id="rId5" action="ppaction://hlinksldjump" highlightClick="1"/>
+          </p:cNvPr>
+          <p:cNvSpPr/>
+          <p:nvPr/>
+        </p:nvSpPr>
+        <p:spPr>
+          <a:xfrm>
+            <a:off x="11660863" y="188793"/>
+            <a:ext cx="352663" cy="352663"/>
+          </a:xfrm>
+          <a:prstGeom prst="actionButtonHome">
+            <a:avLst/>
+          </a:prstGeom>
+        </p:spPr>
+        <p:style>
+          <a:lnRef idx="2">
+            <a:schemeClr val="dk1"/>
+          </a:lnRef>
+          <a:fillRef idx="1">
+            <a:schemeClr val="lt1"/>
+          </a:fillRef>
+          <a:effectRef idx="0">
+            <a:schemeClr val="dk1"/>
+          </a:effectRef>
+          <a:fontRef idx="minor">
+            <a:schemeClr val="dk1"/>
+          </a:fontRef>
+        </p:style>
+        <p:txBody>
+          <a:bodyPr rtlCol="0" anchor="ctr"/>
+          <a:lstStyle/>
+          <a:p>
+            <a:pPr algn="ctr"/>
+            <a:endParaRPr lang="en-US"/>
+          </a:p>
+        </p:txBody>
+      </p:sp>
+      <p:graphicFrame>
+        <p:nvGraphicFramePr>
+          <p:cNvPr id="38" name="Table 37"/>
+          <p:cNvGraphicFramePr>
+            <a:graphicFrameLocks noGrp="1"/>
+          </p:cNvGraphicFramePr>
+          <p:nvPr>
+            <p:extLst>
+              <p:ext uri="{D42A27DB-BD31-4B8C-83A1-F6EECF244321}">
+                <p14:modId xmlns:p14="http://schemas.microsoft.com/office/powerpoint/2010/main" val="52709846"/>
+              </p:ext>
+            </p:extLst>
+          </p:nvPr>
+        </p:nvGraphicFramePr>
+        <p:xfrm>
+          <a:off x="3305321" y="4079363"/>
+          <a:ext cx="5381441" cy="1112520"/>
+        </p:xfrm>
+        <a:graphic>
+          <a:graphicData uri="http://schemas.openxmlformats.org/drawingml/2006/table">
+            <a:tbl>
+              <a:tblPr firstRow="1" bandRow="1">
+                <a:tableStyleId>{5C22544A-7EE6-4342-B048-85BDC9FD1C3A}</a:tableStyleId>
+              </a:tblPr>
+              <a:tblGrid>
+                <a:gridCol w="743156"/>
+                <a:gridCol w="1281960"/>
+                <a:gridCol w="1118775"/>
+                <a:gridCol w="1118775"/>
+                <a:gridCol w="1118775"/>
+              </a:tblGrid>
+              <a:tr h="278130">
+                <a:tc>
+                  <a:txBody>
+                    <a:bodyPr/>
+                    <a:lstStyle/>
+                    <a:p>
+                      <a:r>
+                        <a:rPr lang="en-US" sz="1200" dirty="0" smtClean="0"/>
+                        <a:t>Virtue ID</a:t>
+                      </a:r>
+                      <a:endParaRPr lang="en-US" sz="1200" dirty="0"/>
+                    </a:p>
+                  </a:txBody>
+                  <a:tcPr marL="68580" marR="68580" marT="34290" marB="34290"/>
+                </a:tc>
+                <a:tc>
+                  <a:txBody>
+                    <a:bodyPr/>
+                    <a:lstStyle/>
+                    <a:p>
+                      <a:r>
+                        <a:rPr lang="en-US" sz="1200" dirty="0" smtClean="0"/>
+                        <a:t>Transducer ID</a:t>
+                      </a:r>
+                      <a:endParaRPr lang="en-US" sz="1200" dirty="0"/>
+                    </a:p>
+                  </a:txBody>
+                  <a:tcPr marL="68580" marR="68580" marT="34290" marB="34290"/>
+                </a:tc>
+                <a:tc>
+                  <a:txBody>
+                    <a:bodyPr/>
+                    <a:lstStyle/>
+                    <a:p>
+                      <a:r>
+                        <a:rPr lang="en-US" sz="1200" dirty="0" smtClean="0"/>
+                        <a:t>Enabled</a:t>
+                      </a:r>
+                      <a:endParaRPr lang="en-US" sz="1200" dirty="0"/>
+                    </a:p>
+                  </a:txBody>
+                  <a:tcPr marL="68580" marR="68580" marT="34290" marB="34290"/>
+                </a:tc>
+                <a:tc>
+                  <a:txBody>
+                    <a:bodyPr/>
+                    <a:lstStyle/>
+                    <a:p>
+                      <a:r>
+                        <a:rPr lang="en-US" sz="1200" dirty="0" smtClean="0"/>
+                        <a:t>Timestamp</a:t>
+                      </a:r>
+                      <a:endParaRPr lang="en-US" sz="1200" dirty="0"/>
+                    </a:p>
+                  </a:txBody>
+                  <a:tcPr marL="68580" marR="68580" marT="34290" marB="34290"/>
+                </a:tc>
+                <a:tc>
+                  <a:txBody>
+                    <a:bodyPr/>
+                    <a:lstStyle/>
+                    <a:p>
+                      <a:r>
+                        <a:rPr lang="en-US" sz="1200" dirty="0" smtClean="0"/>
+                        <a:t>Signature</a:t>
+                      </a:r>
+                      <a:endParaRPr lang="en-US" sz="1200" dirty="0"/>
+                    </a:p>
+                  </a:txBody>
+                  <a:tcPr marL="68580" marR="68580" marT="34290" marB="34290"/>
+                </a:tc>
+              </a:tr>
+              <a:tr h="278130">
+                <a:tc>
+                  <a:txBody>
+                    <a:bodyPr/>
+                    <a:lstStyle/>
+                    <a:p>
+                      <a:r>
+                        <a:rPr lang="en-US" sz="1200" dirty="0" smtClean="0"/>
+                        <a:t>1</a:t>
+                      </a:r>
+                      <a:endParaRPr lang="en-US" sz="1200" dirty="0"/>
+                    </a:p>
+                  </a:txBody>
+                  <a:tcPr marL="68580" marR="68580" marT="34290" marB="34290"/>
+                </a:tc>
+                <a:tc>
+                  <a:txBody>
+                    <a:bodyPr/>
+                    <a:lstStyle/>
+                    <a:p>
+                      <a:r>
+                        <a:rPr lang="en-US" sz="1200" dirty="0" err="1" smtClean="0"/>
+                        <a:t>msword_openfile</a:t>
+                      </a:r>
+                      <a:endParaRPr lang="en-US" sz="1200" dirty="0"/>
+                    </a:p>
+                  </a:txBody>
+                  <a:tcPr marL="68580" marR="68580" marT="34290" marB="34290"/>
+                </a:tc>
+                <a:tc>
+                  <a:txBody>
+                    <a:bodyPr/>
+                    <a:lstStyle/>
+                    <a:p>
+                      <a:r>
+                        <a:rPr lang="en-US" sz="1200" dirty="0" smtClean="0"/>
+                        <a:t>True</a:t>
+                      </a:r>
+                      <a:endParaRPr lang="en-US" sz="1200" dirty="0"/>
+                    </a:p>
+                  </a:txBody>
+                  <a:tcPr marL="68580" marR="68580" marT="34290" marB="34290"/>
+                </a:tc>
+                <a:tc>
+                  <a:txBody>
+                    <a:bodyPr/>
+                    <a:lstStyle/>
+                    <a:p>
+                      <a:r>
+                        <a:rPr lang="en-US" sz="1200" dirty="0" smtClean="0"/>
+                        <a:t>1521486930</a:t>
+                      </a:r>
+                      <a:endParaRPr lang="en-US" sz="1200" dirty="0"/>
+                    </a:p>
+                  </a:txBody>
+                  <a:tcPr marL="68580" marR="68580" marT="34290" marB="34290"/>
+                </a:tc>
+                <a:tc>
+                  <a:txBody>
+                    <a:bodyPr/>
+                    <a:lstStyle/>
+                    <a:p>
+                      <a:r>
+                        <a:rPr lang="en-US" sz="1200" dirty="0" smtClean="0"/>
+                        <a:t>&lt;binary&gt;</a:t>
+                      </a:r>
+                      <a:endParaRPr lang="en-US" sz="1200" dirty="0"/>
+                    </a:p>
+                  </a:txBody>
+                  <a:tcPr marL="68580" marR="68580" marT="34290" marB="34290"/>
+                </a:tc>
+              </a:tr>
+              <a:tr h="278130">
+                <a:tc>
+                  <a:txBody>
+                    <a:bodyPr/>
+                    <a:lstStyle/>
+                    <a:p>
+                      <a:r>
+                        <a:rPr lang="en-US" sz="1200" dirty="0" smtClean="0"/>
+                        <a:t>1</a:t>
+                      </a:r>
+                      <a:endParaRPr lang="en-US" sz="1200" dirty="0"/>
+                    </a:p>
+                  </a:txBody>
+                  <a:tcPr marL="68580" marR="68580" marT="34290" marB="34290"/>
+                </a:tc>
+                <a:tc>
+                  <a:txBody>
+                    <a:bodyPr/>
+                    <a:lstStyle/>
+                    <a:p>
+                      <a:r>
+                        <a:rPr lang="en-US" sz="1200" dirty="0" err="1" smtClean="0"/>
+                        <a:t>msword_sockets</a:t>
+                      </a:r>
+                      <a:endParaRPr lang="en-US" sz="1200" dirty="0"/>
+                    </a:p>
+                  </a:txBody>
+                  <a:tcPr marL="68580" marR="68580" marT="34290" marB="34290"/>
+                </a:tc>
+                <a:tc>
+                  <a:txBody>
+                    <a:bodyPr/>
+                    <a:lstStyle/>
+                    <a:p>
+                      <a:r>
+                        <a:rPr lang="en-US" sz="1200" dirty="0" smtClean="0"/>
+                        <a:t>False</a:t>
+                      </a:r>
+                      <a:endParaRPr lang="en-US" sz="1200" dirty="0"/>
+                    </a:p>
+                  </a:txBody>
+                  <a:tcPr marL="68580" marR="68580" marT="34290" marB="34290"/>
+                </a:tc>
+                <a:tc>
+                  <a:txBody>
+                    <a:bodyPr/>
+                    <a:lstStyle/>
+                    <a:p>
+                      <a:r>
+                        <a:rPr lang="en-US" sz="1200" dirty="0" smtClean="0"/>
+                        <a:t>1521487135</a:t>
+                      </a:r>
+                      <a:endParaRPr lang="en-US" sz="1200" dirty="0"/>
+                    </a:p>
+                  </a:txBody>
+                  <a:tcPr marL="68580" marR="68580" marT="34290" marB="34290"/>
+                </a:tc>
+                <a:tc>
+                  <a:txBody>
+                    <a:bodyPr/>
+                    <a:lstStyle/>
+                    <a:p>
+                      <a:r>
+                        <a:rPr lang="en-US" sz="1200" dirty="0" smtClean="0"/>
+                        <a:t>&lt;binary&gt;</a:t>
+                      </a:r>
+                      <a:endParaRPr lang="en-US" sz="1200" dirty="0"/>
+                    </a:p>
+                  </a:txBody>
+                  <a:tcPr marL="68580" marR="68580" marT="34290" marB="34290"/>
+                </a:tc>
+              </a:tr>
+              <a:tr h="278130">
+                <a:tc>
+                  <a:txBody>
+                    <a:bodyPr/>
+                    <a:lstStyle/>
+                    <a:p>
+                      <a:r>
+                        <a:rPr lang="en-US" sz="1200" dirty="0" smtClean="0"/>
+                        <a:t>2</a:t>
+                      </a:r>
+                      <a:endParaRPr lang="en-US" sz="1200" dirty="0"/>
+                    </a:p>
+                  </a:txBody>
+                  <a:tcPr marL="68580" marR="68580" marT="34290" marB="34290"/>
+                </a:tc>
+                <a:tc>
+                  <a:txBody>
+                    <a:bodyPr/>
+                    <a:lstStyle/>
+                    <a:p>
+                      <a:r>
+                        <a:rPr lang="en-US" sz="1200" dirty="0" err="1" smtClean="0"/>
+                        <a:t>firefox_sockets</a:t>
+                      </a:r>
+                      <a:endParaRPr lang="en-US" sz="1200" dirty="0"/>
+                    </a:p>
+                  </a:txBody>
+                  <a:tcPr marL="68580" marR="68580" marT="34290" marB="34290"/>
+                </a:tc>
+                <a:tc>
+                  <a:txBody>
+                    <a:bodyPr/>
+                    <a:lstStyle/>
+                    <a:p>
+                      <a:r>
+                        <a:rPr lang="en-US" sz="1200" dirty="0" smtClean="0"/>
+                        <a:t>True</a:t>
+                      </a:r>
+                      <a:endParaRPr lang="en-US" sz="1200" dirty="0"/>
+                    </a:p>
+                  </a:txBody>
+                  <a:tcPr marL="68580" marR="68580" marT="34290" marB="34290"/>
+                </a:tc>
+                <a:tc>
+                  <a:txBody>
+                    <a:bodyPr/>
+                    <a:lstStyle/>
+                    <a:p>
+                      <a:r>
+                        <a:rPr lang="en-US" sz="1200" dirty="0" smtClean="0"/>
+                        <a:t>1521486953</a:t>
+                      </a:r>
+                      <a:endParaRPr lang="en-US" sz="1200" dirty="0"/>
+                    </a:p>
+                  </a:txBody>
+                  <a:tcPr marL="68580" marR="68580" marT="34290" marB="34290"/>
+                </a:tc>
+                <a:tc>
+                  <a:txBody>
+                    <a:bodyPr/>
+                    <a:lstStyle/>
+                    <a:p>
+                      <a:r>
+                        <a:rPr lang="en-US" sz="1200" dirty="0" smtClean="0"/>
+                        <a:t>&lt;binary&gt;</a:t>
+                      </a:r>
+                      <a:endParaRPr lang="en-US" sz="1200" dirty="0"/>
+                    </a:p>
+                  </a:txBody>
+                  <a:tcPr marL="68580" marR="68580" marT="34290" marB="34290"/>
+                </a:tc>
+              </a:tr>
+            </a:tbl>
+          </a:graphicData>
+        </a:graphic>
+      </p:graphicFrame>
+      <p:sp>
+        <p:nvSpPr>
+          <p:cNvPr id="39" name="TextBox 38"/>
+          <p:cNvSpPr txBox="1"/>
+          <p:nvPr/>
+        </p:nvSpPr>
+        <p:spPr>
+          <a:xfrm>
+            <a:off x="5288524" y="3839804"/>
+            <a:ext cx="978153" cy="300082"/>
+          </a:xfrm>
+          <a:prstGeom prst="rect">
+            <a:avLst/>
+          </a:prstGeom>
+          <a:noFill/>
+        </p:spPr>
+        <p:txBody>
+          <a:bodyPr wrap="none" rtlCol="0">
+            <a:spAutoFit/>
+          </a:bodyPr>
+          <a:lstStyle/>
+          <a:p>
+            <a:r>
+              <a:rPr lang="en-US" sz="1350" dirty="0"/>
+              <a:t>Commands</a:t>
+            </a:r>
+          </a:p>
+        </p:txBody>
+      </p:sp>
+      <p:graphicFrame>
+        <p:nvGraphicFramePr>
+          <p:cNvPr id="40" name="Table 39"/>
+          <p:cNvGraphicFramePr>
+            <a:graphicFrameLocks noGrp="1"/>
+          </p:cNvGraphicFramePr>
+          <p:nvPr>
+            <p:extLst>
+              <p:ext uri="{D42A27DB-BD31-4B8C-83A1-F6EECF244321}">
+                <p14:modId xmlns:p14="http://schemas.microsoft.com/office/powerpoint/2010/main" val="1807516737"/>
+              </p:ext>
+            </p:extLst>
+          </p:nvPr>
+        </p:nvGraphicFramePr>
+        <p:xfrm>
+          <a:off x="3305321" y="5416844"/>
+          <a:ext cx="5381444" cy="1112520"/>
+        </p:xfrm>
+        <a:graphic>
+          <a:graphicData uri="http://schemas.openxmlformats.org/drawingml/2006/table">
+            <a:tbl>
+              <a:tblPr firstRow="1" bandRow="1">
+                <a:tableStyleId>{5C22544A-7EE6-4342-B048-85BDC9FD1C3A}</a:tableStyleId>
+              </a:tblPr>
+              <a:tblGrid>
+                <a:gridCol w="743156"/>
+                <a:gridCol w="1281960"/>
+                <a:gridCol w="1118776"/>
+                <a:gridCol w="1118776"/>
+                <a:gridCol w="1118776"/>
+              </a:tblGrid>
+              <a:tr h="278130">
+                <a:tc>
+                  <a:txBody>
+                    <a:bodyPr/>
+                    <a:lstStyle/>
+                    <a:p>
+                      <a:r>
+                        <a:rPr lang="en-US" sz="1200" dirty="0" smtClean="0"/>
+                        <a:t>Virtue ID</a:t>
+                      </a:r>
+                      <a:endParaRPr lang="en-US" sz="1200" dirty="0"/>
+                    </a:p>
+                  </a:txBody>
+                  <a:tcPr marL="68580" marR="68580" marT="34290" marB="34290"/>
+                </a:tc>
+                <a:tc>
+                  <a:txBody>
+                    <a:bodyPr/>
+                    <a:lstStyle/>
+                    <a:p>
+                      <a:r>
+                        <a:rPr lang="en-US" sz="1200" dirty="0" smtClean="0"/>
+                        <a:t>Transducer ID</a:t>
+                      </a:r>
+                      <a:endParaRPr lang="en-US" sz="1200" dirty="0"/>
+                    </a:p>
+                  </a:txBody>
+                  <a:tcPr marL="68580" marR="68580" marT="34290" marB="34290"/>
+                </a:tc>
+                <a:tc>
+                  <a:txBody>
+                    <a:bodyPr/>
+                    <a:lstStyle/>
+                    <a:p>
+                      <a:r>
+                        <a:rPr lang="en-US" sz="1200" dirty="0" smtClean="0"/>
+                        <a:t>Enabled</a:t>
+                      </a:r>
+                      <a:endParaRPr lang="en-US" sz="1200" dirty="0"/>
+                    </a:p>
+                  </a:txBody>
+                  <a:tcPr marL="68580" marR="68580" marT="34290" marB="34290"/>
+                </a:tc>
+                <a:tc>
+                  <a:txBody>
+                    <a:bodyPr/>
+                    <a:lstStyle/>
+                    <a:p>
+                      <a:r>
+                        <a:rPr lang="en-US" sz="1200" dirty="0" smtClean="0"/>
+                        <a:t>Timestamp</a:t>
+                      </a:r>
+                      <a:endParaRPr lang="en-US" sz="1200" dirty="0"/>
+                    </a:p>
+                  </a:txBody>
+                  <a:tcPr marL="68580" marR="68580" marT="34290" marB="34290"/>
+                </a:tc>
+                <a:tc>
+                  <a:txBody>
+                    <a:bodyPr/>
+                    <a:lstStyle/>
+                    <a:p>
+                      <a:r>
+                        <a:rPr lang="en-US" sz="1200" dirty="0" smtClean="0"/>
+                        <a:t>Signature</a:t>
+                      </a:r>
+                      <a:endParaRPr lang="en-US" sz="1200" dirty="0"/>
+                    </a:p>
+                  </a:txBody>
+                  <a:tcPr marL="68580" marR="68580" marT="34290" marB="34290"/>
+                </a:tc>
+              </a:tr>
+              <a:tr h="278130">
+                <a:tc>
+                  <a:txBody>
+                    <a:bodyPr/>
+                    <a:lstStyle/>
+                    <a:p>
+                      <a:r>
+                        <a:rPr lang="en-US" sz="1200" dirty="0" smtClean="0"/>
+                        <a:t>1</a:t>
+                      </a:r>
+                      <a:endParaRPr lang="en-US" sz="1200" dirty="0"/>
+                    </a:p>
+                  </a:txBody>
+                  <a:tcPr marL="68580" marR="68580" marT="34290" marB="34290"/>
+                </a:tc>
+                <a:tc>
+                  <a:txBody>
+                    <a:bodyPr/>
+                    <a:lstStyle/>
+                    <a:p>
+                      <a:r>
+                        <a:rPr lang="en-US" sz="1200" dirty="0" err="1" smtClean="0"/>
+                        <a:t>msword_openfile</a:t>
+                      </a:r>
+                      <a:endParaRPr lang="en-US" sz="1200" dirty="0"/>
+                    </a:p>
+                  </a:txBody>
+                  <a:tcPr marL="68580" marR="68580" marT="34290" marB="34290"/>
+                </a:tc>
+                <a:tc>
+                  <a:txBody>
+                    <a:bodyPr/>
+                    <a:lstStyle/>
+                    <a:p>
+                      <a:r>
+                        <a:rPr lang="en-US" sz="1200" dirty="0" smtClean="0"/>
+                        <a:t>True</a:t>
+                      </a:r>
+                      <a:endParaRPr lang="en-US" sz="1200" dirty="0"/>
+                    </a:p>
+                  </a:txBody>
+                  <a:tcPr marL="68580" marR="68580" marT="34290" marB="34290"/>
+                </a:tc>
+                <a:tc>
+                  <a:txBody>
+                    <a:bodyPr/>
+                    <a:lstStyle/>
+                    <a:p>
+                      <a:pPr marL="0" marR="0" lvl="0" indent="0" algn="l" defTabSz="914400" rtl="0" eaLnBrk="1" fontAlgn="auto" latinLnBrk="0" hangingPunct="1">
+                        <a:lnSpc>
+                          <a:spcPct val="100000"/>
+                        </a:lnSpc>
+                        <a:spcBef>
+                          <a:spcPts val="0"/>
+                        </a:spcBef>
+                        <a:spcAft>
+                          <a:spcPts val="0"/>
+                        </a:spcAft>
+                        <a:buClrTx/>
+                        <a:buSzTx/>
+                        <a:buFontTx/>
+                        <a:buNone/>
+                        <a:tabLst/>
+                        <a:defRPr/>
+                      </a:pPr>
+                      <a:r>
+                        <a:rPr lang="en-US" sz="1200" dirty="0" smtClean="0"/>
+                        <a:t>1521486930</a:t>
+                      </a:r>
+                    </a:p>
+                  </a:txBody>
+                  <a:tcPr marL="68580" marR="68580" marT="34290" marB="34290"/>
+                </a:tc>
+                <a:tc>
+                  <a:txBody>
+                    <a:bodyPr/>
+                    <a:lstStyle/>
+                    <a:p>
+                      <a:r>
+                        <a:rPr lang="en-US" sz="1200" dirty="0" smtClean="0"/>
+                        <a:t>&lt;binary&gt;</a:t>
+                      </a:r>
+                      <a:endParaRPr lang="en-US" sz="1200" dirty="0"/>
+                    </a:p>
+                  </a:txBody>
+                  <a:tcPr marL="68580" marR="68580" marT="34290" marB="34290"/>
+                </a:tc>
+              </a:tr>
+              <a:tr h="278130">
+                <a:tc>
+                  <a:txBody>
+                    <a:bodyPr/>
+                    <a:lstStyle/>
+                    <a:p>
+                      <a:r>
+                        <a:rPr lang="en-US" sz="1200" dirty="0" smtClean="0"/>
+                        <a:t>1</a:t>
+                      </a:r>
+                      <a:endParaRPr lang="en-US" sz="1200" dirty="0"/>
+                    </a:p>
+                  </a:txBody>
+                  <a:tcPr marL="68580" marR="68580" marT="34290" marB="34290"/>
+                </a:tc>
+                <a:tc>
+                  <a:txBody>
+                    <a:bodyPr/>
+                    <a:lstStyle/>
+                    <a:p>
+                      <a:r>
+                        <a:rPr lang="en-US" sz="1200" dirty="0" err="1" smtClean="0"/>
+                        <a:t>msword_sockets</a:t>
+                      </a:r>
+                      <a:endParaRPr lang="en-US" sz="1200" dirty="0"/>
+                    </a:p>
+                  </a:txBody>
+                  <a:tcPr marL="68580" marR="68580" marT="34290" marB="34290"/>
+                </a:tc>
+                <a:tc>
+                  <a:txBody>
+                    <a:bodyPr/>
+                    <a:lstStyle/>
+                    <a:p>
+                      <a:r>
+                        <a:rPr lang="en-US" sz="1200" dirty="0" smtClean="0"/>
+                        <a:t>False</a:t>
+                      </a:r>
+                      <a:endParaRPr lang="en-US" sz="1200" dirty="0"/>
+                    </a:p>
+                  </a:txBody>
+                  <a:tcPr marL="68580" marR="68580" marT="34290" marB="34290"/>
+                </a:tc>
+                <a:tc>
+                  <a:txBody>
+                    <a:bodyPr/>
+                    <a:lstStyle/>
+                    <a:p>
+                      <a:r>
+                        <a:rPr lang="en-US" sz="1200" dirty="0" smtClean="0"/>
+                        <a:t>1521487135</a:t>
+                      </a:r>
+                      <a:endParaRPr lang="en-US" sz="1200" dirty="0"/>
+                    </a:p>
+                  </a:txBody>
+                  <a:tcPr marL="68580" marR="68580" marT="34290" marB="34290"/>
+                </a:tc>
+                <a:tc>
+                  <a:txBody>
+                    <a:bodyPr/>
+                    <a:lstStyle/>
+                    <a:p>
+                      <a:r>
+                        <a:rPr lang="en-US" sz="1200" dirty="0" smtClean="0"/>
+                        <a:t>&lt;binary&gt;</a:t>
+                      </a:r>
+                      <a:endParaRPr lang="en-US" sz="1200" dirty="0"/>
+                    </a:p>
+                  </a:txBody>
+                  <a:tcPr marL="68580" marR="68580" marT="34290" marB="34290"/>
+                </a:tc>
+              </a:tr>
+              <a:tr h="278130">
+                <a:tc>
+                  <a:txBody>
+                    <a:bodyPr/>
+                    <a:lstStyle/>
+                    <a:p>
+                      <a:r>
+                        <a:rPr lang="en-US" sz="1200" dirty="0" smtClean="0"/>
+                        <a:t>2</a:t>
+                      </a:r>
+                      <a:endParaRPr lang="en-US" sz="1200" dirty="0"/>
+                    </a:p>
+                  </a:txBody>
+                  <a:tcPr marL="68580" marR="68580" marT="34290" marB="34290"/>
+                </a:tc>
+                <a:tc>
+                  <a:txBody>
+                    <a:bodyPr/>
+                    <a:lstStyle/>
+                    <a:p>
+                      <a:r>
+                        <a:rPr lang="en-US" sz="1200" dirty="0" err="1" smtClean="0"/>
+                        <a:t>firefox_sockets</a:t>
+                      </a:r>
+                      <a:endParaRPr lang="en-US" sz="1200" dirty="0"/>
+                    </a:p>
+                  </a:txBody>
+                  <a:tcPr marL="68580" marR="68580" marT="34290" marB="34290"/>
+                </a:tc>
+                <a:tc>
+                  <a:txBody>
+                    <a:bodyPr/>
+                    <a:lstStyle/>
+                    <a:p>
+                      <a:r>
+                        <a:rPr lang="en-US" sz="1200" dirty="0" smtClean="0"/>
+                        <a:t>True</a:t>
+                      </a:r>
+                      <a:endParaRPr lang="en-US" sz="1200" dirty="0"/>
+                    </a:p>
+                  </a:txBody>
+                  <a:tcPr marL="68580" marR="68580" marT="34290" marB="34290"/>
+                </a:tc>
+                <a:tc>
+                  <a:txBody>
+                    <a:bodyPr/>
+                    <a:lstStyle/>
+                    <a:p>
+                      <a:r>
+                        <a:rPr lang="en-US" sz="1200" dirty="0" smtClean="0"/>
+                        <a:t>1521486953</a:t>
+                      </a:r>
+                      <a:endParaRPr lang="en-US" sz="1200" dirty="0"/>
+                    </a:p>
+                  </a:txBody>
+                  <a:tcPr marL="68580" marR="68580" marT="34290" marB="34290"/>
+                </a:tc>
+                <a:tc>
+                  <a:txBody>
+                    <a:bodyPr/>
+                    <a:lstStyle/>
+                    <a:p>
+                      <a:r>
+                        <a:rPr lang="en-US" sz="1200" dirty="0" smtClean="0"/>
+                        <a:t>&lt;binary&gt;</a:t>
+                      </a:r>
+                      <a:endParaRPr lang="en-US" sz="1200" dirty="0"/>
+                    </a:p>
+                  </a:txBody>
+                  <a:tcPr marL="68580" marR="68580" marT="34290" marB="34290"/>
+                </a:tc>
+              </a:tr>
+            </a:tbl>
+          </a:graphicData>
+        </a:graphic>
+      </p:graphicFrame>
+      <p:sp>
+        <p:nvSpPr>
+          <p:cNvPr id="41" name="TextBox 40"/>
+          <p:cNvSpPr txBox="1"/>
+          <p:nvPr/>
+        </p:nvSpPr>
+        <p:spPr>
+          <a:xfrm>
+            <a:off x="5511735" y="5177284"/>
+            <a:ext cx="531299" cy="300082"/>
+          </a:xfrm>
+          <a:prstGeom prst="rect">
+            <a:avLst/>
+          </a:prstGeom>
+          <a:noFill/>
+        </p:spPr>
+        <p:txBody>
+          <a:bodyPr wrap="none" rtlCol="0">
+            <a:spAutoFit/>
+          </a:bodyPr>
+          <a:lstStyle/>
+          <a:p>
+            <a:r>
+              <a:rPr lang="en-US" sz="1350" dirty="0"/>
+              <a:t>ACKs</a:t>
+            </a:r>
+          </a:p>
+        </p:txBody>
+      </p:sp>
+      <p:cxnSp>
+        <p:nvCxnSpPr>
+          <p:cNvPr id="42" name="Straight Arrow Connector 41"/>
+          <p:cNvCxnSpPr/>
+          <p:nvPr/>
+        </p:nvCxnSpPr>
+        <p:spPr>
+          <a:xfrm flipV="1">
+            <a:off x="8342509" y="4366058"/>
+            <a:ext cx="661946" cy="131197"/>
+          </a:xfrm>
+          <a:prstGeom prst="straightConnector1">
+            <a:avLst/>
+          </a:prstGeom>
+          <a:ln>
+            <a:tailEnd type="triangle"/>
+          </a:ln>
+        </p:spPr>
+        <p:style>
+          <a:lnRef idx="1">
+            <a:schemeClr val="accent1"/>
+          </a:lnRef>
+          <a:fillRef idx="0">
+            <a:schemeClr val="accent1"/>
+          </a:fillRef>
+          <a:effectRef idx="0">
+            <a:schemeClr val="accent1"/>
+          </a:effectRef>
+          <a:fontRef idx="minor">
+            <a:schemeClr val="tx1"/>
+          </a:fontRef>
+        </p:style>
+      </p:cxnSp>
+      <p:sp>
+        <p:nvSpPr>
+          <p:cNvPr id="43" name="TextBox 42"/>
+          <p:cNvSpPr txBox="1"/>
+          <p:nvPr/>
+        </p:nvSpPr>
+        <p:spPr>
+          <a:xfrm>
+            <a:off x="9004457" y="4222934"/>
+            <a:ext cx="1502399" cy="715581"/>
+          </a:xfrm>
+          <a:prstGeom prst="rect">
+            <a:avLst/>
+          </a:prstGeom>
+          <a:noFill/>
+        </p:spPr>
+        <p:txBody>
+          <a:bodyPr wrap="none" rtlCol="0">
+            <a:spAutoFit/>
+          </a:bodyPr>
+          <a:lstStyle/>
+          <a:p>
+            <a:r>
+              <a:rPr lang="en-US" sz="1350" dirty="0"/>
+              <a:t>All of the previous </a:t>
+            </a:r>
+          </a:p>
+          <a:p>
+            <a:r>
+              <a:rPr lang="en-US" sz="1350" dirty="0"/>
+              <a:t>fields signed with </a:t>
+            </a:r>
+          </a:p>
+          <a:p>
+            <a:r>
+              <a:rPr lang="en-US" sz="1350" dirty="0"/>
+              <a:t>Excalibur’s key</a:t>
+            </a:r>
+          </a:p>
+        </p:txBody>
+      </p:sp>
+      <p:cxnSp>
+        <p:nvCxnSpPr>
+          <p:cNvPr id="48" name="Straight Arrow Connector 47"/>
+          <p:cNvCxnSpPr/>
+          <p:nvPr/>
+        </p:nvCxnSpPr>
+        <p:spPr>
+          <a:xfrm flipV="1">
+            <a:off x="8342510" y="5727919"/>
+            <a:ext cx="661946" cy="131197"/>
+          </a:xfrm>
+          <a:prstGeom prst="straightConnector1">
+            <a:avLst/>
+          </a:prstGeom>
+          <a:ln>
+            <a:tailEnd type="triangle"/>
+          </a:ln>
+        </p:spPr>
+        <p:style>
+          <a:lnRef idx="1">
+            <a:schemeClr val="accent1"/>
+          </a:lnRef>
+          <a:fillRef idx="0">
+            <a:schemeClr val="accent1"/>
+          </a:fillRef>
+          <a:effectRef idx="0">
+            <a:schemeClr val="accent1"/>
+          </a:effectRef>
+          <a:fontRef idx="minor">
+            <a:schemeClr val="tx1"/>
+          </a:fontRef>
+        </p:style>
+      </p:cxnSp>
+      <p:sp>
+        <p:nvSpPr>
+          <p:cNvPr id="49" name="TextBox 48"/>
+          <p:cNvSpPr txBox="1"/>
+          <p:nvPr/>
+        </p:nvSpPr>
+        <p:spPr>
+          <a:xfrm>
+            <a:off x="9004458" y="5584795"/>
+            <a:ext cx="1502399" cy="715581"/>
+          </a:xfrm>
+          <a:prstGeom prst="rect">
+            <a:avLst/>
+          </a:prstGeom>
+          <a:noFill/>
+        </p:spPr>
+        <p:txBody>
+          <a:bodyPr wrap="none" rtlCol="0">
+            <a:spAutoFit/>
+          </a:bodyPr>
+          <a:lstStyle/>
+          <a:p>
+            <a:r>
+              <a:rPr lang="en-US" sz="1350" dirty="0"/>
+              <a:t>All of the previous </a:t>
+            </a:r>
+          </a:p>
+          <a:p>
+            <a:r>
+              <a:rPr lang="en-US" sz="1350" dirty="0"/>
+              <a:t>fields signed with </a:t>
+            </a:r>
+          </a:p>
+          <a:p>
+            <a:r>
+              <a:rPr lang="en-US" sz="1350" dirty="0"/>
+              <a:t>the Virtue’s key</a:t>
+            </a:r>
+          </a:p>
+        </p:txBody>
+      </p:sp>
+      <p:sp>
+        <p:nvSpPr>
+          <p:cNvPr id="50" name="TextBox 49"/>
+          <p:cNvSpPr txBox="1"/>
+          <p:nvPr/>
+        </p:nvSpPr>
+        <p:spPr>
+          <a:xfrm>
+            <a:off x="2171947" y="4366058"/>
+            <a:ext cx="1094659" cy="507831"/>
+          </a:xfrm>
+          <a:prstGeom prst="rect">
+            <a:avLst/>
+          </a:prstGeom>
+          <a:noFill/>
+        </p:spPr>
+        <p:txBody>
+          <a:bodyPr wrap="none" rtlCol="0">
+            <a:spAutoFit/>
+          </a:bodyPr>
+          <a:lstStyle/>
+          <a:p>
+            <a:r>
+              <a:rPr lang="en-US" sz="1350" dirty="0"/>
+              <a:t>Excalibur: </a:t>
+            </a:r>
+            <a:r>
+              <a:rPr lang="en-US" sz="1350" dirty="0">
+                <a:latin typeface="Consolas" panose="020B0609020204030204" pitchFamily="49" charset="0"/>
+              </a:rPr>
+              <a:t>-w</a:t>
+            </a:r>
+          </a:p>
+          <a:p>
+            <a:r>
+              <a:rPr lang="en-US" sz="1350" dirty="0"/>
+              <a:t>Virtues: </a:t>
+            </a:r>
+            <a:r>
+              <a:rPr lang="en-US" sz="1350" dirty="0">
+                <a:latin typeface="Consolas" panose="020B0609020204030204" pitchFamily="49" charset="0"/>
+              </a:rPr>
+              <a:t>r-</a:t>
+            </a:r>
+          </a:p>
+        </p:txBody>
+      </p:sp>
+      <p:sp>
+        <p:nvSpPr>
+          <p:cNvPr id="51" name="TextBox 50"/>
+          <p:cNvSpPr txBox="1"/>
+          <p:nvPr/>
+        </p:nvSpPr>
+        <p:spPr>
+          <a:xfrm>
+            <a:off x="2171948" y="5688670"/>
+            <a:ext cx="1094659" cy="507831"/>
+          </a:xfrm>
+          <a:prstGeom prst="rect">
+            <a:avLst/>
+          </a:prstGeom>
+          <a:noFill/>
+        </p:spPr>
+        <p:txBody>
+          <a:bodyPr wrap="none" rtlCol="0">
+            <a:spAutoFit/>
+          </a:bodyPr>
+          <a:lstStyle/>
+          <a:p>
+            <a:r>
+              <a:rPr lang="en-US" sz="1350" dirty="0"/>
+              <a:t>Excalibur: </a:t>
+            </a:r>
+            <a:r>
+              <a:rPr lang="en-US" sz="1350" dirty="0">
+                <a:latin typeface="Consolas" panose="020B0609020204030204" pitchFamily="49" charset="0"/>
+              </a:rPr>
+              <a:t>r-</a:t>
+            </a:r>
+          </a:p>
+          <a:p>
+            <a:r>
+              <a:rPr lang="en-US" sz="1350" dirty="0"/>
+              <a:t>Virtues: </a:t>
+            </a:r>
+            <a:r>
+              <a:rPr lang="en-US" sz="1350" dirty="0">
+                <a:latin typeface="Consolas" panose="020B0609020204030204" pitchFamily="49" charset="0"/>
+              </a:rPr>
+              <a:t>-w</a:t>
+            </a:r>
+          </a:p>
+        </p:txBody>
+      </p:sp>
+      <p:cxnSp>
+        <p:nvCxnSpPr>
+          <p:cNvPr id="13" name="Straight Arrow Connector 12"/>
+          <p:cNvCxnSpPr>
+            <a:stCxn id="39" idx="0"/>
+          </p:cNvCxnSpPr>
+          <p:nvPr/>
+        </p:nvCxnSpPr>
+        <p:spPr>
+          <a:xfrm flipV="1">
+            <a:off x="5777601" y="2453923"/>
+            <a:ext cx="1917" cy="1385881"/>
+          </a:xfrm>
+          <a:prstGeom prst="straightConnector1">
+            <a:avLst/>
+          </a:prstGeom>
+          <a:ln w="38100">
+            <a:prstDash val="dash"/>
+            <a:tailEnd type="triangle"/>
+          </a:ln>
+        </p:spPr>
+        <p:style>
+          <a:lnRef idx="3">
+            <a:schemeClr val="accent5"/>
+          </a:lnRef>
+          <a:fillRef idx="0">
+            <a:schemeClr val="accent5"/>
+          </a:fillRef>
+          <a:effectRef idx="2">
+            <a:schemeClr val="accent5"/>
+          </a:effectRef>
+          <a:fontRef idx="minor">
+            <a:schemeClr val="tx1"/>
+          </a:fontRef>
+        </p:style>
+      </p:cxnSp>
+      <p:pic>
+        <p:nvPicPr>
+          <p:cNvPr id="31" name="Picture 30"/>
+          <p:cNvPicPr>
+            <a:picLocks noChangeAspect="1"/>
+          </p:cNvPicPr>
+          <p:nvPr/>
+        </p:nvPicPr>
+        <p:blipFill>
+          <a:blip r:embed="rId6" cstate="print">
+            <a:clrChange>
+              <a:clrFrom>
+                <a:srgbClr val="FFFFFF"/>
+              </a:clrFrom>
+              <a:clrTo>
+                <a:srgbClr val="FFFFFF">
+                  <a:alpha val="0"/>
+                </a:srgbClr>
+              </a:clrTo>
+            </a:clrChange>
+            <a:extLst>
+              <a:ext uri="{28A0092B-C50C-407E-A947-70E740481C1C}">
+                <a14:useLocalDpi xmlns:a14="http://schemas.microsoft.com/office/drawing/2010/main" val="0"/>
+              </a:ext>
+            </a:extLst>
+          </a:blip>
+          <a:stretch>
+            <a:fillRect/>
+          </a:stretch>
+        </p:blipFill>
+        <p:spPr>
+          <a:xfrm>
+            <a:off x="5588717" y="1585648"/>
+            <a:ext cx="364400" cy="364400"/>
+          </a:xfrm>
+          <a:prstGeom prst="rect">
+            <a:avLst/>
+          </a:prstGeom>
+        </p:spPr>
+      </p:pic>
+    </p:spTree>
+    <p:extLst>
+      <p:ext uri="{BB962C8B-B14F-4D97-AF65-F5344CB8AC3E}">
+        <p14:creationId xmlns:p14="http://schemas.microsoft.com/office/powerpoint/2010/main" val="3185394602"/>
+      </p:ext>
+    </p:extLst>
+  </p:cSld>
+  <p:clrMapOvr>
+    <a:masterClrMapping/>
+  </p:clrMapOvr>
+  <p:timing>
+    <p:tnLst>
+      <p:par>
+        <p:cTn id="1" dur="indefinite" restart="never" nodeType="tmRoot"/>
+      </p:par>
+    </p:tnLst>
+  </p:timing>
+</p:sld>
+</file>
+
+<file path=ppt/slides/slide11.xml><?xml version="1.0" encoding="utf-8"?>
+<p:sld xmlns:a="http://schemas.openxmlformats.org/drawingml/2006/main" xmlns:r="http://schemas.openxmlformats.org/officeDocument/2006/relationships" xmlns:p="http://schemas.openxmlformats.org/presentationml/2006/main">
+  <p:cSld>
+    <p:spTree>
+      <p:nvGrpSpPr>
+        <p:cNvPr id="1" name=""/>
+        <p:cNvGrpSpPr/>
+        <p:nvPr/>
+      </p:nvGrpSpPr>
+      <p:grpSpPr>
+        <a:xfrm>
+          <a:off x="0" y="0"/>
+          <a:ext cx="0" cy="0"/>
+          <a:chOff x="0" y="0"/>
+          <a:chExt cx="0" cy="0"/>
+        </a:xfrm>
+      </p:grpSpPr>
+      <p:sp>
+        <p:nvSpPr>
           <p:cNvPr id="4" name="Rectangle 3"/>
           <p:cNvSpPr/>
           <p:nvPr/>
@@ -7567,7 +9884,7 @@
 </p:sld>
 </file>
 
-<file path=ppt/slides/slide11.xml><?xml version="1.0" encoding="utf-8"?>
+<file path=ppt/slides/slide12.xml><?xml version="1.0" encoding="utf-8"?>
 <p:sld xmlns:a="http://schemas.openxmlformats.org/drawingml/2006/main" xmlns:r="http://schemas.openxmlformats.org/officeDocument/2006/relationships" xmlns:p="http://schemas.openxmlformats.org/presentationml/2006/main">
   <p:cSld>
     <p:spTree>
@@ -9239,7 +11556,7 @@
 </p:sld>
 </file>
 
-<file path=ppt/slides/slide12.xml><?xml version="1.0" encoding="utf-8"?>
+<file path=ppt/slides/slide13.xml><?xml version="1.0" encoding="utf-8"?>
 <p:sld xmlns:a="http://schemas.openxmlformats.org/drawingml/2006/main" xmlns:r="http://schemas.openxmlformats.org/officeDocument/2006/relationships" xmlns:p="http://schemas.openxmlformats.org/presentationml/2006/main">
   <p:cSld>
     <p:spTree>
@@ -10138,7 +12455,7 @@
           <p:cNvPr id="5" name="Title 4">
             <a:extLst>
               <a:ext uri="{FF2B5EF4-FFF2-40B4-BE49-F238E27FC236}">
-                <a16:creationId xmlns:a16="http://schemas.microsoft.com/office/drawing/2014/main" xmlns="" id="{DCFEA0F0-E058-244A-822C-4A659AFED579}"/>
+                <a16:creationId xmlns="" xmlns:a16="http://schemas.microsoft.com/office/drawing/2014/main" id="{DCFEA0F0-E058-244A-822C-4A659AFED579}"/>
               </a:ext>
             </a:extLst>
           </p:cNvPr>
@@ -10168,7 +12485,7 @@
           <p:cNvPr id="3" name="Slide Number Placeholder 2">
             <a:extLst>
               <a:ext uri="{FF2B5EF4-FFF2-40B4-BE49-F238E27FC236}">
-                <a16:creationId xmlns:a16="http://schemas.microsoft.com/office/drawing/2014/main" xmlns="" id="{55B33B8F-93A0-F54E-80B8-7CA51E4EBE17}"/>
+                <a16:creationId xmlns="" xmlns:a16="http://schemas.microsoft.com/office/drawing/2014/main" id="{55B33B8F-93A0-F54E-80B8-7CA51E4EBE17}"/>
               </a:ext>
             </a:extLst>
           </p:cNvPr>
@@ -12563,6 +14880,1260 @@
           <a:p>
             <a:r>
               <a:rPr lang="en-US" dirty="0" smtClean="0"/>
+              <a:t>How You Actually See an Application</a:t>
+            </a:r>
+            <a:endParaRPr lang="en-US" dirty="0"/>
+          </a:p>
+        </p:txBody>
+      </p:sp>
+      <p:sp>
+        <p:nvSpPr>
+          <p:cNvPr id="4" name="Rectangle 3"/>
+          <p:cNvSpPr/>
+          <p:nvPr/>
+        </p:nvSpPr>
+        <p:spPr>
+          <a:xfrm>
+            <a:off x="4609144" y="1766733"/>
+            <a:ext cx="2652667" cy="3748134"/>
+          </a:xfrm>
+          <a:prstGeom prst="rect">
+            <a:avLst/>
+          </a:prstGeom>
+        </p:spPr>
+        <p:style>
+          <a:lnRef idx="2">
+            <a:schemeClr val="accent5">
+              <a:shade val="50000"/>
+            </a:schemeClr>
+          </a:lnRef>
+          <a:fillRef idx="1">
+            <a:schemeClr val="accent5"/>
+          </a:fillRef>
+          <a:effectRef idx="0">
+            <a:schemeClr val="accent5"/>
+          </a:effectRef>
+          <a:fontRef idx="minor">
+            <a:schemeClr val="lt1"/>
+          </a:fontRef>
+        </p:style>
+        <p:txBody>
+          <a:bodyPr rtlCol="0" anchor="t"/>
+          <a:lstStyle/>
+          <a:p>
+            <a:pPr algn="ctr"/>
+            <a:r>
+              <a:rPr lang="en-US" dirty="0" smtClean="0"/>
+              <a:t>CanvasInstance</a:t>
+            </a:r>
+            <a:endParaRPr lang="en-US" dirty="0"/>
+          </a:p>
+        </p:txBody>
+      </p:sp>
+      <p:sp>
+        <p:nvSpPr>
+          <p:cNvPr id="5" name="Rectangle 4"/>
+          <p:cNvSpPr/>
+          <p:nvPr/>
+        </p:nvSpPr>
+        <p:spPr>
+          <a:xfrm>
+            <a:off x="8082657" y="2735455"/>
+            <a:ext cx="3578765" cy="2888054"/>
+          </a:xfrm>
+          <a:prstGeom prst="rect">
+            <a:avLst/>
+          </a:prstGeom>
+        </p:spPr>
+        <p:style>
+          <a:lnRef idx="2">
+            <a:schemeClr val="accent5">
+              <a:shade val="50000"/>
+            </a:schemeClr>
+          </a:lnRef>
+          <a:fillRef idx="1">
+            <a:schemeClr val="accent5"/>
+          </a:fillRef>
+          <a:effectRef idx="0">
+            <a:schemeClr val="accent5"/>
+          </a:effectRef>
+          <a:fontRef idx="minor">
+            <a:schemeClr val="lt1"/>
+          </a:fontRef>
+        </p:style>
+        <p:txBody>
+          <a:bodyPr rtlCol="0" anchor="t"/>
+          <a:lstStyle/>
+          <a:p>
+            <a:pPr algn="ctr"/>
+            <a:r>
+              <a:rPr lang="en-US" dirty="0" smtClean="0"/>
+              <a:t>virtue-&lt;app</a:t>
+            </a:r>
+            <a:r>
+              <a:rPr lang="en-US" dirty="0"/>
+              <a:t>&gt;</a:t>
+            </a:r>
+          </a:p>
+        </p:txBody>
+      </p:sp>
+      <p:sp>
+        <p:nvSpPr>
+          <p:cNvPr id="6" name="Rectangle 5"/>
+          <p:cNvSpPr/>
+          <p:nvPr/>
+        </p:nvSpPr>
+        <p:spPr>
+          <a:xfrm>
+            <a:off x="4812847" y="2291835"/>
+            <a:ext cx="2245259" cy="2181885"/>
+          </a:xfrm>
+          <a:prstGeom prst="rect">
+            <a:avLst/>
+          </a:prstGeom>
+        </p:spPr>
+        <p:style>
+          <a:lnRef idx="2">
+            <a:schemeClr val="accent1">
+              <a:shade val="50000"/>
+            </a:schemeClr>
+          </a:lnRef>
+          <a:fillRef idx="1">
+            <a:schemeClr val="accent1"/>
+          </a:fillRef>
+          <a:effectRef idx="0">
+            <a:schemeClr val="accent1"/>
+          </a:effectRef>
+          <a:fontRef idx="minor">
+            <a:schemeClr val="lt1"/>
+          </a:fontRef>
+        </p:style>
+        <p:txBody>
+          <a:bodyPr rtlCol="0" anchor="t"/>
+          <a:lstStyle/>
+          <a:p>
+            <a:pPr algn="ctr"/>
+            <a:r>
+              <a:rPr lang="en-US" dirty="0" smtClean="0"/>
+              <a:t>XFCE Environment</a:t>
+            </a:r>
+            <a:endParaRPr lang="en-US" dirty="0"/>
+          </a:p>
+        </p:txBody>
+      </p:sp>
+      <p:sp>
+        <p:nvSpPr>
+          <p:cNvPr id="7" name="Rectangle 6"/>
+          <p:cNvSpPr/>
+          <p:nvPr/>
+        </p:nvSpPr>
+        <p:spPr>
+          <a:xfrm>
+            <a:off x="4977318" y="2744509"/>
+            <a:ext cx="1910281" cy="1493822"/>
+          </a:xfrm>
+          <a:prstGeom prst="rect">
+            <a:avLst/>
+          </a:prstGeom>
+        </p:spPr>
+        <p:style>
+          <a:lnRef idx="2">
+            <a:schemeClr val="accent1"/>
+          </a:lnRef>
+          <a:fillRef idx="1">
+            <a:schemeClr val="lt1"/>
+          </a:fillRef>
+          <a:effectRef idx="0">
+            <a:schemeClr val="accent1"/>
+          </a:effectRef>
+          <a:fontRef idx="minor">
+            <a:schemeClr val="dk1"/>
+          </a:fontRef>
+        </p:style>
+        <p:txBody>
+          <a:bodyPr rtlCol="0" anchor="t"/>
+          <a:lstStyle/>
+          <a:p>
+            <a:pPr algn="ctr"/>
+            <a:r>
+              <a:rPr lang="en-US" sz="1600" dirty="0" smtClean="0"/>
+              <a:t>Canvas</a:t>
+            </a:r>
+            <a:endParaRPr lang="en-US" sz="1600" dirty="0"/>
+          </a:p>
+        </p:txBody>
+      </p:sp>
+      <p:sp>
+        <p:nvSpPr>
+          <p:cNvPr id="8" name="Rectangle 7"/>
+          <p:cNvSpPr/>
+          <p:nvPr/>
+        </p:nvSpPr>
+        <p:spPr>
+          <a:xfrm>
+            <a:off x="8719045" y="3115700"/>
+            <a:ext cx="2318443" cy="2326741"/>
+          </a:xfrm>
+          <a:prstGeom prst="rect">
+            <a:avLst/>
+          </a:prstGeom>
+        </p:spPr>
+        <p:style>
+          <a:lnRef idx="2">
+            <a:schemeClr val="accent1">
+              <a:shade val="50000"/>
+            </a:schemeClr>
+          </a:lnRef>
+          <a:fillRef idx="1">
+            <a:schemeClr val="accent1"/>
+          </a:fillRef>
+          <a:effectRef idx="0">
+            <a:schemeClr val="accent1"/>
+          </a:effectRef>
+          <a:fontRef idx="minor">
+            <a:schemeClr val="lt1"/>
+          </a:fontRef>
+        </p:style>
+        <p:txBody>
+          <a:bodyPr rtlCol="0" anchor="t"/>
+          <a:lstStyle/>
+          <a:p>
+            <a:pPr algn="ctr"/>
+            <a:r>
+              <a:rPr lang="en-US" dirty="0" smtClean="0"/>
+              <a:t>Docker</a:t>
+            </a:r>
+            <a:endParaRPr lang="en-US" dirty="0"/>
+          </a:p>
+        </p:txBody>
+      </p:sp>
+      <p:sp>
+        <p:nvSpPr>
+          <p:cNvPr id="9" name="Rectangle 8"/>
+          <p:cNvSpPr/>
+          <p:nvPr/>
+        </p:nvSpPr>
+        <p:spPr>
+          <a:xfrm>
+            <a:off x="8955188" y="3930512"/>
+            <a:ext cx="1910281" cy="380247"/>
+          </a:xfrm>
+          <a:prstGeom prst="rect">
+            <a:avLst/>
+          </a:prstGeom>
+        </p:spPr>
+        <p:style>
+          <a:lnRef idx="2">
+            <a:schemeClr val="accent1"/>
+          </a:lnRef>
+          <a:fillRef idx="1">
+            <a:schemeClr val="lt1"/>
+          </a:fillRef>
+          <a:effectRef idx="0">
+            <a:schemeClr val="accent1"/>
+          </a:effectRef>
+          <a:fontRef idx="minor">
+            <a:schemeClr val="dk1"/>
+          </a:fontRef>
+        </p:style>
+        <p:txBody>
+          <a:bodyPr rtlCol="0" anchor="ctr"/>
+          <a:lstStyle/>
+          <a:p>
+            <a:pPr algn="ctr"/>
+            <a:r>
+              <a:rPr lang="en-US" sz="1600" dirty="0" smtClean="0"/>
+              <a:t>XPRA</a:t>
+            </a:r>
+            <a:endParaRPr lang="en-US" sz="1600" dirty="0"/>
+          </a:p>
+        </p:txBody>
+      </p:sp>
+      <p:sp>
+        <p:nvSpPr>
+          <p:cNvPr id="10" name="Rectangle 9"/>
+          <p:cNvSpPr/>
+          <p:nvPr/>
+        </p:nvSpPr>
+        <p:spPr>
+          <a:xfrm>
+            <a:off x="8955188" y="4396766"/>
+            <a:ext cx="1910281" cy="909873"/>
+          </a:xfrm>
+          <a:prstGeom prst="rect">
+            <a:avLst/>
+          </a:prstGeom>
+        </p:spPr>
+        <p:style>
+          <a:lnRef idx="2">
+            <a:schemeClr val="accent1"/>
+          </a:lnRef>
+          <a:fillRef idx="1">
+            <a:schemeClr val="lt1"/>
+          </a:fillRef>
+          <a:effectRef idx="0">
+            <a:schemeClr val="accent1"/>
+          </a:effectRef>
+          <a:fontRef idx="minor">
+            <a:schemeClr val="dk1"/>
+          </a:fontRef>
+        </p:style>
+        <p:txBody>
+          <a:bodyPr rtlCol="0" anchor="t"/>
+          <a:lstStyle/>
+          <a:p>
+            <a:pPr algn="ctr"/>
+            <a:r>
+              <a:rPr lang="en-US" sz="1600" dirty="0" smtClean="0"/>
+              <a:t>xvfb</a:t>
+            </a:r>
+            <a:endParaRPr lang="en-US" sz="1600" dirty="0"/>
+          </a:p>
+        </p:txBody>
+      </p:sp>
+      <p:sp>
+        <p:nvSpPr>
+          <p:cNvPr id="11" name="Rounded Rectangle 10"/>
+          <p:cNvSpPr/>
+          <p:nvPr/>
+        </p:nvSpPr>
+        <p:spPr>
+          <a:xfrm>
+            <a:off x="9254703" y="4731744"/>
+            <a:ext cx="1311250" cy="420986"/>
+          </a:xfrm>
+          <a:prstGeom prst="roundRect">
+            <a:avLst/>
+          </a:prstGeom>
+        </p:spPr>
+        <p:style>
+          <a:lnRef idx="1">
+            <a:schemeClr val="accent6"/>
+          </a:lnRef>
+          <a:fillRef idx="2">
+            <a:schemeClr val="accent6"/>
+          </a:fillRef>
+          <a:effectRef idx="1">
+            <a:schemeClr val="accent6"/>
+          </a:effectRef>
+          <a:fontRef idx="minor">
+            <a:schemeClr val="dk1"/>
+          </a:fontRef>
+        </p:style>
+        <p:txBody>
+          <a:bodyPr rtlCol="0" anchor="ctr"/>
+          <a:lstStyle/>
+          <a:p>
+            <a:pPr algn="ctr"/>
+            <a:r>
+              <a:rPr lang="en-US" dirty="0" smtClean="0"/>
+              <a:t>App</a:t>
+            </a:r>
+            <a:endParaRPr lang="en-US" dirty="0"/>
+          </a:p>
+        </p:txBody>
+      </p:sp>
+      <p:sp>
+        <p:nvSpPr>
+          <p:cNvPr id="15" name="Rectangle 14"/>
+          <p:cNvSpPr/>
+          <p:nvPr/>
+        </p:nvSpPr>
+        <p:spPr>
+          <a:xfrm>
+            <a:off x="10359225" y="4002940"/>
+            <a:ext cx="506244" cy="235390"/>
+          </a:xfrm>
+          <a:prstGeom prst="rect">
+            <a:avLst/>
+          </a:prstGeom>
+        </p:spPr>
+        <p:style>
+          <a:lnRef idx="2">
+            <a:schemeClr val="dk1">
+              <a:shade val="50000"/>
+            </a:schemeClr>
+          </a:lnRef>
+          <a:fillRef idx="1">
+            <a:schemeClr val="dk1"/>
+          </a:fillRef>
+          <a:effectRef idx="0">
+            <a:schemeClr val="dk1"/>
+          </a:effectRef>
+          <a:fontRef idx="minor">
+            <a:schemeClr val="lt1"/>
+          </a:fontRef>
+        </p:style>
+        <p:txBody>
+          <a:bodyPr rtlCol="0" anchor="ctr"/>
+          <a:lstStyle/>
+          <a:p>
+            <a:pPr algn="ctr"/>
+            <a:r>
+              <a:rPr lang="en-US" sz="1200" dirty="0" smtClean="0"/>
+              <a:t>2023</a:t>
+            </a:r>
+            <a:endParaRPr lang="en-US" sz="1200" dirty="0"/>
+          </a:p>
+        </p:txBody>
+      </p:sp>
+      <p:sp>
+        <p:nvSpPr>
+          <p:cNvPr id="16" name="Rectangle 15"/>
+          <p:cNvSpPr/>
+          <p:nvPr/>
+        </p:nvSpPr>
+        <p:spPr>
+          <a:xfrm>
+            <a:off x="8955188" y="3464258"/>
+            <a:ext cx="1910281" cy="380247"/>
+          </a:xfrm>
+          <a:prstGeom prst="rect">
+            <a:avLst/>
+          </a:prstGeom>
+        </p:spPr>
+        <p:style>
+          <a:lnRef idx="2">
+            <a:schemeClr val="accent1"/>
+          </a:lnRef>
+          <a:fillRef idx="1">
+            <a:schemeClr val="lt1"/>
+          </a:fillRef>
+          <a:effectRef idx="0">
+            <a:schemeClr val="accent1"/>
+          </a:effectRef>
+          <a:fontRef idx="minor">
+            <a:schemeClr val="dk1"/>
+          </a:fontRef>
+        </p:style>
+        <p:txBody>
+          <a:bodyPr rtlCol="0" anchor="ctr"/>
+          <a:lstStyle/>
+          <a:p>
+            <a:pPr algn="ctr"/>
+            <a:r>
+              <a:rPr lang="en-US" sz="1600" dirty="0" smtClean="0"/>
+              <a:t>sshd</a:t>
+            </a:r>
+            <a:endParaRPr lang="en-US" sz="1600" dirty="0"/>
+          </a:p>
+        </p:txBody>
+      </p:sp>
+      <p:sp>
+        <p:nvSpPr>
+          <p:cNvPr id="17" name="Rectangle 16"/>
+          <p:cNvSpPr/>
+          <p:nvPr/>
+        </p:nvSpPr>
+        <p:spPr>
+          <a:xfrm>
+            <a:off x="8955187" y="3541213"/>
+            <a:ext cx="506244" cy="235390"/>
+          </a:xfrm>
+          <a:prstGeom prst="rect">
+            <a:avLst/>
+          </a:prstGeom>
+        </p:spPr>
+        <p:style>
+          <a:lnRef idx="2">
+            <a:schemeClr val="dk1">
+              <a:shade val="50000"/>
+            </a:schemeClr>
+          </a:lnRef>
+          <a:fillRef idx="1">
+            <a:schemeClr val="dk1"/>
+          </a:fillRef>
+          <a:effectRef idx="0">
+            <a:schemeClr val="dk1"/>
+          </a:effectRef>
+          <a:fontRef idx="minor">
+            <a:schemeClr val="lt1"/>
+          </a:fontRef>
+        </p:style>
+        <p:txBody>
+          <a:bodyPr rtlCol="0" anchor="ctr"/>
+          <a:lstStyle/>
+          <a:p>
+            <a:pPr algn="ctr"/>
+            <a:r>
+              <a:rPr lang="en-US" sz="1200" dirty="0" smtClean="0"/>
+              <a:t>2022</a:t>
+            </a:r>
+            <a:endParaRPr lang="en-US" sz="1200" dirty="0"/>
+          </a:p>
+        </p:txBody>
+      </p:sp>
+      <p:sp>
+        <p:nvSpPr>
+          <p:cNvPr id="19" name="Rectangle 18"/>
+          <p:cNvSpPr/>
+          <p:nvPr/>
+        </p:nvSpPr>
+        <p:spPr>
+          <a:xfrm>
+            <a:off x="8212801" y="3541213"/>
+            <a:ext cx="506244" cy="235390"/>
+          </a:xfrm>
+          <a:prstGeom prst="rect">
+            <a:avLst/>
+          </a:prstGeom>
+        </p:spPr>
+        <p:style>
+          <a:lnRef idx="2">
+            <a:schemeClr val="dk1">
+              <a:shade val="50000"/>
+            </a:schemeClr>
+          </a:lnRef>
+          <a:fillRef idx="1">
+            <a:schemeClr val="dk1"/>
+          </a:fillRef>
+          <a:effectRef idx="0">
+            <a:schemeClr val="dk1"/>
+          </a:effectRef>
+          <a:fontRef idx="minor">
+            <a:schemeClr val="lt1"/>
+          </a:fontRef>
+        </p:style>
+        <p:txBody>
+          <a:bodyPr rtlCol="0" anchor="ctr"/>
+          <a:lstStyle/>
+          <a:p>
+            <a:pPr algn="ctr"/>
+            <a:r>
+              <a:rPr lang="en-US" sz="1200" dirty="0" smtClean="0"/>
+              <a:t>6768</a:t>
+            </a:r>
+            <a:endParaRPr lang="en-US" sz="1200" dirty="0"/>
+          </a:p>
+        </p:txBody>
+      </p:sp>
+      <p:cxnSp>
+        <p:nvCxnSpPr>
+          <p:cNvPr id="27" name="Straight Connector 26"/>
+          <p:cNvCxnSpPr/>
+          <p:nvPr/>
+        </p:nvCxnSpPr>
+        <p:spPr>
+          <a:xfrm>
+            <a:off x="8719045" y="3654381"/>
+            <a:ext cx="298765" cy="0"/>
+          </a:xfrm>
+          <a:prstGeom prst="line">
+            <a:avLst/>
+          </a:prstGeom>
+          <a:ln w="76200"/>
+        </p:spPr>
+        <p:style>
+          <a:lnRef idx="3">
+            <a:schemeClr val="dk1"/>
+          </a:lnRef>
+          <a:fillRef idx="0">
+            <a:schemeClr val="dk1"/>
+          </a:fillRef>
+          <a:effectRef idx="2">
+            <a:schemeClr val="dk1"/>
+          </a:effectRef>
+          <a:fontRef idx="minor">
+            <a:schemeClr val="tx1"/>
+          </a:fontRef>
+        </p:style>
+      </p:cxnSp>
+      <p:sp>
+        <p:nvSpPr>
+          <p:cNvPr id="29" name="Rectangle 28"/>
+          <p:cNvSpPr/>
+          <p:nvPr/>
+        </p:nvSpPr>
+        <p:spPr>
+          <a:xfrm>
+            <a:off x="5142929" y="3206233"/>
+            <a:ext cx="996530" cy="914402"/>
+          </a:xfrm>
+          <a:prstGeom prst="rect">
+            <a:avLst/>
+          </a:prstGeom>
+          <a:solidFill>
+            <a:schemeClr val="accent2"/>
+          </a:solidFill>
+          <a:ln/>
+        </p:spPr>
+        <p:style>
+          <a:lnRef idx="2">
+            <a:schemeClr val="accent2"/>
+          </a:lnRef>
+          <a:fillRef idx="1">
+            <a:schemeClr val="lt1"/>
+          </a:fillRef>
+          <a:effectRef idx="0">
+            <a:schemeClr val="accent2"/>
+          </a:effectRef>
+          <a:fontRef idx="minor">
+            <a:schemeClr val="dk1"/>
+          </a:fontRef>
+        </p:style>
+        <p:txBody>
+          <a:bodyPr rtlCol="0" anchor="ctr"/>
+          <a:lstStyle/>
+          <a:p>
+            <a:pPr algn="ctr"/>
+            <a:endParaRPr lang="en-US"/>
+          </a:p>
+        </p:txBody>
+      </p:sp>
+      <p:sp>
+        <p:nvSpPr>
+          <p:cNvPr id="30" name="Rectangle 29"/>
+          <p:cNvSpPr/>
+          <p:nvPr/>
+        </p:nvSpPr>
+        <p:spPr>
+          <a:xfrm>
+            <a:off x="6375602" y="3541213"/>
+            <a:ext cx="511998" cy="235390"/>
+          </a:xfrm>
+          <a:prstGeom prst="rect">
+            <a:avLst/>
+          </a:prstGeom>
+        </p:spPr>
+        <p:style>
+          <a:lnRef idx="2">
+            <a:schemeClr val="dk1">
+              <a:shade val="50000"/>
+            </a:schemeClr>
+          </a:lnRef>
+          <a:fillRef idx="1">
+            <a:schemeClr val="dk1"/>
+          </a:fillRef>
+          <a:effectRef idx="0">
+            <a:schemeClr val="dk1"/>
+          </a:effectRef>
+          <a:fontRef idx="minor">
+            <a:schemeClr val="lt1"/>
+          </a:fontRef>
+        </p:style>
+        <p:txBody>
+          <a:bodyPr rtlCol="0" anchor="ctr"/>
+          <a:lstStyle/>
+          <a:p>
+            <a:pPr algn="ctr"/>
+            <a:endParaRPr lang="en-US" sz="1200" dirty="0"/>
+          </a:p>
+        </p:txBody>
+      </p:sp>
+      <p:cxnSp>
+        <p:nvCxnSpPr>
+          <p:cNvPr id="31" name="Straight Connector 30"/>
+          <p:cNvCxnSpPr/>
+          <p:nvPr/>
+        </p:nvCxnSpPr>
+        <p:spPr>
+          <a:xfrm>
+            <a:off x="6887599" y="3663434"/>
+            <a:ext cx="1378775" cy="0"/>
+          </a:xfrm>
+          <a:prstGeom prst="line">
+            <a:avLst/>
+          </a:prstGeom>
+          <a:ln w="76200"/>
+        </p:spPr>
+        <p:style>
+          <a:lnRef idx="3">
+            <a:schemeClr val="dk1"/>
+          </a:lnRef>
+          <a:fillRef idx="0">
+            <a:schemeClr val="dk1"/>
+          </a:fillRef>
+          <a:effectRef idx="2">
+            <a:schemeClr val="dk1"/>
+          </a:effectRef>
+          <a:fontRef idx="minor">
+            <a:schemeClr val="tx1"/>
+          </a:fontRef>
+        </p:style>
+      </p:cxnSp>
+      <p:cxnSp>
+        <p:nvCxnSpPr>
+          <p:cNvPr id="34" name="Straight Connector 33"/>
+          <p:cNvCxnSpPr>
+            <a:stCxn id="30" idx="1"/>
+            <a:endCxn id="29" idx="3"/>
+          </p:cNvCxnSpPr>
+          <p:nvPr/>
+        </p:nvCxnSpPr>
+        <p:spPr>
+          <a:xfrm flipH="1">
+            <a:off x="6139459" y="3658908"/>
+            <a:ext cx="236143" cy="4526"/>
+          </a:xfrm>
+          <a:prstGeom prst="line">
+            <a:avLst/>
+          </a:prstGeom>
+          <a:ln w="76200">
+            <a:solidFill>
+              <a:schemeClr val="accent4"/>
+            </a:solidFill>
+          </a:ln>
+        </p:spPr>
+        <p:style>
+          <a:lnRef idx="3">
+            <a:schemeClr val="accent6"/>
+          </a:lnRef>
+          <a:fillRef idx="0">
+            <a:schemeClr val="accent6"/>
+          </a:fillRef>
+          <a:effectRef idx="2">
+            <a:schemeClr val="accent6"/>
+          </a:effectRef>
+          <a:fontRef idx="minor">
+            <a:schemeClr val="tx1"/>
+          </a:fontRef>
+        </p:style>
+      </p:cxnSp>
+      <p:cxnSp>
+        <p:nvCxnSpPr>
+          <p:cNvPr id="39" name="Elbow Connector 38"/>
+          <p:cNvCxnSpPr>
+            <a:stCxn id="16" idx="3"/>
+            <a:endCxn id="15" idx="3"/>
+          </p:cNvCxnSpPr>
+          <p:nvPr/>
+        </p:nvCxnSpPr>
+        <p:spPr>
+          <a:xfrm>
+            <a:off x="10865469" y="3654382"/>
+            <a:ext cx="12700" cy="466253"/>
+          </a:xfrm>
+          <a:prstGeom prst="bentConnector3">
+            <a:avLst>
+              <a:gd name="adj1" fmla="val 4009898"/>
+            </a:avLst>
+          </a:prstGeom>
+          <a:ln w="76200">
+            <a:solidFill>
+              <a:schemeClr val="accent4"/>
+            </a:solidFill>
+          </a:ln>
+        </p:spPr>
+        <p:style>
+          <a:lnRef idx="3">
+            <a:schemeClr val="accent6"/>
+          </a:lnRef>
+          <a:fillRef idx="0">
+            <a:schemeClr val="accent6"/>
+          </a:fillRef>
+          <a:effectRef idx="2">
+            <a:schemeClr val="accent6"/>
+          </a:effectRef>
+          <a:fontRef idx="minor">
+            <a:schemeClr val="tx1"/>
+          </a:fontRef>
+        </p:style>
+      </p:cxnSp>
+      <p:sp>
+        <p:nvSpPr>
+          <p:cNvPr id="41" name="Rounded Rectangle 40"/>
+          <p:cNvSpPr/>
+          <p:nvPr/>
+        </p:nvSpPr>
+        <p:spPr>
+          <a:xfrm>
+            <a:off x="5217085" y="3450678"/>
+            <a:ext cx="848218" cy="420986"/>
+          </a:xfrm>
+          <a:prstGeom prst="roundRect">
+            <a:avLst/>
+          </a:prstGeom>
+        </p:spPr>
+        <p:style>
+          <a:lnRef idx="1">
+            <a:schemeClr val="accent6"/>
+          </a:lnRef>
+          <a:fillRef idx="2">
+            <a:schemeClr val="accent6"/>
+          </a:fillRef>
+          <a:effectRef idx="1">
+            <a:schemeClr val="accent6"/>
+          </a:effectRef>
+          <a:fontRef idx="minor">
+            <a:schemeClr val="dk1"/>
+          </a:fontRef>
+        </p:style>
+        <p:txBody>
+          <a:bodyPr rtlCol="0" anchor="ctr"/>
+          <a:lstStyle/>
+          <a:p>
+            <a:pPr algn="ctr"/>
+            <a:r>
+              <a:rPr lang="en-US" dirty="0" smtClean="0"/>
+              <a:t>App</a:t>
+            </a:r>
+            <a:endParaRPr lang="en-US" dirty="0"/>
+          </a:p>
+        </p:txBody>
+      </p:sp>
+      <p:sp>
+        <p:nvSpPr>
+          <p:cNvPr id="44" name="Rectangle 43"/>
+          <p:cNvSpPr/>
+          <p:nvPr/>
+        </p:nvSpPr>
+        <p:spPr>
+          <a:xfrm>
+            <a:off x="876692" y="2210351"/>
+            <a:ext cx="2529099" cy="3304516"/>
+          </a:xfrm>
+          <a:prstGeom prst="rect">
+            <a:avLst/>
+          </a:prstGeom>
+        </p:spPr>
+        <p:style>
+          <a:lnRef idx="2">
+            <a:schemeClr val="dk1"/>
+          </a:lnRef>
+          <a:fillRef idx="1">
+            <a:schemeClr val="lt1"/>
+          </a:fillRef>
+          <a:effectRef idx="0">
+            <a:schemeClr val="dk1"/>
+          </a:effectRef>
+          <a:fontRef idx="minor">
+            <a:schemeClr val="dk1"/>
+          </a:fontRef>
+        </p:style>
+        <p:txBody>
+          <a:bodyPr rtlCol="0" anchor="t"/>
+          <a:lstStyle/>
+          <a:p>
+            <a:pPr algn="ctr"/>
+            <a:r>
+              <a:rPr lang="en-US" dirty="0" smtClean="0"/>
+              <a:t>VNC Client</a:t>
+            </a:r>
+            <a:endParaRPr lang="en-US" dirty="0"/>
+          </a:p>
+        </p:txBody>
+      </p:sp>
+      <p:sp>
+        <p:nvSpPr>
+          <p:cNvPr id="45" name="Rectangle 44"/>
+          <p:cNvSpPr/>
+          <p:nvPr/>
+        </p:nvSpPr>
+        <p:spPr>
+          <a:xfrm>
+            <a:off x="4809829" y="4731744"/>
+            <a:ext cx="2245259" cy="589984"/>
+          </a:xfrm>
+          <a:prstGeom prst="rect">
+            <a:avLst/>
+          </a:prstGeom>
+        </p:spPr>
+        <p:style>
+          <a:lnRef idx="2">
+            <a:schemeClr val="accent1">
+              <a:shade val="50000"/>
+            </a:schemeClr>
+          </a:lnRef>
+          <a:fillRef idx="1">
+            <a:schemeClr val="accent1"/>
+          </a:fillRef>
+          <a:effectRef idx="0">
+            <a:schemeClr val="accent1"/>
+          </a:effectRef>
+          <a:fontRef idx="minor">
+            <a:schemeClr val="lt1"/>
+          </a:fontRef>
+        </p:style>
+        <p:txBody>
+          <a:bodyPr rtlCol="0" anchor="ctr"/>
+          <a:lstStyle/>
+          <a:p>
+            <a:pPr algn="ctr"/>
+            <a:r>
+              <a:rPr lang="en-US" dirty="0" smtClean="0"/>
+              <a:t>VNC Server</a:t>
+            </a:r>
+            <a:endParaRPr lang="en-US" dirty="0"/>
+          </a:p>
+        </p:txBody>
+      </p:sp>
+      <p:sp>
+        <p:nvSpPr>
+          <p:cNvPr id="46" name="Rectangle 45"/>
+          <p:cNvSpPr/>
+          <p:nvPr/>
+        </p:nvSpPr>
+        <p:spPr>
+          <a:xfrm>
+            <a:off x="3405792" y="4917339"/>
+            <a:ext cx="1404037" cy="235391"/>
+          </a:xfrm>
+          <a:prstGeom prst="rect">
+            <a:avLst/>
+          </a:prstGeom>
+        </p:spPr>
+        <p:style>
+          <a:lnRef idx="2">
+            <a:schemeClr val="dk1">
+              <a:shade val="50000"/>
+            </a:schemeClr>
+          </a:lnRef>
+          <a:fillRef idx="1">
+            <a:schemeClr val="dk1"/>
+          </a:fillRef>
+          <a:effectRef idx="0">
+            <a:schemeClr val="dk1"/>
+          </a:effectRef>
+          <a:fontRef idx="minor">
+            <a:schemeClr val="lt1"/>
+          </a:fontRef>
+        </p:style>
+        <p:txBody>
+          <a:bodyPr rtlCol="0" anchor="ctr"/>
+          <a:lstStyle/>
+          <a:p>
+            <a:pPr algn="ctr"/>
+            <a:endParaRPr lang="en-US"/>
+          </a:p>
+        </p:txBody>
+      </p:sp>
+      <p:sp>
+        <p:nvSpPr>
+          <p:cNvPr id="47" name="Rectangle 46"/>
+          <p:cNvSpPr/>
+          <p:nvPr/>
+        </p:nvSpPr>
+        <p:spPr>
+          <a:xfrm>
+            <a:off x="1084082" y="2918787"/>
+            <a:ext cx="2123659" cy="2403696"/>
+          </a:xfrm>
+          <a:prstGeom prst="rect">
+            <a:avLst/>
+          </a:prstGeom>
+          <a:solidFill>
+            <a:schemeClr val="accent1">
+              <a:alpha val="50000"/>
+            </a:schemeClr>
+          </a:solidFill>
+          <a:ln>
+            <a:solidFill>
+              <a:schemeClr val="accent1"/>
+            </a:solidFill>
+          </a:ln>
+        </p:spPr>
+        <p:style>
+          <a:lnRef idx="2">
+            <a:schemeClr val="accent1">
+              <a:shade val="50000"/>
+            </a:schemeClr>
+          </a:lnRef>
+          <a:fillRef idx="1">
+            <a:schemeClr val="accent1"/>
+          </a:fillRef>
+          <a:effectRef idx="0">
+            <a:schemeClr val="accent1"/>
+          </a:effectRef>
+          <a:fontRef idx="minor">
+            <a:schemeClr val="lt1"/>
+          </a:fontRef>
+        </p:style>
+        <p:txBody>
+          <a:bodyPr rtlCol="0" anchor="t"/>
+          <a:lstStyle/>
+          <a:p>
+            <a:pPr algn="ctr"/>
+            <a:r>
+              <a:rPr lang="en-US" dirty="0" smtClean="0">
+                <a:solidFill>
+                  <a:schemeClr val="bg1"/>
+                </a:solidFill>
+              </a:rPr>
+              <a:t>XFCE Environment</a:t>
+            </a:r>
+            <a:endParaRPr lang="en-US" dirty="0">
+              <a:solidFill>
+                <a:schemeClr val="bg1"/>
+              </a:solidFill>
+            </a:endParaRPr>
+          </a:p>
+        </p:txBody>
+      </p:sp>
+      <p:sp>
+        <p:nvSpPr>
+          <p:cNvPr id="48" name="Rectangle 47"/>
+          <p:cNvSpPr/>
+          <p:nvPr/>
+        </p:nvSpPr>
+        <p:spPr>
+          <a:xfrm>
+            <a:off x="1244339" y="3593270"/>
+            <a:ext cx="1782332" cy="1584357"/>
+          </a:xfrm>
+          <a:prstGeom prst="rect">
+            <a:avLst/>
+          </a:prstGeom>
+          <a:ln>
+            <a:solidFill>
+              <a:schemeClr val="accent1"/>
+            </a:solidFill>
+          </a:ln>
+        </p:spPr>
+        <p:style>
+          <a:lnRef idx="2">
+            <a:schemeClr val="accent1"/>
+          </a:lnRef>
+          <a:fillRef idx="1">
+            <a:schemeClr val="lt1"/>
+          </a:fillRef>
+          <a:effectRef idx="0">
+            <a:schemeClr val="accent1"/>
+          </a:effectRef>
+          <a:fontRef idx="minor">
+            <a:schemeClr val="dk1"/>
+          </a:fontRef>
+        </p:style>
+        <p:txBody>
+          <a:bodyPr rtlCol="0" anchor="t"/>
+          <a:lstStyle/>
+          <a:p>
+            <a:pPr algn="ctr"/>
+            <a:r>
+              <a:rPr lang="en-US" sz="1600" dirty="0" smtClean="0">
+                <a:solidFill>
+                  <a:schemeClr val="tx1"/>
+                </a:solidFill>
+              </a:rPr>
+              <a:t>Canvas</a:t>
+            </a:r>
+            <a:endParaRPr lang="en-US" sz="1600" dirty="0">
+              <a:solidFill>
+                <a:schemeClr val="tx1"/>
+              </a:solidFill>
+            </a:endParaRPr>
+          </a:p>
+        </p:txBody>
+      </p:sp>
+      <p:sp>
+        <p:nvSpPr>
+          <p:cNvPr id="49" name="Rectangle 48"/>
+          <p:cNvSpPr/>
+          <p:nvPr/>
+        </p:nvSpPr>
+        <p:spPr>
+          <a:xfrm>
+            <a:off x="1451729" y="3996148"/>
+            <a:ext cx="1354628" cy="1032096"/>
+          </a:xfrm>
+          <a:prstGeom prst="rect">
+            <a:avLst/>
+          </a:prstGeom>
+          <a:solidFill>
+            <a:schemeClr val="accent2">
+              <a:alpha val="50000"/>
+            </a:schemeClr>
+          </a:solidFill>
+          <a:ln>
+            <a:solidFill>
+              <a:schemeClr val="accent1"/>
+            </a:solidFill>
+          </a:ln>
+        </p:spPr>
+        <p:style>
+          <a:lnRef idx="2">
+            <a:schemeClr val="accent2"/>
+          </a:lnRef>
+          <a:fillRef idx="1">
+            <a:schemeClr val="lt1"/>
+          </a:fillRef>
+          <a:effectRef idx="0">
+            <a:schemeClr val="accent2"/>
+          </a:effectRef>
+          <a:fontRef idx="minor">
+            <a:schemeClr val="dk1"/>
+          </a:fontRef>
+        </p:style>
+        <p:txBody>
+          <a:bodyPr rtlCol="0" anchor="ctr"/>
+          <a:lstStyle/>
+          <a:p>
+            <a:pPr algn="ctr"/>
+            <a:endParaRPr lang="en-US">
+              <a:solidFill>
+                <a:schemeClr val="bg1"/>
+              </a:solidFill>
+            </a:endParaRPr>
+          </a:p>
+        </p:txBody>
+      </p:sp>
+      <p:sp>
+        <p:nvSpPr>
+          <p:cNvPr id="52" name="Rounded Rectangle 51"/>
+          <p:cNvSpPr/>
+          <p:nvPr/>
+        </p:nvSpPr>
+        <p:spPr>
+          <a:xfrm>
+            <a:off x="1621411" y="4299440"/>
+            <a:ext cx="999242" cy="420986"/>
+          </a:xfrm>
+          <a:prstGeom prst="roundRect">
+            <a:avLst/>
+          </a:prstGeom>
+          <a:gradFill>
+            <a:gsLst>
+              <a:gs pos="0">
+                <a:schemeClr val="accent6">
+                  <a:lumMod val="110000"/>
+                  <a:satMod val="105000"/>
+                  <a:tint val="67000"/>
+                  <a:alpha val="50000"/>
+                </a:schemeClr>
+              </a:gs>
+              <a:gs pos="50000">
+                <a:schemeClr val="accent6">
+                  <a:lumMod val="105000"/>
+                  <a:satMod val="103000"/>
+                  <a:tint val="73000"/>
+                </a:schemeClr>
+              </a:gs>
+              <a:gs pos="100000">
+                <a:schemeClr val="accent6">
+                  <a:lumMod val="105000"/>
+                  <a:satMod val="109000"/>
+                  <a:tint val="81000"/>
+                </a:schemeClr>
+              </a:gs>
+            </a:gsLst>
+          </a:gradFill>
+          <a:ln>
+            <a:solidFill>
+              <a:schemeClr val="accent1"/>
+            </a:solidFill>
+          </a:ln>
+        </p:spPr>
+        <p:style>
+          <a:lnRef idx="1">
+            <a:schemeClr val="accent6"/>
+          </a:lnRef>
+          <a:fillRef idx="2">
+            <a:schemeClr val="accent6"/>
+          </a:fillRef>
+          <a:effectRef idx="1">
+            <a:schemeClr val="accent6"/>
+          </a:effectRef>
+          <a:fontRef idx="minor">
+            <a:schemeClr val="dk1"/>
+          </a:fontRef>
+        </p:style>
+        <p:txBody>
+          <a:bodyPr rtlCol="0" anchor="ctr"/>
+          <a:lstStyle/>
+          <a:p>
+            <a:pPr algn="ctr"/>
+            <a:r>
+              <a:rPr lang="en-US" dirty="0" smtClean="0">
+                <a:solidFill>
+                  <a:schemeClr val="bg1"/>
+                </a:solidFill>
+              </a:rPr>
+              <a:t>App</a:t>
+            </a:r>
+            <a:endParaRPr lang="en-US" dirty="0">
+              <a:solidFill>
+                <a:schemeClr val="bg1"/>
+              </a:solidFill>
+            </a:endParaRPr>
+          </a:p>
+        </p:txBody>
+      </p:sp>
+      <p:sp>
+        <p:nvSpPr>
+          <p:cNvPr id="54" name="Rectangle 53"/>
+          <p:cNvSpPr/>
+          <p:nvPr/>
+        </p:nvSpPr>
+        <p:spPr>
+          <a:xfrm>
+            <a:off x="5230439" y="4485035"/>
+            <a:ext cx="1404037" cy="235391"/>
+          </a:xfrm>
+          <a:prstGeom prst="rect">
+            <a:avLst/>
+          </a:prstGeom>
+        </p:spPr>
+        <p:style>
+          <a:lnRef idx="2">
+            <a:schemeClr val="dk1">
+              <a:shade val="50000"/>
+            </a:schemeClr>
+          </a:lnRef>
+          <a:fillRef idx="1">
+            <a:schemeClr val="dk1"/>
+          </a:fillRef>
+          <a:effectRef idx="0">
+            <a:schemeClr val="dk1"/>
+          </a:effectRef>
+          <a:fontRef idx="minor">
+            <a:schemeClr val="lt1"/>
+          </a:fontRef>
+        </p:style>
+        <p:txBody>
+          <a:bodyPr rtlCol="0" anchor="ctr"/>
+          <a:lstStyle/>
+          <a:p>
+            <a:pPr algn="ctr"/>
+            <a:endParaRPr lang="en-US"/>
+          </a:p>
+        </p:txBody>
+      </p:sp>
+    </p:spTree>
+    <p:extLst>
+      <p:ext uri="{BB962C8B-B14F-4D97-AF65-F5344CB8AC3E}">
+        <p14:creationId xmlns:p14="http://schemas.microsoft.com/office/powerpoint/2010/main" val="2229290021"/>
+      </p:ext>
+    </p:extLst>
+  </p:cSld>
+  <p:clrMapOvr>
+    <a:masterClrMapping/>
+  </p:clrMapOvr>
+</p:sld>
+</file>
+
+<file path=ppt/slides/slide4.xml><?xml version="1.0" encoding="utf-8"?>
+<p:sld xmlns:a="http://schemas.openxmlformats.org/drawingml/2006/main" xmlns:r="http://schemas.openxmlformats.org/officeDocument/2006/relationships" xmlns:p="http://schemas.openxmlformats.org/presentationml/2006/main">
+  <p:cSld>
+    <p:spTree>
+      <p:nvGrpSpPr>
+        <p:cNvPr id="1" name=""/>
+        <p:cNvGrpSpPr/>
+        <p:nvPr/>
+      </p:nvGrpSpPr>
+      <p:grpSpPr>
+        <a:xfrm>
+          <a:off x="0" y="0"/>
+          <a:ext cx="0" cy="0"/>
+          <a:chOff x="0" y="0"/>
+          <a:chExt cx="0" cy="0"/>
+        </a:xfrm>
+      </p:grpSpPr>
+      <p:sp>
+        <p:nvSpPr>
+          <p:cNvPr id="2" name="Title 1"/>
+          <p:cNvSpPr>
+            <a:spLocks noGrp="1"/>
+          </p:cNvSpPr>
+          <p:nvPr>
+            <p:ph type="title"/>
+          </p:nvPr>
+        </p:nvSpPr>
+        <p:spPr/>
+        <p:txBody>
+          <a:bodyPr/>
+          <a:lstStyle/>
+          <a:p>
+            <a:r>
+              <a:rPr lang="en-US" dirty="0" smtClean="0"/>
               <a:t>Windows Compatibility Layer and Sensing</a:t>
             </a:r>
             <a:endParaRPr lang="en-US" dirty="0"/>
@@ -13798,7 +17369,7 @@
 </p:sld>
 </file>
 
-<file path=ppt/slides/slide4.xml><?xml version="1.0" encoding="utf-8"?>
+<file path=ppt/slides/slide5.xml><?xml version="1.0" encoding="utf-8"?>
 <p:sld xmlns:a="http://schemas.openxmlformats.org/drawingml/2006/main" xmlns:r="http://schemas.openxmlformats.org/officeDocument/2006/relationships" xmlns:p="http://schemas.openxmlformats.org/presentationml/2006/main">
   <p:cSld>
     <p:spTree>
@@ -13982,7 +17553,6 @@
               <a:rPr lang="en-US" dirty="0" smtClean="0"/>
               <a:t>Future:</a:t>
             </a:r>
-            <a:endParaRPr lang="en-US" dirty="0" smtClean="0"/>
           </a:p>
           <a:p>
             <a:endParaRPr lang="en-US" sz="2200" dirty="0" smtClean="0">
@@ -14053,7 +17623,7 @@
 </p:sld>
 </file>
 
-<file path=ppt/slides/slide5.xml><?xml version="1.0" encoding="utf-8"?>
+<file path=ppt/slides/slide6.xml><?xml version="1.0" encoding="utf-8"?>
 <p:sld xmlns:a="http://schemas.openxmlformats.org/drawingml/2006/main" xmlns:r="http://schemas.openxmlformats.org/officeDocument/2006/relationships" xmlns:p="http://schemas.openxmlformats.org/presentationml/2006/main">
   <p:cSld>
     <p:spTree>
@@ -14371,7 +17941,7 @@
 </p:sld>
 </file>
 
-<file path=ppt/slides/slide6.xml><?xml version="1.0" encoding="utf-8"?>
+<file path=ppt/slides/slide7.xml><?xml version="1.0" encoding="utf-8"?>
 <p:sld xmlns:a="http://schemas.openxmlformats.org/drawingml/2006/main" xmlns:r="http://schemas.openxmlformats.org/officeDocument/2006/relationships" xmlns:p="http://schemas.openxmlformats.org/presentationml/2006/main">
   <p:cSld>
     <p:spTree>
@@ -14929,7 +18499,7 @@
 </p:sld>
 </file>
 
-<file path=ppt/slides/slide7.xml><?xml version="1.0" encoding="utf-8"?>
+<file path=ppt/slides/slide8.xml><?xml version="1.0" encoding="utf-8"?>
 <p:sld xmlns:a="http://schemas.openxmlformats.org/drawingml/2006/main" xmlns:r="http://schemas.openxmlformats.org/officeDocument/2006/relationships" xmlns:p="http://schemas.openxmlformats.org/presentationml/2006/main">
   <p:cSld>
     <p:spTree>
@@ -16698,7 +20268,7 @@
 </p:sld>
 </file>
 
-<file path=ppt/slides/slide8.xml><?xml version="1.0" encoding="utf-8"?>
+<file path=ppt/slides/slide9.xml><?xml version="1.0" encoding="utf-8"?>
 <p:sld xmlns:a="http://schemas.openxmlformats.org/drawingml/2006/main" xmlns:r="http://schemas.openxmlformats.org/officeDocument/2006/relationships" xmlns:p="http://schemas.openxmlformats.org/presentationml/2006/main">
   <p:cSld>
     <p:spTree>
@@ -17477,2326 +21047,6 @@
     <p:extLst>
       <p:ext uri="{BB962C8B-B14F-4D97-AF65-F5344CB8AC3E}">
         <p14:creationId xmlns:p14="http://schemas.microsoft.com/office/powerpoint/2010/main" val="3140183925"/>
-      </p:ext>
-    </p:extLst>
-  </p:cSld>
-  <p:clrMapOvr>
-    <a:masterClrMapping/>
-  </p:clrMapOvr>
-  <p:timing>
-    <p:tnLst>
-      <p:par>
-        <p:cTn id="1" dur="indefinite" restart="never" nodeType="tmRoot"/>
-      </p:par>
-    </p:tnLst>
-  </p:timing>
-</p:sld>
-</file>
-
-<file path=ppt/slides/slide9.xml><?xml version="1.0" encoding="utf-8"?>
-<p:sld xmlns:a="http://schemas.openxmlformats.org/drawingml/2006/main" xmlns:r="http://schemas.openxmlformats.org/officeDocument/2006/relationships" xmlns:p="http://schemas.openxmlformats.org/presentationml/2006/main">
-  <p:cSld>
-    <p:spTree>
-      <p:nvGrpSpPr>
-        <p:cNvPr id="1" name=""/>
-        <p:cNvGrpSpPr/>
-        <p:nvPr/>
-      </p:nvGrpSpPr>
-      <p:grpSpPr>
-        <a:xfrm>
-          <a:off x="0" y="0"/>
-          <a:ext cx="0" cy="0"/>
-          <a:chOff x="0" y="0"/>
-          <a:chExt cx="0" cy="0"/>
-        </a:xfrm>
-      </p:grpSpPr>
-      <p:sp>
-        <p:nvSpPr>
-          <p:cNvPr id="16" name="Bent Arrow 15"/>
-          <p:cNvSpPr/>
-          <p:nvPr/>
-        </p:nvSpPr>
-        <p:spPr>
-          <a:xfrm flipV="1">
-            <a:off x="8736980" y="1316442"/>
-            <a:ext cx="1274673" cy="2027183"/>
-          </a:xfrm>
-          <a:prstGeom prst="bentArrow">
-            <a:avLst>
-              <a:gd name="adj1" fmla="val 13582"/>
-              <a:gd name="adj2" fmla="val 14327"/>
-              <a:gd name="adj3" fmla="val 25000"/>
-              <a:gd name="adj4" fmla="val 43750"/>
-            </a:avLst>
-          </a:prstGeom>
-        </p:spPr>
-        <p:style>
-          <a:lnRef idx="1">
-            <a:schemeClr val="accent2"/>
-          </a:lnRef>
-          <a:fillRef idx="2">
-            <a:schemeClr val="accent2"/>
-          </a:fillRef>
-          <a:effectRef idx="1">
-            <a:schemeClr val="accent2"/>
-          </a:effectRef>
-          <a:fontRef idx="minor">
-            <a:schemeClr val="dk1"/>
-          </a:fontRef>
-        </p:style>
-        <p:txBody>
-          <a:bodyPr rtlCol="0" anchor="ctr"/>
-          <a:lstStyle/>
-          <a:p>
-            <a:pPr algn="ctr"/>
-            <a:endParaRPr lang="en-US">
-              <a:solidFill>
-                <a:schemeClr val="tx1"/>
-              </a:solidFill>
-            </a:endParaRPr>
-          </a:p>
-        </p:txBody>
-      </p:sp>
-      <p:pic>
-        <p:nvPicPr>
-          <p:cNvPr id="4" name="Picture 3"/>
-          <p:cNvPicPr>
-            <a:picLocks noChangeAspect="1"/>
-          </p:cNvPicPr>
-          <p:nvPr/>
-        </p:nvPicPr>
-        <p:blipFill>
-          <a:blip r:embed="rId2" cstate="print">
-            <a:extLst>
-              <a:ext uri="{28A0092B-C50C-407E-A947-70E740481C1C}">
-                <a14:useLocalDpi xmlns:a14="http://schemas.microsoft.com/office/drawing/2010/main" val="0"/>
-              </a:ext>
-            </a:extLst>
-          </a:blip>
-          <a:stretch>
-            <a:fillRect/>
-          </a:stretch>
-        </p:blipFill>
-        <p:spPr>
-          <a:xfrm>
-            <a:off x="549168" y="1767750"/>
-            <a:ext cx="400570" cy="400570"/>
-          </a:xfrm>
-          <a:prstGeom prst="rect">
-            <a:avLst/>
-          </a:prstGeom>
-        </p:spPr>
-      </p:pic>
-      <p:sp>
-        <p:nvSpPr>
-          <p:cNvPr id="5" name="Rectangle 4"/>
-          <p:cNvSpPr/>
-          <p:nvPr/>
-        </p:nvSpPr>
-        <p:spPr>
-          <a:xfrm>
-            <a:off x="2536653" y="1552297"/>
-            <a:ext cx="1097215" cy="337605"/>
-          </a:xfrm>
-          <a:prstGeom prst="rect">
-            <a:avLst/>
-          </a:prstGeom>
-        </p:spPr>
-        <p:style>
-          <a:lnRef idx="2">
-            <a:schemeClr val="accent1">
-              <a:shade val="50000"/>
-            </a:schemeClr>
-          </a:lnRef>
-          <a:fillRef idx="1">
-            <a:schemeClr val="accent1"/>
-          </a:fillRef>
-          <a:effectRef idx="0">
-            <a:schemeClr val="accent1"/>
-          </a:effectRef>
-          <a:fontRef idx="minor">
-            <a:schemeClr val="lt1"/>
-          </a:fontRef>
-        </p:style>
-        <p:txBody>
-          <a:bodyPr rtlCol="0" anchor="ctr"/>
-          <a:lstStyle/>
-          <a:p>
-            <a:pPr algn="ctr"/>
-            <a:r>
-              <a:rPr lang="en-US" sz="1350" dirty="0"/>
-              <a:t>Excalibur API</a:t>
-            </a:r>
-          </a:p>
-        </p:txBody>
-      </p:sp>
-      <p:pic>
-        <p:nvPicPr>
-          <p:cNvPr id="7" name="Picture 6"/>
-          <p:cNvPicPr>
-            <a:picLocks noChangeAspect="1"/>
-          </p:cNvPicPr>
-          <p:nvPr/>
-        </p:nvPicPr>
-        <p:blipFill rotWithShape="1">
-          <a:blip r:embed="rId3" cstate="print">
-            <a:extLst>
-              <a:ext uri="{28A0092B-C50C-407E-A947-70E740481C1C}">
-                <a14:useLocalDpi xmlns:a14="http://schemas.microsoft.com/office/drawing/2010/main" val="0"/>
-              </a:ext>
-            </a:extLst>
-          </a:blip>
-          <a:srcRect l="25880" t="16023" r="36941" b="46856"/>
-          <a:stretch/>
-        </p:blipFill>
-        <p:spPr>
-          <a:xfrm>
-            <a:off x="522009" y="1303545"/>
-            <a:ext cx="427716" cy="383566"/>
-          </a:xfrm>
-          <a:prstGeom prst="rect">
-            <a:avLst/>
-          </a:prstGeom>
-        </p:spPr>
-      </p:pic>
-      <p:cxnSp>
-        <p:nvCxnSpPr>
-          <p:cNvPr id="12" name="Elbow Connector 11"/>
-          <p:cNvCxnSpPr>
-            <a:stCxn id="4" idx="3"/>
-            <a:endCxn id="5" idx="1"/>
-          </p:cNvCxnSpPr>
-          <p:nvPr/>
-        </p:nvCxnSpPr>
-        <p:spPr>
-          <a:xfrm flipV="1">
-            <a:off x="949738" y="1721100"/>
-            <a:ext cx="1586915" cy="246935"/>
-          </a:xfrm>
-          <a:prstGeom prst="bentConnector3">
-            <a:avLst>
-              <a:gd name="adj1" fmla="val 50000"/>
-            </a:avLst>
-          </a:prstGeom>
-          <a:ln w="38100"/>
-        </p:spPr>
-        <p:style>
-          <a:lnRef idx="3">
-            <a:schemeClr val="dk1"/>
-          </a:lnRef>
-          <a:fillRef idx="0">
-            <a:schemeClr val="dk1"/>
-          </a:fillRef>
-          <a:effectRef idx="2">
-            <a:schemeClr val="dk1"/>
-          </a:effectRef>
-          <a:fontRef idx="minor">
-            <a:schemeClr val="tx1"/>
-          </a:fontRef>
-        </p:style>
-      </p:cxnSp>
-      <p:cxnSp>
-        <p:nvCxnSpPr>
-          <p:cNvPr id="14" name="Elbow Connector 13"/>
-          <p:cNvCxnSpPr>
-            <a:stCxn id="7" idx="3"/>
-            <a:endCxn id="5" idx="1"/>
-          </p:cNvCxnSpPr>
-          <p:nvPr/>
-        </p:nvCxnSpPr>
-        <p:spPr>
-          <a:xfrm>
-            <a:off x="949725" y="1495328"/>
-            <a:ext cx="1586928" cy="225772"/>
-          </a:xfrm>
-          <a:prstGeom prst="bentConnector3">
-            <a:avLst>
-              <a:gd name="adj1" fmla="val 50000"/>
-            </a:avLst>
-          </a:prstGeom>
-          <a:ln w="38100"/>
-        </p:spPr>
-        <p:style>
-          <a:lnRef idx="3">
-            <a:schemeClr val="dk1"/>
-          </a:lnRef>
-          <a:fillRef idx="0">
-            <a:schemeClr val="dk1"/>
-          </a:fillRef>
-          <a:effectRef idx="2">
-            <a:schemeClr val="dk1"/>
-          </a:effectRef>
-          <a:fontRef idx="minor">
-            <a:schemeClr val="tx1"/>
-          </a:fontRef>
-        </p:style>
-      </p:cxnSp>
-      <p:sp>
-        <p:nvSpPr>
-          <p:cNvPr id="15" name="Can 14"/>
-          <p:cNvSpPr/>
-          <p:nvPr/>
-        </p:nvSpPr>
-        <p:spPr>
-          <a:xfrm>
-            <a:off x="2074018" y="2195350"/>
-            <a:ext cx="2020367" cy="1283876"/>
-          </a:xfrm>
-          <a:prstGeom prst="can">
-            <a:avLst>
-              <a:gd name="adj" fmla="val 15817"/>
-            </a:avLst>
-          </a:prstGeom>
-        </p:spPr>
-        <p:style>
-          <a:lnRef idx="2">
-            <a:schemeClr val="accent1">
-              <a:shade val="50000"/>
-            </a:schemeClr>
-          </a:lnRef>
-          <a:fillRef idx="1">
-            <a:schemeClr val="accent1"/>
-          </a:fillRef>
-          <a:effectRef idx="0">
-            <a:schemeClr val="accent1"/>
-          </a:effectRef>
-          <a:fontRef idx="minor">
-            <a:schemeClr val="lt1"/>
-          </a:fontRef>
-        </p:style>
-        <p:txBody>
-          <a:bodyPr rtlCol="0" anchor="ctr"/>
-          <a:lstStyle/>
-          <a:p>
-            <a:pPr algn="ctr"/>
-            <a:r>
-              <a:rPr lang="en-US" sz="1400" dirty="0"/>
-              <a:t>Local State:</a:t>
-            </a:r>
-          </a:p>
-          <a:p>
-            <a:pPr marL="214313" indent="-127397">
-              <a:buFont typeface="Arial" panose="020B0604020202020204" pitchFamily="34" charset="0"/>
-              <a:buChar char="•"/>
-            </a:pPr>
-            <a:r>
-              <a:rPr lang="en-US" sz="900" dirty="0"/>
-              <a:t>Running virtue instances</a:t>
-            </a:r>
-          </a:p>
-          <a:p>
-            <a:pPr marL="214313" indent="-127397">
-              <a:buFont typeface="Arial" panose="020B0604020202020204" pitchFamily="34" charset="0"/>
-              <a:buChar char="•"/>
-            </a:pPr>
-            <a:r>
-              <a:rPr lang="en-US" sz="900" dirty="0"/>
-              <a:t>Default sensor </a:t>
-            </a:r>
-            <a:r>
-              <a:rPr lang="en-US" sz="900" dirty="0" err="1"/>
-              <a:t>config</a:t>
-            </a:r>
-            <a:endParaRPr lang="en-US" sz="900" dirty="0"/>
-          </a:p>
-          <a:p>
-            <a:pPr marL="214313" indent="-127397">
-              <a:buFont typeface="Arial" panose="020B0604020202020204" pitchFamily="34" charset="0"/>
-              <a:buChar char="•"/>
-            </a:pPr>
-            <a:r>
-              <a:rPr lang="en-US" sz="900" dirty="0"/>
-              <a:t>Role to virtues to instances map</a:t>
-            </a:r>
-          </a:p>
-          <a:p>
-            <a:pPr marL="214313" indent="-127397">
-              <a:buFont typeface="Arial" panose="020B0604020202020204" pitchFamily="34" charset="0"/>
-              <a:buChar char="•"/>
-            </a:pPr>
-            <a:r>
-              <a:rPr lang="en-US" sz="900" dirty="0"/>
-              <a:t>Desired </a:t>
-            </a:r>
-            <a:r>
-              <a:rPr lang="en-US" sz="900" dirty="0" err="1"/>
-              <a:t>config</a:t>
-            </a:r>
-            <a:r>
-              <a:rPr lang="en-US" sz="900" dirty="0"/>
-              <a:t> x instance</a:t>
-            </a:r>
-            <a:endParaRPr lang="en-US" sz="1400" dirty="0"/>
-          </a:p>
-          <a:p>
-            <a:pPr marL="214313" indent="-127397">
-              <a:buFont typeface="Arial" panose="020B0604020202020204" pitchFamily="34" charset="0"/>
-              <a:buChar char="•"/>
-            </a:pPr>
-            <a:r>
-              <a:rPr lang="en-US" sz="900" dirty="0"/>
-              <a:t>Last reported </a:t>
-            </a:r>
-            <a:r>
-              <a:rPr lang="en-US" sz="900" dirty="0" err="1"/>
-              <a:t>config</a:t>
-            </a:r>
-            <a:r>
-              <a:rPr lang="en-US" sz="900" dirty="0"/>
-              <a:t> x instance</a:t>
-            </a:r>
-          </a:p>
-        </p:txBody>
-      </p:sp>
-      <p:cxnSp>
-        <p:nvCxnSpPr>
-          <p:cNvPr id="17" name="Straight Connector 16"/>
-          <p:cNvCxnSpPr>
-            <a:stCxn id="5" idx="2"/>
-          </p:cNvCxnSpPr>
-          <p:nvPr/>
-        </p:nvCxnSpPr>
-        <p:spPr>
-          <a:xfrm>
-            <a:off x="3085260" y="1889901"/>
-            <a:ext cx="0" cy="385832"/>
-          </a:xfrm>
-          <a:prstGeom prst="line">
-            <a:avLst/>
-          </a:prstGeom>
-          <a:ln w="38100"/>
-        </p:spPr>
-        <p:style>
-          <a:lnRef idx="3">
-            <a:schemeClr val="dk1"/>
-          </a:lnRef>
-          <a:fillRef idx="0">
-            <a:schemeClr val="dk1"/>
-          </a:fillRef>
-          <a:effectRef idx="2">
-            <a:schemeClr val="dk1"/>
-          </a:effectRef>
-          <a:fontRef idx="minor">
-            <a:schemeClr val="tx1"/>
-          </a:fontRef>
-        </p:style>
-      </p:cxnSp>
-      <p:sp>
-        <p:nvSpPr>
-          <p:cNvPr id="45" name="Rectangle 44"/>
-          <p:cNvSpPr/>
-          <p:nvPr/>
-        </p:nvSpPr>
-        <p:spPr>
-          <a:xfrm>
-            <a:off x="1964289" y="1434402"/>
-            <a:ext cx="2230570" cy="2170313"/>
-          </a:xfrm>
-          <a:prstGeom prst="rect">
-            <a:avLst/>
-          </a:prstGeom>
-          <a:noFill/>
-          <a:ln>
-            <a:prstDash val="dash"/>
-          </a:ln>
-        </p:spPr>
-        <p:style>
-          <a:lnRef idx="2">
-            <a:schemeClr val="dk1"/>
-          </a:lnRef>
-          <a:fillRef idx="1">
-            <a:schemeClr val="lt1"/>
-          </a:fillRef>
-          <a:effectRef idx="0">
-            <a:schemeClr val="dk1"/>
-          </a:effectRef>
-          <a:fontRef idx="minor">
-            <a:schemeClr val="dk1"/>
-          </a:fontRef>
-        </p:style>
-        <p:txBody>
-          <a:bodyPr rtlCol="0" anchor="ctr"/>
-          <a:lstStyle/>
-          <a:p>
-            <a:pPr algn="ctr"/>
-            <a:endParaRPr lang="en-US" sz="1350"/>
-          </a:p>
-        </p:txBody>
-      </p:sp>
-      <p:sp>
-        <p:nvSpPr>
-          <p:cNvPr id="44" name="Rectangle 43"/>
-          <p:cNvSpPr/>
-          <p:nvPr/>
-        </p:nvSpPr>
-        <p:spPr>
-          <a:xfrm>
-            <a:off x="7341607" y="1066800"/>
-            <a:ext cx="2283512" cy="2130896"/>
-          </a:xfrm>
-          <a:prstGeom prst="rect">
-            <a:avLst/>
-          </a:prstGeom>
-          <a:noFill/>
-          <a:ln>
-            <a:prstDash val="dash"/>
-          </a:ln>
-        </p:spPr>
-        <p:style>
-          <a:lnRef idx="2">
-            <a:schemeClr val="dk1"/>
-          </a:lnRef>
-          <a:fillRef idx="1">
-            <a:schemeClr val="lt1"/>
-          </a:fillRef>
-          <a:effectRef idx="0">
-            <a:schemeClr val="dk1"/>
-          </a:effectRef>
-          <a:fontRef idx="minor">
-            <a:schemeClr val="dk1"/>
-          </a:fontRef>
-        </p:style>
-        <p:txBody>
-          <a:bodyPr rtlCol="0" anchor="b"/>
-          <a:lstStyle/>
-          <a:p>
-            <a:r>
-              <a:rPr lang="en-US" sz="1050" i="1" dirty="0"/>
-              <a:t>Unity</a:t>
-            </a:r>
-          </a:p>
-        </p:txBody>
-      </p:sp>
-      <p:sp>
-        <p:nvSpPr>
-          <p:cNvPr id="18" name="Rectangle 17"/>
-          <p:cNvSpPr/>
-          <p:nvPr/>
-        </p:nvSpPr>
-        <p:spPr>
-          <a:xfrm>
-            <a:off x="8261027" y="1212730"/>
-            <a:ext cx="1222562" cy="270219"/>
-          </a:xfrm>
-          <a:prstGeom prst="rect">
-            <a:avLst/>
-          </a:prstGeom>
-        </p:spPr>
-        <p:style>
-          <a:lnRef idx="2">
-            <a:schemeClr val="accent6">
-              <a:shade val="50000"/>
-            </a:schemeClr>
-          </a:lnRef>
-          <a:fillRef idx="1">
-            <a:schemeClr val="accent6"/>
-          </a:fillRef>
-          <a:effectRef idx="0">
-            <a:schemeClr val="accent6"/>
-          </a:effectRef>
-          <a:fontRef idx="minor">
-            <a:schemeClr val="lt1"/>
-          </a:fontRef>
-        </p:style>
-        <p:txBody>
-          <a:bodyPr rtlCol="0" anchor="ctr"/>
-          <a:lstStyle/>
-          <a:p>
-            <a:pPr algn="ctr"/>
-            <a:r>
-              <a:rPr lang="en-US" sz="1050" dirty="0"/>
-              <a:t>WINE</a:t>
-            </a:r>
-          </a:p>
-        </p:txBody>
-      </p:sp>
-      <p:sp>
-        <p:nvSpPr>
-          <p:cNvPr id="19" name="Rectangle 18"/>
-          <p:cNvSpPr/>
-          <p:nvPr/>
-        </p:nvSpPr>
-        <p:spPr>
-          <a:xfrm>
-            <a:off x="8256900" y="1476474"/>
-            <a:ext cx="1222562" cy="283755"/>
-          </a:xfrm>
-          <a:prstGeom prst="rect">
-            <a:avLst/>
-          </a:prstGeom>
-        </p:spPr>
-        <p:style>
-          <a:lnRef idx="2">
-            <a:schemeClr val="accent6">
-              <a:shade val="50000"/>
-            </a:schemeClr>
-          </a:lnRef>
-          <a:fillRef idx="1">
-            <a:schemeClr val="accent6"/>
-          </a:fillRef>
-          <a:effectRef idx="0">
-            <a:schemeClr val="accent6"/>
-          </a:effectRef>
-          <a:fontRef idx="minor">
-            <a:schemeClr val="lt1"/>
-          </a:fontRef>
-        </p:style>
-        <p:txBody>
-          <a:bodyPr rtlCol="0" anchor="ctr"/>
-          <a:lstStyle/>
-          <a:p>
-            <a:pPr algn="ctr"/>
-            <a:r>
-              <a:rPr lang="en-US" sz="1050" dirty="0"/>
-              <a:t>LSM</a:t>
-            </a:r>
-          </a:p>
-        </p:txBody>
-      </p:sp>
-      <p:sp>
-        <p:nvSpPr>
-          <p:cNvPr id="20" name="Rectangle 19"/>
-          <p:cNvSpPr/>
-          <p:nvPr/>
-        </p:nvSpPr>
-        <p:spPr>
-          <a:xfrm>
-            <a:off x="8259289" y="1863382"/>
-            <a:ext cx="1222562" cy="205352"/>
-          </a:xfrm>
-          <a:prstGeom prst="rect">
-            <a:avLst/>
-          </a:prstGeom>
-        </p:spPr>
-        <p:style>
-          <a:lnRef idx="2">
-            <a:schemeClr val="accent1">
-              <a:shade val="50000"/>
-            </a:schemeClr>
-          </a:lnRef>
-          <a:fillRef idx="1">
-            <a:schemeClr val="accent1"/>
-          </a:fillRef>
-          <a:effectRef idx="0">
-            <a:schemeClr val="accent1"/>
-          </a:effectRef>
-          <a:fontRef idx="minor">
-            <a:schemeClr val="lt1"/>
-          </a:fontRef>
-        </p:style>
-        <p:txBody>
-          <a:bodyPr rtlCol="0" anchor="ctr"/>
-          <a:lstStyle/>
-          <a:p>
-            <a:pPr algn="ctr"/>
-            <a:r>
-              <a:rPr lang="en-US" sz="1050" dirty="0"/>
-              <a:t>syslog</a:t>
-            </a:r>
-          </a:p>
-        </p:txBody>
-      </p:sp>
-      <p:sp>
-        <p:nvSpPr>
-          <p:cNvPr id="21" name="Rectangle 20"/>
-          <p:cNvSpPr/>
-          <p:nvPr/>
-        </p:nvSpPr>
-        <p:spPr>
-          <a:xfrm>
-            <a:off x="8259289" y="2208023"/>
-            <a:ext cx="1222562" cy="782658"/>
-          </a:xfrm>
-          <a:prstGeom prst="rect">
-            <a:avLst/>
-          </a:prstGeom>
-        </p:spPr>
-        <p:style>
-          <a:lnRef idx="2">
-            <a:schemeClr val="accent1">
-              <a:shade val="50000"/>
-            </a:schemeClr>
-          </a:lnRef>
-          <a:fillRef idx="1">
-            <a:schemeClr val="accent1"/>
-          </a:fillRef>
-          <a:effectRef idx="0">
-            <a:schemeClr val="accent1"/>
-          </a:effectRef>
-          <a:fontRef idx="minor">
-            <a:schemeClr val="lt1"/>
-          </a:fontRef>
-        </p:style>
-        <p:txBody>
-          <a:bodyPr rtlCol="0" anchor="t"/>
-          <a:lstStyle/>
-          <a:p>
-            <a:pPr algn="ctr"/>
-            <a:r>
-              <a:rPr lang="en-US" sz="1050" dirty="0"/>
-              <a:t>syslog-ng</a:t>
-            </a:r>
-          </a:p>
-        </p:txBody>
-      </p:sp>
-      <p:sp>
-        <p:nvSpPr>
-          <p:cNvPr id="22" name="Rectangle 21"/>
-          <p:cNvSpPr/>
-          <p:nvPr/>
-        </p:nvSpPr>
-        <p:spPr>
-          <a:xfrm>
-            <a:off x="8326149" y="2463798"/>
-            <a:ext cx="1098395" cy="364628"/>
-          </a:xfrm>
-          <a:prstGeom prst="rect">
-            <a:avLst/>
-          </a:prstGeom>
-        </p:spPr>
-        <p:style>
-          <a:lnRef idx="3">
-            <a:schemeClr val="lt1"/>
-          </a:lnRef>
-          <a:fillRef idx="1">
-            <a:schemeClr val="accent4"/>
-          </a:fillRef>
-          <a:effectRef idx="1">
-            <a:schemeClr val="accent4"/>
-          </a:effectRef>
-          <a:fontRef idx="minor">
-            <a:schemeClr val="lt1"/>
-          </a:fontRef>
-        </p:style>
-        <p:txBody>
-          <a:bodyPr rtlCol="0" anchor="ctr"/>
-          <a:lstStyle/>
-          <a:p>
-            <a:pPr algn="ctr"/>
-            <a:r>
-              <a:rPr lang="en-US" sz="1050" dirty="0">
-                <a:solidFill>
-                  <a:schemeClr val="tx1"/>
-                </a:solidFill>
-              </a:rPr>
-              <a:t>Filter logic</a:t>
-            </a:r>
-          </a:p>
-        </p:txBody>
-      </p:sp>
-      <p:sp>
-        <p:nvSpPr>
-          <p:cNvPr id="24" name="Cloud 23"/>
-          <p:cNvSpPr/>
-          <p:nvPr/>
-        </p:nvSpPr>
-        <p:spPr>
-          <a:xfrm>
-            <a:off x="10117583" y="2889602"/>
-            <a:ext cx="1624841" cy="530096"/>
-          </a:xfrm>
-          <a:prstGeom prst="cloud">
-            <a:avLst/>
-          </a:prstGeom>
-        </p:spPr>
-        <p:style>
-          <a:lnRef idx="1">
-            <a:schemeClr val="accent3"/>
-          </a:lnRef>
-          <a:fillRef idx="2">
-            <a:schemeClr val="accent3"/>
-          </a:fillRef>
-          <a:effectRef idx="1">
-            <a:schemeClr val="accent3"/>
-          </a:effectRef>
-          <a:fontRef idx="minor">
-            <a:schemeClr val="dk1"/>
-          </a:fontRef>
-        </p:style>
-        <p:txBody>
-          <a:bodyPr rtlCol="0" anchor="ctr"/>
-          <a:lstStyle/>
-          <a:p>
-            <a:pPr algn="ctr"/>
-            <a:r>
-              <a:rPr lang="en-US" sz="1050" dirty="0"/>
-              <a:t>ElasticSearch</a:t>
-            </a:r>
-          </a:p>
-        </p:txBody>
-      </p:sp>
-      <p:pic>
-        <p:nvPicPr>
-          <p:cNvPr id="25" name="Picture 24"/>
-          <p:cNvPicPr>
-            <a:picLocks noChangeAspect="1"/>
-          </p:cNvPicPr>
-          <p:nvPr/>
-        </p:nvPicPr>
-        <p:blipFill>
-          <a:blip r:embed="rId4" cstate="print">
-            <a:clrChange>
-              <a:clrFrom>
-                <a:srgbClr val="FFFFFF"/>
-              </a:clrFrom>
-              <a:clrTo>
-                <a:srgbClr val="FFFFFF">
-                  <a:alpha val="0"/>
-                </a:srgbClr>
-              </a:clrTo>
-            </a:clrChange>
-            <a:extLst>
-              <a:ext uri="{28A0092B-C50C-407E-A947-70E740481C1C}">
-                <a14:useLocalDpi xmlns:a14="http://schemas.microsoft.com/office/drawing/2010/main" val="0"/>
-              </a:ext>
-            </a:extLst>
-          </a:blip>
-          <a:stretch>
-            <a:fillRect/>
-          </a:stretch>
-        </p:blipFill>
-        <p:spPr>
-          <a:xfrm>
-            <a:off x="9913215" y="2483739"/>
-            <a:ext cx="324745" cy="324745"/>
-          </a:xfrm>
-          <a:prstGeom prst="rect">
-            <a:avLst/>
-          </a:prstGeom>
-        </p:spPr>
-      </p:pic>
-      <p:sp>
-        <p:nvSpPr>
-          <p:cNvPr id="26" name="Rectangle 25"/>
-          <p:cNvSpPr/>
-          <p:nvPr/>
-        </p:nvSpPr>
-        <p:spPr>
-          <a:xfrm>
-            <a:off x="7428328" y="2395391"/>
-            <a:ext cx="654263" cy="501442"/>
-          </a:xfrm>
-          <a:prstGeom prst="rect">
-            <a:avLst/>
-          </a:prstGeom>
-        </p:spPr>
-        <p:style>
-          <a:lnRef idx="3">
-            <a:schemeClr val="lt1"/>
-          </a:lnRef>
-          <a:fillRef idx="1">
-            <a:schemeClr val="accent4"/>
-          </a:fillRef>
-          <a:effectRef idx="1">
-            <a:schemeClr val="accent4"/>
-          </a:effectRef>
-          <a:fontRef idx="minor">
-            <a:schemeClr val="lt1"/>
-          </a:fontRef>
-        </p:style>
-        <p:txBody>
-          <a:bodyPr rtlCol="0" anchor="ctr"/>
-          <a:lstStyle/>
-          <a:p>
-            <a:pPr algn="ctr"/>
-            <a:r>
-              <a:rPr lang="en-US" sz="1000" dirty="0">
-                <a:solidFill>
-                  <a:schemeClr val="tx1"/>
-                </a:solidFill>
-              </a:rPr>
-              <a:t>Comms Endpoint</a:t>
-            </a:r>
-          </a:p>
-        </p:txBody>
-      </p:sp>
-      <p:sp>
-        <p:nvSpPr>
-          <p:cNvPr id="27" name="Rectangle 26"/>
-          <p:cNvSpPr/>
-          <p:nvPr/>
-        </p:nvSpPr>
-        <p:spPr>
-          <a:xfrm>
-            <a:off x="8034835" y="2568508"/>
-            <a:ext cx="329519" cy="155209"/>
-          </a:xfrm>
-          <a:prstGeom prst="rect">
-            <a:avLst/>
-          </a:prstGeom>
-          <a:pattFill prst="wdUpDiag">
-            <a:fgClr>
-              <a:schemeClr val="accent1"/>
-            </a:fgClr>
-            <a:bgClr>
-              <a:schemeClr val="bg1"/>
-            </a:bgClr>
-          </a:pattFill>
-        </p:spPr>
-        <p:style>
-          <a:lnRef idx="2">
-            <a:schemeClr val="accent1">
-              <a:shade val="50000"/>
-            </a:schemeClr>
-          </a:lnRef>
-          <a:fillRef idx="1">
-            <a:schemeClr val="accent1"/>
-          </a:fillRef>
-          <a:effectRef idx="0">
-            <a:schemeClr val="accent1"/>
-          </a:effectRef>
-          <a:fontRef idx="minor">
-            <a:schemeClr val="lt1"/>
-          </a:fontRef>
-        </p:style>
-        <p:txBody>
-          <a:bodyPr rtlCol="0" anchor="ctr"/>
-          <a:lstStyle/>
-          <a:p>
-            <a:pPr algn="ctr"/>
-            <a:endParaRPr lang="en-US" sz="1050"/>
-          </a:p>
-        </p:txBody>
-      </p:sp>
-      <p:sp>
-        <p:nvSpPr>
-          <p:cNvPr id="46" name="TextBox 45"/>
-          <p:cNvSpPr txBox="1"/>
-          <p:nvPr/>
-        </p:nvSpPr>
-        <p:spPr>
-          <a:xfrm>
-            <a:off x="10231626" y="2438363"/>
-            <a:ext cx="1407758" cy="415498"/>
-          </a:xfrm>
-          <a:prstGeom prst="rect">
-            <a:avLst/>
-          </a:prstGeom>
-          <a:noFill/>
-        </p:spPr>
-        <p:txBody>
-          <a:bodyPr wrap="none" rtlCol="0">
-            <a:spAutoFit/>
-          </a:bodyPr>
-          <a:lstStyle/>
-          <a:p>
-            <a:r>
-              <a:rPr lang="en-US" sz="1050" dirty="0"/>
-              <a:t>Secured </a:t>
-            </a:r>
-            <a:r>
-              <a:rPr lang="en-US" sz="1050" dirty="0"/>
-              <a:t>via</a:t>
-            </a:r>
-          </a:p>
-          <a:p>
-            <a:r>
-              <a:rPr lang="en-US" sz="1050" dirty="0" err="1"/>
-              <a:t>SearchGuard</a:t>
-            </a:r>
-            <a:r>
-              <a:rPr lang="en-US" sz="1050" dirty="0"/>
-              <a:t> </a:t>
-            </a:r>
-            <a:r>
-              <a:rPr lang="en-US" sz="1050" dirty="0"/>
-              <a:t>with TLS</a:t>
-            </a:r>
-          </a:p>
-        </p:txBody>
-      </p:sp>
-      <p:sp>
-        <p:nvSpPr>
-          <p:cNvPr id="47" name="TextBox 46"/>
-          <p:cNvSpPr txBox="1"/>
-          <p:nvPr/>
-        </p:nvSpPr>
-        <p:spPr>
-          <a:xfrm>
-            <a:off x="4597971" y="1021284"/>
-            <a:ext cx="2251172" cy="577081"/>
-          </a:xfrm>
-          <a:prstGeom prst="rect">
-            <a:avLst/>
-          </a:prstGeom>
-          <a:noFill/>
-        </p:spPr>
-        <p:txBody>
-          <a:bodyPr wrap="square" rtlCol="0">
-            <a:spAutoFit/>
-          </a:bodyPr>
-          <a:lstStyle/>
-          <a:p>
-            <a:pPr algn="ctr"/>
-            <a:r>
-              <a:rPr lang="en-US" sz="1350" dirty="0"/>
-              <a:t>Secured via TLS</a:t>
-            </a:r>
-          </a:p>
-          <a:p>
-            <a:pPr algn="ctr"/>
-            <a:r>
-              <a:rPr lang="en-US" sz="900" dirty="0"/>
-              <a:t>Static certs for T&amp;E</a:t>
-            </a:r>
-          </a:p>
-          <a:p>
-            <a:pPr algn="ctr"/>
-            <a:r>
-              <a:rPr lang="en-US" sz="900" dirty="0"/>
-              <a:t>Per-instance certs later</a:t>
-            </a:r>
-          </a:p>
-        </p:txBody>
-      </p:sp>
-      <p:sp>
-        <p:nvSpPr>
-          <p:cNvPr id="37" name="Can 36"/>
-          <p:cNvSpPr/>
-          <p:nvPr/>
-        </p:nvSpPr>
-        <p:spPr>
-          <a:xfrm>
-            <a:off x="5200494" y="1810375"/>
-            <a:ext cx="1135481" cy="798438"/>
-          </a:xfrm>
-          <a:prstGeom prst="can">
-            <a:avLst/>
-          </a:prstGeom>
-        </p:spPr>
-        <p:style>
-          <a:lnRef idx="1">
-            <a:schemeClr val="accent2"/>
-          </a:lnRef>
-          <a:fillRef idx="2">
-            <a:schemeClr val="accent2"/>
-          </a:fillRef>
-          <a:effectRef idx="1">
-            <a:schemeClr val="accent2"/>
-          </a:effectRef>
-          <a:fontRef idx="minor">
-            <a:schemeClr val="dk1"/>
-          </a:fontRef>
-        </p:style>
-        <p:txBody>
-          <a:bodyPr rtlCol="0" anchor="ctr"/>
-          <a:lstStyle/>
-          <a:p>
-            <a:pPr algn="ctr"/>
-            <a:r>
-              <a:rPr lang="en-US" sz="1350" dirty="0"/>
-              <a:t>RethinkDB</a:t>
-            </a:r>
-          </a:p>
-        </p:txBody>
-      </p:sp>
-      <p:sp>
-        <p:nvSpPr>
-          <p:cNvPr id="33" name="Title 32"/>
-          <p:cNvSpPr>
-            <a:spLocks noGrp="1"/>
-          </p:cNvSpPr>
-          <p:nvPr>
-            <p:ph type="title"/>
-          </p:nvPr>
-        </p:nvSpPr>
-        <p:spPr/>
-        <p:txBody>
-          <a:bodyPr/>
-          <a:lstStyle/>
-          <a:p>
-            <a:r>
-              <a:rPr lang="en-US" dirty="0" smtClean="0"/>
-              <a:t>Transducer Control Architecture – Midterm T&amp;E</a:t>
-            </a:r>
-            <a:endParaRPr lang="en-US" dirty="0"/>
-          </a:p>
-        </p:txBody>
-      </p:sp>
-      <p:cxnSp>
-        <p:nvCxnSpPr>
-          <p:cNvPr id="36" name="Elbow Connector 35"/>
-          <p:cNvCxnSpPr>
-            <a:stCxn id="5" idx="3"/>
-            <a:endCxn id="37" idx="2"/>
-          </p:cNvCxnSpPr>
-          <p:nvPr/>
-        </p:nvCxnSpPr>
-        <p:spPr>
-          <a:xfrm>
-            <a:off x="3633867" y="1721100"/>
-            <a:ext cx="1566626" cy="488495"/>
-          </a:xfrm>
-          <a:prstGeom prst="bentConnector3">
-            <a:avLst/>
-          </a:prstGeom>
-          <a:ln w="57150">
-            <a:headEnd type="triangle"/>
-            <a:tailEnd type="triangle"/>
-          </a:ln>
-        </p:spPr>
-        <p:style>
-          <a:lnRef idx="3">
-            <a:schemeClr val="dk1"/>
-          </a:lnRef>
-          <a:fillRef idx="0">
-            <a:schemeClr val="dk1"/>
-          </a:fillRef>
-          <a:effectRef idx="2">
-            <a:schemeClr val="dk1"/>
-          </a:effectRef>
-          <a:fontRef idx="minor">
-            <a:schemeClr val="tx1"/>
-          </a:fontRef>
-        </p:style>
-      </p:cxnSp>
-      <p:cxnSp>
-        <p:nvCxnSpPr>
-          <p:cNvPr id="53" name="Straight Arrow Connector 52"/>
-          <p:cNvCxnSpPr>
-            <a:stCxn id="37" idx="4"/>
-            <a:endCxn id="26" idx="1"/>
-          </p:cNvCxnSpPr>
-          <p:nvPr/>
-        </p:nvCxnSpPr>
-        <p:spPr>
-          <a:xfrm>
-            <a:off x="6335974" y="2209596"/>
-            <a:ext cx="1092353" cy="436517"/>
-          </a:xfrm>
-          <a:prstGeom prst="straightConnector1">
-            <a:avLst/>
-          </a:prstGeom>
-          <a:ln w="57150">
-            <a:solidFill>
-              <a:schemeClr val="tx1"/>
-            </a:solidFill>
-            <a:headEnd type="triangle"/>
-            <a:tailEnd type="triangle"/>
-          </a:ln>
-        </p:spPr>
-        <p:style>
-          <a:lnRef idx="1">
-            <a:schemeClr val="accent1"/>
-          </a:lnRef>
-          <a:fillRef idx="0">
-            <a:schemeClr val="accent1"/>
-          </a:fillRef>
-          <a:effectRef idx="0">
-            <a:schemeClr val="accent1"/>
-          </a:effectRef>
-          <a:fontRef idx="minor">
-            <a:schemeClr val="tx1"/>
-          </a:fontRef>
-        </p:style>
-      </p:cxnSp>
-      <p:cxnSp>
-        <p:nvCxnSpPr>
-          <p:cNvPr id="54" name="Straight Arrow Connector 53"/>
-          <p:cNvCxnSpPr/>
-          <p:nvPr/>
-        </p:nvCxnSpPr>
-        <p:spPr>
-          <a:xfrm flipV="1">
-            <a:off x="6341341" y="1654765"/>
-            <a:ext cx="441155" cy="428052"/>
-          </a:xfrm>
-          <a:prstGeom prst="straightConnector1">
-            <a:avLst/>
-          </a:prstGeom>
-          <a:ln w="57150">
-            <a:solidFill>
-              <a:schemeClr val="tx1"/>
-            </a:solidFill>
-            <a:headEnd type="triangle"/>
-            <a:tailEnd type="triangle"/>
-          </a:ln>
-        </p:spPr>
-        <p:style>
-          <a:lnRef idx="1">
-            <a:schemeClr val="accent1"/>
-          </a:lnRef>
-          <a:fillRef idx="0">
-            <a:schemeClr val="accent1"/>
-          </a:fillRef>
-          <a:effectRef idx="0">
-            <a:schemeClr val="accent1"/>
-          </a:effectRef>
-          <a:fontRef idx="minor">
-            <a:schemeClr val="tx1"/>
-          </a:fontRef>
-        </p:style>
-      </p:cxnSp>
-      <p:cxnSp>
-        <p:nvCxnSpPr>
-          <p:cNvPr id="57" name="Straight Arrow Connector 56"/>
-          <p:cNvCxnSpPr/>
-          <p:nvPr/>
-        </p:nvCxnSpPr>
-        <p:spPr>
-          <a:xfrm>
-            <a:off x="6341122" y="2453923"/>
-            <a:ext cx="541028" cy="591408"/>
-          </a:xfrm>
-          <a:prstGeom prst="straightConnector1">
-            <a:avLst/>
-          </a:prstGeom>
-          <a:ln w="57150">
-            <a:solidFill>
-              <a:schemeClr val="tx1"/>
-            </a:solidFill>
-            <a:headEnd type="triangle"/>
-            <a:tailEnd type="triangle"/>
-          </a:ln>
-        </p:spPr>
-        <p:style>
-          <a:lnRef idx="1">
-            <a:schemeClr val="accent1"/>
-          </a:lnRef>
-          <a:fillRef idx="0">
-            <a:schemeClr val="accent1"/>
-          </a:fillRef>
-          <a:effectRef idx="0">
-            <a:schemeClr val="accent1"/>
-          </a:effectRef>
-          <a:fontRef idx="minor">
-            <a:schemeClr val="tx1"/>
-          </a:fontRef>
-        </p:style>
-      </p:cxnSp>
-      <p:sp>
-        <p:nvSpPr>
-          <p:cNvPr id="61" name="Line Callout 1 (No Border) 60"/>
-          <p:cNvSpPr/>
-          <p:nvPr/>
-        </p:nvSpPr>
-        <p:spPr>
-          <a:xfrm>
-            <a:off x="7428328" y="1552298"/>
-            <a:ext cx="654263" cy="516437"/>
-          </a:xfrm>
-          <a:prstGeom prst="callout1">
-            <a:avLst>
-              <a:gd name="adj1" fmla="val 97029"/>
-              <a:gd name="adj2" fmla="val 84350"/>
-              <a:gd name="adj3" fmla="val 200564"/>
-              <a:gd name="adj4" fmla="val 112829"/>
-            </a:avLst>
-          </a:prstGeom>
-        </p:spPr>
-        <p:style>
-          <a:lnRef idx="2">
-            <a:schemeClr val="dk1"/>
-          </a:lnRef>
-          <a:fillRef idx="1">
-            <a:schemeClr val="lt1"/>
-          </a:fillRef>
-          <a:effectRef idx="0">
-            <a:schemeClr val="dk1"/>
-          </a:effectRef>
-          <a:fontRef idx="minor">
-            <a:schemeClr val="dk1"/>
-          </a:fontRef>
-        </p:style>
-        <p:txBody>
-          <a:bodyPr rot="0" spcFirstLastPara="0" vertOverflow="overflow" horzOverflow="overflow" vert="horz" wrap="square" lIns="68580" tIns="34290" rIns="68580" bIns="34290" numCol="1" spcCol="0" rtlCol="0" fromWordArt="0" anchor="ctr" anchorCtr="0" forceAA="0" compatLnSpc="1">
-            <a:prstTxWarp prst="textNoShape">
-              <a:avLst/>
-            </a:prstTxWarp>
-            <a:noAutofit/>
-          </a:bodyPr>
-          <a:lstStyle/>
-          <a:p>
-            <a:pPr algn="ctr"/>
-            <a:r>
-              <a:rPr lang="en-US" sz="1050" dirty="0"/>
-              <a:t>UNIX Domain Socket</a:t>
-            </a:r>
-          </a:p>
-        </p:txBody>
-      </p:sp>
-      <p:sp>
-        <p:nvSpPr>
-          <p:cNvPr id="32" name="Action Button: Home 31">
-            <a:hlinkClick r:id="rId5" action="ppaction://hlinksldjump" highlightClick="1"/>
-          </p:cNvPr>
-          <p:cNvSpPr/>
-          <p:nvPr/>
-        </p:nvSpPr>
-        <p:spPr>
-          <a:xfrm>
-            <a:off x="11660863" y="188793"/>
-            <a:ext cx="352663" cy="352663"/>
-          </a:xfrm>
-          <a:prstGeom prst="actionButtonHome">
-            <a:avLst/>
-          </a:prstGeom>
-        </p:spPr>
-        <p:style>
-          <a:lnRef idx="2">
-            <a:schemeClr val="dk1"/>
-          </a:lnRef>
-          <a:fillRef idx="1">
-            <a:schemeClr val="lt1"/>
-          </a:fillRef>
-          <a:effectRef idx="0">
-            <a:schemeClr val="dk1"/>
-          </a:effectRef>
-          <a:fontRef idx="minor">
-            <a:schemeClr val="dk1"/>
-          </a:fontRef>
-        </p:style>
-        <p:txBody>
-          <a:bodyPr rtlCol="0" anchor="ctr"/>
-          <a:lstStyle/>
-          <a:p>
-            <a:pPr algn="ctr"/>
-            <a:endParaRPr lang="en-US"/>
-          </a:p>
-        </p:txBody>
-      </p:sp>
-      <p:graphicFrame>
-        <p:nvGraphicFramePr>
-          <p:cNvPr id="38" name="Table 37"/>
-          <p:cNvGraphicFramePr>
-            <a:graphicFrameLocks noGrp="1"/>
-          </p:cNvGraphicFramePr>
-          <p:nvPr>
-            <p:extLst>
-              <p:ext uri="{D42A27DB-BD31-4B8C-83A1-F6EECF244321}">
-                <p14:modId xmlns:p14="http://schemas.microsoft.com/office/powerpoint/2010/main" val="52709846"/>
-              </p:ext>
-            </p:extLst>
-          </p:nvPr>
-        </p:nvGraphicFramePr>
-        <p:xfrm>
-          <a:off x="3305321" y="4079363"/>
-          <a:ext cx="5381441" cy="1112520"/>
-        </p:xfrm>
-        <a:graphic>
-          <a:graphicData uri="http://schemas.openxmlformats.org/drawingml/2006/table">
-            <a:tbl>
-              <a:tblPr firstRow="1" bandRow="1">
-                <a:tableStyleId>{5C22544A-7EE6-4342-B048-85BDC9FD1C3A}</a:tableStyleId>
-              </a:tblPr>
-              <a:tblGrid>
-                <a:gridCol w="743156"/>
-                <a:gridCol w="1281960"/>
-                <a:gridCol w="1118775"/>
-                <a:gridCol w="1118775"/>
-                <a:gridCol w="1118775"/>
-              </a:tblGrid>
-              <a:tr h="278130">
-                <a:tc>
-                  <a:txBody>
-                    <a:bodyPr/>
-                    <a:lstStyle/>
-                    <a:p>
-                      <a:r>
-                        <a:rPr lang="en-US" sz="1200" dirty="0" smtClean="0"/>
-                        <a:t>Virtue ID</a:t>
-                      </a:r>
-                      <a:endParaRPr lang="en-US" sz="1200" dirty="0"/>
-                    </a:p>
-                  </a:txBody>
-                  <a:tcPr marL="68580" marR="68580" marT="34290" marB="34290"/>
-                </a:tc>
-                <a:tc>
-                  <a:txBody>
-                    <a:bodyPr/>
-                    <a:lstStyle/>
-                    <a:p>
-                      <a:r>
-                        <a:rPr lang="en-US" sz="1200" dirty="0" smtClean="0"/>
-                        <a:t>Transducer ID</a:t>
-                      </a:r>
-                      <a:endParaRPr lang="en-US" sz="1200" dirty="0"/>
-                    </a:p>
-                  </a:txBody>
-                  <a:tcPr marL="68580" marR="68580" marT="34290" marB="34290"/>
-                </a:tc>
-                <a:tc>
-                  <a:txBody>
-                    <a:bodyPr/>
-                    <a:lstStyle/>
-                    <a:p>
-                      <a:r>
-                        <a:rPr lang="en-US" sz="1200" dirty="0" smtClean="0"/>
-                        <a:t>Enabled</a:t>
-                      </a:r>
-                      <a:endParaRPr lang="en-US" sz="1200" dirty="0"/>
-                    </a:p>
-                  </a:txBody>
-                  <a:tcPr marL="68580" marR="68580" marT="34290" marB="34290"/>
-                </a:tc>
-                <a:tc>
-                  <a:txBody>
-                    <a:bodyPr/>
-                    <a:lstStyle/>
-                    <a:p>
-                      <a:r>
-                        <a:rPr lang="en-US" sz="1200" dirty="0" smtClean="0"/>
-                        <a:t>Timestamp</a:t>
-                      </a:r>
-                      <a:endParaRPr lang="en-US" sz="1200" dirty="0"/>
-                    </a:p>
-                  </a:txBody>
-                  <a:tcPr marL="68580" marR="68580" marT="34290" marB="34290"/>
-                </a:tc>
-                <a:tc>
-                  <a:txBody>
-                    <a:bodyPr/>
-                    <a:lstStyle/>
-                    <a:p>
-                      <a:r>
-                        <a:rPr lang="en-US" sz="1200" dirty="0" smtClean="0"/>
-                        <a:t>Signature</a:t>
-                      </a:r>
-                      <a:endParaRPr lang="en-US" sz="1200" dirty="0"/>
-                    </a:p>
-                  </a:txBody>
-                  <a:tcPr marL="68580" marR="68580" marT="34290" marB="34290"/>
-                </a:tc>
-              </a:tr>
-              <a:tr h="278130">
-                <a:tc>
-                  <a:txBody>
-                    <a:bodyPr/>
-                    <a:lstStyle/>
-                    <a:p>
-                      <a:r>
-                        <a:rPr lang="en-US" sz="1200" dirty="0" smtClean="0"/>
-                        <a:t>1</a:t>
-                      </a:r>
-                      <a:endParaRPr lang="en-US" sz="1200" dirty="0"/>
-                    </a:p>
-                  </a:txBody>
-                  <a:tcPr marL="68580" marR="68580" marT="34290" marB="34290"/>
-                </a:tc>
-                <a:tc>
-                  <a:txBody>
-                    <a:bodyPr/>
-                    <a:lstStyle/>
-                    <a:p>
-                      <a:r>
-                        <a:rPr lang="en-US" sz="1200" dirty="0" err="1" smtClean="0"/>
-                        <a:t>msword_openfile</a:t>
-                      </a:r>
-                      <a:endParaRPr lang="en-US" sz="1200" dirty="0"/>
-                    </a:p>
-                  </a:txBody>
-                  <a:tcPr marL="68580" marR="68580" marT="34290" marB="34290"/>
-                </a:tc>
-                <a:tc>
-                  <a:txBody>
-                    <a:bodyPr/>
-                    <a:lstStyle/>
-                    <a:p>
-                      <a:r>
-                        <a:rPr lang="en-US" sz="1200" dirty="0" smtClean="0"/>
-                        <a:t>True</a:t>
-                      </a:r>
-                      <a:endParaRPr lang="en-US" sz="1200" dirty="0"/>
-                    </a:p>
-                  </a:txBody>
-                  <a:tcPr marL="68580" marR="68580" marT="34290" marB="34290"/>
-                </a:tc>
-                <a:tc>
-                  <a:txBody>
-                    <a:bodyPr/>
-                    <a:lstStyle/>
-                    <a:p>
-                      <a:r>
-                        <a:rPr lang="en-US" sz="1200" dirty="0" smtClean="0"/>
-                        <a:t>1521486930</a:t>
-                      </a:r>
-                      <a:endParaRPr lang="en-US" sz="1200" dirty="0"/>
-                    </a:p>
-                  </a:txBody>
-                  <a:tcPr marL="68580" marR="68580" marT="34290" marB="34290"/>
-                </a:tc>
-                <a:tc>
-                  <a:txBody>
-                    <a:bodyPr/>
-                    <a:lstStyle/>
-                    <a:p>
-                      <a:r>
-                        <a:rPr lang="en-US" sz="1200" dirty="0" smtClean="0"/>
-                        <a:t>&lt;binary&gt;</a:t>
-                      </a:r>
-                      <a:endParaRPr lang="en-US" sz="1200" dirty="0"/>
-                    </a:p>
-                  </a:txBody>
-                  <a:tcPr marL="68580" marR="68580" marT="34290" marB="34290"/>
-                </a:tc>
-              </a:tr>
-              <a:tr h="278130">
-                <a:tc>
-                  <a:txBody>
-                    <a:bodyPr/>
-                    <a:lstStyle/>
-                    <a:p>
-                      <a:r>
-                        <a:rPr lang="en-US" sz="1200" dirty="0" smtClean="0"/>
-                        <a:t>1</a:t>
-                      </a:r>
-                      <a:endParaRPr lang="en-US" sz="1200" dirty="0"/>
-                    </a:p>
-                  </a:txBody>
-                  <a:tcPr marL="68580" marR="68580" marT="34290" marB="34290"/>
-                </a:tc>
-                <a:tc>
-                  <a:txBody>
-                    <a:bodyPr/>
-                    <a:lstStyle/>
-                    <a:p>
-                      <a:r>
-                        <a:rPr lang="en-US" sz="1200" dirty="0" err="1" smtClean="0"/>
-                        <a:t>msword_sockets</a:t>
-                      </a:r>
-                      <a:endParaRPr lang="en-US" sz="1200" dirty="0"/>
-                    </a:p>
-                  </a:txBody>
-                  <a:tcPr marL="68580" marR="68580" marT="34290" marB="34290"/>
-                </a:tc>
-                <a:tc>
-                  <a:txBody>
-                    <a:bodyPr/>
-                    <a:lstStyle/>
-                    <a:p>
-                      <a:r>
-                        <a:rPr lang="en-US" sz="1200" dirty="0" smtClean="0"/>
-                        <a:t>False</a:t>
-                      </a:r>
-                      <a:endParaRPr lang="en-US" sz="1200" dirty="0"/>
-                    </a:p>
-                  </a:txBody>
-                  <a:tcPr marL="68580" marR="68580" marT="34290" marB="34290"/>
-                </a:tc>
-                <a:tc>
-                  <a:txBody>
-                    <a:bodyPr/>
-                    <a:lstStyle/>
-                    <a:p>
-                      <a:r>
-                        <a:rPr lang="en-US" sz="1200" dirty="0" smtClean="0"/>
-                        <a:t>1521487135</a:t>
-                      </a:r>
-                      <a:endParaRPr lang="en-US" sz="1200" dirty="0"/>
-                    </a:p>
-                  </a:txBody>
-                  <a:tcPr marL="68580" marR="68580" marT="34290" marB="34290"/>
-                </a:tc>
-                <a:tc>
-                  <a:txBody>
-                    <a:bodyPr/>
-                    <a:lstStyle/>
-                    <a:p>
-                      <a:r>
-                        <a:rPr lang="en-US" sz="1200" dirty="0" smtClean="0"/>
-                        <a:t>&lt;binary&gt;</a:t>
-                      </a:r>
-                      <a:endParaRPr lang="en-US" sz="1200" dirty="0"/>
-                    </a:p>
-                  </a:txBody>
-                  <a:tcPr marL="68580" marR="68580" marT="34290" marB="34290"/>
-                </a:tc>
-              </a:tr>
-              <a:tr h="278130">
-                <a:tc>
-                  <a:txBody>
-                    <a:bodyPr/>
-                    <a:lstStyle/>
-                    <a:p>
-                      <a:r>
-                        <a:rPr lang="en-US" sz="1200" dirty="0" smtClean="0"/>
-                        <a:t>2</a:t>
-                      </a:r>
-                      <a:endParaRPr lang="en-US" sz="1200" dirty="0"/>
-                    </a:p>
-                  </a:txBody>
-                  <a:tcPr marL="68580" marR="68580" marT="34290" marB="34290"/>
-                </a:tc>
-                <a:tc>
-                  <a:txBody>
-                    <a:bodyPr/>
-                    <a:lstStyle/>
-                    <a:p>
-                      <a:r>
-                        <a:rPr lang="en-US" sz="1200" dirty="0" err="1" smtClean="0"/>
-                        <a:t>firefox_sockets</a:t>
-                      </a:r>
-                      <a:endParaRPr lang="en-US" sz="1200" dirty="0"/>
-                    </a:p>
-                  </a:txBody>
-                  <a:tcPr marL="68580" marR="68580" marT="34290" marB="34290"/>
-                </a:tc>
-                <a:tc>
-                  <a:txBody>
-                    <a:bodyPr/>
-                    <a:lstStyle/>
-                    <a:p>
-                      <a:r>
-                        <a:rPr lang="en-US" sz="1200" dirty="0" smtClean="0"/>
-                        <a:t>True</a:t>
-                      </a:r>
-                      <a:endParaRPr lang="en-US" sz="1200" dirty="0"/>
-                    </a:p>
-                  </a:txBody>
-                  <a:tcPr marL="68580" marR="68580" marT="34290" marB="34290"/>
-                </a:tc>
-                <a:tc>
-                  <a:txBody>
-                    <a:bodyPr/>
-                    <a:lstStyle/>
-                    <a:p>
-                      <a:r>
-                        <a:rPr lang="en-US" sz="1200" dirty="0" smtClean="0"/>
-                        <a:t>1521486953</a:t>
-                      </a:r>
-                      <a:endParaRPr lang="en-US" sz="1200" dirty="0"/>
-                    </a:p>
-                  </a:txBody>
-                  <a:tcPr marL="68580" marR="68580" marT="34290" marB="34290"/>
-                </a:tc>
-                <a:tc>
-                  <a:txBody>
-                    <a:bodyPr/>
-                    <a:lstStyle/>
-                    <a:p>
-                      <a:r>
-                        <a:rPr lang="en-US" sz="1200" dirty="0" smtClean="0"/>
-                        <a:t>&lt;binary&gt;</a:t>
-                      </a:r>
-                      <a:endParaRPr lang="en-US" sz="1200" dirty="0"/>
-                    </a:p>
-                  </a:txBody>
-                  <a:tcPr marL="68580" marR="68580" marT="34290" marB="34290"/>
-                </a:tc>
-              </a:tr>
-            </a:tbl>
-          </a:graphicData>
-        </a:graphic>
-      </p:graphicFrame>
-      <p:sp>
-        <p:nvSpPr>
-          <p:cNvPr id="39" name="TextBox 38"/>
-          <p:cNvSpPr txBox="1"/>
-          <p:nvPr/>
-        </p:nvSpPr>
-        <p:spPr>
-          <a:xfrm>
-            <a:off x="5288524" y="3839804"/>
-            <a:ext cx="978153" cy="300082"/>
-          </a:xfrm>
-          <a:prstGeom prst="rect">
-            <a:avLst/>
-          </a:prstGeom>
-          <a:noFill/>
-        </p:spPr>
-        <p:txBody>
-          <a:bodyPr wrap="none" rtlCol="0">
-            <a:spAutoFit/>
-          </a:bodyPr>
-          <a:lstStyle/>
-          <a:p>
-            <a:r>
-              <a:rPr lang="en-US" sz="1350" dirty="0"/>
-              <a:t>Commands</a:t>
-            </a:r>
-          </a:p>
-        </p:txBody>
-      </p:sp>
-      <p:graphicFrame>
-        <p:nvGraphicFramePr>
-          <p:cNvPr id="40" name="Table 39"/>
-          <p:cNvGraphicFramePr>
-            <a:graphicFrameLocks noGrp="1"/>
-          </p:cNvGraphicFramePr>
-          <p:nvPr>
-            <p:extLst>
-              <p:ext uri="{D42A27DB-BD31-4B8C-83A1-F6EECF244321}">
-                <p14:modId xmlns:p14="http://schemas.microsoft.com/office/powerpoint/2010/main" val="1807516737"/>
-              </p:ext>
-            </p:extLst>
-          </p:nvPr>
-        </p:nvGraphicFramePr>
-        <p:xfrm>
-          <a:off x="3305321" y="5416844"/>
-          <a:ext cx="5381444" cy="1112520"/>
-        </p:xfrm>
-        <a:graphic>
-          <a:graphicData uri="http://schemas.openxmlformats.org/drawingml/2006/table">
-            <a:tbl>
-              <a:tblPr firstRow="1" bandRow="1">
-                <a:tableStyleId>{5C22544A-7EE6-4342-B048-85BDC9FD1C3A}</a:tableStyleId>
-              </a:tblPr>
-              <a:tblGrid>
-                <a:gridCol w="743156"/>
-                <a:gridCol w="1281960"/>
-                <a:gridCol w="1118776"/>
-                <a:gridCol w="1118776"/>
-                <a:gridCol w="1118776"/>
-              </a:tblGrid>
-              <a:tr h="278130">
-                <a:tc>
-                  <a:txBody>
-                    <a:bodyPr/>
-                    <a:lstStyle/>
-                    <a:p>
-                      <a:r>
-                        <a:rPr lang="en-US" sz="1200" dirty="0" smtClean="0"/>
-                        <a:t>Virtue ID</a:t>
-                      </a:r>
-                      <a:endParaRPr lang="en-US" sz="1200" dirty="0"/>
-                    </a:p>
-                  </a:txBody>
-                  <a:tcPr marL="68580" marR="68580" marT="34290" marB="34290"/>
-                </a:tc>
-                <a:tc>
-                  <a:txBody>
-                    <a:bodyPr/>
-                    <a:lstStyle/>
-                    <a:p>
-                      <a:r>
-                        <a:rPr lang="en-US" sz="1200" dirty="0" smtClean="0"/>
-                        <a:t>Transducer ID</a:t>
-                      </a:r>
-                      <a:endParaRPr lang="en-US" sz="1200" dirty="0"/>
-                    </a:p>
-                  </a:txBody>
-                  <a:tcPr marL="68580" marR="68580" marT="34290" marB="34290"/>
-                </a:tc>
-                <a:tc>
-                  <a:txBody>
-                    <a:bodyPr/>
-                    <a:lstStyle/>
-                    <a:p>
-                      <a:r>
-                        <a:rPr lang="en-US" sz="1200" dirty="0" smtClean="0"/>
-                        <a:t>Enabled</a:t>
-                      </a:r>
-                      <a:endParaRPr lang="en-US" sz="1200" dirty="0"/>
-                    </a:p>
-                  </a:txBody>
-                  <a:tcPr marL="68580" marR="68580" marT="34290" marB="34290"/>
-                </a:tc>
-                <a:tc>
-                  <a:txBody>
-                    <a:bodyPr/>
-                    <a:lstStyle/>
-                    <a:p>
-                      <a:r>
-                        <a:rPr lang="en-US" sz="1200" dirty="0" smtClean="0"/>
-                        <a:t>Timestamp</a:t>
-                      </a:r>
-                      <a:endParaRPr lang="en-US" sz="1200" dirty="0"/>
-                    </a:p>
-                  </a:txBody>
-                  <a:tcPr marL="68580" marR="68580" marT="34290" marB="34290"/>
-                </a:tc>
-                <a:tc>
-                  <a:txBody>
-                    <a:bodyPr/>
-                    <a:lstStyle/>
-                    <a:p>
-                      <a:r>
-                        <a:rPr lang="en-US" sz="1200" dirty="0" smtClean="0"/>
-                        <a:t>Signature</a:t>
-                      </a:r>
-                      <a:endParaRPr lang="en-US" sz="1200" dirty="0"/>
-                    </a:p>
-                  </a:txBody>
-                  <a:tcPr marL="68580" marR="68580" marT="34290" marB="34290"/>
-                </a:tc>
-              </a:tr>
-              <a:tr h="278130">
-                <a:tc>
-                  <a:txBody>
-                    <a:bodyPr/>
-                    <a:lstStyle/>
-                    <a:p>
-                      <a:r>
-                        <a:rPr lang="en-US" sz="1200" dirty="0" smtClean="0"/>
-                        <a:t>1</a:t>
-                      </a:r>
-                      <a:endParaRPr lang="en-US" sz="1200" dirty="0"/>
-                    </a:p>
-                  </a:txBody>
-                  <a:tcPr marL="68580" marR="68580" marT="34290" marB="34290"/>
-                </a:tc>
-                <a:tc>
-                  <a:txBody>
-                    <a:bodyPr/>
-                    <a:lstStyle/>
-                    <a:p>
-                      <a:r>
-                        <a:rPr lang="en-US" sz="1200" dirty="0" err="1" smtClean="0"/>
-                        <a:t>msword_openfile</a:t>
-                      </a:r>
-                      <a:endParaRPr lang="en-US" sz="1200" dirty="0"/>
-                    </a:p>
-                  </a:txBody>
-                  <a:tcPr marL="68580" marR="68580" marT="34290" marB="34290"/>
-                </a:tc>
-                <a:tc>
-                  <a:txBody>
-                    <a:bodyPr/>
-                    <a:lstStyle/>
-                    <a:p>
-                      <a:r>
-                        <a:rPr lang="en-US" sz="1200" dirty="0" smtClean="0"/>
-                        <a:t>True</a:t>
-                      </a:r>
-                      <a:endParaRPr lang="en-US" sz="1200" dirty="0"/>
-                    </a:p>
-                  </a:txBody>
-                  <a:tcPr marL="68580" marR="68580" marT="34290" marB="34290"/>
-                </a:tc>
-                <a:tc>
-                  <a:txBody>
-                    <a:bodyPr/>
-                    <a:lstStyle/>
-                    <a:p>
-                      <a:pPr marL="0" marR="0" lvl="0" indent="0" algn="l" defTabSz="914400" rtl="0" eaLnBrk="1" fontAlgn="auto" latinLnBrk="0" hangingPunct="1">
-                        <a:lnSpc>
-                          <a:spcPct val="100000"/>
-                        </a:lnSpc>
-                        <a:spcBef>
-                          <a:spcPts val="0"/>
-                        </a:spcBef>
-                        <a:spcAft>
-                          <a:spcPts val="0"/>
-                        </a:spcAft>
-                        <a:buClrTx/>
-                        <a:buSzTx/>
-                        <a:buFontTx/>
-                        <a:buNone/>
-                        <a:tabLst/>
-                        <a:defRPr/>
-                      </a:pPr>
-                      <a:r>
-                        <a:rPr lang="en-US" sz="1200" dirty="0" smtClean="0"/>
-                        <a:t>1521486930</a:t>
-                      </a:r>
-                    </a:p>
-                  </a:txBody>
-                  <a:tcPr marL="68580" marR="68580" marT="34290" marB="34290"/>
-                </a:tc>
-                <a:tc>
-                  <a:txBody>
-                    <a:bodyPr/>
-                    <a:lstStyle/>
-                    <a:p>
-                      <a:r>
-                        <a:rPr lang="en-US" sz="1200" dirty="0" smtClean="0"/>
-                        <a:t>&lt;binary&gt;</a:t>
-                      </a:r>
-                      <a:endParaRPr lang="en-US" sz="1200" dirty="0"/>
-                    </a:p>
-                  </a:txBody>
-                  <a:tcPr marL="68580" marR="68580" marT="34290" marB="34290"/>
-                </a:tc>
-              </a:tr>
-              <a:tr h="278130">
-                <a:tc>
-                  <a:txBody>
-                    <a:bodyPr/>
-                    <a:lstStyle/>
-                    <a:p>
-                      <a:r>
-                        <a:rPr lang="en-US" sz="1200" dirty="0" smtClean="0"/>
-                        <a:t>1</a:t>
-                      </a:r>
-                      <a:endParaRPr lang="en-US" sz="1200" dirty="0"/>
-                    </a:p>
-                  </a:txBody>
-                  <a:tcPr marL="68580" marR="68580" marT="34290" marB="34290"/>
-                </a:tc>
-                <a:tc>
-                  <a:txBody>
-                    <a:bodyPr/>
-                    <a:lstStyle/>
-                    <a:p>
-                      <a:r>
-                        <a:rPr lang="en-US" sz="1200" dirty="0" err="1" smtClean="0"/>
-                        <a:t>msword_sockets</a:t>
-                      </a:r>
-                      <a:endParaRPr lang="en-US" sz="1200" dirty="0"/>
-                    </a:p>
-                  </a:txBody>
-                  <a:tcPr marL="68580" marR="68580" marT="34290" marB="34290"/>
-                </a:tc>
-                <a:tc>
-                  <a:txBody>
-                    <a:bodyPr/>
-                    <a:lstStyle/>
-                    <a:p>
-                      <a:r>
-                        <a:rPr lang="en-US" sz="1200" dirty="0" smtClean="0"/>
-                        <a:t>False</a:t>
-                      </a:r>
-                      <a:endParaRPr lang="en-US" sz="1200" dirty="0"/>
-                    </a:p>
-                  </a:txBody>
-                  <a:tcPr marL="68580" marR="68580" marT="34290" marB="34290"/>
-                </a:tc>
-                <a:tc>
-                  <a:txBody>
-                    <a:bodyPr/>
-                    <a:lstStyle/>
-                    <a:p>
-                      <a:r>
-                        <a:rPr lang="en-US" sz="1200" dirty="0" smtClean="0"/>
-                        <a:t>1521487135</a:t>
-                      </a:r>
-                      <a:endParaRPr lang="en-US" sz="1200" dirty="0"/>
-                    </a:p>
-                  </a:txBody>
-                  <a:tcPr marL="68580" marR="68580" marT="34290" marB="34290"/>
-                </a:tc>
-                <a:tc>
-                  <a:txBody>
-                    <a:bodyPr/>
-                    <a:lstStyle/>
-                    <a:p>
-                      <a:r>
-                        <a:rPr lang="en-US" sz="1200" dirty="0" smtClean="0"/>
-                        <a:t>&lt;binary&gt;</a:t>
-                      </a:r>
-                      <a:endParaRPr lang="en-US" sz="1200" dirty="0"/>
-                    </a:p>
-                  </a:txBody>
-                  <a:tcPr marL="68580" marR="68580" marT="34290" marB="34290"/>
-                </a:tc>
-              </a:tr>
-              <a:tr h="278130">
-                <a:tc>
-                  <a:txBody>
-                    <a:bodyPr/>
-                    <a:lstStyle/>
-                    <a:p>
-                      <a:r>
-                        <a:rPr lang="en-US" sz="1200" dirty="0" smtClean="0"/>
-                        <a:t>2</a:t>
-                      </a:r>
-                      <a:endParaRPr lang="en-US" sz="1200" dirty="0"/>
-                    </a:p>
-                  </a:txBody>
-                  <a:tcPr marL="68580" marR="68580" marT="34290" marB="34290"/>
-                </a:tc>
-                <a:tc>
-                  <a:txBody>
-                    <a:bodyPr/>
-                    <a:lstStyle/>
-                    <a:p>
-                      <a:r>
-                        <a:rPr lang="en-US" sz="1200" dirty="0" err="1" smtClean="0"/>
-                        <a:t>firefox_sockets</a:t>
-                      </a:r>
-                      <a:endParaRPr lang="en-US" sz="1200" dirty="0"/>
-                    </a:p>
-                  </a:txBody>
-                  <a:tcPr marL="68580" marR="68580" marT="34290" marB="34290"/>
-                </a:tc>
-                <a:tc>
-                  <a:txBody>
-                    <a:bodyPr/>
-                    <a:lstStyle/>
-                    <a:p>
-                      <a:r>
-                        <a:rPr lang="en-US" sz="1200" dirty="0" smtClean="0"/>
-                        <a:t>True</a:t>
-                      </a:r>
-                      <a:endParaRPr lang="en-US" sz="1200" dirty="0"/>
-                    </a:p>
-                  </a:txBody>
-                  <a:tcPr marL="68580" marR="68580" marT="34290" marB="34290"/>
-                </a:tc>
-                <a:tc>
-                  <a:txBody>
-                    <a:bodyPr/>
-                    <a:lstStyle/>
-                    <a:p>
-                      <a:r>
-                        <a:rPr lang="en-US" sz="1200" dirty="0" smtClean="0"/>
-                        <a:t>1521486953</a:t>
-                      </a:r>
-                      <a:endParaRPr lang="en-US" sz="1200" dirty="0"/>
-                    </a:p>
-                  </a:txBody>
-                  <a:tcPr marL="68580" marR="68580" marT="34290" marB="34290"/>
-                </a:tc>
-                <a:tc>
-                  <a:txBody>
-                    <a:bodyPr/>
-                    <a:lstStyle/>
-                    <a:p>
-                      <a:r>
-                        <a:rPr lang="en-US" sz="1200" dirty="0" smtClean="0"/>
-                        <a:t>&lt;binary&gt;</a:t>
-                      </a:r>
-                      <a:endParaRPr lang="en-US" sz="1200" dirty="0"/>
-                    </a:p>
-                  </a:txBody>
-                  <a:tcPr marL="68580" marR="68580" marT="34290" marB="34290"/>
-                </a:tc>
-              </a:tr>
-            </a:tbl>
-          </a:graphicData>
-        </a:graphic>
-      </p:graphicFrame>
-      <p:sp>
-        <p:nvSpPr>
-          <p:cNvPr id="41" name="TextBox 40"/>
-          <p:cNvSpPr txBox="1"/>
-          <p:nvPr/>
-        </p:nvSpPr>
-        <p:spPr>
-          <a:xfrm>
-            <a:off x="5511735" y="5177284"/>
-            <a:ext cx="531299" cy="300082"/>
-          </a:xfrm>
-          <a:prstGeom prst="rect">
-            <a:avLst/>
-          </a:prstGeom>
-          <a:noFill/>
-        </p:spPr>
-        <p:txBody>
-          <a:bodyPr wrap="none" rtlCol="0">
-            <a:spAutoFit/>
-          </a:bodyPr>
-          <a:lstStyle/>
-          <a:p>
-            <a:r>
-              <a:rPr lang="en-US" sz="1350" dirty="0"/>
-              <a:t>ACKs</a:t>
-            </a:r>
-          </a:p>
-        </p:txBody>
-      </p:sp>
-      <p:cxnSp>
-        <p:nvCxnSpPr>
-          <p:cNvPr id="42" name="Straight Arrow Connector 41"/>
-          <p:cNvCxnSpPr/>
-          <p:nvPr/>
-        </p:nvCxnSpPr>
-        <p:spPr>
-          <a:xfrm flipV="1">
-            <a:off x="8342509" y="4366058"/>
-            <a:ext cx="661946" cy="131197"/>
-          </a:xfrm>
-          <a:prstGeom prst="straightConnector1">
-            <a:avLst/>
-          </a:prstGeom>
-          <a:ln>
-            <a:tailEnd type="triangle"/>
-          </a:ln>
-        </p:spPr>
-        <p:style>
-          <a:lnRef idx="1">
-            <a:schemeClr val="accent1"/>
-          </a:lnRef>
-          <a:fillRef idx="0">
-            <a:schemeClr val="accent1"/>
-          </a:fillRef>
-          <a:effectRef idx="0">
-            <a:schemeClr val="accent1"/>
-          </a:effectRef>
-          <a:fontRef idx="minor">
-            <a:schemeClr val="tx1"/>
-          </a:fontRef>
-        </p:style>
-      </p:cxnSp>
-      <p:sp>
-        <p:nvSpPr>
-          <p:cNvPr id="43" name="TextBox 42"/>
-          <p:cNvSpPr txBox="1"/>
-          <p:nvPr/>
-        </p:nvSpPr>
-        <p:spPr>
-          <a:xfrm>
-            <a:off x="9004457" y="4222934"/>
-            <a:ext cx="1502399" cy="715581"/>
-          </a:xfrm>
-          <a:prstGeom prst="rect">
-            <a:avLst/>
-          </a:prstGeom>
-          <a:noFill/>
-        </p:spPr>
-        <p:txBody>
-          <a:bodyPr wrap="none" rtlCol="0">
-            <a:spAutoFit/>
-          </a:bodyPr>
-          <a:lstStyle/>
-          <a:p>
-            <a:r>
-              <a:rPr lang="en-US" sz="1350" dirty="0"/>
-              <a:t>All of the previous </a:t>
-            </a:r>
-          </a:p>
-          <a:p>
-            <a:r>
-              <a:rPr lang="en-US" sz="1350" dirty="0"/>
-              <a:t>fields signed with </a:t>
-            </a:r>
-          </a:p>
-          <a:p>
-            <a:r>
-              <a:rPr lang="en-US" sz="1350" dirty="0"/>
-              <a:t>Excalibur’s key</a:t>
-            </a:r>
-          </a:p>
-        </p:txBody>
-      </p:sp>
-      <p:cxnSp>
-        <p:nvCxnSpPr>
-          <p:cNvPr id="48" name="Straight Arrow Connector 47"/>
-          <p:cNvCxnSpPr/>
-          <p:nvPr/>
-        </p:nvCxnSpPr>
-        <p:spPr>
-          <a:xfrm flipV="1">
-            <a:off x="8342510" y="5727919"/>
-            <a:ext cx="661946" cy="131197"/>
-          </a:xfrm>
-          <a:prstGeom prst="straightConnector1">
-            <a:avLst/>
-          </a:prstGeom>
-          <a:ln>
-            <a:tailEnd type="triangle"/>
-          </a:ln>
-        </p:spPr>
-        <p:style>
-          <a:lnRef idx="1">
-            <a:schemeClr val="accent1"/>
-          </a:lnRef>
-          <a:fillRef idx="0">
-            <a:schemeClr val="accent1"/>
-          </a:fillRef>
-          <a:effectRef idx="0">
-            <a:schemeClr val="accent1"/>
-          </a:effectRef>
-          <a:fontRef idx="minor">
-            <a:schemeClr val="tx1"/>
-          </a:fontRef>
-        </p:style>
-      </p:cxnSp>
-      <p:sp>
-        <p:nvSpPr>
-          <p:cNvPr id="49" name="TextBox 48"/>
-          <p:cNvSpPr txBox="1"/>
-          <p:nvPr/>
-        </p:nvSpPr>
-        <p:spPr>
-          <a:xfrm>
-            <a:off x="9004458" y="5584795"/>
-            <a:ext cx="1502399" cy="715581"/>
-          </a:xfrm>
-          <a:prstGeom prst="rect">
-            <a:avLst/>
-          </a:prstGeom>
-          <a:noFill/>
-        </p:spPr>
-        <p:txBody>
-          <a:bodyPr wrap="none" rtlCol="0">
-            <a:spAutoFit/>
-          </a:bodyPr>
-          <a:lstStyle/>
-          <a:p>
-            <a:r>
-              <a:rPr lang="en-US" sz="1350" dirty="0"/>
-              <a:t>All of the previous </a:t>
-            </a:r>
-          </a:p>
-          <a:p>
-            <a:r>
-              <a:rPr lang="en-US" sz="1350" dirty="0"/>
-              <a:t>fields signed with </a:t>
-            </a:r>
-          </a:p>
-          <a:p>
-            <a:r>
-              <a:rPr lang="en-US" sz="1350" dirty="0"/>
-              <a:t>the Virtue’s key</a:t>
-            </a:r>
-          </a:p>
-        </p:txBody>
-      </p:sp>
-      <p:sp>
-        <p:nvSpPr>
-          <p:cNvPr id="50" name="TextBox 49"/>
-          <p:cNvSpPr txBox="1"/>
-          <p:nvPr/>
-        </p:nvSpPr>
-        <p:spPr>
-          <a:xfrm>
-            <a:off x="2171947" y="4366058"/>
-            <a:ext cx="1094659" cy="507831"/>
-          </a:xfrm>
-          <a:prstGeom prst="rect">
-            <a:avLst/>
-          </a:prstGeom>
-          <a:noFill/>
-        </p:spPr>
-        <p:txBody>
-          <a:bodyPr wrap="none" rtlCol="0">
-            <a:spAutoFit/>
-          </a:bodyPr>
-          <a:lstStyle/>
-          <a:p>
-            <a:r>
-              <a:rPr lang="en-US" sz="1350" dirty="0"/>
-              <a:t>Excalibur: </a:t>
-            </a:r>
-            <a:r>
-              <a:rPr lang="en-US" sz="1350" dirty="0">
-                <a:latin typeface="Consolas" panose="020B0609020204030204" pitchFamily="49" charset="0"/>
-              </a:rPr>
-              <a:t>-w</a:t>
-            </a:r>
-          </a:p>
-          <a:p>
-            <a:r>
-              <a:rPr lang="en-US" sz="1350" dirty="0"/>
-              <a:t>Virtues: </a:t>
-            </a:r>
-            <a:r>
-              <a:rPr lang="en-US" sz="1350" dirty="0">
-                <a:latin typeface="Consolas" panose="020B0609020204030204" pitchFamily="49" charset="0"/>
-              </a:rPr>
-              <a:t>r-</a:t>
-            </a:r>
-          </a:p>
-        </p:txBody>
-      </p:sp>
-      <p:sp>
-        <p:nvSpPr>
-          <p:cNvPr id="51" name="TextBox 50"/>
-          <p:cNvSpPr txBox="1"/>
-          <p:nvPr/>
-        </p:nvSpPr>
-        <p:spPr>
-          <a:xfrm>
-            <a:off x="2171948" y="5688670"/>
-            <a:ext cx="1094659" cy="507831"/>
-          </a:xfrm>
-          <a:prstGeom prst="rect">
-            <a:avLst/>
-          </a:prstGeom>
-          <a:noFill/>
-        </p:spPr>
-        <p:txBody>
-          <a:bodyPr wrap="none" rtlCol="0">
-            <a:spAutoFit/>
-          </a:bodyPr>
-          <a:lstStyle/>
-          <a:p>
-            <a:r>
-              <a:rPr lang="en-US" sz="1350" dirty="0"/>
-              <a:t>Excalibur: </a:t>
-            </a:r>
-            <a:r>
-              <a:rPr lang="en-US" sz="1350" dirty="0">
-                <a:latin typeface="Consolas" panose="020B0609020204030204" pitchFamily="49" charset="0"/>
-              </a:rPr>
-              <a:t>r-</a:t>
-            </a:r>
-          </a:p>
-          <a:p>
-            <a:r>
-              <a:rPr lang="en-US" sz="1350" dirty="0"/>
-              <a:t>Virtues: </a:t>
-            </a:r>
-            <a:r>
-              <a:rPr lang="en-US" sz="1350" dirty="0">
-                <a:latin typeface="Consolas" panose="020B0609020204030204" pitchFamily="49" charset="0"/>
-              </a:rPr>
-              <a:t>-w</a:t>
-            </a:r>
-          </a:p>
-        </p:txBody>
-      </p:sp>
-      <p:cxnSp>
-        <p:nvCxnSpPr>
-          <p:cNvPr id="13" name="Straight Arrow Connector 12"/>
-          <p:cNvCxnSpPr>
-            <a:stCxn id="39" idx="0"/>
-          </p:cNvCxnSpPr>
-          <p:nvPr/>
-        </p:nvCxnSpPr>
-        <p:spPr>
-          <a:xfrm flipV="1">
-            <a:off x="5777601" y="2453923"/>
-            <a:ext cx="1917" cy="1385881"/>
-          </a:xfrm>
-          <a:prstGeom prst="straightConnector1">
-            <a:avLst/>
-          </a:prstGeom>
-          <a:ln w="38100">
-            <a:prstDash val="dash"/>
-            <a:tailEnd type="triangle"/>
-          </a:ln>
-        </p:spPr>
-        <p:style>
-          <a:lnRef idx="3">
-            <a:schemeClr val="accent5"/>
-          </a:lnRef>
-          <a:fillRef idx="0">
-            <a:schemeClr val="accent5"/>
-          </a:fillRef>
-          <a:effectRef idx="2">
-            <a:schemeClr val="accent5"/>
-          </a:effectRef>
-          <a:fontRef idx="minor">
-            <a:schemeClr val="tx1"/>
-          </a:fontRef>
-        </p:style>
-      </p:cxnSp>
-      <p:pic>
-        <p:nvPicPr>
-          <p:cNvPr id="31" name="Picture 30"/>
-          <p:cNvPicPr>
-            <a:picLocks noChangeAspect="1"/>
-          </p:cNvPicPr>
-          <p:nvPr/>
-        </p:nvPicPr>
-        <p:blipFill>
-          <a:blip r:embed="rId6" cstate="print">
-            <a:clrChange>
-              <a:clrFrom>
-                <a:srgbClr val="FFFFFF"/>
-              </a:clrFrom>
-              <a:clrTo>
-                <a:srgbClr val="FFFFFF">
-                  <a:alpha val="0"/>
-                </a:srgbClr>
-              </a:clrTo>
-            </a:clrChange>
-            <a:extLst>
-              <a:ext uri="{28A0092B-C50C-407E-A947-70E740481C1C}">
-                <a14:useLocalDpi xmlns:a14="http://schemas.microsoft.com/office/drawing/2010/main" val="0"/>
-              </a:ext>
-            </a:extLst>
-          </a:blip>
-          <a:stretch>
-            <a:fillRect/>
-          </a:stretch>
-        </p:blipFill>
-        <p:spPr>
-          <a:xfrm>
-            <a:off x="5588717" y="1585648"/>
-            <a:ext cx="364400" cy="364400"/>
-          </a:xfrm>
-          <a:prstGeom prst="rect">
-            <a:avLst/>
-          </a:prstGeom>
-        </p:spPr>
-      </p:pic>
-    </p:spTree>
-    <p:extLst>
-      <p:ext uri="{BB962C8B-B14F-4D97-AF65-F5344CB8AC3E}">
-        <p14:creationId xmlns:p14="http://schemas.microsoft.com/office/powerpoint/2010/main" val="3185394602"/>
       </p:ext>
     </p:extLst>
   </p:cSld>

--- a/docs/design/design-diagrams.pptx
+++ b/docs/design/design-diagrams.pptx
@@ -5,12 +5,12 @@
     <p:sldMasterId id="2147483648" r:id="rId1"/>
   </p:sldMasterIdLst>
   <p:notesMasterIdLst>
-    <p:notesMasterId r:id="rId15"/>
+    <p:notesMasterId r:id="rId18"/>
   </p:notesMasterIdLst>
   <p:sldIdLst>
     <p:sldId id="256" r:id="rId2"/>
     <p:sldId id="262" r:id="rId3"/>
-    <p:sldId id="272" r:id="rId4"/>
+    <p:sldId id="275" r:id="rId4"/>
     <p:sldId id="266" r:id="rId5"/>
     <p:sldId id="268" r:id="rId6"/>
     <p:sldId id="263" r:id="rId7"/>
@@ -19,8 +19,11 @@
     <p:sldId id="265" r:id="rId10"/>
     <p:sldId id="267" r:id="rId11"/>
     <p:sldId id="258" r:id="rId12"/>
-    <p:sldId id="270" r:id="rId13"/>
-    <p:sldId id="271" r:id="rId14"/>
+    <p:sldId id="271" r:id="rId13"/>
+    <p:sldId id="270" r:id="rId14"/>
+    <p:sldId id="273" r:id="rId15"/>
+    <p:sldId id="274" r:id="rId16"/>
+    <p:sldId id="272" r:id="rId17"/>
   </p:sldIdLst>
   <p:sldSz cx="12192000" cy="6858000"/>
   <p:notesSz cx="6858000" cy="9144000"/>
@@ -126,7 +129,7 @@
           <p14:sldIdLst>
             <p14:sldId id="256"/>
             <p14:sldId id="262"/>
-            <p14:sldId id="272"/>
+            <p14:sldId id="275"/>
           </p14:sldIdLst>
         </p14:section>
         <p14:section name="Virtue/Unity" id="{0D0E284A-AE87-4BE3-8157-4E8B4CDEDCE8}">
@@ -147,8 +150,15 @@
         <p14:section name="Admin Services" id="{482CAA11-5956-40D4-A7D2-C0C8138CA44A}">
           <p14:sldIdLst>
             <p14:sldId id="258"/>
+            <p14:sldId id="271"/>
             <p14:sldId id="270"/>
-            <p14:sldId id="271"/>
+            <p14:sldId id="273"/>
+            <p14:sldId id="274"/>
+          </p14:sldIdLst>
+        </p14:section>
+        <p14:section name="Excalibur" id="{2B301586-64A0-47F0-BB44-2583C7273CB2}">
+          <p14:sldIdLst>
+            <p14:sldId id="272"/>
           </p14:sldIdLst>
         </p14:section>
       </p14:sectionLst>
@@ -242,7 +252,7 @@
           <a:p>
             <a:fld id="{E03A47CA-A540-497B-9B0F-ADA561AF46FF}" type="datetimeFigureOut">
               <a:rPr lang="en-US" smtClean="0"/>
-              <a:t>5/23/2018</a:t>
+              <a:t>5/24/2018</a:t>
             </a:fld>
             <a:endParaRPr lang="en-US"/>
           </a:p>
@@ -834,31 +844,7 @@
                 <a:ea typeface="Tahoma" pitchFamily="34" charset="0"/>
                 <a:cs typeface="Tahoma" pitchFamily="34" charset="0"/>
               </a:rPr>
-              <a:t> policies, </a:t>
-            </a:r>
-            <a:r>
-              <a:rPr lang="en-US" sz="1200" kern="1200" dirty="0" err="1">
-                <a:solidFill>
-                  <a:schemeClr val="tx1"/>
-                </a:solidFill>
-                <a:effectLst/>
-                <a:latin typeface="Tahoma" pitchFamily="34" charset="0"/>
-                <a:ea typeface="Tahoma" pitchFamily="34" charset="0"/>
-                <a:cs typeface="Tahoma" pitchFamily="34" charset="0"/>
-              </a:rPr>
-              <a:t>seccomp</a:t>
-            </a:r>
-            <a:r>
-              <a:rPr lang="en-US" sz="1200" kern="1200" dirty="0">
-                <a:solidFill>
-                  <a:schemeClr val="tx1"/>
-                </a:solidFill>
-                <a:effectLst/>
-                <a:latin typeface="Tahoma" pitchFamily="34" charset="0"/>
-                <a:ea typeface="Tahoma" pitchFamily="34" charset="0"/>
-                <a:cs typeface="Tahoma" pitchFamily="34" charset="0"/>
-              </a:rPr>
-              <a:t>,</a:t>
+              <a:t> policies, seccomp,</a:t>
             </a:r>
           </a:p>
           <a:p>
@@ -2833,7 +2819,7 @@
           <a:p>
             <a:fld id="{98E4D025-9800-4320-B6D5-0C2C5F31124D}" type="datetimeFigureOut">
               <a:rPr lang="en-US" smtClean="0"/>
-              <a:t>5/23/2018</a:t>
+              <a:t>5/24/2018</a:t>
             </a:fld>
             <a:endParaRPr lang="en-US"/>
           </a:p>
@@ -3010,7 +2996,7 @@
           <a:p>
             <a:fld id="{98E4D025-9800-4320-B6D5-0C2C5F31124D}" type="datetimeFigureOut">
               <a:rPr lang="en-US" smtClean="0"/>
-              <a:t>5/23/2018</a:t>
+              <a:t>5/24/2018</a:t>
             </a:fld>
             <a:endParaRPr lang="en-US"/>
           </a:p>
@@ -3190,7 +3176,7 @@
           <a:p>
             <a:fld id="{98E4D025-9800-4320-B6D5-0C2C5F31124D}" type="datetimeFigureOut">
               <a:rPr lang="en-US" smtClean="0"/>
-              <a:t>5/23/2018</a:t>
+              <a:t>5/24/2018</a:t>
             </a:fld>
             <a:endParaRPr lang="en-US"/>
           </a:p>
@@ -3367,7 +3353,7 @@
           <a:p>
             <a:fld id="{98E4D025-9800-4320-B6D5-0C2C5F31124D}" type="datetimeFigureOut">
               <a:rPr lang="en-US" smtClean="0"/>
-              <a:t>5/23/2018</a:t>
+              <a:t>5/24/2018</a:t>
             </a:fld>
             <a:endParaRPr lang="en-US"/>
           </a:p>
@@ -3620,7 +3606,7 @@
           <a:p>
             <a:fld id="{98E4D025-9800-4320-B6D5-0C2C5F31124D}" type="datetimeFigureOut">
               <a:rPr lang="en-US" smtClean="0"/>
-              <a:t>5/23/2018</a:t>
+              <a:t>5/24/2018</a:t>
             </a:fld>
             <a:endParaRPr lang="en-US"/>
           </a:p>
@@ -3859,7 +3845,7 @@
           <a:p>
             <a:fld id="{98E4D025-9800-4320-B6D5-0C2C5F31124D}" type="datetimeFigureOut">
               <a:rPr lang="en-US" smtClean="0"/>
-              <a:t>5/23/2018</a:t>
+              <a:t>5/24/2018</a:t>
             </a:fld>
             <a:endParaRPr lang="en-US"/>
           </a:p>
@@ -4233,7 +4219,7 @@
           <a:p>
             <a:fld id="{98E4D025-9800-4320-B6D5-0C2C5F31124D}" type="datetimeFigureOut">
               <a:rPr lang="en-US" smtClean="0"/>
-              <a:t>5/23/2018</a:t>
+              <a:t>5/24/2018</a:t>
             </a:fld>
             <a:endParaRPr lang="en-US"/>
           </a:p>
@@ -4358,7 +4344,7 @@
           <a:p>
             <a:fld id="{98E4D025-9800-4320-B6D5-0C2C5F31124D}" type="datetimeFigureOut">
               <a:rPr lang="en-US" smtClean="0"/>
-              <a:t>5/23/2018</a:t>
+              <a:t>5/24/2018</a:t>
             </a:fld>
             <a:endParaRPr lang="en-US"/>
           </a:p>
@@ -4460,7 +4446,7 @@
           <a:p>
             <a:fld id="{98E4D025-9800-4320-B6D5-0C2C5F31124D}" type="datetimeFigureOut">
               <a:rPr lang="en-US" smtClean="0"/>
-              <a:t>5/23/2018</a:t>
+              <a:t>5/24/2018</a:t>
             </a:fld>
             <a:endParaRPr lang="en-US"/>
           </a:p>
@@ -4737,7 +4723,7 @@
           <a:p>
             <a:fld id="{98E4D025-9800-4320-B6D5-0C2C5F31124D}" type="datetimeFigureOut">
               <a:rPr lang="en-US" smtClean="0"/>
-              <a:t>5/23/2018</a:t>
+              <a:t>5/24/2018</a:t>
             </a:fld>
             <a:endParaRPr lang="en-US"/>
           </a:p>
@@ -4990,7 +4976,7 @@
           <a:p>
             <a:fld id="{98E4D025-9800-4320-B6D5-0C2C5F31124D}" type="datetimeFigureOut">
               <a:rPr lang="en-US" smtClean="0"/>
-              <a:t>5/23/2018</a:t>
+              <a:t>5/24/2018</a:t>
             </a:fld>
             <a:endParaRPr lang="en-US"/>
           </a:p>
@@ -5203,7 +5189,7 @@
           <a:p>
             <a:fld id="{98E4D025-9800-4320-B6D5-0C2C5F31124D}" type="datetimeFigureOut">
               <a:rPr lang="en-US" smtClean="0"/>
-              <a:t>5/23/2018</a:t>
+              <a:t>5/24/2018</a:t>
             </a:fld>
             <a:endParaRPr lang="en-US"/>
           </a:p>
@@ -5284,6 +5270,48 @@
               <a:t>‹#›</a:t>
             </a:fld>
             <a:endParaRPr lang="en-US"/>
+          </a:p>
+        </p:txBody>
+      </p:sp>
+      <p:sp>
+        <p:nvSpPr>
+          <p:cNvPr id="7" name="TextBox 6"/>
+          <p:cNvSpPr txBox="1"/>
+          <p:nvPr userDrawn="1"/>
+        </p:nvSpPr>
+        <p:spPr>
+          <a:xfrm rot="19800000">
+            <a:off x="3147916" y="2233350"/>
+            <a:ext cx="5896166" cy="2646878"/>
+          </a:xfrm>
+          <a:prstGeom prst="rect">
+            <a:avLst/>
+          </a:prstGeom>
+          <a:noFill/>
+        </p:spPr>
+        <p:txBody>
+          <a:bodyPr wrap="none" rtlCol="0">
+            <a:spAutoFit/>
+          </a:bodyPr>
+          <a:lstStyle/>
+          <a:p>
+            <a:r>
+              <a:rPr lang="en-US" sz="16600" dirty="0" smtClean="0">
+                <a:solidFill>
+                  <a:schemeClr val="tx1">
+                    <a:alpha val="8000"/>
+                  </a:schemeClr>
+                </a:solidFill>
+              </a:rPr>
+              <a:t>DRAFT</a:t>
+            </a:r>
+            <a:endParaRPr lang="en-US" sz="16600" dirty="0">
+              <a:solidFill>
+                <a:schemeClr val="tx1">
+                  <a:alpha val="8000"/>
+                </a:schemeClr>
+              </a:solidFill>
+            </a:endParaRPr>
           </a:p>
         </p:txBody>
       </p:sp>
@@ -9864,6 +9892,108 @@
           </a:p>
         </p:txBody>
       </p:sp>
+      <p:sp>
+        <p:nvSpPr>
+          <p:cNvPr id="2" name="TextBox 1"/>
+          <p:cNvSpPr txBox="1"/>
+          <p:nvPr/>
+        </p:nvSpPr>
+        <p:spPr>
+          <a:xfrm>
+            <a:off x="7294587" y="3147398"/>
+            <a:ext cx="979755" cy="307777"/>
+          </a:xfrm>
+          <a:prstGeom prst="rect">
+            <a:avLst/>
+          </a:prstGeom>
+          <a:noFill/>
+        </p:spPr>
+        <p:txBody>
+          <a:bodyPr wrap="none" rtlCol="0">
+            <a:spAutoFit/>
+          </a:bodyPr>
+          <a:lstStyle/>
+          <a:p>
+            <a:r>
+              <a:rPr lang="en-US" sz="1400" i="1" dirty="0" smtClean="0">
+                <a:latin typeface="Consolas" panose="020B0609020204030204" pitchFamily="49" charset="0"/>
+              </a:rPr>
+              <a:t>build.py</a:t>
+            </a:r>
+            <a:endParaRPr lang="en-US" sz="1400" i="1" dirty="0">
+              <a:latin typeface="Consolas" panose="020B0609020204030204" pitchFamily="49" charset="0"/>
+            </a:endParaRPr>
+          </a:p>
+        </p:txBody>
+      </p:sp>
+      <p:sp>
+        <p:nvSpPr>
+          <p:cNvPr id="48" name="TextBox 47"/>
+          <p:cNvSpPr txBox="1"/>
+          <p:nvPr/>
+        </p:nvSpPr>
+        <p:spPr>
+          <a:xfrm>
+            <a:off x="2629011" y="5899093"/>
+            <a:ext cx="1277914" cy="307777"/>
+          </a:xfrm>
+          <a:prstGeom prst="rect">
+            <a:avLst/>
+          </a:prstGeom>
+          <a:noFill/>
+        </p:spPr>
+        <p:txBody>
+          <a:bodyPr wrap="none" rtlCol="0">
+            <a:spAutoFit/>
+          </a:bodyPr>
+          <a:lstStyle/>
+          <a:p>
+            <a:r>
+              <a:rPr lang="en-US" sz="1400" i="1" dirty="0" smtClean="0">
+                <a:latin typeface="Consolas" panose="020B0609020204030204" pitchFamily="49" charset="0"/>
+              </a:rPr>
+              <a:t>assemble.py</a:t>
+            </a:r>
+            <a:endParaRPr lang="en-US" sz="1400" i="1" dirty="0">
+              <a:latin typeface="Consolas" panose="020B0609020204030204" pitchFamily="49" charset="0"/>
+            </a:endParaRPr>
+          </a:p>
+        </p:txBody>
+      </p:sp>
+      <p:sp>
+        <p:nvSpPr>
+          <p:cNvPr id="49" name="TextBox 48"/>
+          <p:cNvSpPr txBox="1"/>
+          <p:nvPr/>
+        </p:nvSpPr>
+        <p:spPr>
+          <a:xfrm>
+            <a:off x="6881937" y="5899092"/>
+            <a:ext cx="780983" cy="307777"/>
+          </a:xfrm>
+          <a:prstGeom prst="rect">
+            <a:avLst/>
+          </a:prstGeom>
+          <a:noFill/>
+        </p:spPr>
+        <p:txBody>
+          <a:bodyPr wrap="none" rtlCol="0">
+            <a:spAutoFit/>
+          </a:bodyPr>
+          <a:lstStyle/>
+          <a:p>
+            <a:r>
+              <a:rPr lang="en-US" sz="1400" i="1" dirty="0" smtClean="0">
+                <a:latin typeface="Consolas" panose="020B0609020204030204" pitchFamily="49" charset="0"/>
+              </a:rPr>
+              <a:t>run.py</a:t>
+            </a:r>
+            <a:endParaRPr lang="en-US" sz="1400" i="1" dirty="0">
+              <a:latin typeface="Consolas" panose="020B0609020204030204" pitchFamily="49" charset="0"/>
+            </a:endParaRPr>
+          </a:p>
+        </p:txBody>
+      </p:sp>
     </p:spTree>
     <p:extLst>
       <p:ext uri="{BB962C8B-B14F-4D97-AF65-F5344CB8AC3E}">
@@ -9901,1581 +10031,9 @@
           <a:chExt cx="0" cy="0"/>
         </a:xfrm>
       </p:grpSpPr>
-      <p:grpSp>
-        <p:nvGrpSpPr>
-          <p:cNvPr id="6" name="Group 5"/>
-          <p:cNvGrpSpPr/>
-          <p:nvPr/>
-        </p:nvGrpSpPr>
-        <p:grpSpPr>
-          <a:xfrm>
-            <a:off x="2140266" y="1644015"/>
-            <a:ext cx="8071018" cy="4873541"/>
-            <a:chOff x="0" y="0"/>
-            <a:chExt cx="6007321" cy="3627360"/>
-          </a:xfrm>
-        </p:grpSpPr>
-        <p:sp>
-          <p:nvSpPr>
-            <p:cNvPr id="7" name="Freeform 6"/>
-            <p:cNvSpPr/>
-            <p:nvPr/>
-          </p:nvSpPr>
-          <p:spPr>
-            <a:xfrm>
-              <a:off x="0" y="5760"/>
-              <a:ext cx="1208520" cy="340920"/>
-            </a:xfrm>
-            <a:custGeom>
-              <a:avLst/>
-              <a:gdLst/>
-              <a:ahLst/>
-              <a:cxnLst/>
-              <a:rect l="0" t="0" r="r" b="b"/>
-              <a:pathLst>
-                <a:path w="1904" h="539">
-                  <a:moveTo>
-                    <a:pt x="89" y="0"/>
-                  </a:moveTo>
-                  <a:cubicBezTo>
-                    <a:pt x="44" y="0"/>
-                    <a:pt x="0" y="44"/>
-                    <a:pt x="0" y="89"/>
-                  </a:cubicBezTo>
-                  <a:lnTo>
-                    <a:pt x="0" y="448"/>
-                  </a:lnTo>
-                  <a:cubicBezTo>
-                    <a:pt x="0" y="493"/>
-                    <a:pt x="44" y="538"/>
-                    <a:pt x="89" y="538"/>
-                  </a:cubicBezTo>
-                  <a:lnTo>
-                    <a:pt x="1814" y="538"/>
-                  </a:lnTo>
-                  <a:cubicBezTo>
-                    <a:pt x="1858" y="538"/>
-                    <a:pt x="1903" y="493"/>
-                    <a:pt x="1903" y="448"/>
-                  </a:cubicBezTo>
-                  <a:lnTo>
-                    <a:pt x="1903" y="89"/>
-                  </a:lnTo>
-                  <a:cubicBezTo>
-                    <a:pt x="1903" y="44"/>
-                    <a:pt x="1858" y="0"/>
-                    <a:pt x="1814" y="0"/>
-                  </a:cubicBezTo>
-                  <a:lnTo>
-                    <a:pt x="89" y="0"/>
-                  </a:lnTo>
-                </a:path>
-              </a:pathLst>
-            </a:custGeom>
-            <a:ln/>
-          </p:spPr>
-          <p:style>
-            <a:lnRef idx="1">
-              <a:schemeClr val="accent1"/>
-            </a:lnRef>
-            <a:fillRef idx="2">
-              <a:schemeClr val="accent1"/>
-            </a:fillRef>
-            <a:effectRef idx="1">
-              <a:schemeClr val="accent1"/>
-            </a:effectRef>
-            <a:fontRef idx="minor">
-              <a:schemeClr val="dk1"/>
-            </a:fontRef>
-          </p:style>
-          <p:txBody>
-            <a:bodyPr lIns="0" tIns="0" rIns="0" bIns="0" anchor="ctr">
-              <a:noAutofit/>
-            </a:bodyPr>
-            <a:lstStyle/>
-            <a:p>
-              <a:pPr marL="0" marR="0" algn="ctr" hangingPunct="0">
-                <a:spcBef>
-                  <a:spcPts val="0"/>
-                </a:spcBef>
-                <a:spcAft>
-                  <a:spcPts val="0"/>
-                </a:spcAft>
-              </a:pPr>
-              <a:r>
-                <a:rPr lang="en-US" sz="1200" b="1" kern="100" dirty="0">
-                  <a:effectLst/>
-                  <a:latin typeface="Liberation Serif"/>
-                  <a:ea typeface="Liberation Sans"/>
-                  <a:cs typeface="Liberation Sans"/>
-                </a:rPr>
-                <a:t>assemble.py</a:t>
-              </a:r>
-              <a:endParaRPr lang="en-US" sz="1200" kern="100" dirty="0">
-                <a:effectLst/>
-                <a:latin typeface="Liberation Serif"/>
-                <a:ea typeface="Liberation Sans"/>
-                <a:cs typeface="Liberation Sans"/>
-              </a:endParaRPr>
-            </a:p>
-          </p:txBody>
-        </p:sp>
-        <p:sp>
-          <p:nvSpPr>
-            <p:cNvPr id="8" name="Rectangle 7"/>
-            <p:cNvSpPr/>
-            <p:nvPr/>
-          </p:nvSpPr>
-          <p:spPr>
-            <a:xfrm>
-              <a:off x="1434600" y="0"/>
-              <a:ext cx="2036520" cy="662400"/>
-            </a:xfrm>
-            <a:prstGeom prst="rect">
-              <a:avLst/>
-            </a:prstGeom>
-            <a:ln/>
-          </p:spPr>
-          <p:style>
-            <a:lnRef idx="1">
-              <a:schemeClr val="accent1"/>
-            </a:lnRef>
-            <a:fillRef idx="2">
-              <a:schemeClr val="accent1"/>
-            </a:fillRef>
-            <a:effectRef idx="1">
-              <a:schemeClr val="accent1"/>
-            </a:effectRef>
-            <a:fontRef idx="minor">
-              <a:schemeClr val="dk1"/>
-            </a:fontRef>
-          </p:style>
-          <p:txBody>
-            <a:bodyPr lIns="0" tIns="0" rIns="0" bIns="0" anchor="ctr">
-              <a:noAutofit/>
-            </a:bodyPr>
-            <a:lstStyle/>
-            <a:p>
-              <a:pPr marL="0" marR="0" hangingPunct="0">
-                <a:spcBef>
-                  <a:spcPts val="0"/>
-                </a:spcBef>
-                <a:spcAft>
-                  <a:spcPts val="0"/>
-                </a:spcAft>
-              </a:pPr>
-              <a:r>
-                <a:rPr lang="en-US" sz="1200" kern="100">
-                  <a:effectLst/>
-                  <a:latin typeface="Liberation Serif"/>
-                  <a:ea typeface="Liberation Sans"/>
-                  <a:cs typeface="Liberation Sans"/>
-                </a:rPr>
-                <a:t>“RSA Key” Stage</a:t>
-              </a:r>
-            </a:p>
-            <a:p>
-              <a:pPr marL="0" marR="0" hangingPunct="0">
-                <a:spcBef>
-                  <a:spcPts val="0"/>
-                </a:spcBef>
-                <a:spcAft>
-                  <a:spcPts val="0"/>
-                </a:spcAft>
-              </a:pPr>
-              <a:r>
-                <a:rPr lang="en-US" sz="1200" kern="100">
-                  <a:effectLst/>
-                  <a:latin typeface="Liberation Serif"/>
-                  <a:ea typeface="Liberation Sans"/>
-                  <a:cs typeface="Liberation Sans"/>
-                </a:rPr>
-                <a:t>    - Cloud-init</a:t>
-              </a:r>
-            </a:p>
-            <a:p>
-              <a:pPr marL="0" marR="0" hangingPunct="0">
-                <a:spcBef>
-                  <a:spcPts val="0"/>
-                </a:spcBef>
-                <a:spcAft>
-                  <a:spcPts val="0"/>
-                </a:spcAft>
-              </a:pPr>
-              <a:r>
-                <a:rPr lang="en-US" sz="1200" kern="100">
-                  <a:effectLst/>
-                  <a:latin typeface="Liberation Serif"/>
-                  <a:ea typeface="Liberation Sans"/>
-                  <a:cs typeface="Liberation Sans"/>
-                </a:rPr>
-                <a:t>    - Installs public key</a:t>
-              </a:r>
-            </a:p>
-          </p:txBody>
-        </p:sp>
-        <p:sp>
-          <p:nvSpPr>
-            <p:cNvPr id="9" name="Rectangle 8"/>
-            <p:cNvSpPr/>
-            <p:nvPr/>
-          </p:nvSpPr>
-          <p:spPr>
-            <a:xfrm>
-              <a:off x="1440360" y="767880"/>
-              <a:ext cx="2030760" cy="662400"/>
-            </a:xfrm>
-            <a:prstGeom prst="rect">
-              <a:avLst/>
-            </a:prstGeom>
-            <a:ln/>
-          </p:spPr>
-          <p:style>
-            <a:lnRef idx="1">
-              <a:schemeClr val="accent1"/>
-            </a:lnRef>
-            <a:fillRef idx="2">
-              <a:schemeClr val="accent1"/>
-            </a:fillRef>
-            <a:effectRef idx="1">
-              <a:schemeClr val="accent1"/>
-            </a:effectRef>
-            <a:fontRef idx="minor">
-              <a:schemeClr val="dk1"/>
-            </a:fontRef>
-          </p:style>
-          <p:txBody>
-            <a:bodyPr lIns="0" tIns="0" rIns="0" bIns="0" anchor="ctr">
-              <a:noAutofit/>
-            </a:bodyPr>
-            <a:lstStyle/>
-            <a:p>
-              <a:pPr marL="0" marR="0" hangingPunct="0">
-                <a:spcBef>
-                  <a:spcPts val="0"/>
-                </a:spcBef>
-                <a:spcAft>
-                  <a:spcPts val="0"/>
-                </a:spcAft>
-              </a:pPr>
-              <a:r>
-                <a:rPr lang="en-US" sz="1200" kern="100">
-                  <a:effectLst/>
-                  <a:latin typeface="Liberation Serif"/>
-                  <a:ea typeface="Liberation Sans"/>
-                  <a:cs typeface="Liberation Sans"/>
-                </a:rPr>
-                <a:t>“Kernel” Stage</a:t>
-              </a:r>
-            </a:p>
-            <a:p>
-              <a:pPr marL="0" marR="0" hangingPunct="0">
-                <a:spcBef>
-                  <a:spcPts val="0"/>
-                </a:spcBef>
-                <a:spcAft>
-                  <a:spcPts val="0"/>
-                </a:spcAft>
-              </a:pPr>
-              <a:r>
-                <a:rPr lang="en-US" sz="1200" kern="100">
-                  <a:effectLst/>
-                  <a:latin typeface="Liberation Serif"/>
-                  <a:ea typeface="Liberation Sans"/>
-                  <a:cs typeface="Liberation Sans"/>
-                </a:rPr>
-                <a:t>    - Cloud-init</a:t>
-              </a:r>
-            </a:p>
-            <a:p>
-              <a:pPr marL="0" marR="0" hangingPunct="0">
-                <a:spcBef>
-                  <a:spcPts val="0"/>
-                </a:spcBef>
-                <a:spcAft>
-                  <a:spcPts val="0"/>
-                </a:spcAft>
-              </a:pPr>
-              <a:r>
-                <a:rPr lang="en-US" sz="1200" kern="100">
-                  <a:effectLst/>
-                  <a:latin typeface="Liberation Serif"/>
-                  <a:ea typeface="Liberation Sans"/>
-                  <a:cs typeface="Liberation Sans"/>
-                </a:rPr>
-                <a:t>    - Installs custom kernel</a:t>
-              </a:r>
-            </a:p>
-          </p:txBody>
-        </p:sp>
-        <p:sp>
-          <p:nvSpPr>
-            <p:cNvPr id="10" name="Rectangle 9"/>
-            <p:cNvSpPr/>
-            <p:nvPr/>
-          </p:nvSpPr>
-          <p:spPr>
-            <a:xfrm>
-              <a:off x="1446480" y="1512000"/>
-              <a:ext cx="2035800" cy="662400"/>
-            </a:xfrm>
-            <a:prstGeom prst="rect">
-              <a:avLst/>
-            </a:prstGeom>
-            <a:ln/>
-          </p:spPr>
-          <p:style>
-            <a:lnRef idx="1">
-              <a:schemeClr val="accent1"/>
-            </a:lnRef>
-            <a:fillRef idx="2">
-              <a:schemeClr val="accent1"/>
-            </a:fillRef>
-            <a:effectRef idx="1">
-              <a:schemeClr val="accent1"/>
-            </a:effectRef>
-            <a:fontRef idx="minor">
-              <a:schemeClr val="dk1"/>
-            </a:fontRef>
-          </p:style>
-          <p:txBody>
-            <a:bodyPr lIns="0" tIns="0" rIns="0" bIns="0" anchor="ctr">
-              <a:noAutofit/>
-            </a:bodyPr>
-            <a:lstStyle/>
-            <a:p>
-              <a:pPr marL="0" marR="0" hangingPunct="0">
-                <a:spcBef>
-                  <a:spcPts val="0"/>
-                </a:spcBef>
-                <a:spcAft>
-                  <a:spcPts val="0"/>
-                </a:spcAft>
-              </a:pPr>
-              <a:r>
-                <a:rPr lang="en-US" sz="1200" kern="100">
-                  <a:effectLst/>
-                  <a:latin typeface="Liberation Serif"/>
-                  <a:ea typeface="Liberation Sans"/>
-                  <a:cs typeface="Liberation Sans"/>
-                </a:rPr>
-                <a:t>“APT” Stage</a:t>
-              </a:r>
-            </a:p>
-            <a:p>
-              <a:pPr marL="0" marR="0" hangingPunct="0">
-                <a:spcBef>
-                  <a:spcPts val="0"/>
-                </a:spcBef>
-                <a:spcAft>
-                  <a:spcPts val="0"/>
-                </a:spcAft>
-              </a:pPr>
-              <a:r>
-                <a:rPr lang="en-US" sz="1200" kern="100">
-                  <a:effectLst/>
-                  <a:latin typeface="Liberation Serif"/>
-                  <a:ea typeface="Liberation Sans"/>
-                  <a:cs typeface="Liberation Sans"/>
-                </a:rPr>
-                <a:t>    - Cloud-init</a:t>
-              </a:r>
-            </a:p>
-            <a:p>
-              <a:pPr marL="0" marR="0" hangingPunct="0">
-                <a:spcBef>
-                  <a:spcPts val="0"/>
-                </a:spcBef>
-                <a:spcAft>
-                  <a:spcPts val="0"/>
-                </a:spcAft>
-              </a:pPr>
-              <a:r>
-                <a:rPr lang="en-US" sz="1200" kern="100">
-                  <a:effectLst/>
-                  <a:latin typeface="Liberation Serif"/>
-                  <a:ea typeface="Liberation Sans"/>
-                  <a:cs typeface="Liberation Sans"/>
-                </a:rPr>
-                <a:t>    - Installs docker, python, git</a:t>
-              </a:r>
-            </a:p>
-          </p:txBody>
-        </p:sp>
-        <p:sp>
-          <p:nvSpPr>
-            <p:cNvPr id="11" name="Rectangle 10"/>
-            <p:cNvSpPr/>
-            <p:nvPr/>
-          </p:nvSpPr>
-          <p:spPr>
-            <a:xfrm>
-              <a:off x="1452240" y="2238480"/>
-              <a:ext cx="2035800" cy="662400"/>
-            </a:xfrm>
-            <a:prstGeom prst="rect">
-              <a:avLst/>
-            </a:prstGeom>
-            <a:ln/>
-          </p:spPr>
-          <p:style>
-            <a:lnRef idx="1">
-              <a:schemeClr val="accent1"/>
-            </a:lnRef>
-            <a:fillRef idx="2">
-              <a:schemeClr val="accent1"/>
-            </a:fillRef>
-            <a:effectRef idx="1">
-              <a:schemeClr val="accent1"/>
-            </a:effectRef>
-            <a:fontRef idx="minor">
-              <a:schemeClr val="dk1"/>
-            </a:fontRef>
-          </p:style>
-          <p:txBody>
-            <a:bodyPr lIns="0" tIns="0" rIns="0" bIns="0" anchor="ctr">
-              <a:noAutofit/>
-            </a:bodyPr>
-            <a:lstStyle/>
-            <a:p>
-              <a:pPr marL="0" marR="0" hangingPunct="0">
-                <a:spcBef>
-                  <a:spcPts val="0"/>
-                </a:spcBef>
-                <a:spcAft>
-                  <a:spcPts val="0"/>
-                </a:spcAft>
-              </a:pPr>
-              <a:r>
-                <a:rPr lang="en-US" sz="1200" kern="100">
-                  <a:effectLst/>
-                  <a:latin typeface="Liberation Serif"/>
-                  <a:ea typeface="Liberation Sans"/>
-                  <a:cs typeface="Liberation Sans"/>
-                </a:rPr>
-                <a:t>“docker-virtue” Stage</a:t>
-              </a:r>
-            </a:p>
-            <a:p>
-              <a:pPr marL="0" marR="0" hangingPunct="0">
-                <a:spcBef>
-                  <a:spcPts val="0"/>
-                </a:spcBef>
-                <a:spcAft>
-                  <a:spcPts val="0"/>
-                </a:spcAft>
-              </a:pPr>
-              <a:r>
-                <a:rPr lang="en-US" sz="1200" kern="100">
-                  <a:effectLst/>
-                  <a:latin typeface="Liberation Serif"/>
-                  <a:ea typeface="Liberation Sans"/>
-                  <a:cs typeface="Liberation Sans"/>
-                </a:rPr>
-                <a:t>    - Cloud-init</a:t>
-              </a:r>
-            </a:p>
-            <a:p>
-              <a:pPr marL="0" marR="0" hangingPunct="0">
-                <a:spcBef>
-                  <a:spcPts val="0"/>
-                </a:spcBef>
-                <a:spcAft>
-                  <a:spcPts val="0"/>
-                </a:spcAft>
-              </a:pPr>
-              <a:r>
-                <a:rPr lang="en-US" sz="1200" kern="100">
-                  <a:effectLst/>
-                  <a:latin typeface="Liberation Serif"/>
-                  <a:ea typeface="Liberation Sans"/>
-                  <a:cs typeface="Liberation Sans"/>
-                </a:rPr>
-                <a:t>    - Checks out required virtues</a:t>
-              </a:r>
-            </a:p>
-          </p:txBody>
-        </p:sp>
-        <p:sp>
-          <p:nvSpPr>
-            <p:cNvPr id="12" name="Rectangle 11"/>
-            <p:cNvSpPr/>
-            <p:nvPr/>
-          </p:nvSpPr>
-          <p:spPr>
-            <a:xfrm>
-              <a:off x="1452240" y="2964960"/>
-              <a:ext cx="2035800" cy="662400"/>
-            </a:xfrm>
-            <a:prstGeom prst="rect">
-              <a:avLst/>
-            </a:prstGeom>
-            <a:ln/>
-          </p:spPr>
-          <p:style>
-            <a:lnRef idx="1">
-              <a:schemeClr val="accent1"/>
-            </a:lnRef>
-            <a:fillRef idx="2">
-              <a:schemeClr val="accent1"/>
-            </a:fillRef>
-            <a:effectRef idx="1">
-              <a:schemeClr val="accent1"/>
-            </a:effectRef>
-            <a:fontRef idx="minor">
-              <a:schemeClr val="dk1"/>
-            </a:fontRef>
-          </p:style>
-          <p:txBody>
-            <a:bodyPr lIns="0" tIns="0" rIns="0" bIns="0" anchor="ctr">
-              <a:noAutofit/>
-            </a:bodyPr>
-            <a:lstStyle/>
-            <a:p>
-              <a:pPr marL="0" marR="0" hangingPunct="0">
-                <a:spcBef>
-                  <a:spcPts val="0"/>
-                </a:spcBef>
-                <a:spcAft>
-                  <a:spcPts val="0"/>
-                </a:spcAft>
-              </a:pPr>
-              <a:r>
-                <a:rPr lang="en-US" sz="1200" kern="100">
-                  <a:effectLst/>
-                  <a:latin typeface="Liberation Serif"/>
-                  <a:ea typeface="Liberation Sans"/>
-                  <a:cs typeface="Liberation Sans"/>
-                </a:rPr>
-                <a:t>“syslog” Stage</a:t>
-              </a:r>
-            </a:p>
-            <a:p>
-              <a:pPr marL="0" marR="0" hangingPunct="0">
-                <a:spcBef>
-                  <a:spcPts val="0"/>
-                </a:spcBef>
-                <a:spcAft>
-                  <a:spcPts val="0"/>
-                </a:spcAft>
-              </a:pPr>
-              <a:r>
-                <a:rPr lang="en-US" sz="1200" kern="100">
-                  <a:effectLst/>
-                  <a:latin typeface="Liberation Serif"/>
-                  <a:ea typeface="Liberation Sans"/>
-                  <a:cs typeface="Liberation Sans"/>
-                </a:rPr>
-                <a:t>    - SSH</a:t>
-              </a:r>
-            </a:p>
-            <a:p>
-              <a:pPr marL="0" marR="0" hangingPunct="0">
-                <a:spcBef>
-                  <a:spcPts val="0"/>
-                </a:spcBef>
-                <a:spcAft>
-                  <a:spcPts val="0"/>
-                </a:spcAft>
-              </a:pPr>
-              <a:r>
-                <a:rPr lang="en-US" sz="1200" kern="100">
-                  <a:effectLst/>
-                  <a:latin typeface="Liberation Serif"/>
-                  <a:ea typeface="Liberation Sans"/>
-                  <a:cs typeface="Liberation Sans"/>
-                </a:rPr>
-                <a:t>    - Depends on RSA Key stage</a:t>
-              </a:r>
-            </a:p>
-            <a:p>
-              <a:pPr marL="0" marR="0" hangingPunct="0">
-                <a:spcBef>
-                  <a:spcPts val="0"/>
-                </a:spcBef>
-                <a:spcAft>
-                  <a:spcPts val="0"/>
-                </a:spcAft>
-              </a:pPr>
-              <a:r>
-                <a:rPr lang="en-US" sz="1200" kern="100">
-                  <a:effectLst/>
-                  <a:latin typeface="Liberation Serif"/>
-                  <a:ea typeface="Liberation Sans"/>
-                  <a:cs typeface="Liberation Sans"/>
-                </a:rPr>
-                <a:t>    - Installs custom syslog-ng</a:t>
-              </a:r>
-            </a:p>
-          </p:txBody>
-        </p:sp>
-        <p:sp>
-          <p:nvSpPr>
-            <p:cNvPr id="13" name="Freeform 12"/>
-            <p:cNvSpPr/>
-            <p:nvPr/>
-          </p:nvSpPr>
-          <p:spPr>
-            <a:xfrm>
-              <a:off x="4626000" y="1285200"/>
-              <a:ext cx="941040" cy="941040"/>
-            </a:xfrm>
-            <a:custGeom>
-              <a:avLst/>
-              <a:gdLst/>
-              <a:ahLst/>
-              <a:cxnLst/>
-              <a:rect l="l" t="t" r="r" b="b"/>
-              <a:pathLst>
-                <a:path w="21600" h="21600">
-                  <a:moveTo>
-                    <a:pt x="10800" y="0"/>
-                  </a:moveTo>
-                  <a:lnTo>
-                    <a:pt x="21600" y="10800"/>
-                  </a:lnTo>
-                  <a:lnTo>
-                    <a:pt x="10800" y="21600"/>
-                  </a:lnTo>
-                  <a:lnTo>
-                    <a:pt x="0" y="10800"/>
-                  </a:lnTo>
-                  <a:lnTo>
-                    <a:pt x="10800" y="0"/>
-                  </a:lnTo>
-                  <a:close/>
-                </a:path>
-              </a:pathLst>
-            </a:custGeom>
-            <a:ln/>
-          </p:spPr>
-          <p:style>
-            <a:lnRef idx="1">
-              <a:schemeClr val="accent1"/>
-            </a:lnRef>
-            <a:fillRef idx="2">
-              <a:schemeClr val="accent1"/>
-            </a:fillRef>
-            <a:effectRef idx="1">
-              <a:schemeClr val="accent1"/>
-            </a:effectRef>
-            <a:fontRef idx="minor">
-              <a:schemeClr val="dk1"/>
-            </a:fontRef>
-          </p:style>
-          <p:txBody>
-            <a:bodyPr lIns="0" tIns="0" rIns="0" bIns="0" anchor="ctr">
-              <a:noAutofit/>
-            </a:bodyPr>
-            <a:lstStyle/>
-            <a:p>
-              <a:pPr marL="0" marR="0" algn="ctr" hangingPunct="0">
-                <a:spcBef>
-                  <a:spcPts val="0"/>
-                </a:spcBef>
-                <a:spcAft>
-                  <a:spcPts val="0"/>
-                </a:spcAft>
-              </a:pPr>
-              <a:r>
-                <a:rPr lang="en-US" sz="1200" kern="100">
-                  <a:effectLst/>
-                  <a:latin typeface="Liberation Serif"/>
-                  <a:ea typeface="Liberation Sans"/>
-                  <a:cs typeface="Liberation Sans"/>
-                </a:rPr>
-                <a:t>VM Image</a:t>
-              </a:r>
-            </a:p>
-          </p:txBody>
-        </p:sp>
-        <p:cxnSp>
-          <p:nvCxnSpPr>
-            <p:cNvPr id="14" name="Straight Connector 13"/>
-            <p:cNvCxnSpPr/>
-            <p:nvPr/>
-          </p:nvCxnSpPr>
-          <p:spPr>
-            <a:xfrm>
-              <a:off x="1208520" y="297720"/>
-              <a:ext cx="226080" cy="0"/>
-            </a:xfrm>
-            <a:prstGeom prst="line">
-              <a:avLst/>
-            </a:prstGeom>
-            <a:ln>
-              <a:tailEnd type="triangle" w="med" len="med"/>
-            </a:ln>
-          </p:spPr>
-          <p:style>
-            <a:lnRef idx="1">
-              <a:schemeClr val="accent1"/>
-            </a:lnRef>
-            <a:fillRef idx="2">
-              <a:schemeClr val="accent1"/>
-            </a:fillRef>
-            <a:effectRef idx="1">
-              <a:schemeClr val="accent1"/>
-            </a:effectRef>
-            <a:fontRef idx="minor">
-              <a:schemeClr val="dk1"/>
-            </a:fontRef>
-          </p:style>
-        </p:cxnSp>
-        <p:cxnSp>
-          <p:nvCxnSpPr>
-            <p:cNvPr id="15" name="Straight Connector 14"/>
-            <p:cNvCxnSpPr/>
-            <p:nvPr/>
-          </p:nvCxnSpPr>
-          <p:spPr>
-            <a:xfrm>
-              <a:off x="1280160" y="297720"/>
-              <a:ext cx="0" cy="3185280"/>
-            </a:xfrm>
-            <a:prstGeom prst="line">
-              <a:avLst/>
-            </a:prstGeom>
-            <a:ln/>
-          </p:spPr>
-          <p:style>
-            <a:lnRef idx="1">
-              <a:schemeClr val="accent1"/>
-            </a:lnRef>
-            <a:fillRef idx="2">
-              <a:schemeClr val="accent1"/>
-            </a:fillRef>
-            <a:effectRef idx="1">
-              <a:schemeClr val="accent1"/>
-            </a:effectRef>
-            <a:fontRef idx="minor">
-              <a:schemeClr val="dk1"/>
-            </a:fontRef>
-          </p:style>
-        </p:cxnSp>
-        <p:cxnSp>
-          <p:nvCxnSpPr>
-            <p:cNvPr id="16" name="Straight Connector 15"/>
-            <p:cNvCxnSpPr/>
-            <p:nvPr/>
-          </p:nvCxnSpPr>
-          <p:spPr>
-            <a:xfrm>
-              <a:off x="1280160" y="1108080"/>
-              <a:ext cx="160200" cy="0"/>
-            </a:xfrm>
-            <a:prstGeom prst="line">
-              <a:avLst/>
-            </a:prstGeom>
-            <a:ln>
-              <a:tailEnd type="triangle" w="med" len="med"/>
-            </a:ln>
-          </p:spPr>
-          <p:style>
-            <a:lnRef idx="1">
-              <a:schemeClr val="accent1"/>
-            </a:lnRef>
-            <a:fillRef idx="2">
-              <a:schemeClr val="accent1"/>
-            </a:fillRef>
-            <a:effectRef idx="1">
-              <a:schemeClr val="accent1"/>
-            </a:effectRef>
-            <a:fontRef idx="minor">
-              <a:schemeClr val="dk1"/>
-            </a:fontRef>
-          </p:style>
-        </p:cxnSp>
-        <p:cxnSp>
-          <p:nvCxnSpPr>
-            <p:cNvPr id="17" name="Straight Connector 16"/>
-            <p:cNvCxnSpPr/>
-            <p:nvPr/>
-          </p:nvCxnSpPr>
-          <p:spPr>
-            <a:xfrm>
-              <a:off x="1280160" y="1917000"/>
-              <a:ext cx="166320" cy="0"/>
-            </a:xfrm>
-            <a:prstGeom prst="line">
-              <a:avLst/>
-            </a:prstGeom>
-            <a:ln>
-              <a:tailEnd type="triangle" w="med" len="med"/>
-            </a:ln>
-          </p:spPr>
-          <p:style>
-            <a:lnRef idx="1">
-              <a:schemeClr val="accent1"/>
-            </a:lnRef>
-            <a:fillRef idx="2">
-              <a:schemeClr val="accent1"/>
-            </a:fillRef>
-            <a:effectRef idx="1">
-              <a:schemeClr val="accent1"/>
-            </a:effectRef>
-            <a:fontRef idx="minor">
-              <a:schemeClr val="dk1"/>
-            </a:fontRef>
-          </p:style>
-        </p:cxnSp>
-        <p:cxnSp>
-          <p:nvCxnSpPr>
-            <p:cNvPr id="18" name="Straight Connector 17"/>
-            <p:cNvCxnSpPr/>
-            <p:nvPr/>
-          </p:nvCxnSpPr>
-          <p:spPr>
-            <a:xfrm>
-              <a:off x="1280160" y="2619360"/>
-              <a:ext cx="172080" cy="0"/>
-            </a:xfrm>
-            <a:prstGeom prst="line">
-              <a:avLst/>
-            </a:prstGeom>
-            <a:ln>
-              <a:tailEnd type="triangle" w="med" len="med"/>
-            </a:ln>
-          </p:spPr>
-          <p:style>
-            <a:lnRef idx="1">
-              <a:schemeClr val="accent1"/>
-            </a:lnRef>
-            <a:fillRef idx="2">
-              <a:schemeClr val="accent1"/>
-            </a:fillRef>
-            <a:effectRef idx="1">
-              <a:schemeClr val="accent1"/>
-            </a:effectRef>
-            <a:fontRef idx="minor">
-              <a:schemeClr val="dk1"/>
-            </a:fontRef>
-          </p:style>
-        </p:cxnSp>
-        <p:cxnSp>
-          <p:nvCxnSpPr>
-            <p:cNvPr id="19" name="Straight Connector 18"/>
-            <p:cNvCxnSpPr/>
-            <p:nvPr/>
-          </p:nvCxnSpPr>
-          <p:spPr>
-            <a:xfrm>
-              <a:off x="1280160" y="3483000"/>
-              <a:ext cx="172080" cy="0"/>
-            </a:xfrm>
-            <a:prstGeom prst="line">
-              <a:avLst/>
-            </a:prstGeom>
-            <a:ln>
-              <a:tailEnd type="triangle" w="med" len="med"/>
-            </a:ln>
-          </p:spPr>
-          <p:style>
-            <a:lnRef idx="1">
-              <a:schemeClr val="accent1"/>
-            </a:lnRef>
-            <a:fillRef idx="2">
-              <a:schemeClr val="accent1"/>
-            </a:fillRef>
-            <a:effectRef idx="1">
-              <a:schemeClr val="accent1"/>
-            </a:effectRef>
-            <a:fontRef idx="minor">
-              <a:schemeClr val="dk1"/>
-            </a:fontRef>
-          </p:style>
-        </p:cxnSp>
-        <p:sp>
-          <p:nvSpPr>
-            <p:cNvPr id="20" name="Freeform 19"/>
-            <p:cNvSpPr/>
-            <p:nvPr/>
-          </p:nvSpPr>
-          <p:spPr>
-            <a:xfrm>
-              <a:off x="4191841" y="665885"/>
-              <a:ext cx="1815480" cy="340920"/>
-            </a:xfrm>
-            <a:custGeom>
-              <a:avLst/>
-              <a:gdLst/>
-              <a:ahLst/>
-              <a:cxnLst/>
-              <a:rect l="0" t="0" r="r" b="b"/>
-              <a:pathLst>
-                <a:path w="2861" h="539">
-                  <a:moveTo>
-                    <a:pt x="89" y="0"/>
-                  </a:moveTo>
-                  <a:cubicBezTo>
-                    <a:pt x="44" y="0"/>
-                    <a:pt x="0" y="44"/>
-                    <a:pt x="0" y="89"/>
-                  </a:cubicBezTo>
-                  <a:lnTo>
-                    <a:pt x="0" y="448"/>
-                  </a:lnTo>
-                  <a:cubicBezTo>
-                    <a:pt x="0" y="493"/>
-                    <a:pt x="44" y="538"/>
-                    <a:pt x="89" y="538"/>
-                  </a:cubicBezTo>
-                  <a:lnTo>
-                    <a:pt x="2770" y="538"/>
-                  </a:lnTo>
-                  <a:cubicBezTo>
-                    <a:pt x="2815" y="538"/>
-                    <a:pt x="2860" y="493"/>
-                    <a:pt x="2860" y="448"/>
-                  </a:cubicBezTo>
-                  <a:lnTo>
-                    <a:pt x="2860" y="89"/>
-                  </a:lnTo>
-                  <a:cubicBezTo>
-                    <a:pt x="2860" y="44"/>
-                    <a:pt x="2815" y="0"/>
-                    <a:pt x="2770" y="0"/>
-                  </a:cubicBezTo>
-                  <a:lnTo>
-                    <a:pt x="89" y="0"/>
-                  </a:lnTo>
-                </a:path>
-              </a:pathLst>
-            </a:custGeom>
-            <a:ln/>
-          </p:spPr>
-          <p:style>
-            <a:lnRef idx="1">
-              <a:schemeClr val="accent1"/>
-            </a:lnRef>
-            <a:fillRef idx="2">
-              <a:schemeClr val="accent1"/>
-            </a:fillRef>
-            <a:effectRef idx="1">
-              <a:schemeClr val="accent1"/>
-            </a:effectRef>
-            <a:fontRef idx="minor">
-              <a:schemeClr val="dk1"/>
-            </a:fontRef>
-          </p:style>
-          <p:txBody>
-            <a:bodyPr lIns="0" tIns="0" rIns="0" bIns="0" anchor="ctr">
-              <a:noAutofit/>
-            </a:bodyPr>
-            <a:lstStyle/>
-            <a:p>
-              <a:pPr marL="0" marR="0" algn="ctr" hangingPunct="0">
-                <a:spcBef>
-                  <a:spcPts val="0"/>
-                </a:spcBef>
-                <a:spcAft>
-                  <a:spcPts val="0"/>
-                </a:spcAft>
-              </a:pPr>
-              <a:r>
-                <a:rPr lang="en-US" sz="1200" b="1" kern="100">
-                  <a:effectLst/>
-                  <a:latin typeface="Liberation Serif"/>
-                  <a:ea typeface="Liberation Sans"/>
-                  <a:cs typeface="Liberation Sans"/>
-                </a:rPr>
-                <a:t>cloud-init’s user-data</a:t>
-              </a:r>
-              <a:endParaRPr lang="en-US" sz="1200" kern="100">
-                <a:effectLst/>
-                <a:latin typeface="Liberation Serif"/>
-                <a:ea typeface="Liberation Sans"/>
-                <a:cs typeface="Liberation Sans"/>
-              </a:endParaRPr>
-            </a:p>
-          </p:txBody>
-        </p:sp>
-        <p:sp>
-          <p:nvSpPr>
-            <p:cNvPr id="21" name="Text Box 17"/>
-            <p:cNvSpPr txBox="1"/>
-            <p:nvPr/>
-          </p:nvSpPr>
-          <p:spPr>
-            <a:xfrm>
-              <a:off x="5062927" y="1036970"/>
-              <a:ext cx="131445" cy="183261"/>
-            </a:xfrm>
-            <a:prstGeom prst="rect">
-              <a:avLst/>
-            </a:prstGeom>
-            <a:noFill/>
-            <a:ln>
-              <a:noFill/>
-            </a:ln>
-          </p:spPr>
-          <p:style>
-            <a:lnRef idx="1">
-              <a:schemeClr val="accent1"/>
-            </a:lnRef>
-            <a:fillRef idx="2">
-              <a:schemeClr val="accent1"/>
-            </a:fillRef>
-            <a:effectRef idx="1">
-              <a:schemeClr val="accent1"/>
-            </a:effectRef>
-            <a:fontRef idx="minor">
-              <a:schemeClr val="dk1"/>
-            </a:fontRef>
-          </p:style>
-          <p:txBody>
-            <a:bodyPr wrap="square" lIns="0" tIns="0" rIns="0" bIns="0">
-              <a:spAutoFit/>
-            </a:bodyPr>
-            <a:lstStyle/>
-            <a:p>
-              <a:pPr marL="0" marR="0" hangingPunct="0">
-                <a:spcBef>
-                  <a:spcPts val="0"/>
-                </a:spcBef>
-                <a:spcAft>
-                  <a:spcPts val="0"/>
-                </a:spcAft>
-              </a:pPr>
-              <a:r>
-                <a:rPr lang="en-US" sz="1600" b="1" kern="100" dirty="0">
-                  <a:effectLst/>
-                  <a:latin typeface="Liberation Serif"/>
-                  <a:ea typeface="Liberation Sans"/>
-                  <a:cs typeface="Liberation Sans"/>
-                </a:rPr>
-                <a:t>+</a:t>
-              </a:r>
-              <a:endParaRPr lang="en-US" sz="1200" kern="100" dirty="0">
-                <a:effectLst/>
-                <a:latin typeface="Liberation Serif"/>
-                <a:ea typeface="Liberation Sans"/>
-                <a:cs typeface="Liberation Sans"/>
-              </a:endParaRPr>
-            </a:p>
-          </p:txBody>
-        </p:sp>
-        <p:sp>
-          <p:nvSpPr>
-            <p:cNvPr id="22" name="Freeform 21"/>
-            <p:cNvSpPr/>
-            <p:nvPr/>
-          </p:nvSpPr>
-          <p:spPr>
-            <a:xfrm>
-              <a:off x="4180320" y="2720520"/>
-              <a:ext cx="1815480" cy="340920"/>
-            </a:xfrm>
-            <a:custGeom>
-              <a:avLst/>
-              <a:gdLst/>
-              <a:ahLst/>
-              <a:cxnLst/>
-              <a:rect l="0" t="0" r="r" b="b"/>
-              <a:pathLst>
-                <a:path w="2861" h="539">
-                  <a:moveTo>
-                    <a:pt x="89" y="0"/>
-                  </a:moveTo>
-                  <a:cubicBezTo>
-                    <a:pt x="44" y="0"/>
-                    <a:pt x="0" y="44"/>
-                    <a:pt x="0" y="89"/>
-                  </a:cubicBezTo>
-                  <a:lnTo>
-                    <a:pt x="0" y="448"/>
-                  </a:lnTo>
-                  <a:cubicBezTo>
-                    <a:pt x="0" y="493"/>
-                    <a:pt x="44" y="538"/>
-                    <a:pt x="89" y="538"/>
-                  </a:cubicBezTo>
-                  <a:lnTo>
-                    <a:pt x="2770" y="538"/>
-                  </a:lnTo>
-                  <a:cubicBezTo>
-                    <a:pt x="2815" y="538"/>
-                    <a:pt x="2860" y="493"/>
-                    <a:pt x="2860" y="448"/>
-                  </a:cubicBezTo>
-                  <a:lnTo>
-                    <a:pt x="2860" y="89"/>
-                  </a:lnTo>
-                  <a:cubicBezTo>
-                    <a:pt x="2860" y="44"/>
-                    <a:pt x="2815" y="0"/>
-                    <a:pt x="2770" y="0"/>
-                  </a:cubicBezTo>
-                  <a:lnTo>
-                    <a:pt x="89" y="0"/>
-                  </a:lnTo>
-                </a:path>
-              </a:pathLst>
-            </a:custGeom>
-            <a:ln/>
-          </p:spPr>
-          <p:style>
-            <a:lnRef idx="1">
-              <a:schemeClr val="accent1"/>
-            </a:lnRef>
-            <a:fillRef idx="2">
-              <a:schemeClr val="accent1"/>
-            </a:fillRef>
-            <a:effectRef idx="1">
-              <a:schemeClr val="accent1"/>
-            </a:effectRef>
-            <a:fontRef idx="minor">
-              <a:schemeClr val="dk1"/>
-            </a:fontRef>
-          </p:style>
-          <p:txBody>
-            <a:bodyPr lIns="0" tIns="0" rIns="0" bIns="0" anchor="ctr">
-              <a:noAutofit/>
-            </a:bodyPr>
-            <a:lstStyle/>
-            <a:p>
-              <a:pPr marL="0" marR="0" algn="ctr" hangingPunct="0">
-                <a:spcBef>
-                  <a:spcPts val="0"/>
-                </a:spcBef>
-                <a:spcAft>
-                  <a:spcPts val="0"/>
-                </a:spcAft>
-              </a:pPr>
-              <a:r>
-                <a:rPr lang="en-US" sz="1200" b="1" kern="100">
-                  <a:effectLst/>
-                  <a:latin typeface="Liberation Serif"/>
-                  <a:ea typeface="Liberation Sans"/>
-                  <a:cs typeface="Liberation Sans"/>
-                </a:rPr>
-                <a:t>Virtue Instance</a:t>
-              </a:r>
-              <a:endParaRPr lang="en-US" sz="1200" kern="100">
-                <a:effectLst/>
-                <a:latin typeface="Liberation Serif"/>
-                <a:ea typeface="Liberation Sans"/>
-                <a:cs typeface="Liberation Sans"/>
-              </a:endParaRPr>
-            </a:p>
-          </p:txBody>
-        </p:sp>
-        <p:cxnSp>
-          <p:nvCxnSpPr>
-            <p:cNvPr id="23" name="Straight Connector 22"/>
-            <p:cNvCxnSpPr/>
-            <p:nvPr/>
-          </p:nvCxnSpPr>
-          <p:spPr>
-            <a:xfrm flipV="1">
-              <a:off x="3750480" y="264960"/>
-              <a:ext cx="0" cy="2314440"/>
-            </a:xfrm>
-            <a:prstGeom prst="line">
-              <a:avLst/>
-            </a:prstGeom>
-            <a:ln/>
-          </p:spPr>
-          <p:style>
-            <a:lnRef idx="1">
-              <a:schemeClr val="accent1"/>
-            </a:lnRef>
-            <a:fillRef idx="2">
-              <a:schemeClr val="accent1"/>
-            </a:fillRef>
-            <a:effectRef idx="1">
-              <a:schemeClr val="accent1"/>
-            </a:effectRef>
-            <a:fontRef idx="minor">
-              <a:schemeClr val="dk1"/>
-            </a:fontRef>
-          </p:style>
-        </p:cxnSp>
-        <p:cxnSp>
-          <p:nvCxnSpPr>
-            <p:cNvPr id="24" name="Straight Connector 23"/>
-            <p:cNvCxnSpPr/>
-            <p:nvPr/>
-          </p:nvCxnSpPr>
-          <p:spPr>
-            <a:xfrm>
-              <a:off x="3470760" y="264960"/>
-              <a:ext cx="279360" cy="0"/>
-            </a:xfrm>
-            <a:prstGeom prst="line">
-              <a:avLst/>
-            </a:prstGeom>
-            <a:ln/>
-          </p:spPr>
-          <p:style>
-            <a:lnRef idx="1">
-              <a:schemeClr val="accent1"/>
-            </a:lnRef>
-            <a:fillRef idx="2">
-              <a:schemeClr val="accent1"/>
-            </a:fillRef>
-            <a:effectRef idx="1">
-              <a:schemeClr val="accent1"/>
-            </a:effectRef>
-            <a:fontRef idx="minor">
-              <a:schemeClr val="dk1"/>
-            </a:fontRef>
-          </p:style>
-        </p:cxnSp>
-        <p:cxnSp>
-          <p:nvCxnSpPr>
-            <p:cNvPr id="25" name="Straight Connector 24"/>
-            <p:cNvCxnSpPr/>
-            <p:nvPr/>
-          </p:nvCxnSpPr>
-          <p:spPr>
-            <a:xfrm>
-              <a:off x="3470760" y="1155600"/>
-              <a:ext cx="279360" cy="0"/>
-            </a:xfrm>
-            <a:prstGeom prst="line">
-              <a:avLst/>
-            </a:prstGeom>
-            <a:ln/>
-          </p:spPr>
-          <p:style>
-            <a:lnRef idx="1">
-              <a:schemeClr val="accent1"/>
-            </a:lnRef>
-            <a:fillRef idx="2">
-              <a:schemeClr val="accent1"/>
-            </a:fillRef>
-            <a:effectRef idx="1">
-              <a:schemeClr val="accent1"/>
-            </a:effectRef>
-            <a:fontRef idx="minor">
-              <a:schemeClr val="dk1"/>
-            </a:fontRef>
-          </p:style>
-        </p:cxnSp>
-        <p:cxnSp>
-          <p:nvCxnSpPr>
-            <p:cNvPr id="26" name="Straight Connector 25"/>
-            <p:cNvCxnSpPr/>
-            <p:nvPr/>
-          </p:nvCxnSpPr>
-          <p:spPr>
-            <a:xfrm>
-              <a:off x="3482280" y="1859760"/>
-              <a:ext cx="267840" cy="0"/>
-            </a:xfrm>
-            <a:prstGeom prst="line">
-              <a:avLst/>
-            </a:prstGeom>
-            <a:ln/>
-          </p:spPr>
-          <p:style>
-            <a:lnRef idx="1">
-              <a:schemeClr val="accent1"/>
-            </a:lnRef>
-            <a:fillRef idx="2">
-              <a:schemeClr val="accent1"/>
-            </a:fillRef>
-            <a:effectRef idx="1">
-              <a:schemeClr val="accent1"/>
-            </a:effectRef>
-            <a:fontRef idx="minor">
-              <a:schemeClr val="dk1"/>
-            </a:fontRef>
-          </p:style>
-        </p:cxnSp>
-        <p:cxnSp>
-          <p:nvCxnSpPr>
-            <p:cNvPr id="27" name="Straight Connector 26"/>
-            <p:cNvCxnSpPr/>
-            <p:nvPr/>
-          </p:nvCxnSpPr>
-          <p:spPr>
-            <a:xfrm>
-              <a:off x="3488040" y="2579400"/>
-              <a:ext cx="262080" cy="0"/>
-            </a:xfrm>
-            <a:prstGeom prst="line">
-              <a:avLst/>
-            </a:prstGeom>
-            <a:ln/>
-          </p:spPr>
-          <p:style>
-            <a:lnRef idx="1">
-              <a:schemeClr val="accent1"/>
-            </a:lnRef>
-            <a:fillRef idx="2">
-              <a:schemeClr val="accent1"/>
-            </a:fillRef>
-            <a:effectRef idx="1">
-              <a:schemeClr val="accent1"/>
-            </a:effectRef>
-            <a:fontRef idx="minor">
-              <a:schemeClr val="dk1"/>
-            </a:fontRef>
-          </p:style>
-        </p:cxnSp>
-        <p:cxnSp>
-          <p:nvCxnSpPr>
-            <p:cNvPr id="28" name="Straight Connector 27"/>
-            <p:cNvCxnSpPr/>
-            <p:nvPr/>
-          </p:nvCxnSpPr>
-          <p:spPr>
-            <a:xfrm>
-              <a:off x="3750480" y="833040"/>
-              <a:ext cx="441360" cy="0"/>
-            </a:xfrm>
-            <a:prstGeom prst="line">
-              <a:avLst/>
-            </a:prstGeom>
-            <a:ln>
-              <a:tailEnd type="triangle" w="med" len="med"/>
-            </a:ln>
-          </p:spPr>
-          <p:style>
-            <a:lnRef idx="1">
-              <a:schemeClr val="accent1"/>
-            </a:lnRef>
-            <a:fillRef idx="2">
-              <a:schemeClr val="accent1"/>
-            </a:fillRef>
-            <a:effectRef idx="1">
-              <a:schemeClr val="accent1"/>
-            </a:effectRef>
-            <a:fontRef idx="minor">
-              <a:schemeClr val="dk1"/>
-            </a:fontRef>
-          </p:style>
-        </p:cxnSp>
-        <p:sp>
-          <p:nvSpPr>
-            <p:cNvPr id="29" name="Freeform 28"/>
-            <p:cNvSpPr/>
-            <p:nvPr/>
-          </p:nvSpPr>
-          <p:spPr>
-            <a:xfrm>
-              <a:off x="5015160" y="2277000"/>
-              <a:ext cx="179640" cy="391680"/>
-            </a:xfrm>
-            <a:custGeom>
-              <a:avLst/>
-              <a:gdLst/>
-              <a:ahLst/>
-              <a:cxnLst/>
-              <a:rect l="0" t="0" r="r" b="b"/>
-              <a:pathLst>
-                <a:path w="285" h="619">
-                  <a:moveTo>
-                    <a:pt x="71" y="0"/>
-                  </a:moveTo>
-                  <a:lnTo>
-                    <a:pt x="71" y="463"/>
-                  </a:lnTo>
-                  <a:lnTo>
-                    <a:pt x="0" y="463"/>
-                  </a:lnTo>
-                  <a:lnTo>
-                    <a:pt x="142" y="618"/>
-                  </a:lnTo>
-                  <a:lnTo>
-                    <a:pt x="284" y="463"/>
-                  </a:lnTo>
-                  <a:lnTo>
-                    <a:pt x="213" y="463"/>
-                  </a:lnTo>
-                  <a:lnTo>
-                    <a:pt x="213" y="0"/>
-                  </a:lnTo>
-                  <a:lnTo>
-                    <a:pt x="71" y="0"/>
-                  </a:lnTo>
-                </a:path>
-              </a:pathLst>
-            </a:custGeom>
-            <a:ln/>
-          </p:spPr>
-          <p:style>
-            <a:lnRef idx="1">
-              <a:schemeClr val="accent1"/>
-            </a:lnRef>
-            <a:fillRef idx="2">
-              <a:schemeClr val="accent1"/>
-            </a:fillRef>
-            <a:effectRef idx="1">
-              <a:schemeClr val="accent1"/>
-            </a:effectRef>
-            <a:fontRef idx="minor">
-              <a:schemeClr val="dk1"/>
-            </a:fontRef>
-          </p:style>
-          <p:txBody>
-            <a:bodyPr/>
-            <a:lstStyle/>
-            <a:p>
-              <a:endParaRPr lang="en-US"/>
-            </a:p>
-          </p:txBody>
-        </p:sp>
-        <p:sp>
-          <p:nvSpPr>
-            <p:cNvPr id="30" name="Text Box 26"/>
-            <p:cNvSpPr txBox="1"/>
-            <p:nvPr/>
-          </p:nvSpPr>
-          <p:spPr>
-            <a:xfrm>
-              <a:off x="5194372" y="2367203"/>
-              <a:ext cx="629920" cy="137446"/>
-            </a:xfrm>
-            <a:prstGeom prst="rect">
-              <a:avLst/>
-            </a:prstGeom>
-            <a:noFill/>
-            <a:ln>
-              <a:noFill/>
-            </a:ln>
-          </p:spPr>
-          <p:style>
-            <a:lnRef idx="2">
-              <a:schemeClr val="dk1"/>
-            </a:lnRef>
-            <a:fillRef idx="1">
-              <a:schemeClr val="lt1"/>
-            </a:fillRef>
-            <a:effectRef idx="0">
-              <a:schemeClr val="dk1"/>
-            </a:effectRef>
-            <a:fontRef idx="minor">
-              <a:schemeClr val="dk1"/>
-            </a:fontRef>
-          </p:style>
-          <p:txBody>
-            <a:bodyPr wrap="square" lIns="0" tIns="0" rIns="0" bIns="0">
-              <a:spAutoFit/>
-            </a:bodyPr>
-            <a:lstStyle/>
-            <a:p>
-              <a:pPr marL="0" marR="0" hangingPunct="0">
-                <a:spcBef>
-                  <a:spcPts val="0"/>
-                </a:spcBef>
-                <a:spcAft>
-                  <a:spcPts val="0"/>
-                </a:spcAft>
-              </a:pPr>
-              <a:r>
-                <a:rPr lang="en-US" sz="1200" kern="100" dirty="0">
-                  <a:effectLst/>
-                  <a:latin typeface="Liberation Serif"/>
-                  <a:ea typeface="Liberation Sans"/>
-                  <a:cs typeface="Liberation Sans"/>
-                </a:rPr>
-                <a:t>Boot</a:t>
-              </a:r>
-            </a:p>
-          </p:txBody>
-        </p:sp>
-        <p:cxnSp>
-          <p:nvCxnSpPr>
-            <p:cNvPr id="31" name="Straight Connector 30"/>
-            <p:cNvCxnSpPr/>
-            <p:nvPr/>
-          </p:nvCxnSpPr>
-          <p:spPr>
-            <a:xfrm>
-              <a:off x="3488040" y="3366000"/>
-              <a:ext cx="352440" cy="0"/>
-            </a:xfrm>
-            <a:prstGeom prst="line">
-              <a:avLst/>
-            </a:prstGeom>
-            <a:ln/>
-          </p:spPr>
-          <p:style>
-            <a:lnRef idx="1">
-              <a:schemeClr val="accent1"/>
-            </a:lnRef>
-            <a:fillRef idx="2">
-              <a:schemeClr val="accent1"/>
-            </a:fillRef>
-            <a:effectRef idx="1">
-              <a:schemeClr val="accent1"/>
-            </a:effectRef>
-            <a:fontRef idx="minor">
-              <a:schemeClr val="dk1"/>
-            </a:fontRef>
-          </p:style>
-        </p:cxnSp>
-        <p:cxnSp>
-          <p:nvCxnSpPr>
-            <p:cNvPr id="32" name="Straight Connector 31"/>
-            <p:cNvCxnSpPr/>
-            <p:nvPr/>
-          </p:nvCxnSpPr>
-          <p:spPr>
-            <a:xfrm flipV="1">
-              <a:off x="3845520" y="2877120"/>
-              <a:ext cx="0" cy="488880"/>
-            </a:xfrm>
-            <a:prstGeom prst="line">
-              <a:avLst/>
-            </a:prstGeom>
-            <a:ln/>
-          </p:spPr>
-          <p:style>
-            <a:lnRef idx="1">
-              <a:schemeClr val="accent1"/>
-            </a:lnRef>
-            <a:fillRef idx="2">
-              <a:schemeClr val="accent1"/>
-            </a:fillRef>
-            <a:effectRef idx="1">
-              <a:schemeClr val="accent1"/>
-            </a:effectRef>
-            <a:fontRef idx="minor">
-              <a:schemeClr val="dk1"/>
-            </a:fontRef>
-          </p:style>
-        </p:cxnSp>
-        <p:cxnSp>
-          <p:nvCxnSpPr>
-            <p:cNvPr id="33" name="Straight Connector 32"/>
-            <p:cNvCxnSpPr/>
-            <p:nvPr/>
-          </p:nvCxnSpPr>
-          <p:spPr>
-            <a:xfrm>
-              <a:off x="3845520" y="2877120"/>
-              <a:ext cx="334800" cy="1800"/>
-            </a:xfrm>
-            <a:prstGeom prst="line">
-              <a:avLst/>
-            </a:prstGeom>
-            <a:ln>
-              <a:tailEnd type="triangle" w="med" len="med"/>
-            </a:ln>
-          </p:spPr>
-          <p:style>
-            <a:lnRef idx="1">
-              <a:schemeClr val="accent1"/>
-            </a:lnRef>
-            <a:fillRef idx="2">
-              <a:schemeClr val="accent1"/>
-            </a:fillRef>
-            <a:effectRef idx="1">
-              <a:schemeClr val="accent1"/>
-            </a:effectRef>
-            <a:fontRef idx="minor">
-              <a:schemeClr val="dk1"/>
-            </a:fontRef>
-          </p:style>
-        </p:cxnSp>
-      </p:grpSp>
-      <p:sp>
-        <p:nvSpPr>
-          <p:cNvPr id="34" name="Title 33"/>
+      <p:sp>
+        <p:nvSpPr>
+          <p:cNvPr id="2" name="Title 1"/>
           <p:cNvSpPr>
             <a:spLocks noGrp="1"/>
           </p:cNvSpPr>
@@ -11490,7 +10048,7 @@
           <a:p>
             <a:r>
               <a:rPr lang="en-US" dirty="0" smtClean="0"/>
-              <a:t>Assembler Internal Processing</a:t>
+              <a:t>Docker Container-Maker Internals</a:t>
             </a:r>
             <a:endParaRPr lang="en-US" dirty="0"/>
           </a:p>
@@ -11498,7 +10056,772 @@
       </p:sp>
       <p:sp>
         <p:nvSpPr>
-          <p:cNvPr id="35" name="Action Button: Home 34">
+          <p:cNvPr id="3" name="Content Placeholder 2"/>
+          <p:cNvSpPr>
+            <a:spLocks noGrp="1"/>
+          </p:cNvSpPr>
+          <p:nvPr>
+            <p:ph idx="1"/>
+          </p:nvPr>
+        </p:nvSpPr>
+        <p:spPr>
+          <a:xfrm>
+            <a:off x="838200" y="1825625"/>
+            <a:ext cx="10515600" cy="2012950"/>
+          </a:xfrm>
+        </p:spPr>
+        <p:txBody>
+          <a:bodyPr>
+            <a:normAutofit fontScale="85000" lnSpcReduction="20000"/>
+          </a:bodyPr>
+          <a:lstStyle/>
+          <a:p>
+            <a:r>
+              <a:rPr lang="en-US" dirty="0" smtClean="0">
+                <a:latin typeface="Consolas" panose="020B0609020204030204" pitchFamily="49" charset="0"/>
+              </a:rPr>
+              <a:t>build.py</a:t>
+            </a:r>
+            <a:r>
+              <a:rPr lang="en-US" dirty="0" smtClean="0"/>
+              <a:t>: builds all of the containers specified in the </a:t>
+            </a:r>
+            <a:r>
+              <a:rPr lang="en-US" dirty="0" err="1" smtClean="0"/>
+              <a:t>VirtueDockerConfig.yml</a:t>
+            </a:r>
+            <a:r>
+              <a:rPr lang="en-US" dirty="0" smtClean="0"/>
+              <a:t> file</a:t>
+            </a:r>
+          </a:p>
+          <a:p>
+            <a:r>
+              <a:rPr lang="en-US" dirty="0" smtClean="0">
+                <a:latin typeface="Consolas" panose="020B0609020204030204" pitchFamily="49" charset="0"/>
+              </a:rPr>
+              <a:t>run.py</a:t>
+            </a:r>
+            <a:r>
+              <a:rPr lang="en-US" dirty="0" smtClean="0"/>
+              <a:t>: runs an image specified in the </a:t>
+            </a:r>
+            <a:r>
+              <a:rPr lang="en-US" dirty="0" err="1" smtClean="0"/>
+              <a:t>VirtueDockerConfig.yml</a:t>
+            </a:r>
+            <a:r>
+              <a:rPr lang="en-US" dirty="0" smtClean="0"/>
+              <a:t> file</a:t>
+            </a:r>
+          </a:p>
+          <a:p>
+            <a:pPr lvl="1"/>
+            <a:r>
+              <a:rPr lang="en-US" dirty="0" smtClean="0"/>
+              <a:t>Gets copied to the Unity VM </a:t>
+            </a:r>
+          </a:p>
+          <a:p>
+            <a:pPr lvl="1"/>
+            <a:r>
+              <a:rPr lang="en-US" dirty="0" smtClean="0"/>
+              <a:t>Used to start the container once we’re in The Cloud</a:t>
+            </a:r>
+          </a:p>
+          <a:p>
+            <a:r>
+              <a:rPr lang="en-US" dirty="0" smtClean="0"/>
+              <a:t>AppArmor and seccomp policies are specified per-container</a:t>
+            </a:r>
+          </a:p>
+        </p:txBody>
+      </p:sp>
+      <p:sp>
+        <p:nvSpPr>
+          <p:cNvPr id="4" name="Rectangle 3"/>
+          <p:cNvSpPr/>
+          <p:nvPr/>
+        </p:nvSpPr>
+        <p:spPr>
+          <a:xfrm>
+            <a:off x="942967" y="4371976"/>
+            <a:ext cx="1552575" cy="658812"/>
+          </a:xfrm>
+          <a:prstGeom prst="rect">
+            <a:avLst/>
+          </a:prstGeom>
+        </p:spPr>
+        <p:style>
+          <a:lnRef idx="2">
+            <a:schemeClr val="accent1">
+              <a:shade val="50000"/>
+            </a:schemeClr>
+          </a:lnRef>
+          <a:fillRef idx="1">
+            <a:schemeClr val="accent1"/>
+          </a:fillRef>
+          <a:effectRef idx="0">
+            <a:schemeClr val="accent1"/>
+          </a:effectRef>
+          <a:fontRef idx="minor">
+            <a:schemeClr val="lt1"/>
+          </a:fontRef>
+        </p:style>
+        <p:txBody>
+          <a:bodyPr rtlCol="0" anchor="ctr"/>
+          <a:lstStyle/>
+          <a:p>
+            <a:pPr algn="ctr"/>
+            <a:r>
+              <a:rPr lang="en-US" dirty="0" smtClean="0"/>
+              <a:t>virtue-base</a:t>
+            </a:r>
+            <a:br>
+              <a:rPr lang="en-US" dirty="0" smtClean="0"/>
+            </a:br>
+            <a:r>
+              <a:rPr lang="en-US" dirty="0" smtClean="0"/>
+              <a:t>Container</a:t>
+            </a:r>
+            <a:endParaRPr lang="en-US" dirty="0"/>
+          </a:p>
+        </p:txBody>
+      </p:sp>
+      <p:sp>
+        <p:nvSpPr>
+          <p:cNvPr id="5" name="Rectangle 4"/>
+          <p:cNvSpPr/>
+          <p:nvPr/>
+        </p:nvSpPr>
+        <p:spPr>
+          <a:xfrm>
+            <a:off x="2867016" y="4371976"/>
+            <a:ext cx="1562101" cy="658812"/>
+          </a:xfrm>
+          <a:prstGeom prst="rect">
+            <a:avLst/>
+          </a:prstGeom>
+        </p:spPr>
+        <p:style>
+          <a:lnRef idx="2">
+            <a:schemeClr val="accent1">
+              <a:shade val="50000"/>
+            </a:schemeClr>
+          </a:lnRef>
+          <a:fillRef idx="1">
+            <a:schemeClr val="accent1"/>
+          </a:fillRef>
+          <a:effectRef idx="0">
+            <a:schemeClr val="accent1"/>
+          </a:effectRef>
+          <a:fontRef idx="minor">
+            <a:schemeClr val="lt1"/>
+          </a:fontRef>
+        </p:style>
+        <p:txBody>
+          <a:bodyPr rtlCol="0" anchor="ctr"/>
+          <a:lstStyle/>
+          <a:p>
+            <a:pPr algn="ctr"/>
+            <a:r>
+              <a:rPr lang="en-US" dirty="0" smtClean="0"/>
+              <a:t>App-Specific Dockerfile</a:t>
+            </a:r>
+            <a:endParaRPr lang="en-US" dirty="0"/>
+          </a:p>
+        </p:txBody>
+      </p:sp>
+      <p:sp>
+        <p:nvSpPr>
+          <p:cNvPr id="6" name="Rectangle 5"/>
+          <p:cNvSpPr/>
+          <p:nvPr/>
+        </p:nvSpPr>
+        <p:spPr>
+          <a:xfrm>
+            <a:off x="2867015" y="5322188"/>
+            <a:ext cx="1562102" cy="642750"/>
+          </a:xfrm>
+          <a:prstGeom prst="rect">
+            <a:avLst/>
+          </a:prstGeom>
+        </p:spPr>
+        <p:style>
+          <a:lnRef idx="1">
+            <a:schemeClr val="accent6"/>
+          </a:lnRef>
+          <a:fillRef idx="2">
+            <a:schemeClr val="accent6"/>
+          </a:fillRef>
+          <a:effectRef idx="1">
+            <a:schemeClr val="accent6"/>
+          </a:effectRef>
+          <a:fontRef idx="minor">
+            <a:schemeClr val="dk1"/>
+          </a:fontRef>
+        </p:style>
+        <p:txBody>
+          <a:bodyPr rtlCol="0" anchor="ctr"/>
+          <a:lstStyle/>
+          <a:p>
+            <a:pPr algn="ctr"/>
+            <a:r>
+              <a:rPr lang="en-US" i="1" dirty="0" smtClean="0"/>
+              <a:t>build.py</a:t>
+            </a:r>
+            <a:endParaRPr lang="en-US" i="1" dirty="0"/>
+          </a:p>
+        </p:txBody>
+      </p:sp>
+      <p:sp>
+        <p:nvSpPr>
+          <p:cNvPr id="7" name="Rectangle 6"/>
+          <p:cNvSpPr/>
+          <p:nvPr/>
+        </p:nvSpPr>
+        <p:spPr>
+          <a:xfrm>
+            <a:off x="933441" y="5306126"/>
+            <a:ext cx="1562101" cy="658812"/>
+          </a:xfrm>
+          <a:prstGeom prst="rect">
+            <a:avLst/>
+          </a:prstGeom>
+        </p:spPr>
+        <p:style>
+          <a:lnRef idx="2">
+            <a:schemeClr val="accent1">
+              <a:shade val="50000"/>
+            </a:schemeClr>
+          </a:lnRef>
+          <a:fillRef idx="1">
+            <a:schemeClr val="accent1"/>
+          </a:fillRef>
+          <a:effectRef idx="0">
+            <a:schemeClr val="accent1"/>
+          </a:effectRef>
+          <a:fontRef idx="minor">
+            <a:schemeClr val="lt1"/>
+          </a:fontRef>
+        </p:style>
+        <p:txBody>
+          <a:bodyPr rtlCol="0" anchor="ctr"/>
+          <a:lstStyle/>
+          <a:p>
+            <a:pPr algn="ctr"/>
+            <a:r>
+              <a:rPr lang="en-US" dirty="0" smtClean="0"/>
+              <a:t>Application Files</a:t>
+            </a:r>
+            <a:endParaRPr lang="en-US" dirty="0"/>
+          </a:p>
+        </p:txBody>
+      </p:sp>
+      <p:cxnSp>
+        <p:nvCxnSpPr>
+          <p:cNvPr id="9" name="Straight Arrow Connector 8"/>
+          <p:cNvCxnSpPr>
+            <a:stCxn id="5" idx="2"/>
+            <a:endCxn id="6" idx="0"/>
+          </p:cNvCxnSpPr>
+          <p:nvPr/>
+        </p:nvCxnSpPr>
+        <p:spPr>
+          <a:xfrm flipH="1">
+            <a:off x="3648066" y="5030788"/>
+            <a:ext cx="1" cy="291400"/>
+          </a:xfrm>
+          <a:prstGeom prst="straightConnector1">
+            <a:avLst/>
+          </a:prstGeom>
+          <a:ln>
+            <a:tailEnd type="triangle"/>
+          </a:ln>
+        </p:spPr>
+        <p:style>
+          <a:lnRef idx="3">
+            <a:schemeClr val="dk1"/>
+          </a:lnRef>
+          <a:fillRef idx="0">
+            <a:schemeClr val="dk1"/>
+          </a:fillRef>
+          <a:effectRef idx="2">
+            <a:schemeClr val="dk1"/>
+          </a:effectRef>
+          <a:fontRef idx="minor">
+            <a:schemeClr val="tx1"/>
+          </a:fontRef>
+        </p:style>
+      </p:cxnSp>
+      <p:cxnSp>
+        <p:nvCxnSpPr>
+          <p:cNvPr id="10" name="Straight Arrow Connector 9"/>
+          <p:cNvCxnSpPr>
+            <a:stCxn id="7" idx="3"/>
+            <a:endCxn id="6" idx="1"/>
+          </p:cNvCxnSpPr>
+          <p:nvPr/>
+        </p:nvCxnSpPr>
+        <p:spPr>
+          <a:xfrm>
+            <a:off x="2495542" y="5635532"/>
+            <a:ext cx="371473" cy="8031"/>
+          </a:xfrm>
+          <a:prstGeom prst="straightConnector1">
+            <a:avLst/>
+          </a:prstGeom>
+          <a:ln>
+            <a:tailEnd type="triangle"/>
+          </a:ln>
+        </p:spPr>
+        <p:style>
+          <a:lnRef idx="3">
+            <a:schemeClr val="dk1"/>
+          </a:lnRef>
+          <a:fillRef idx="0">
+            <a:schemeClr val="dk1"/>
+          </a:fillRef>
+          <a:effectRef idx="2">
+            <a:schemeClr val="dk1"/>
+          </a:effectRef>
+          <a:fontRef idx="minor">
+            <a:schemeClr val="tx1"/>
+          </a:fontRef>
+        </p:style>
+      </p:cxnSp>
+      <p:cxnSp>
+        <p:nvCxnSpPr>
+          <p:cNvPr id="13" name="Straight Arrow Connector 12"/>
+          <p:cNvCxnSpPr/>
+          <p:nvPr/>
+        </p:nvCxnSpPr>
+        <p:spPr>
+          <a:xfrm>
+            <a:off x="2495542" y="5030788"/>
+            <a:ext cx="371473" cy="291400"/>
+          </a:xfrm>
+          <a:prstGeom prst="straightConnector1">
+            <a:avLst/>
+          </a:prstGeom>
+          <a:ln>
+            <a:tailEnd type="triangle"/>
+          </a:ln>
+        </p:spPr>
+        <p:style>
+          <a:lnRef idx="3">
+            <a:schemeClr val="dk1"/>
+          </a:lnRef>
+          <a:fillRef idx="0">
+            <a:schemeClr val="dk1"/>
+          </a:fillRef>
+          <a:effectRef idx="2">
+            <a:schemeClr val="dk1"/>
+          </a:effectRef>
+          <a:fontRef idx="minor">
+            <a:schemeClr val="tx1"/>
+          </a:fontRef>
+        </p:style>
+      </p:cxnSp>
+      <p:sp>
+        <p:nvSpPr>
+          <p:cNvPr id="16" name="Bevel 15"/>
+          <p:cNvSpPr/>
+          <p:nvPr/>
+        </p:nvSpPr>
+        <p:spPr>
+          <a:xfrm>
+            <a:off x="5019668" y="5168457"/>
+            <a:ext cx="1504950" cy="934150"/>
+          </a:xfrm>
+          <a:prstGeom prst="bevel">
+            <a:avLst/>
+          </a:prstGeom>
+        </p:spPr>
+        <p:style>
+          <a:lnRef idx="1">
+            <a:schemeClr val="accent3"/>
+          </a:lnRef>
+          <a:fillRef idx="2">
+            <a:schemeClr val="accent3"/>
+          </a:fillRef>
+          <a:effectRef idx="1">
+            <a:schemeClr val="accent3"/>
+          </a:effectRef>
+          <a:fontRef idx="minor">
+            <a:schemeClr val="dk1"/>
+          </a:fontRef>
+        </p:style>
+        <p:txBody>
+          <a:bodyPr rtlCol="0" anchor="ctr"/>
+          <a:lstStyle/>
+          <a:p>
+            <a:pPr algn="ctr"/>
+            <a:r>
+              <a:rPr lang="en-US" dirty="0" smtClean="0"/>
+              <a:t>App Image</a:t>
+            </a:r>
+            <a:endParaRPr lang="en-US" dirty="0"/>
+          </a:p>
+        </p:txBody>
+      </p:sp>
+      <p:cxnSp>
+        <p:nvCxnSpPr>
+          <p:cNvPr id="18" name="Straight Arrow Connector 17"/>
+          <p:cNvCxnSpPr>
+            <a:stCxn id="6" idx="3"/>
+            <a:endCxn id="16" idx="4"/>
+          </p:cNvCxnSpPr>
+          <p:nvPr/>
+        </p:nvCxnSpPr>
+        <p:spPr>
+          <a:xfrm flipV="1">
+            <a:off x="4429117" y="5635532"/>
+            <a:ext cx="590551" cy="8031"/>
+          </a:xfrm>
+          <a:prstGeom prst="straightConnector1">
+            <a:avLst/>
+          </a:prstGeom>
+          <a:ln>
+            <a:tailEnd type="triangle"/>
+          </a:ln>
+        </p:spPr>
+        <p:style>
+          <a:lnRef idx="3">
+            <a:schemeClr val="dk1"/>
+          </a:lnRef>
+          <a:fillRef idx="0">
+            <a:schemeClr val="dk1"/>
+          </a:fillRef>
+          <a:effectRef idx="2">
+            <a:schemeClr val="dk1"/>
+          </a:effectRef>
+          <a:fontRef idx="minor">
+            <a:schemeClr val="tx1"/>
+          </a:fontRef>
+        </p:style>
+      </p:cxnSp>
+      <p:sp>
+        <p:nvSpPr>
+          <p:cNvPr id="22" name="Rectangle 21"/>
+          <p:cNvSpPr/>
+          <p:nvPr/>
+        </p:nvSpPr>
+        <p:spPr>
+          <a:xfrm>
+            <a:off x="7372345" y="5312663"/>
+            <a:ext cx="1562102" cy="642750"/>
+          </a:xfrm>
+          <a:prstGeom prst="rect">
+            <a:avLst/>
+          </a:prstGeom>
+        </p:spPr>
+        <p:style>
+          <a:lnRef idx="1">
+            <a:schemeClr val="accent6"/>
+          </a:lnRef>
+          <a:fillRef idx="2">
+            <a:schemeClr val="accent6"/>
+          </a:fillRef>
+          <a:effectRef idx="1">
+            <a:schemeClr val="accent6"/>
+          </a:effectRef>
+          <a:fontRef idx="minor">
+            <a:schemeClr val="dk1"/>
+          </a:fontRef>
+        </p:style>
+        <p:txBody>
+          <a:bodyPr rtlCol="0" anchor="ctr"/>
+          <a:lstStyle/>
+          <a:p>
+            <a:pPr algn="ctr"/>
+            <a:r>
+              <a:rPr lang="en-US" i="1" dirty="0" smtClean="0"/>
+              <a:t>run.py</a:t>
+            </a:r>
+            <a:endParaRPr lang="en-US" i="1" dirty="0"/>
+          </a:p>
+        </p:txBody>
+      </p:sp>
+      <p:sp>
+        <p:nvSpPr>
+          <p:cNvPr id="23" name="Flowchart: Document 22"/>
+          <p:cNvSpPr/>
+          <p:nvPr/>
+        </p:nvSpPr>
+        <p:spPr>
+          <a:xfrm>
+            <a:off x="6896095" y="4236816"/>
+            <a:ext cx="1085851" cy="695325"/>
+          </a:xfrm>
+          <a:prstGeom prst="flowChartDocument">
+            <a:avLst/>
+          </a:prstGeom>
+        </p:spPr>
+        <p:style>
+          <a:lnRef idx="2">
+            <a:schemeClr val="accent1">
+              <a:shade val="50000"/>
+            </a:schemeClr>
+          </a:lnRef>
+          <a:fillRef idx="1">
+            <a:schemeClr val="accent1"/>
+          </a:fillRef>
+          <a:effectRef idx="0">
+            <a:schemeClr val="accent1"/>
+          </a:effectRef>
+          <a:fontRef idx="minor">
+            <a:schemeClr val="lt1"/>
+          </a:fontRef>
+        </p:style>
+        <p:txBody>
+          <a:bodyPr rtlCol="0" anchor="ctr"/>
+          <a:lstStyle/>
+          <a:p>
+            <a:pPr algn="ctr"/>
+            <a:r>
+              <a:rPr lang="en-US" sz="1600" dirty="0" smtClean="0"/>
+              <a:t>AppArmor Policy</a:t>
+            </a:r>
+            <a:endParaRPr lang="en-US" sz="1600" dirty="0"/>
+          </a:p>
+        </p:txBody>
+      </p:sp>
+      <p:sp>
+        <p:nvSpPr>
+          <p:cNvPr id="24" name="Flowchart: Document 23"/>
+          <p:cNvSpPr/>
+          <p:nvPr/>
+        </p:nvSpPr>
+        <p:spPr>
+          <a:xfrm>
+            <a:off x="8220071" y="4236816"/>
+            <a:ext cx="1085851" cy="695325"/>
+          </a:xfrm>
+          <a:prstGeom prst="flowChartDocument">
+            <a:avLst/>
+          </a:prstGeom>
+        </p:spPr>
+        <p:style>
+          <a:lnRef idx="2">
+            <a:schemeClr val="accent1">
+              <a:shade val="50000"/>
+            </a:schemeClr>
+          </a:lnRef>
+          <a:fillRef idx="1">
+            <a:schemeClr val="accent1"/>
+          </a:fillRef>
+          <a:effectRef idx="0">
+            <a:schemeClr val="accent1"/>
+          </a:effectRef>
+          <a:fontRef idx="minor">
+            <a:schemeClr val="lt1"/>
+          </a:fontRef>
+        </p:style>
+        <p:txBody>
+          <a:bodyPr rtlCol="0" anchor="ctr"/>
+          <a:lstStyle/>
+          <a:p>
+            <a:pPr algn="ctr"/>
+            <a:r>
+              <a:rPr lang="en-US" sz="1600" dirty="0" err="1" smtClean="0"/>
+              <a:t>SecComp</a:t>
+            </a:r>
+            <a:r>
+              <a:rPr lang="en-US" sz="1600" dirty="0" smtClean="0"/>
+              <a:t> Policy</a:t>
+            </a:r>
+            <a:endParaRPr lang="en-US" sz="1600" dirty="0"/>
+          </a:p>
+        </p:txBody>
+      </p:sp>
+      <p:cxnSp>
+        <p:nvCxnSpPr>
+          <p:cNvPr id="26" name="Straight Arrow Connector 25"/>
+          <p:cNvCxnSpPr>
+            <a:stCxn id="16" idx="0"/>
+            <a:endCxn id="22" idx="1"/>
+          </p:cNvCxnSpPr>
+          <p:nvPr/>
+        </p:nvCxnSpPr>
+        <p:spPr>
+          <a:xfrm flipV="1">
+            <a:off x="6524618" y="5634038"/>
+            <a:ext cx="847727" cy="1494"/>
+          </a:xfrm>
+          <a:prstGeom prst="straightConnector1">
+            <a:avLst/>
+          </a:prstGeom>
+          <a:ln>
+            <a:tailEnd type="triangle"/>
+          </a:ln>
+        </p:spPr>
+        <p:style>
+          <a:lnRef idx="3">
+            <a:schemeClr val="dk1"/>
+          </a:lnRef>
+          <a:fillRef idx="0">
+            <a:schemeClr val="dk1"/>
+          </a:fillRef>
+          <a:effectRef idx="2">
+            <a:schemeClr val="dk1"/>
+          </a:effectRef>
+          <a:fontRef idx="minor">
+            <a:schemeClr val="tx1"/>
+          </a:fontRef>
+        </p:style>
+      </p:cxnSp>
+      <p:cxnSp>
+        <p:nvCxnSpPr>
+          <p:cNvPr id="30" name="Straight Arrow Connector 29"/>
+          <p:cNvCxnSpPr>
+            <a:stCxn id="23" idx="2"/>
+          </p:cNvCxnSpPr>
+          <p:nvPr/>
+        </p:nvCxnSpPr>
+        <p:spPr>
+          <a:xfrm>
+            <a:off x="7439021" y="4886172"/>
+            <a:ext cx="323846" cy="436016"/>
+          </a:xfrm>
+          <a:prstGeom prst="straightConnector1">
+            <a:avLst/>
+          </a:prstGeom>
+          <a:ln>
+            <a:tailEnd type="triangle"/>
+          </a:ln>
+        </p:spPr>
+        <p:style>
+          <a:lnRef idx="3">
+            <a:schemeClr val="dk1"/>
+          </a:lnRef>
+          <a:fillRef idx="0">
+            <a:schemeClr val="dk1"/>
+          </a:fillRef>
+          <a:effectRef idx="2">
+            <a:schemeClr val="dk1"/>
+          </a:effectRef>
+          <a:fontRef idx="minor">
+            <a:schemeClr val="tx1"/>
+          </a:fontRef>
+        </p:style>
+      </p:cxnSp>
+      <p:cxnSp>
+        <p:nvCxnSpPr>
+          <p:cNvPr id="32" name="Straight Arrow Connector 31"/>
+          <p:cNvCxnSpPr>
+            <a:stCxn id="24" idx="2"/>
+          </p:cNvCxnSpPr>
+          <p:nvPr/>
+        </p:nvCxnSpPr>
+        <p:spPr>
+          <a:xfrm flipH="1">
+            <a:off x="8458192" y="4886172"/>
+            <a:ext cx="304805" cy="436016"/>
+          </a:xfrm>
+          <a:prstGeom prst="straightConnector1">
+            <a:avLst/>
+          </a:prstGeom>
+          <a:ln>
+            <a:tailEnd type="triangle"/>
+          </a:ln>
+        </p:spPr>
+        <p:style>
+          <a:lnRef idx="3">
+            <a:schemeClr val="dk1"/>
+          </a:lnRef>
+          <a:fillRef idx="0">
+            <a:schemeClr val="dk1"/>
+          </a:fillRef>
+          <a:effectRef idx="2">
+            <a:schemeClr val="dk1"/>
+          </a:effectRef>
+          <a:fontRef idx="minor">
+            <a:schemeClr val="tx1"/>
+          </a:fontRef>
+        </p:style>
+      </p:cxnSp>
+      <p:sp>
+        <p:nvSpPr>
+          <p:cNvPr id="35" name="Bevel 34"/>
+          <p:cNvSpPr/>
+          <p:nvPr/>
+        </p:nvSpPr>
+        <p:spPr>
+          <a:xfrm>
+            <a:off x="9848850" y="5161248"/>
+            <a:ext cx="1504950" cy="934150"/>
+          </a:xfrm>
+          <a:prstGeom prst="bevel">
+            <a:avLst/>
+          </a:prstGeom>
+        </p:spPr>
+        <p:style>
+          <a:lnRef idx="1">
+            <a:schemeClr val="accent6"/>
+          </a:lnRef>
+          <a:fillRef idx="3">
+            <a:schemeClr val="accent6"/>
+          </a:fillRef>
+          <a:effectRef idx="2">
+            <a:schemeClr val="accent6"/>
+          </a:effectRef>
+          <a:fontRef idx="minor">
+            <a:schemeClr val="lt1"/>
+          </a:fontRef>
+        </p:style>
+        <p:txBody>
+          <a:bodyPr rtlCol="0" anchor="ctr"/>
+          <a:lstStyle/>
+          <a:p>
+            <a:pPr algn="ctr"/>
+            <a:r>
+              <a:rPr lang="en-US" dirty="0" smtClean="0"/>
+              <a:t>Running Container</a:t>
+            </a:r>
+            <a:endParaRPr lang="en-US" dirty="0"/>
+          </a:p>
+        </p:txBody>
+      </p:sp>
+      <p:cxnSp>
+        <p:nvCxnSpPr>
+          <p:cNvPr id="37" name="Straight Arrow Connector 36"/>
+          <p:cNvCxnSpPr>
+            <a:stCxn id="22" idx="3"/>
+            <a:endCxn id="35" idx="4"/>
+          </p:cNvCxnSpPr>
+          <p:nvPr/>
+        </p:nvCxnSpPr>
+        <p:spPr>
+          <a:xfrm flipV="1">
+            <a:off x="8934447" y="5628323"/>
+            <a:ext cx="914403" cy="5715"/>
+          </a:xfrm>
+          <a:prstGeom prst="straightConnector1">
+            <a:avLst/>
+          </a:prstGeom>
+          <a:ln>
+            <a:tailEnd type="triangle"/>
+          </a:ln>
+        </p:spPr>
+        <p:style>
+          <a:lnRef idx="3">
+            <a:schemeClr val="dk1"/>
+          </a:lnRef>
+          <a:fillRef idx="0">
+            <a:schemeClr val="dk1"/>
+          </a:fillRef>
+          <a:effectRef idx="2">
+            <a:schemeClr val="dk1"/>
+          </a:effectRef>
+          <a:fontRef idx="minor">
+            <a:schemeClr val="tx1"/>
+          </a:fontRef>
+        </p:style>
+      </p:cxnSp>
+      <p:sp>
+        <p:nvSpPr>
+          <p:cNvPr id="21" name="Action Button: Home 20">
             <a:hlinkClick r:id="rId2" action="ppaction://hlinksldjump" highlightClick="1"/>
           </p:cNvPr>
           <p:cNvSpPr/>
@@ -11539,7 +10862,7 @@
     </p:spTree>
     <p:extLst>
       <p:ext uri="{BB962C8B-B14F-4D97-AF65-F5344CB8AC3E}">
-        <p14:creationId xmlns:p14="http://schemas.microsoft.com/office/powerpoint/2010/main" val="27397012"/>
+        <p14:creationId xmlns:p14="http://schemas.microsoft.com/office/powerpoint/2010/main" val="1910985161"/>
       </p:ext>
     </p:extLst>
   </p:cSld>
@@ -11575,6 +10898,1530 @@
       </p:grpSpPr>
       <p:sp>
         <p:nvSpPr>
+          <p:cNvPr id="40" name="Down Arrow 39"/>
+          <p:cNvSpPr/>
+          <p:nvPr/>
+        </p:nvSpPr>
+        <p:spPr>
+          <a:xfrm>
+            <a:off x="5137608" y="1066800"/>
+            <a:ext cx="603316" cy="5579097"/>
+          </a:xfrm>
+          <a:prstGeom prst="downArrow">
+            <a:avLst/>
+          </a:prstGeom>
+        </p:spPr>
+        <p:style>
+          <a:lnRef idx="0">
+            <a:schemeClr val="dk1"/>
+          </a:lnRef>
+          <a:fillRef idx="3">
+            <a:schemeClr val="dk1"/>
+          </a:fillRef>
+          <a:effectRef idx="3">
+            <a:schemeClr val="dk1"/>
+          </a:effectRef>
+          <a:fontRef idx="minor">
+            <a:schemeClr val="lt1"/>
+          </a:fontRef>
+        </p:style>
+        <p:txBody>
+          <a:bodyPr rtlCol="0" anchor="ctr"/>
+          <a:lstStyle/>
+          <a:p>
+            <a:pPr algn="ctr"/>
+            <a:endParaRPr lang="en-US"/>
+          </a:p>
+        </p:txBody>
+      </p:sp>
+      <p:sp>
+        <p:nvSpPr>
+          <p:cNvPr id="8" name="Rectangle 7"/>
+          <p:cNvSpPr/>
+          <p:nvPr/>
+        </p:nvSpPr>
+        <p:spPr>
+          <a:xfrm>
+            <a:off x="4067695" y="1200955"/>
+            <a:ext cx="2736126" cy="687790"/>
+          </a:xfrm>
+          <a:prstGeom prst="rect">
+            <a:avLst/>
+          </a:prstGeom>
+          <a:ln/>
+        </p:spPr>
+        <p:style>
+          <a:lnRef idx="1">
+            <a:schemeClr val="accent1"/>
+          </a:lnRef>
+          <a:fillRef idx="2">
+            <a:schemeClr val="accent1"/>
+          </a:fillRef>
+          <a:effectRef idx="1">
+            <a:schemeClr val="accent1"/>
+          </a:effectRef>
+          <a:fontRef idx="minor">
+            <a:schemeClr val="dk1"/>
+          </a:fontRef>
+        </p:style>
+        <p:txBody>
+          <a:bodyPr lIns="182880" tIns="0" rIns="0" bIns="0" anchor="ctr">
+            <a:noAutofit/>
+          </a:bodyPr>
+          <a:lstStyle/>
+          <a:p>
+            <a:pPr marL="0" marR="0" hangingPunct="0">
+              <a:spcBef>
+                <a:spcPts val="0"/>
+              </a:spcBef>
+              <a:spcAft>
+                <a:spcPts val="0"/>
+              </a:spcAft>
+            </a:pPr>
+            <a:r>
+              <a:rPr lang="en-US" sz="1200" kern="100">
+                <a:effectLst/>
+                <a:ea typeface="Liberation Sans"/>
+                <a:cs typeface="Liberation Sans"/>
+              </a:rPr>
+              <a:t>“RSA Key” Stage</a:t>
+            </a:r>
+          </a:p>
+          <a:p>
+            <a:pPr marL="0" marR="0" hangingPunct="0">
+              <a:spcBef>
+                <a:spcPts val="0"/>
+              </a:spcBef>
+              <a:spcAft>
+                <a:spcPts val="0"/>
+              </a:spcAft>
+            </a:pPr>
+            <a:r>
+              <a:rPr lang="en-US" sz="1200" kern="100">
+                <a:effectLst/>
+                <a:ea typeface="Liberation Sans"/>
+                <a:cs typeface="Liberation Sans"/>
+              </a:rPr>
+              <a:t>    - Cloud-init</a:t>
+            </a:r>
+          </a:p>
+          <a:p>
+            <a:pPr marL="0" marR="0" hangingPunct="0">
+              <a:spcBef>
+                <a:spcPts val="0"/>
+              </a:spcBef>
+              <a:spcAft>
+                <a:spcPts val="0"/>
+              </a:spcAft>
+            </a:pPr>
+            <a:r>
+              <a:rPr lang="en-US" sz="1200" kern="100">
+                <a:effectLst/>
+                <a:ea typeface="Liberation Sans"/>
+                <a:cs typeface="Liberation Sans"/>
+              </a:rPr>
+              <a:t>    - Installs public key</a:t>
+            </a:r>
+          </a:p>
+        </p:txBody>
+      </p:sp>
+      <p:sp>
+        <p:nvSpPr>
+          <p:cNvPr id="9" name="Rectangle 8"/>
+          <p:cNvSpPr/>
+          <p:nvPr/>
+        </p:nvSpPr>
+        <p:spPr>
+          <a:xfrm>
+            <a:off x="4075433" y="2022900"/>
+            <a:ext cx="2728388" cy="687790"/>
+          </a:xfrm>
+          <a:prstGeom prst="rect">
+            <a:avLst/>
+          </a:prstGeom>
+          <a:ln/>
+        </p:spPr>
+        <p:style>
+          <a:lnRef idx="1">
+            <a:schemeClr val="accent1"/>
+          </a:lnRef>
+          <a:fillRef idx="2">
+            <a:schemeClr val="accent1"/>
+          </a:fillRef>
+          <a:effectRef idx="1">
+            <a:schemeClr val="accent1"/>
+          </a:effectRef>
+          <a:fontRef idx="minor">
+            <a:schemeClr val="dk1"/>
+          </a:fontRef>
+        </p:style>
+        <p:txBody>
+          <a:bodyPr lIns="182880" tIns="0" rIns="0" bIns="0" anchor="ctr">
+            <a:noAutofit/>
+          </a:bodyPr>
+          <a:lstStyle/>
+          <a:p>
+            <a:pPr marL="0" marR="0" hangingPunct="0">
+              <a:spcBef>
+                <a:spcPts val="0"/>
+              </a:spcBef>
+              <a:spcAft>
+                <a:spcPts val="0"/>
+              </a:spcAft>
+            </a:pPr>
+            <a:r>
+              <a:rPr lang="en-US" sz="1200" kern="100">
+                <a:effectLst/>
+                <a:ea typeface="Liberation Sans"/>
+                <a:cs typeface="Liberation Sans"/>
+              </a:rPr>
+              <a:t>“Kernel” Stage</a:t>
+            </a:r>
+          </a:p>
+          <a:p>
+            <a:pPr marL="0" marR="0" hangingPunct="0">
+              <a:spcBef>
+                <a:spcPts val="0"/>
+              </a:spcBef>
+              <a:spcAft>
+                <a:spcPts val="0"/>
+              </a:spcAft>
+            </a:pPr>
+            <a:r>
+              <a:rPr lang="en-US" sz="1200" kern="100">
+                <a:effectLst/>
+                <a:ea typeface="Liberation Sans"/>
+                <a:cs typeface="Liberation Sans"/>
+              </a:rPr>
+              <a:t>    - Cloud-init</a:t>
+            </a:r>
+          </a:p>
+          <a:p>
+            <a:pPr marL="0" marR="0" hangingPunct="0">
+              <a:spcBef>
+                <a:spcPts val="0"/>
+              </a:spcBef>
+              <a:spcAft>
+                <a:spcPts val="0"/>
+              </a:spcAft>
+            </a:pPr>
+            <a:r>
+              <a:rPr lang="en-US" sz="1200" kern="100">
+                <a:effectLst/>
+                <a:ea typeface="Liberation Sans"/>
+                <a:cs typeface="Liberation Sans"/>
+              </a:rPr>
+              <a:t>    - Installs custom kernel</a:t>
+            </a:r>
+          </a:p>
+        </p:txBody>
+      </p:sp>
+      <p:sp>
+        <p:nvSpPr>
+          <p:cNvPr id="10" name="Rectangle 9"/>
+          <p:cNvSpPr/>
+          <p:nvPr/>
+        </p:nvSpPr>
+        <p:spPr>
+          <a:xfrm>
+            <a:off x="4091393" y="2841869"/>
+            <a:ext cx="2735159" cy="687790"/>
+          </a:xfrm>
+          <a:prstGeom prst="rect">
+            <a:avLst/>
+          </a:prstGeom>
+          <a:ln/>
+        </p:spPr>
+        <p:style>
+          <a:lnRef idx="1">
+            <a:schemeClr val="accent1"/>
+          </a:lnRef>
+          <a:fillRef idx="2">
+            <a:schemeClr val="accent1"/>
+          </a:fillRef>
+          <a:effectRef idx="1">
+            <a:schemeClr val="accent1"/>
+          </a:effectRef>
+          <a:fontRef idx="minor">
+            <a:schemeClr val="dk1"/>
+          </a:fontRef>
+        </p:style>
+        <p:txBody>
+          <a:bodyPr lIns="182880" tIns="0" rIns="0" bIns="0" anchor="ctr">
+            <a:noAutofit/>
+          </a:bodyPr>
+          <a:lstStyle/>
+          <a:p>
+            <a:pPr marL="0" marR="0" hangingPunct="0">
+              <a:spcBef>
+                <a:spcPts val="0"/>
+              </a:spcBef>
+              <a:spcAft>
+                <a:spcPts val="0"/>
+              </a:spcAft>
+            </a:pPr>
+            <a:r>
+              <a:rPr lang="en-US" sz="1200" kern="100">
+                <a:effectLst/>
+                <a:ea typeface="Liberation Sans"/>
+                <a:cs typeface="Liberation Sans"/>
+              </a:rPr>
+              <a:t>“APT” Stage</a:t>
+            </a:r>
+          </a:p>
+          <a:p>
+            <a:pPr marL="0" marR="0" hangingPunct="0">
+              <a:spcBef>
+                <a:spcPts val="0"/>
+              </a:spcBef>
+              <a:spcAft>
+                <a:spcPts val="0"/>
+              </a:spcAft>
+            </a:pPr>
+            <a:r>
+              <a:rPr lang="en-US" sz="1200" kern="100">
+                <a:effectLst/>
+                <a:ea typeface="Liberation Sans"/>
+                <a:cs typeface="Liberation Sans"/>
+              </a:rPr>
+              <a:t>    - Cloud-init</a:t>
+            </a:r>
+          </a:p>
+          <a:p>
+            <a:pPr marL="0" marR="0" hangingPunct="0">
+              <a:spcBef>
+                <a:spcPts val="0"/>
+              </a:spcBef>
+              <a:spcAft>
+                <a:spcPts val="0"/>
+              </a:spcAft>
+            </a:pPr>
+            <a:r>
+              <a:rPr lang="en-US" sz="1200" kern="100">
+                <a:effectLst/>
+                <a:ea typeface="Liberation Sans"/>
+                <a:cs typeface="Liberation Sans"/>
+              </a:rPr>
+              <a:t>    - Installs docker, python, git</a:t>
+            </a:r>
+          </a:p>
+        </p:txBody>
+      </p:sp>
+      <p:sp>
+        <p:nvSpPr>
+          <p:cNvPr id="11" name="Rectangle 10"/>
+          <p:cNvSpPr/>
+          <p:nvPr/>
+        </p:nvSpPr>
+        <p:spPr>
+          <a:xfrm>
+            <a:off x="4091393" y="3659018"/>
+            <a:ext cx="2735159" cy="687790"/>
+          </a:xfrm>
+          <a:prstGeom prst="rect">
+            <a:avLst/>
+          </a:prstGeom>
+          <a:ln/>
+        </p:spPr>
+        <p:style>
+          <a:lnRef idx="1">
+            <a:schemeClr val="accent1"/>
+          </a:lnRef>
+          <a:fillRef idx="2">
+            <a:schemeClr val="accent1"/>
+          </a:fillRef>
+          <a:effectRef idx="1">
+            <a:schemeClr val="accent1"/>
+          </a:effectRef>
+          <a:fontRef idx="minor">
+            <a:schemeClr val="dk1"/>
+          </a:fontRef>
+        </p:style>
+        <p:txBody>
+          <a:bodyPr lIns="182880" tIns="0" rIns="0" bIns="0" anchor="ctr">
+            <a:noAutofit/>
+          </a:bodyPr>
+          <a:lstStyle/>
+          <a:p>
+            <a:pPr marL="0" marR="0" hangingPunct="0">
+              <a:spcBef>
+                <a:spcPts val="0"/>
+              </a:spcBef>
+              <a:spcAft>
+                <a:spcPts val="0"/>
+              </a:spcAft>
+            </a:pPr>
+            <a:r>
+              <a:rPr lang="en-US" sz="1200" kern="100" dirty="0">
+                <a:effectLst/>
+                <a:ea typeface="Liberation Sans"/>
+                <a:cs typeface="Liberation Sans"/>
+              </a:rPr>
+              <a:t>“</a:t>
+            </a:r>
+            <a:r>
+              <a:rPr lang="en-US" sz="1200" kern="100" dirty="0" err="1">
+                <a:effectLst/>
+                <a:ea typeface="Liberation Sans"/>
+                <a:cs typeface="Liberation Sans"/>
+              </a:rPr>
+              <a:t>docker</a:t>
+            </a:r>
+            <a:r>
+              <a:rPr lang="en-US" sz="1200" kern="100" dirty="0">
+                <a:effectLst/>
+                <a:ea typeface="Liberation Sans"/>
+                <a:cs typeface="Liberation Sans"/>
+              </a:rPr>
+              <a:t>-virtue” Stage</a:t>
+            </a:r>
+          </a:p>
+          <a:p>
+            <a:pPr marL="0" marR="0" hangingPunct="0">
+              <a:spcBef>
+                <a:spcPts val="0"/>
+              </a:spcBef>
+              <a:spcAft>
+                <a:spcPts val="0"/>
+              </a:spcAft>
+            </a:pPr>
+            <a:r>
+              <a:rPr lang="en-US" sz="1200" kern="100" dirty="0">
+                <a:effectLst/>
+                <a:ea typeface="Liberation Sans"/>
+                <a:cs typeface="Liberation Sans"/>
+              </a:rPr>
+              <a:t>    - Cloud-</a:t>
+            </a:r>
+            <a:r>
+              <a:rPr lang="en-US" sz="1200" kern="100" dirty="0" err="1">
+                <a:effectLst/>
+                <a:ea typeface="Liberation Sans"/>
+                <a:cs typeface="Liberation Sans"/>
+              </a:rPr>
+              <a:t>init</a:t>
+            </a:r>
+            <a:endParaRPr lang="en-US" sz="1200" kern="100" dirty="0">
+              <a:effectLst/>
+              <a:ea typeface="Liberation Sans"/>
+              <a:cs typeface="Liberation Sans"/>
+            </a:endParaRPr>
+          </a:p>
+          <a:p>
+            <a:pPr marL="0" marR="0" hangingPunct="0">
+              <a:spcBef>
+                <a:spcPts val="0"/>
+              </a:spcBef>
+              <a:spcAft>
+                <a:spcPts val="0"/>
+              </a:spcAft>
+            </a:pPr>
+            <a:r>
+              <a:rPr lang="en-US" sz="1200" kern="100" dirty="0">
+                <a:effectLst/>
+                <a:ea typeface="Liberation Sans"/>
+                <a:cs typeface="Liberation Sans"/>
+              </a:rPr>
+              <a:t>    - Checks out required virtues</a:t>
+            </a:r>
+          </a:p>
+        </p:txBody>
+      </p:sp>
+      <p:sp>
+        <p:nvSpPr>
+          <p:cNvPr id="12" name="Rectangle 11"/>
+          <p:cNvSpPr/>
+          <p:nvPr/>
+        </p:nvSpPr>
+        <p:spPr>
+          <a:xfrm>
+            <a:off x="4091393" y="4476167"/>
+            <a:ext cx="2735159" cy="820346"/>
+          </a:xfrm>
+          <a:prstGeom prst="rect">
+            <a:avLst/>
+          </a:prstGeom>
+          <a:ln/>
+        </p:spPr>
+        <p:style>
+          <a:lnRef idx="1">
+            <a:schemeClr val="accent1"/>
+          </a:lnRef>
+          <a:fillRef idx="2">
+            <a:schemeClr val="accent1"/>
+          </a:fillRef>
+          <a:effectRef idx="1">
+            <a:schemeClr val="accent1"/>
+          </a:effectRef>
+          <a:fontRef idx="minor">
+            <a:schemeClr val="dk1"/>
+          </a:fontRef>
+        </p:style>
+        <p:txBody>
+          <a:bodyPr lIns="182880" tIns="0" rIns="0" bIns="0" anchor="ctr">
+            <a:noAutofit/>
+          </a:bodyPr>
+          <a:lstStyle/>
+          <a:p>
+            <a:pPr marL="0" marR="0" hangingPunct="0">
+              <a:spcBef>
+                <a:spcPts val="0"/>
+              </a:spcBef>
+              <a:spcAft>
+                <a:spcPts val="0"/>
+              </a:spcAft>
+            </a:pPr>
+            <a:r>
+              <a:rPr lang="en-US" sz="1200" kern="100">
+                <a:effectLst/>
+                <a:ea typeface="Liberation Sans"/>
+                <a:cs typeface="Liberation Sans"/>
+              </a:rPr>
+              <a:t>“syslog” Stage</a:t>
+            </a:r>
+          </a:p>
+          <a:p>
+            <a:pPr marL="0" marR="0" hangingPunct="0">
+              <a:spcBef>
+                <a:spcPts val="0"/>
+              </a:spcBef>
+              <a:spcAft>
+                <a:spcPts val="0"/>
+              </a:spcAft>
+            </a:pPr>
+            <a:r>
+              <a:rPr lang="en-US" sz="1200" kern="100">
+                <a:effectLst/>
+                <a:ea typeface="Liberation Sans"/>
+                <a:cs typeface="Liberation Sans"/>
+              </a:rPr>
+              <a:t>    - SSH</a:t>
+            </a:r>
+          </a:p>
+          <a:p>
+            <a:pPr marL="0" marR="0" hangingPunct="0">
+              <a:spcBef>
+                <a:spcPts val="0"/>
+              </a:spcBef>
+              <a:spcAft>
+                <a:spcPts val="0"/>
+              </a:spcAft>
+            </a:pPr>
+            <a:r>
+              <a:rPr lang="en-US" sz="1200" kern="100">
+                <a:effectLst/>
+                <a:ea typeface="Liberation Sans"/>
+                <a:cs typeface="Liberation Sans"/>
+              </a:rPr>
+              <a:t>    - Depends on RSA Key stage</a:t>
+            </a:r>
+          </a:p>
+          <a:p>
+            <a:pPr marL="0" marR="0" hangingPunct="0">
+              <a:spcBef>
+                <a:spcPts val="0"/>
+              </a:spcBef>
+              <a:spcAft>
+                <a:spcPts val="0"/>
+              </a:spcAft>
+            </a:pPr>
+            <a:r>
+              <a:rPr lang="en-US" sz="1200" kern="100">
+                <a:effectLst/>
+                <a:ea typeface="Liberation Sans"/>
+                <a:cs typeface="Liberation Sans"/>
+              </a:rPr>
+              <a:t>    - Installs custom syslog-ng</a:t>
+            </a:r>
+          </a:p>
+        </p:txBody>
+      </p:sp>
+      <p:sp>
+        <p:nvSpPr>
+          <p:cNvPr id="13" name="Freeform 12"/>
+          <p:cNvSpPr/>
+          <p:nvPr/>
+        </p:nvSpPr>
+        <p:spPr>
+          <a:xfrm>
+            <a:off x="8344070" y="3317110"/>
+            <a:ext cx="1264316" cy="1264335"/>
+          </a:xfrm>
+          <a:custGeom>
+            <a:avLst/>
+            <a:gdLst/>
+            <a:ahLst/>
+            <a:cxnLst/>
+            <a:rect l="l" t="t" r="r" b="b"/>
+            <a:pathLst>
+              <a:path w="21600" h="21600">
+                <a:moveTo>
+                  <a:pt x="10800" y="0"/>
+                </a:moveTo>
+                <a:lnTo>
+                  <a:pt x="21600" y="10800"/>
+                </a:lnTo>
+                <a:lnTo>
+                  <a:pt x="10800" y="21600"/>
+                </a:lnTo>
+                <a:lnTo>
+                  <a:pt x="0" y="10800"/>
+                </a:lnTo>
+                <a:lnTo>
+                  <a:pt x="10800" y="0"/>
+                </a:lnTo>
+                <a:close/>
+              </a:path>
+            </a:pathLst>
+          </a:custGeom>
+          <a:ln/>
+        </p:spPr>
+        <p:style>
+          <a:lnRef idx="1">
+            <a:schemeClr val="accent1"/>
+          </a:lnRef>
+          <a:fillRef idx="2">
+            <a:schemeClr val="accent1"/>
+          </a:fillRef>
+          <a:effectRef idx="1">
+            <a:schemeClr val="accent1"/>
+          </a:effectRef>
+          <a:fontRef idx="minor">
+            <a:schemeClr val="dk1"/>
+          </a:fontRef>
+        </p:style>
+        <p:txBody>
+          <a:bodyPr lIns="0" tIns="0" rIns="0" bIns="0" anchor="ctr">
+            <a:noAutofit/>
+          </a:bodyPr>
+          <a:lstStyle/>
+          <a:p>
+            <a:pPr marL="0" marR="0" algn="ctr" hangingPunct="0">
+              <a:spcBef>
+                <a:spcPts val="0"/>
+              </a:spcBef>
+              <a:spcAft>
+                <a:spcPts val="0"/>
+              </a:spcAft>
+            </a:pPr>
+            <a:r>
+              <a:rPr lang="en-US" sz="1200" kern="100">
+                <a:effectLst/>
+                <a:ea typeface="Liberation Sans"/>
+                <a:cs typeface="Liberation Sans"/>
+              </a:rPr>
+              <a:t>VM Image</a:t>
+            </a:r>
+          </a:p>
+        </p:txBody>
+      </p:sp>
+      <p:sp>
+        <p:nvSpPr>
+          <p:cNvPr id="21" name="Text Box 17"/>
+          <p:cNvSpPr txBox="1"/>
+          <p:nvPr/>
+        </p:nvSpPr>
+        <p:spPr>
+          <a:xfrm>
+            <a:off x="8887928" y="3037236"/>
+            <a:ext cx="176600" cy="246220"/>
+          </a:xfrm>
+          <a:prstGeom prst="rect">
+            <a:avLst/>
+          </a:prstGeom>
+          <a:noFill/>
+          <a:ln>
+            <a:noFill/>
+          </a:ln>
+        </p:spPr>
+        <p:style>
+          <a:lnRef idx="1">
+            <a:schemeClr val="accent1"/>
+          </a:lnRef>
+          <a:fillRef idx="2">
+            <a:schemeClr val="accent1"/>
+          </a:fillRef>
+          <a:effectRef idx="1">
+            <a:schemeClr val="accent1"/>
+          </a:effectRef>
+          <a:fontRef idx="minor">
+            <a:schemeClr val="dk1"/>
+          </a:fontRef>
+        </p:style>
+        <p:txBody>
+          <a:bodyPr wrap="square" lIns="0" tIns="0" rIns="0" bIns="0" anchor="ctr">
+            <a:spAutoFit/>
+          </a:bodyPr>
+          <a:lstStyle/>
+          <a:p>
+            <a:pPr marL="0" marR="0" algn="ctr" hangingPunct="0">
+              <a:spcBef>
+                <a:spcPts val="0"/>
+              </a:spcBef>
+              <a:spcAft>
+                <a:spcPts val="0"/>
+              </a:spcAft>
+            </a:pPr>
+            <a:r>
+              <a:rPr lang="en-US" sz="1600" b="1" kern="100" dirty="0">
+                <a:effectLst/>
+                <a:ea typeface="Liberation Sans"/>
+                <a:cs typeface="Liberation Sans"/>
+              </a:rPr>
+              <a:t>+</a:t>
+            </a:r>
+            <a:endParaRPr lang="en-US" sz="1200" kern="100" dirty="0">
+              <a:effectLst/>
+              <a:ea typeface="Liberation Sans"/>
+              <a:cs typeface="Liberation Sans"/>
+            </a:endParaRPr>
+          </a:p>
+        </p:txBody>
+      </p:sp>
+      <p:sp>
+        <p:nvSpPr>
+          <p:cNvPr id="29" name="Freeform 28"/>
+          <p:cNvSpPr/>
+          <p:nvPr/>
+        </p:nvSpPr>
+        <p:spPr>
+          <a:xfrm>
+            <a:off x="8855552" y="4703279"/>
+            <a:ext cx="241352" cy="526242"/>
+          </a:xfrm>
+          <a:custGeom>
+            <a:avLst/>
+            <a:gdLst/>
+            <a:ahLst/>
+            <a:cxnLst/>
+            <a:rect l="0" t="0" r="r" b="b"/>
+            <a:pathLst>
+              <a:path w="285" h="619">
+                <a:moveTo>
+                  <a:pt x="71" y="0"/>
+                </a:moveTo>
+                <a:lnTo>
+                  <a:pt x="71" y="463"/>
+                </a:lnTo>
+                <a:lnTo>
+                  <a:pt x="0" y="463"/>
+                </a:lnTo>
+                <a:lnTo>
+                  <a:pt x="142" y="618"/>
+                </a:lnTo>
+                <a:lnTo>
+                  <a:pt x="284" y="463"/>
+                </a:lnTo>
+                <a:lnTo>
+                  <a:pt x="213" y="463"/>
+                </a:lnTo>
+                <a:lnTo>
+                  <a:pt x="213" y="0"/>
+                </a:lnTo>
+                <a:lnTo>
+                  <a:pt x="71" y="0"/>
+                </a:lnTo>
+              </a:path>
+            </a:pathLst>
+          </a:custGeom>
+          <a:ln/>
+        </p:spPr>
+        <p:style>
+          <a:lnRef idx="1">
+            <a:schemeClr val="accent1"/>
+          </a:lnRef>
+          <a:fillRef idx="2">
+            <a:schemeClr val="accent1"/>
+          </a:fillRef>
+          <a:effectRef idx="1">
+            <a:schemeClr val="accent1"/>
+          </a:effectRef>
+          <a:fontRef idx="minor">
+            <a:schemeClr val="dk1"/>
+          </a:fontRef>
+        </p:style>
+        <p:txBody>
+          <a:bodyPr anchor="ctr"/>
+          <a:lstStyle/>
+          <a:p>
+            <a:endParaRPr lang="en-US"/>
+          </a:p>
+        </p:txBody>
+      </p:sp>
+      <p:sp>
+        <p:nvSpPr>
+          <p:cNvPr id="30" name="Text Box 26"/>
+          <p:cNvSpPr txBox="1"/>
+          <p:nvPr/>
+        </p:nvSpPr>
+        <p:spPr>
+          <a:xfrm>
+            <a:off x="8553070" y="4824472"/>
+            <a:ext cx="846317" cy="184666"/>
+          </a:xfrm>
+          <a:prstGeom prst="rect">
+            <a:avLst/>
+          </a:prstGeom>
+          <a:noFill/>
+          <a:ln>
+            <a:noFill/>
+          </a:ln>
+        </p:spPr>
+        <p:style>
+          <a:lnRef idx="2">
+            <a:schemeClr val="dk1"/>
+          </a:lnRef>
+          <a:fillRef idx="1">
+            <a:schemeClr val="lt1"/>
+          </a:fillRef>
+          <a:effectRef idx="0">
+            <a:schemeClr val="dk1"/>
+          </a:effectRef>
+          <a:fontRef idx="minor">
+            <a:schemeClr val="dk1"/>
+          </a:fontRef>
+        </p:style>
+        <p:txBody>
+          <a:bodyPr wrap="square" lIns="0" tIns="0" rIns="0" bIns="0" anchor="ctr">
+            <a:spAutoFit/>
+          </a:bodyPr>
+          <a:lstStyle/>
+          <a:p>
+            <a:pPr marL="0" marR="0" hangingPunct="0">
+              <a:spcBef>
+                <a:spcPts val="0"/>
+              </a:spcBef>
+              <a:spcAft>
+                <a:spcPts val="0"/>
+              </a:spcAft>
+            </a:pPr>
+            <a:r>
+              <a:rPr lang="en-US" sz="1200" kern="100" dirty="0">
+                <a:effectLst/>
+                <a:ea typeface="Liberation Sans"/>
+                <a:cs typeface="Liberation Sans"/>
+              </a:rPr>
+              <a:t>Boot</a:t>
+            </a:r>
+          </a:p>
+        </p:txBody>
+      </p:sp>
+      <p:sp>
+        <p:nvSpPr>
+          <p:cNvPr id="34" name="Title 33"/>
+          <p:cNvSpPr>
+            <a:spLocks noGrp="1"/>
+          </p:cNvSpPr>
+          <p:nvPr>
+            <p:ph type="title"/>
+          </p:nvPr>
+        </p:nvSpPr>
+        <p:spPr/>
+        <p:txBody>
+          <a:bodyPr/>
+          <a:lstStyle/>
+          <a:p>
+            <a:r>
+              <a:rPr lang="en-US" dirty="0" smtClean="0"/>
+              <a:t>Assembler Internal Processing</a:t>
+            </a:r>
+            <a:endParaRPr lang="en-US" dirty="0"/>
+          </a:p>
+        </p:txBody>
+      </p:sp>
+      <p:sp>
+        <p:nvSpPr>
+          <p:cNvPr id="35" name="Action Button: Home 34">
+            <a:hlinkClick r:id="rId2" action="ppaction://hlinksldjump" highlightClick="1"/>
+          </p:cNvPr>
+          <p:cNvSpPr/>
+          <p:nvPr/>
+        </p:nvSpPr>
+        <p:spPr>
+          <a:xfrm>
+            <a:off x="11660863" y="188793"/>
+            <a:ext cx="352663" cy="352663"/>
+          </a:xfrm>
+          <a:prstGeom prst="actionButtonHome">
+            <a:avLst/>
+          </a:prstGeom>
+        </p:spPr>
+        <p:style>
+          <a:lnRef idx="2">
+            <a:schemeClr val="dk1"/>
+          </a:lnRef>
+          <a:fillRef idx="1">
+            <a:schemeClr val="lt1"/>
+          </a:fillRef>
+          <a:effectRef idx="0">
+            <a:schemeClr val="dk1"/>
+          </a:effectRef>
+          <a:fontRef idx="minor">
+            <a:schemeClr val="dk1"/>
+          </a:fontRef>
+        </p:style>
+        <p:txBody>
+          <a:bodyPr rtlCol="0" anchor="ctr"/>
+          <a:lstStyle/>
+          <a:p>
+            <a:pPr algn="ctr"/>
+            <a:endParaRPr lang="en-US"/>
+          </a:p>
+        </p:txBody>
+      </p:sp>
+      <p:sp>
+        <p:nvSpPr>
+          <p:cNvPr id="36" name="Rectangle 35"/>
+          <p:cNvSpPr/>
+          <p:nvPr/>
+        </p:nvSpPr>
+        <p:spPr>
+          <a:xfrm>
+            <a:off x="4091393" y="5425872"/>
+            <a:ext cx="2735159" cy="820346"/>
+          </a:xfrm>
+          <a:prstGeom prst="rect">
+            <a:avLst/>
+          </a:prstGeom>
+          <a:ln/>
+        </p:spPr>
+        <p:style>
+          <a:lnRef idx="1">
+            <a:schemeClr val="accent1"/>
+          </a:lnRef>
+          <a:fillRef idx="2">
+            <a:schemeClr val="accent1"/>
+          </a:fillRef>
+          <a:effectRef idx="1">
+            <a:schemeClr val="accent1"/>
+          </a:effectRef>
+          <a:fontRef idx="minor">
+            <a:schemeClr val="dk1"/>
+          </a:fontRef>
+        </p:style>
+        <p:txBody>
+          <a:bodyPr lIns="182880" tIns="0" rIns="0" bIns="0" anchor="ctr">
+            <a:noAutofit/>
+          </a:bodyPr>
+          <a:lstStyle/>
+          <a:p>
+            <a:pPr marL="0" marR="0" hangingPunct="0">
+              <a:spcBef>
+                <a:spcPts val="0"/>
+              </a:spcBef>
+              <a:spcAft>
+                <a:spcPts val="0"/>
+              </a:spcAft>
+            </a:pPr>
+            <a:r>
+              <a:rPr lang="en-US" sz="1200" kern="100" dirty="0" smtClean="0">
+                <a:effectLst/>
+                <a:ea typeface="Liberation Sans"/>
+                <a:cs typeface="Liberation Sans"/>
+              </a:rPr>
+              <a:t>“Cleanup” </a:t>
+            </a:r>
+            <a:r>
+              <a:rPr lang="en-US" sz="1200" kern="100" dirty="0">
+                <a:effectLst/>
+                <a:ea typeface="Liberation Sans"/>
+                <a:cs typeface="Liberation Sans"/>
+              </a:rPr>
+              <a:t>Stage</a:t>
+            </a:r>
+          </a:p>
+          <a:p>
+            <a:pPr marL="0" marR="0" hangingPunct="0">
+              <a:spcBef>
+                <a:spcPts val="0"/>
+              </a:spcBef>
+              <a:spcAft>
+                <a:spcPts val="0"/>
+              </a:spcAft>
+            </a:pPr>
+            <a:r>
+              <a:rPr lang="en-US" sz="1200" kern="100" dirty="0">
+                <a:effectLst/>
+                <a:ea typeface="Liberation Sans"/>
+                <a:cs typeface="Liberation Sans"/>
+              </a:rPr>
+              <a:t>    - </a:t>
+            </a:r>
+            <a:r>
+              <a:rPr lang="en-US" sz="1200" kern="100" dirty="0" smtClean="0">
+                <a:effectLst/>
+                <a:ea typeface="Liberation Sans"/>
+                <a:cs typeface="Liberation Sans"/>
+              </a:rPr>
+              <a:t>SSH</a:t>
+            </a:r>
+          </a:p>
+          <a:p>
+            <a:pPr marL="0" marR="0" hangingPunct="0">
+              <a:spcBef>
+                <a:spcPts val="0"/>
+              </a:spcBef>
+              <a:spcAft>
+                <a:spcPts val="0"/>
+              </a:spcAft>
+            </a:pPr>
+            <a:r>
+              <a:rPr lang="en-US" sz="1200" kern="100" dirty="0">
+                <a:ea typeface="Liberation Sans"/>
+                <a:cs typeface="Liberation Sans"/>
+              </a:rPr>
+              <a:t> </a:t>
+            </a:r>
+            <a:r>
+              <a:rPr lang="en-US" sz="1200" kern="100" dirty="0" smtClean="0">
+                <a:ea typeface="Liberation Sans"/>
+                <a:cs typeface="Liberation Sans"/>
+              </a:rPr>
+              <a:t>   - Remove unneeded packages, etc.</a:t>
+            </a:r>
+            <a:endParaRPr lang="en-US" sz="1200" kern="100" dirty="0">
+              <a:effectLst/>
+              <a:ea typeface="Liberation Sans"/>
+              <a:cs typeface="Liberation Sans"/>
+            </a:endParaRPr>
+          </a:p>
+        </p:txBody>
+      </p:sp>
+      <p:sp>
+        <p:nvSpPr>
+          <p:cNvPr id="37" name="Rounded Rectangle 36"/>
+          <p:cNvSpPr/>
+          <p:nvPr/>
+        </p:nvSpPr>
+        <p:spPr>
+          <a:xfrm>
+            <a:off x="1234911" y="1279207"/>
+            <a:ext cx="1923068" cy="531285"/>
+          </a:xfrm>
+          <a:prstGeom prst="roundRect">
+            <a:avLst/>
+          </a:prstGeom>
+          <a:ln/>
+        </p:spPr>
+        <p:style>
+          <a:lnRef idx="1">
+            <a:schemeClr val="accent1"/>
+          </a:lnRef>
+          <a:fillRef idx="2">
+            <a:schemeClr val="accent1"/>
+          </a:fillRef>
+          <a:effectRef idx="1">
+            <a:schemeClr val="accent1"/>
+          </a:effectRef>
+          <a:fontRef idx="minor">
+            <a:schemeClr val="dk1"/>
+          </a:fontRef>
+        </p:style>
+        <p:txBody>
+          <a:bodyPr lIns="0" tIns="0" rIns="0" bIns="0" anchor="ctr">
+            <a:noAutofit/>
+          </a:bodyPr>
+          <a:lstStyle/>
+          <a:p>
+            <a:pPr algn="ctr" hangingPunct="0"/>
+            <a:r>
+              <a:rPr lang="en-US" sz="1200" b="1" kern="100" dirty="0">
+                <a:solidFill>
+                  <a:schemeClr val="dk1"/>
+                </a:solidFill>
+                <a:ea typeface="Liberation Sans"/>
+                <a:cs typeface="Liberation Sans"/>
+              </a:rPr>
+              <a:t>assemble.py</a:t>
+            </a:r>
+          </a:p>
+        </p:txBody>
+      </p:sp>
+      <p:cxnSp>
+        <p:nvCxnSpPr>
+          <p:cNvPr id="39" name="Straight Arrow Connector 38"/>
+          <p:cNvCxnSpPr>
+            <a:stCxn id="37" idx="3"/>
+            <a:endCxn id="8" idx="1"/>
+          </p:cNvCxnSpPr>
+          <p:nvPr/>
+        </p:nvCxnSpPr>
+        <p:spPr>
+          <a:xfrm>
+            <a:off x="3157979" y="1544850"/>
+            <a:ext cx="909716" cy="0"/>
+          </a:xfrm>
+          <a:prstGeom prst="straightConnector1">
+            <a:avLst/>
+          </a:prstGeom>
+          <a:ln w="38100">
+            <a:solidFill>
+              <a:schemeClr val="tx1"/>
+            </a:solidFill>
+            <a:tailEnd type="triangle"/>
+          </a:ln>
+        </p:spPr>
+        <p:style>
+          <a:lnRef idx="1">
+            <a:schemeClr val="accent1"/>
+          </a:lnRef>
+          <a:fillRef idx="0">
+            <a:schemeClr val="accent1"/>
+          </a:fillRef>
+          <a:effectRef idx="0">
+            <a:schemeClr val="accent1"/>
+          </a:effectRef>
+          <a:fontRef idx="minor">
+            <a:schemeClr val="tx1"/>
+          </a:fontRef>
+        </p:style>
+      </p:cxnSp>
+      <p:cxnSp>
+        <p:nvCxnSpPr>
+          <p:cNvPr id="42" name="Elbow Connector 41"/>
+          <p:cNvCxnSpPr>
+            <a:stCxn id="36" idx="3"/>
+            <a:endCxn id="46" idx="1"/>
+          </p:cNvCxnSpPr>
+          <p:nvPr/>
+        </p:nvCxnSpPr>
+        <p:spPr>
+          <a:xfrm flipV="1">
+            <a:off x="6826552" y="5616357"/>
+            <a:ext cx="937840" cy="219688"/>
+          </a:xfrm>
+          <a:prstGeom prst="bentConnector3">
+            <a:avLst/>
+          </a:prstGeom>
+          <a:ln w="38100">
+            <a:solidFill>
+              <a:schemeClr val="tx1"/>
+            </a:solidFill>
+            <a:tailEnd type="triangle"/>
+          </a:ln>
+        </p:spPr>
+        <p:style>
+          <a:lnRef idx="1">
+            <a:schemeClr val="accent1"/>
+          </a:lnRef>
+          <a:fillRef idx="0">
+            <a:schemeClr val="accent1"/>
+          </a:fillRef>
+          <a:effectRef idx="0">
+            <a:schemeClr val="accent1"/>
+          </a:effectRef>
+          <a:fontRef idx="minor">
+            <a:schemeClr val="tx1"/>
+          </a:fontRef>
+        </p:style>
+      </p:cxnSp>
+      <p:sp>
+        <p:nvSpPr>
+          <p:cNvPr id="44" name="Rounded Rectangle 43"/>
+          <p:cNvSpPr/>
+          <p:nvPr/>
+        </p:nvSpPr>
+        <p:spPr>
+          <a:xfrm>
+            <a:off x="7764392" y="2321451"/>
+            <a:ext cx="2423673" cy="531285"/>
+          </a:xfrm>
+          <a:prstGeom prst="roundRect">
+            <a:avLst/>
+          </a:prstGeom>
+          <a:ln/>
+        </p:spPr>
+        <p:style>
+          <a:lnRef idx="1">
+            <a:schemeClr val="accent1"/>
+          </a:lnRef>
+          <a:fillRef idx="2">
+            <a:schemeClr val="accent1"/>
+          </a:fillRef>
+          <a:effectRef idx="1">
+            <a:schemeClr val="accent1"/>
+          </a:effectRef>
+          <a:fontRef idx="minor">
+            <a:schemeClr val="dk1"/>
+          </a:fontRef>
+        </p:style>
+        <p:txBody>
+          <a:bodyPr lIns="0" tIns="0" rIns="0" bIns="0" anchor="ctr">
+            <a:noAutofit/>
+          </a:bodyPr>
+          <a:lstStyle/>
+          <a:p>
+            <a:pPr algn="ctr" hangingPunct="0"/>
+            <a:r>
+              <a:rPr lang="en-US" sz="1200" b="1" kern="100" dirty="0" smtClean="0">
+                <a:solidFill>
+                  <a:schemeClr val="dk1"/>
+                </a:solidFill>
+                <a:ea typeface="Liberation Sans"/>
+                <a:cs typeface="Liberation Sans"/>
+              </a:rPr>
+              <a:t>cloud-</a:t>
+            </a:r>
+            <a:r>
+              <a:rPr lang="en-US" sz="1200" b="1" kern="100" dirty="0" err="1" smtClean="0">
+                <a:solidFill>
+                  <a:schemeClr val="dk1"/>
+                </a:solidFill>
+                <a:ea typeface="Liberation Sans"/>
+                <a:cs typeface="Liberation Sans"/>
+              </a:rPr>
+              <a:t>init</a:t>
+            </a:r>
+            <a:r>
+              <a:rPr lang="en-US" sz="1200" b="1" kern="100" dirty="0" smtClean="0">
+                <a:solidFill>
+                  <a:schemeClr val="dk1"/>
+                </a:solidFill>
+                <a:ea typeface="Liberation Sans"/>
+                <a:cs typeface="Liberation Sans"/>
+              </a:rPr>
+              <a:t> User Data</a:t>
+            </a:r>
+            <a:endParaRPr lang="en-US" sz="1200" b="1" kern="100" dirty="0">
+              <a:solidFill>
+                <a:schemeClr val="dk1"/>
+              </a:solidFill>
+              <a:ea typeface="Liberation Sans"/>
+              <a:cs typeface="Liberation Sans"/>
+            </a:endParaRPr>
+          </a:p>
+        </p:txBody>
+      </p:sp>
+      <p:sp>
+        <p:nvSpPr>
+          <p:cNvPr id="46" name="Rounded Rectangle 45"/>
+          <p:cNvSpPr/>
+          <p:nvPr/>
+        </p:nvSpPr>
+        <p:spPr>
+          <a:xfrm>
+            <a:off x="7764392" y="5350714"/>
+            <a:ext cx="2423673" cy="531285"/>
+          </a:xfrm>
+          <a:prstGeom prst="roundRect">
+            <a:avLst/>
+          </a:prstGeom>
+          <a:ln/>
+        </p:spPr>
+        <p:style>
+          <a:lnRef idx="1">
+            <a:schemeClr val="accent1"/>
+          </a:lnRef>
+          <a:fillRef idx="2">
+            <a:schemeClr val="accent1"/>
+          </a:fillRef>
+          <a:effectRef idx="1">
+            <a:schemeClr val="accent1"/>
+          </a:effectRef>
+          <a:fontRef idx="minor">
+            <a:schemeClr val="dk1"/>
+          </a:fontRef>
+        </p:style>
+        <p:txBody>
+          <a:bodyPr lIns="0" tIns="0" rIns="0" bIns="0" anchor="ctr">
+            <a:noAutofit/>
+          </a:bodyPr>
+          <a:lstStyle/>
+          <a:p>
+            <a:pPr algn="ctr" hangingPunct="0"/>
+            <a:r>
+              <a:rPr lang="en-US" sz="1200" b="1" kern="100" dirty="0" smtClean="0">
+                <a:solidFill>
+                  <a:schemeClr val="dk1"/>
+                </a:solidFill>
+                <a:ea typeface="Liberation Sans"/>
+                <a:cs typeface="Liberation Sans"/>
+              </a:rPr>
+              <a:t>Virtue Instance</a:t>
+            </a:r>
+            <a:endParaRPr lang="en-US" sz="1200" b="1" kern="100" dirty="0">
+              <a:solidFill>
+                <a:schemeClr val="dk1"/>
+              </a:solidFill>
+              <a:ea typeface="Liberation Sans"/>
+              <a:cs typeface="Liberation Sans"/>
+            </a:endParaRPr>
+          </a:p>
+        </p:txBody>
+      </p:sp>
+      <p:cxnSp>
+        <p:nvCxnSpPr>
+          <p:cNvPr id="49" name="Elbow Connector 48"/>
+          <p:cNvCxnSpPr>
+            <a:stCxn id="8" idx="3"/>
+            <a:endCxn id="44" idx="1"/>
+          </p:cNvCxnSpPr>
+          <p:nvPr/>
+        </p:nvCxnSpPr>
+        <p:spPr>
+          <a:xfrm>
+            <a:off x="6803821" y="1544850"/>
+            <a:ext cx="960571" cy="1042244"/>
+          </a:xfrm>
+          <a:prstGeom prst="bentConnector3">
+            <a:avLst/>
+          </a:prstGeom>
+          <a:ln w="38100">
+            <a:solidFill>
+              <a:schemeClr val="tx1"/>
+            </a:solidFill>
+            <a:tailEnd type="triangle"/>
+          </a:ln>
+        </p:spPr>
+        <p:style>
+          <a:lnRef idx="1">
+            <a:schemeClr val="accent1"/>
+          </a:lnRef>
+          <a:fillRef idx="0">
+            <a:schemeClr val="accent1"/>
+          </a:fillRef>
+          <a:effectRef idx="0">
+            <a:schemeClr val="accent1"/>
+          </a:effectRef>
+          <a:fontRef idx="minor">
+            <a:schemeClr val="tx1"/>
+          </a:fontRef>
+        </p:style>
+      </p:cxnSp>
+      <p:cxnSp>
+        <p:nvCxnSpPr>
+          <p:cNvPr id="51" name="Elbow Connector 50"/>
+          <p:cNvCxnSpPr>
+            <a:stCxn id="9" idx="3"/>
+            <a:endCxn id="44" idx="1"/>
+          </p:cNvCxnSpPr>
+          <p:nvPr/>
+        </p:nvCxnSpPr>
+        <p:spPr>
+          <a:xfrm>
+            <a:off x="6803821" y="2366795"/>
+            <a:ext cx="960571" cy="220299"/>
+          </a:xfrm>
+          <a:prstGeom prst="bentConnector3">
+            <a:avLst/>
+          </a:prstGeom>
+          <a:ln w="38100">
+            <a:solidFill>
+              <a:schemeClr val="tx1"/>
+            </a:solidFill>
+            <a:tailEnd type="triangle"/>
+          </a:ln>
+        </p:spPr>
+        <p:style>
+          <a:lnRef idx="1">
+            <a:schemeClr val="accent1"/>
+          </a:lnRef>
+          <a:fillRef idx="0">
+            <a:schemeClr val="accent1"/>
+          </a:fillRef>
+          <a:effectRef idx="0">
+            <a:schemeClr val="accent1"/>
+          </a:effectRef>
+          <a:fontRef idx="minor">
+            <a:schemeClr val="tx1"/>
+          </a:fontRef>
+        </p:style>
+      </p:cxnSp>
+      <p:cxnSp>
+        <p:nvCxnSpPr>
+          <p:cNvPr id="53" name="Elbow Connector 52"/>
+          <p:cNvCxnSpPr>
+            <a:stCxn id="10" idx="3"/>
+            <a:endCxn id="44" idx="1"/>
+          </p:cNvCxnSpPr>
+          <p:nvPr/>
+        </p:nvCxnSpPr>
+        <p:spPr>
+          <a:xfrm flipV="1">
+            <a:off x="6826552" y="2587094"/>
+            <a:ext cx="937840" cy="598670"/>
+          </a:xfrm>
+          <a:prstGeom prst="bentConnector3">
+            <a:avLst/>
+          </a:prstGeom>
+          <a:ln w="38100">
+            <a:solidFill>
+              <a:schemeClr val="tx1"/>
+            </a:solidFill>
+            <a:tailEnd type="triangle"/>
+          </a:ln>
+        </p:spPr>
+        <p:style>
+          <a:lnRef idx="1">
+            <a:schemeClr val="accent1"/>
+          </a:lnRef>
+          <a:fillRef idx="0">
+            <a:schemeClr val="accent1"/>
+          </a:fillRef>
+          <a:effectRef idx="0">
+            <a:schemeClr val="accent1"/>
+          </a:effectRef>
+          <a:fontRef idx="minor">
+            <a:schemeClr val="tx1"/>
+          </a:fontRef>
+        </p:style>
+      </p:cxnSp>
+      <p:cxnSp>
+        <p:nvCxnSpPr>
+          <p:cNvPr id="55" name="Elbow Connector 54"/>
+          <p:cNvCxnSpPr>
+            <a:stCxn id="11" idx="3"/>
+            <a:endCxn id="44" idx="1"/>
+          </p:cNvCxnSpPr>
+          <p:nvPr/>
+        </p:nvCxnSpPr>
+        <p:spPr>
+          <a:xfrm flipV="1">
+            <a:off x="6826552" y="2587094"/>
+            <a:ext cx="937840" cy="1415819"/>
+          </a:xfrm>
+          <a:prstGeom prst="bentConnector3">
+            <a:avLst/>
+          </a:prstGeom>
+          <a:ln w="38100">
+            <a:solidFill>
+              <a:schemeClr val="tx1"/>
+            </a:solidFill>
+            <a:tailEnd type="triangle"/>
+          </a:ln>
+        </p:spPr>
+        <p:style>
+          <a:lnRef idx="1">
+            <a:schemeClr val="accent1"/>
+          </a:lnRef>
+          <a:fillRef idx="0">
+            <a:schemeClr val="accent1"/>
+          </a:fillRef>
+          <a:effectRef idx="0">
+            <a:schemeClr val="accent1"/>
+          </a:effectRef>
+          <a:fontRef idx="minor">
+            <a:schemeClr val="tx1"/>
+          </a:fontRef>
+        </p:style>
+      </p:cxnSp>
+      <p:cxnSp>
+        <p:nvCxnSpPr>
+          <p:cNvPr id="57" name="Elbow Connector 56"/>
+          <p:cNvCxnSpPr>
+            <a:stCxn id="12" idx="3"/>
+            <a:endCxn id="44" idx="1"/>
+          </p:cNvCxnSpPr>
+          <p:nvPr/>
+        </p:nvCxnSpPr>
+        <p:spPr>
+          <a:xfrm flipV="1">
+            <a:off x="6826552" y="2587094"/>
+            <a:ext cx="937840" cy="2299246"/>
+          </a:xfrm>
+          <a:prstGeom prst="bentConnector3">
+            <a:avLst/>
+          </a:prstGeom>
+          <a:ln w="38100">
+            <a:solidFill>
+              <a:schemeClr val="tx1"/>
+            </a:solidFill>
+            <a:tailEnd type="triangle"/>
+          </a:ln>
+        </p:spPr>
+        <p:style>
+          <a:lnRef idx="1">
+            <a:schemeClr val="accent1"/>
+          </a:lnRef>
+          <a:fillRef idx="0">
+            <a:schemeClr val="accent1"/>
+          </a:fillRef>
+          <a:effectRef idx="0">
+            <a:schemeClr val="accent1"/>
+          </a:effectRef>
+          <a:fontRef idx="minor">
+            <a:schemeClr val="tx1"/>
+          </a:fontRef>
+        </p:style>
+      </p:cxnSp>
+      <p:cxnSp>
+        <p:nvCxnSpPr>
+          <p:cNvPr id="59" name="Elbow Connector 58"/>
+          <p:cNvCxnSpPr>
+            <a:stCxn id="36" idx="3"/>
+            <a:endCxn id="44" idx="1"/>
+          </p:cNvCxnSpPr>
+          <p:nvPr/>
+        </p:nvCxnSpPr>
+        <p:spPr>
+          <a:xfrm flipV="1">
+            <a:off x="6826552" y="2587094"/>
+            <a:ext cx="937840" cy="3248951"/>
+          </a:xfrm>
+          <a:prstGeom prst="bentConnector3">
+            <a:avLst/>
+          </a:prstGeom>
+          <a:ln w="38100">
+            <a:solidFill>
+              <a:schemeClr val="tx1"/>
+            </a:solidFill>
+            <a:tailEnd type="triangle"/>
+          </a:ln>
+        </p:spPr>
+        <p:style>
+          <a:lnRef idx="1">
+            <a:schemeClr val="accent1"/>
+          </a:lnRef>
+          <a:fillRef idx="0">
+            <a:schemeClr val="accent1"/>
+          </a:fillRef>
+          <a:effectRef idx="0">
+            <a:schemeClr val="accent1"/>
+          </a:effectRef>
+          <a:fontRef idx="minor">
+            <a:schemeClr val="tx1"/>
+          </a:fontRef>
+        </p:style>
+      </p:cxnSp>
+    </p:spTree>
+    <p:extLst>
+      <p:ext uri="{BB962C8B-B14F-4D97-AF65-F5344CB8AC3E}">
+        <p14:creationId xmlns:p14="http://schemas.microsoft.com/office/powerpoint/2010/main" val="27397012"/>
+      </p:ext>
+    </p:extLst>
+  </p:cSld>
+  <p:clrMapOvr>
+    <a:masterClrMapping/>
+  </p:clrMapOvr>
+  <p:timing>
+    <p:tnLst>
+      <p:par>
+        <p:cTn id="1" dur="indefinite" restart="never" nodeType="tmRoot"/>
+      </p:par>
+    </p:tnLst>
+  </p:timing>
+</p:sld>
+</file>
+
+<file path=ppt/slides/slide14.xml><?xml version="1.0" encoding="utf-8"?>
+<p:sld xmlns:a="http://schemas.openxmlformats.org/drawingml/2006/main" xmlns:r="http://schemas.openxmlformats.org/officeDocument/2006/relationships" xmlns:p="http://schemas.openxmlformats.org/presentationml/2006/main">
+  <p:cSld>
+    <p:spTree>
+      <p:nvGrpSpPr>
+        <p:cNvPr id="1" name=""/>
+        <p:cNvGrpSpPr/>
+        <p:nvPr/>
+      </p:nvGrpSpPr>
+      <p:grpSpPr>
+        <a:xfrm>
+          <a:off x="0" y="0"/>
+          <a:ext cx="0" cy="0"/>
+          <a:chOff x="0" y="0"/>
+          <a:chExt cx="0" cy="0"/>
+        </a:xfrm>
+      </p:grpSpPr>
+      <p:sp>
+        <p:nvSpPr>
           <p:cNvPr id="2" name="Title 1"/>
           <p:cNvSpPr>
             <a:spLocks noGrp="1"/>
@@ -11590,7 +12437,7 @@
           <a:p>
             <a:r>
               <a:rPr lang="en-US" dirty="0" smtClean="0"/>
-              <a:t>Docker Container-Maker Internals</a:t>
+              <a:t>Virtue Import/Export Workflow</a:t>
             </a:r>
             <a:endParaRPr lang="en-US" dirty="0"/>
           </a:p>
@@ -11603,102 +12450,1013 @@
             <a:spLocks noGrp="1"/>
           </p:cNvSpPr>
           <p:nvPr>
+            <p:ph sz="half" idx="1"/>
+          </p:nvPr>
+        </p:nvSpPr>
+        <p:spPr>
+          <a:xfrm>
+            <a:off x="838200" y="1066800"/>
+            <a:ext cx="5181600" cy="5110163"/>
+          </a:xfrm>
+        </p:spPr>
+        <p:txBody>
+          <a:bodyPr>
+            <a:normAutofit fontScale="92500"/>
+          </a:bodyPr>
+          <a:lstStyle/>
+          <a:p>
+            <a:r>
+              <a:rPr lang="en-US" dirty="0" smtClean="0"/>
+              <a:t>A Role is a set of Applications</a:t>
+            </a:r>
+          </a:p>
+          <a:p>
+            <a:r>
+              <a:rPr lang="en-US" dirty="0" smtClean="0"/>
+              <a:t>Containers are incorporated by reference to a central registry</a:t>
+            </a:r>
+          </a:p>
+          <a:p>
+            <a:r>
+              <a:rPr lang="en-US" dirty="0" smtClean="0"/>
+              <a:t>Roles can be distributed in a variety of ways, stored centrally, etc.</a:t>
+            </a:r>
+          </a:p>
+          <a:p>
+            <a:r>
+              <a:rPr lang="en-US" dirty="0" smtClean="0"/>
+              <a:t>Importing registers the applications, role, and policies with the Galahad OpenLDAP DB</a:t>
+            </a:r>
+          </a:p>
+          <a:p>
+            <a:endParaRPr lang="en-US" dirty="0" smtClean="0"/>
+          </a:p>
+          <a:p>
+            <a:r>
+              <a:rPr lang="en-US" i="1" dirty="0" smtClean="0"/>
+              <a:t>Currently do not have an implementation of the import or export workflow</a:t>
+            </a:r>
+          </a:p>
+        </p:txBody>
+      </p:sp>
+      <p:sp>
+        <p:nvSpPr>
+          <p:cNvPr id="5" name="Content Placeholder 4"/>
+          <p:cNvSpPr>
+            <a:spLocks noGrp="1"/>
+          </p:cNvSpPr>
+          <p:nvPr>
+            <p:ph sz="half" idx="2"/>
+          </p:nvPr>
+        </p:nvSpPr>
+        <p:spPr>
+          <a:xfrm>
+            <a:off x="6172200" y="1066800"/>
+            <a:ext cx="5181600" cy="5442642"/>
+          </a:xfrm>
+        </p:spPr>
+        <p:txBody>
+          <a:bodyPr>
+            <a:normAutofit fontScale="92500"/>
+          </a:bodyPr>
+          <a:lstStyle/>
+          <a:p>
+            <a:pPr marL="0" indent="0">
+              <a:lnSpc>
+                <a:spcPct val="100000"/>
+              </a:lnSpc>
+              <a:spcBef>
+                <a:spcPts val="0"/>
+              </a:spcBef>
+              <a:buNone/>
+            </a:pPr>
+            <a:r>
+              <a:rPr lang="en-US" sz="2400" b="1" dirty="0" smtClean="0"/>
+              <a:t>Notional</a:t>
+            </a:r>
+            <a:r>
+              <a:rPr lang="en-US" sz="2400" dirty="0" smtClean="0"/>
+              <a:t> File format (JSON):</a:t>
+            </a:r>
+          </a:p>
+          <a:p>
+            <a:pPr marL="0" indent="0">
+              <a:lnSpc>
+                <a:spcPct val="100000"/>
+              </a:lnSpc>
+              <a:spcBef>
+                <a:spcPts val="0"/>
+              </a:spcBef>
+              <a:buNone/>
+            </a:pPr>
+            <a:endParaRPr lang="en-US" sz="1200" dirty="0">
+              <a:latin typeface="Consolas" panose="020B0609020204030204" pitchFamily="49" charset="0"/>
+            </a:endParaRPr>
+          </a:p>
+          <a:p>
+            <a:pPr marL="0" indent="0">
+              <a:lnSpc>
+                <a:spcPct val="100000"/>
+              </a:lnSpc>
+              <a:spcBef>
+                <a:spcPts val="0"/>
+              </a:spcBef>
+              <a:buNone/>
+            </a:pPr>
+            <a:r>
+              <a:rPr lang="en-US" sz="1200" dirty="0" smtClean="0">
+                <a:latin typeface="Consolas" panose="020B0609020204030204" pitchFamily="49" charset="0"/>
+              </a:rPr>
+              <a:t>{</a:t>
+            </a:r>
+          </a:p>
+          <a:p>
+            <a:pPr marL="0" indent="0">
+              <a:lnSpc>
+                <a:spcPct val="100000"/>
+              </a:lnSpc>
+              <a:spcBef>
+                <a:spcPts val="0"/>
+              </a:spcBef>
+              <a:buNone/>
+            </a:pPr>
+            <a:r>
+              <a:rPr lang="en-US" sz="1200" dirty="0" smtClean="0">
+                <a:latin typeface="Consolas" panose="020B0609020204030204" pitchFamily="49" charset="0"/>
+              </a:rPr>
+              <a:t>  “Role”           : “Router Admin”,</a:t>
+            </a:r>
+          </a:p>
+          <a:p>
+            <a:pPr marL="0" indent="0">
+              <a:lnSpc>
+                <a:spcPct val="100000"/>
+              </a:lnSpc>
+              <a:spcBef>
+                <a:spcPts val="0"/>
+              </a:spcBef>
+              <a:buNone/>
+            </a:pPr>
+            <a:r>
+              <a:rPr lang="en-US" sz="1200" dirty="0">
+                <a:latin typeface="Consolas" panose="020B0609020204030204" pitchFamily="49" charset="0"/>
+              </a:rPr>
+              <a:t> </a:t>
+            </a:r>
+            <a:r>
+              <a:rPr lang="en-US" sz="1200" dirty="0" smtClean="0">
+                <a:latin typeface="Consolas" panose="020B0609020204030204" pitchFamily="49" charset="0"/>
+              </a:rPr>
+              <a:t> “Version”        : “1.93”,</a:t>
+            </a:r>
+          </a:p>
+          <a:p>
+            <a:pPr marL="0" indent="0">
+              <a:lnSpc>
+                <a:spcPct val="100000"/>
+              </a:lnSpc>
+              <a:spcBef>
+                <a:spcPts val="0"/>
+              </a:spcBef>
+              <a:buNone/>
+            </a:pPr>
+            <a:r>
+              <a:rPr lang="en-US" sz="1200" dirty="0" smtClean="0">
+                <a:latin typeface="Consolas" panose="020B0609020204030204" pitchFamily="49" charset="0"/>
+              </a:rPr>
+              <a:t>  “Created-by”     : “Vi R. Tue”,</a:t>
+            </a:r>
+          </a:p>
+          <a:p>
+            <a:pPr marL="0" indent="0">
+              <a:lnSpc>
+                <a:spcPct val="100000"/>
+              </a:lnSpc>
+              <a:spcBef>
+                <a:spcPts val="0"/>
+              </a:spcBef>
+              <a:buNone/>
+            </a:pPr>
+            <a:r>
+              <a:rPr lang="en-US" sz="1200" dirty="0">
+                <a:latin typeface="Consolas" panose="020B0609020204030204" pitchFamily="49" charset="0"/>
+              </a:rPr>
+              <a:t> </a:t>
+            </a:r>
+            <a:r>
+              <a:rPr lang="en-US" sz="1200" dirty="0" smtClean="0">
+                <a:latin typeface="Consolas" panose="020B0609020204030204" pitchFamily="49" charset="0"/>
+              </a:rPr>
+              <a:t> “role-signature” : “...”,</a:t>
+            </a:r>
+          </a:p>
+          <a:p>
+            <a:pPr marL="0" indent="0">
+              <a:lnSpc>
+                <a:spcPct val="100000"/>
+              </a:lnSpc>
+              <a:spcBef>
+                <a:spcPts val="0"/>
+              </a:spcBef>
+              <a:buNone/>
+            </a:pPr>
+            <a:r>
+              <a:rPr lang="en-US" sz="1200" dirty="0">
+                <a:latin typeface="Consolas" panose="020B0609020204030204" pitchFamily="49" charset="0"/>
+              </a:rPr>
+              <a:t> </a:t>
+            </a:r>
+            <a:r>
+              <a:rPr lang="en-US" sz="1200" dirty="0" smtClean="0">
+                <a:latin typeface="Consolas" panose="020B0609020204030204" pitchFamily="49" charset="0"/>
+              </a:rPr>
+              <a:t> “Applications”: [</a:t>
+            </a:r>
+          </a:p>
+          <a:p>
+            <a:pPr marL="0" indent="0">
+              <a:lnSpc>
+                <a:spcPct val="100000"/>
+              </a:lnSpc>
+              <a:spcBef>
+                <a:spcPts val="0"/>
+              </a:spcBef>
+              <a:buNone/>
+            </a:pPr>
+            <a:r>
+              <a:rPr lang="en-US" sz="1200" dirty="0" smtClean="0">
+                <a:latin typeface="Consolas" panose="020B0609020204030204" pitchFamily="49" charset="0"/>
+              </a:rPr>
+              <a:t>    {</a:t>
+            </a:r>
+          </a:p>
+          <a:p>
+            <a:pPr marL="0" indent="0">
+              <a:lnSpc>
+                <a:spcPct val="100000"/>
+              </a:lnSpc>
+              <a:spcBef>
+                <a:spcPts val="0"/>
+              </a:spcBef>
+              <a:buNone/>
+            </a:pPr>
+            <a:r>
+              <a:rPr lang="en-US" sz="1200" dirty="0">
+                <a:latin typeface="Consolas" panose="020B0609020204030204" pitchFamily="49" charset="0"/>
+              </a:rPr>
+              <a:t> </a:t>
+            </a:r>
+            <a:r>
+              <a:rPr lang="en-US" sz="1200" dirty="0" smtClean="0">
+                <a:latin typeface="Consolas" panose="020B0609020204030204" pitchFamily="49" charset="0"/>
+              </a:rPr>
+              <a:t>     “application”    : “PowerShell”,</a:t>
+            </a:r>
+          </a:p>
+          <a:p>
+            <a:pPr marL="0" indent="0">
+              <a:lnSpc>
+                <a:spcPct val="100000"/>
+              </a:lnSpc>
+              <a:spcBef>
+                <a:spcPts val="0"/>
+              </a:spcBef>
+              <a:buNone/>
+            </a:pPr>
+            <a:r>
+              <a:rPr lang="en-US" sz="1200" dirty="0">
+                <a:latin typeface="Consolas" panose="020B0609020204030204" pitchFamily="49" charset="0"/>
+              </a:rPr>
+              <a:t> </a:t>
+            </a:r>
+            <a:r>
+              <a:rPr lang="en-US" sz="1200" dirty="0" smtClean="0">
+                <a:latin typeface="Consolas" panose="020B0609020204030204" pitchFamily="49" charset="0"/>
+              </a:rPr>
+              <a:t>     “description”    : “PowerShell Core v6.0”,</a:t>
+            </a:r>
+          </a:p>
+          <a:p>
+            <a:pPr marL="0" indent="0">
+              <a:lnSpc>
+                <a:spcPct val="100000"/>
+              </a:lnSpc>
+              <a:spcBef>
+                <a:spcPts val="0"/>
+              </a:spcBef>
+              <a:buNone/>
+            </a:pPr>
+            <a:r>
+              <a:rPr lang="en-US" sz="1200" dirty="0">
+                <a:latin typeface="Consolas" panose="020B0609020204030204" pitchFamily="49" charset="0"/>
+              </a:rPr>
+              <a:t> </a:t>
+            </a:r>
+            <a:r>
+              <a:rPr lang="en-US" sz="1200" dirty="0" smtClean="0">
+                <a:latin typeface="Consolas" panose="020B0609020204030204" pitchFamily="49" charset="0"/>
+              </a:rPr>
+              <a:t>     “container-ref”  : “virtue-ecr.aws.com/pwsh:1.2”,</a:t>
+            </a:r>
+          </a:p>
+          <a:p>
+            <a:pPr marL="0" indent="0">
+              <a:lnSpc>
+                <a:spcPct val="100000"/>
+              </a:lnSpc>
+              <a:spcBef>
+                <a:spcPts val="0"/>
+              </a:spcBef>
+              <a:buNone/>
+            </a:pPr>
+            <a:r>
+              <a:rPr lang="en-US" sz="1200" dirty="0" smtClean="0">
+                <a:latin typeface="Consolas" panose="020B0609020204030204" pitchFamily="49" charset="0"/>
+              </a:rPr>
+              <a:t>      “apparmor-policy”: “...”,</a:t>
+            </a:r>
+          </a:p>
+          <a:p>
+            <a:pPr marL="0" indent="0">
+              <a:lnSpc>
+                <a:spcPct val="100000"/>
+              </a:lnSpc>
+              <a:spcBef>
+                <a:spcPts val="0"/>
+              </a:spcBef>
+              <a:buNone/>
+            </a:pPr>
+            <a:r>
+              <a:rPr lang="en-US" sz="1200" dirty="0">
+                <a:latin typeface="Consolas" panose="020B0609020204030204" pitchFamily="49" charset="0"/>
+              </a:rPr>
+              <a:t> </a:t>
+            </a:r>
+            <a:r>
+              <a:rPr lang="en-US" sz="1200" dirty="0" smtClean="0">
+                <a:latin typeface="Consolas" panose="020B0609020204030204" pitchFamily="49" charset="0"/>
+              </a:rPr>
+              <a:t>     “seccomp-policy” : “...”,</a:t>
+            </a:r>
+          </a:p>
+          <a:p>
+            <a:pPr marL="0" indent="0">
+              <a:lnSpc>
+                <a:spcPct val="100000"/>
+              </a:lnSpc>
+              <a:spcBef>
+                <a:spcPts val="0"/>
+              </a:spcBef>
+              <a:buNone/>
+            </a:pPr>
+            <a:r>
+              <a:rPr lang="en-US" sz="1200" dirty="0">
+                <a:latin typeface="Consolas" panose="020B0609020204030204" pitchFamily="49" charset="0"/>
+              </a:rPr>
+              <a:t>  </a:t>
+            </a:r>
+            <a:r>
+              <a:rPr lang="en-US" sz="1200" dirty="0" smtClean="0">
+                <a:latin typeface="Consolas" panose="020B0609020204030204" pitchFamily="49" charset="0"/>
+              </a:rPr>
+              <a:t>    “dockerfile”     : “...”,</a:t>
+            </a:r>
+          </a:p>
+          <a:p>
+            <a:pPr marL="0" indent="0">
+              <a:lnSpc>
+                <a:spcPct val="100000"/>
+              </a:lnSpc>
+              <a:spcBef>
+                <a:spcPts val="0"/>
+              </a:spcBef>
+              <a:buNone/>
+            </a:pPr>
+            <a:r>
+              <a:rPr lang="en-US" sz="1200" dirty="0" smtClean="0">
+                <a:latin typeface="Consolas" panose="020B0609020204030204" pitchFamily="49" charset="0"/>
+              </a:rPr>
+              <a:t>      “container-signature”  : “...”</a:t>
+            </a:r>
+            <a:endParaRPr lang="en-US" sz="1200" dirty="0">
+              <a:latin typeface="Consolas" panose="020B0609020204030204" pitchFamily="49" charset="0"/>
+            </a:endParaRPr>
+          </a:p>
+          <a:p>
+            <a:pPr marL="0" indent="0">
+              <a:lnSpc>
+                <a:spcPct val="100000"/>
+              </a:lnSpc>
+              <a:spcBef>
+                <a:spcPts val="0"/>
+              </a:spcBef>
+              <a:buNone/>
+            </a:pPr>
+            <a:r>
+              <a:rPr lang="en-US" sz="1200" dirty="0" smtClean="0">
+                <a:latin typeface="Consolas" panose="020B0609020204030204" pitchFamily="49" charset="0"/>
+              </a:rPr>
+              <a:t>    },</a:t>
+            </a:r>
+          </a:p>
+          <a:p>
+            <a:pPr marL="0" indent="0">
+              <a:lnSpc>
+                <a:spcPct val="100000"/>
+              </a:lnSpc>
+              <a:spcBef>
+                <a:spcPts val="0"/>
+              </a:spcBef>
+              <a:buNone/>
+            </a:pPr>
+            <a:r>
+              <a:rPr lang="en-US" sz="1200" dirty="0" smtClean="0">
+                <a:latin typeface="Consolas" panose="020B0609020204030204" pitchFamily="49" charset="0"/>
+              </a:rPr>
+              <a:t>    {</a:t>
+            </a:r>
+          </a:p>
+          <a:p>
+            <a:pPr marL="0" indent="0">
+              <a:lnSpc>
+                <a:spcPct val="100000"/>
+              </a:lnSpc>
+              <a:spcBef>
+                <a:spcPts val="0"/>
+              </a:spcBef>
+              <a:buNone/>
+            </a:pPr>
+            <a:r>
+              <a:rPr lang="en-US" sz="1200" dirty="0" smtClean="0">
+                <a:latin typeface="Consolas" panose="020B0609020204030204" pitchFamily="49" charset="0"/>
+              </a:rPr>
+              <a:t>      “application</a:t>
+            </a:r>
+            <a:r>
+              <a:rPr lang="en-US" sz="1200" dirty="0">
+                <a:latin typeface="Consolas" panose="020B0609020204030204" pitchFamily="49" charset="0"/>
+              </a:rPr>
+              <a:t>”    : </a:t>
+            </a:r>
+            <a:r>
+              <a:rPr lang="en-US" sz="1200" dirty="0" smtClean="0">
+                <a:latin typeface="Consolas" panose="020B0609020204030204" pitchFamily="49" charset="0"/>
+              </a:rPr>
+              <a:t>“bash-with-network-tools”,</a:t>
+            </a:r>
+          </a:p>
+          <a:p>
+            <a:pPr marL="0" indent="0">
+              <a:lnSpc>
+                <a:spcPct val="100000"/>
+              </a:lnSpc>
+              <a:spcBef>
+                <a:spcPts val="0"/>
+              </a:spcBef>
+              <a:buNone/>
+            </a:pPr>
+            <a:r>
+              <a:rPr lang="en-US" sz="1200" dirty="0">
+                <a:latin typeface="Consolas" panose="020B0609020204030204" pitchFamily="49" charset="0"/>
+              </a:rPr>
+              <a:t> </a:t>
+            </a:r>
+            <a:r>
+              <a:rPr lang="en-US" sz="1200" dirty="0" smtClean="0">
+                <a:latin typeface="Consolas" panose="020B0609020204030204" pitchFamily="49" charset="0"/>
+              </a:rPr>
+              <a:t>     “description”    : “Includes </a:t>
+            </a:r>
+            <a:r>
+              <a:rPr lang="en-US" sz="1200" dirty="0" err="1" smtClean="0">
+                <a:latin typeface="Consolas" panose="020B0609020204030204" pitchFamily="49" charset="0"/>
+              </a:rPr>
+              <a:t>nc</a:t>
+            </a:r>
+            <a:r>
+              <a:rPr lang="en-US" sz="1200" dirty="0" smtClean="0">
+                <a:latin typeface="Consolas" panose="020B0609020204030204" pitchFamily="49" charset="0"/>
+              </a:rPr>
+              <a:t>, </a:t>
+            </a:r>
+            <a:r>
+              <a:rPr lang="en-US" sz="1200" dirty="0" err="1" smtClean="0">
+                <a:latin typeface="Consolas" panose="020B0609020204030204" pitchFamily="49" charset="0"/>
+              </a:rPr>
+              <a:t>ssh</a:t>
+            </a:r>
+            <a:r>
+              <a:rPr lang="en-US" sz="1200" dirty="0" smtClean="0">
+                <a:latin typeface="Consolas" panose="020B0609020204030204" pitchFamily="49" charset="0"/>
+              </a:rPr>
+              <a:t>, telnet, etc.”,</a:t>
+            </a:r>
+            <a:endParaRPr lang="en-US" sz="1200" dirty="0">
+              <a:latin typeface="Consolas" panose="020B0609020204030204" pitchFamily="49" charset="0"/>
+            </a:endParaRPr>
+          </a:p>
+          <a:p>
+            <a:pPr marL="0" indent="0">
+              <a:lnSpc>
+                <a:spcPct val="100000"/>
+              </a:lnSpc>
+              <a:spcBef>
+                <a:spcPts val="0"/>
+              </a:spcBef>
+              <a:buNone/>
+            </a:pPr>
+            <a:r>
+              <a:rPr lang="en-US" sz="1200" dirty="0">
+                <a:latin typeface="Consolas" panose="020B0609020204030204" pitchFamily="49" charset="0"/>
+              </a:rPr>
+              <a:t>      “container-ref”  : “</a:t>
+            </a:r>
+            <a:r>
+              <a:rPr lang="en-US" sz="1200" dirty="0" smtClean="0">
+                <a:latin typeface="Consolas" panose="020B0609020204030204" pitchFamily="49" charset="0"/>
+              </a:rPr>
+              <a:t>virtue-ecr.aws.com/bash:2.13”,</a:t>
+            </a:r>
+            <a:endParaRPr lang="en-US" sz="1200" dirty="0">
+              <a:latin typeface="Consolas" panose="020B0609020204030204" pitchFamily="49" charset="0"/>
+            </a:endParaRPr>
+          </a:p>
+          <a:p>
+            <a:pPr marL="0" indent="0">
+              <a:lnSpc>
+                <a:spcPct val="100000"/>
+              </a:lnSpc>
+              <a:spcBef>
+                <a:spcPts val="0"/>
+              </a:spcBef>
+              <a:buNone/>
+            </a:pPr>
+            <a:r>
+              <a:rPr lang="en-US" sz="1200" dirty="0">
+                <a:latin typeface="Consolas" panose="020B0609020204030204" pitchFamily="49" charset="0"/>
+              </a:rPr>
+              <a:t>      “apparmor-policy”: “...”,</a:t>
+            </a:r>
+          </a:p>
+          <a:p>
+            <a:pPr marL="0" indent="0">
+              <a:lnSpc>
+                <a:spcPct val="100000"/>
+              </a:lnSpc>
+              <a:spcBef>
+                <a:spcPts val="0"/>
+              </a:spcBef>
+              <a:buNone/>
+            </a:pPr>
+            <a:r>
+              <a:rPr lang="en-US" sz="1200" dirty="0">
+                <a:latin typeface="Consolas" panose="020B0609020204030204" pitchFamily="49" charset="0"/>
+              </a:rPr>
+              <a:t>      “seccomp-policy” : “...”,</a:t>
+            </a:r>
+          </a:p>
+          <a:p>
+            <a:pPr marL="0" indent="0">
+              <a:lnSpc>
+                <a:spcPct val="100000"/>
+              </a:lnSpc>
+              <a:spcBef>
+                <a:spcPts val="0"/>
+              </a:spcBef>
+              <a:buNone/>
+            </a:pPr>
+            <a:r>
+              <a:rPr lang="en-US" sz="1200" dirty="0">
+                <a:latin typeface="Consolas" panose="020B0609020204030204" pitchFamily="49" charset="0"/>
+              </a:rPr>
+              <a:t>      “dockerfile”     : </a:t>
+            </a:r>
+            <a:r>
+              <a:rPr lang="en-US" sz="1200" dirty="0" smtClean="0">
+                <a:latin typeface="Consolas" panose="020B0609020204030204" pitchFamily="49" charset="0"/>
+              </a:rPr>
+              <a:t>“...”</a:t>
+            </a:r>
+          </a:p>
+          <a:p>
+            <a:pPr marL="0" indent="0">
+              <a:lnSpc>
+                <a:spcPct val="100000"/>
+              </a:lnSpc>
+              <a:spcBef>
+                <a:spcPts val="0"/>
+              </a:spcBef>
+              <a:buNone/>
+            </a:pPr>
+            <a:r>
+              <a:rPr lang="en-US" sz="1200" dirty="0" smtClean="0">
+                <a:latin typeface="Consolas" panose="020B0609020204030204" pitchFamily="49" charset="0"/>
+              </a:rPr>
+              <a:t>      “container-signature”  </a:t>
+            </a:r>
+            <a:r>
+              <a:rPr lang="en-US" sz="1200" dirty="0">
+                <a:latin typeface="Consolas" panose="020B0609020204030204" pitchFamily="49" charset="0"/>
+              </a:rPr>
+              <a:t>: “...”</a:t>
+            </a:r>
+          </a:p>
+          <a:p>
+            <a:pPr marL="0" indent="0">
+              <a:lnSpc>
+                <a:spcPct val="100000"/>
+              </a:lnSpc>
+              <a:spcBef>
+                <a:spcPts val="0"/>
+              </a:spcBef>
+              <a:buNone/>
+            </a:pPr>
+            <a:r>
+              <a:rPr lang="en-US" sz="1200" dirty="0" smtClean="0">
+                <a:latin typeface="Consolas" panose="020B0609020204030204" pitchFamily="49" charset="0"/>
+              </a:rPr>
+              <a:t>    }</a:t>
+            </a:r>
+          </a:p>
+          <a:p>
+            <a:pPr marL="0" indent="0">
+              <a:lnSpc>
+                <a:spcPct val="100000"/>
+              </a:lnSpc>
+              <a:spcBef>
+                <a:spcPts val="0"/>
+              </a:spcBef>
+              <a:buNone/>
+            </a:pPr>
+            <a:r>
+              <a:rPr lang="en-US" sz="1200" dirty="0" smtClean="0">
+                <a:latin typeface="Consolas" panose="020B0609020204030204" pitchFamily="49" charset="0"/>
+              </a:rPr>
+              <a:t>  ]</a:t>
+            </a:r>
+            <a:endParaRPr lang="en-US" sz="1200" dirty="0">
+              <a:latin typeface="Consolas" panose="020B0609020204030204" pitchFamily="49" charset="0"/>
+            </a:endParaRPr>
+          </a:p>
+          <a:p>
+            <a:pPr marL="0" indent="0">
+              <a:lnSpc>
+                <a:spcPct val="100000"/>
+              </a:lnSpc>
+              <a:spcBef>
+                <a:spcPts val="0"/>
+              </a:spcBef>
+              <a:buNone/>
+            </a:pPr>
+            <a:r>
+              <a:rPr lang="en-US" sz="1200" dirty="0" smtClean="0">
+                <a:latin typeface="Consolas" panose="020B0609020204030204" pitchFamily="49" charset="0"/>
+              </a:rPr>
+              <a:t>}</a:t>
+            </a:r>
+            <a:endParaRPr lang="en-US" sz="1200" dirty="0">
+              <a:latin typeface="Consolas" panose="020B0609020204030204" pitchFamily="49" charset="0"/>
+            </a:endParaRPr>
+          </a:p>
+        </p:txBody>
+      </p:sp>
+      <p:sp>
+        <p:nvSpPr>
+          <p:cNvPr id="4" name="Action Button: Home 3">
+            <a:hlinkClick r:id="rId2" action="ppaction://hlinksldjump" highlightClick="1"/>
+          </p:cNvPr>
+          <p:cNvSpPr/>
+          <p:nvPr/>
+        </p:nvSpPr>
+        <p:spPr>
+          <a:xfrm>
+            <a:off x="11660863" y="188793"/>
+            <a:ext cx="352663" cy="352663"/>
+          </a:xfrm>
+          <a:prstGeom prst="actionButtonHome">
+            <a:avLst/>
+          </a:prstGeom>
+        </p:spPr>
+        <p:style>
+          <a:lnRef idx="2">
+            <a:schemeClr val="dk1"/>
+          </a:lnRef>
+          <a:fillRef idx="1">
+            <a:schemeClr val="lt1"/>
+          </a:fillRef>
+          <a:effectRef idx="0">
+            <a:schemeClr val="dk1"/>
+          </a:effectRef>
+          <a:fontRef idx="minor">
+            <a:schemeClr val="dk1"/>
+          </a:fontRef>
+        </p:style>
+        <p:txBody>
+          <a:bodyPr rtlCol="0" anchor="ctr"/>
+          <a:lstStyle/>
+          <a:p>
+            <a:pPr algn="ctr"/>
+            <a:endParaRPr lang="en-US"/>
+          </a:p>
+        </p:txBody>
+      </p:sp>
+    </p:spTree>
+    <p:extLst>
+      <p:ext uri="{BB962C8B-B14F-4D97-AF65-F5344CB8AC3E}">
+        <p14:creationId xmlns:p14="http://schemas.microsoft.com/office/powerpoint/2010/main" val="3395246964"/>
+      </p:ext>
+    </p:extLst>
+  </p:cSld>
+  <p:clrMapOvr>
+    <a:masterClrMapping/>
+  </p:clrMapOvr>
+  <p:timing>
+    <p:tnLst>
+      <p:par>
+        <p:cTn id="1" dur="indefinite" restart="never" nodeType="tmRoot"/>
+      </p:par>
+    </p:tnLst>
+  </p:timing>
+</p:sld>
+</file>
+
+<file path=ppt/slides/slide15.xml><?xml version="1.0" encoding="utf-8"?>
+<p:sld xmlns:a="http://schemas.openxmlformats.org/drawingml/2006/main" xmlns:r="http://schemas.openxmlformats.org/officeDocument/2006/relationships" xmlns:p="http://schemas.openxmlformats.org/presentationml/2006/main">
+  <p:cSld>
+    <p:spTree>
+      <p:nvGrpSpPr>
+        <p:cNvPr id="1" name=""/>
+        <p:cNvGrpSpPr/>
+        <p:nvPr/>
+      </p:nvGrpSpPr>
+      <p:grpSpPr>
+        <a:xfrm>
+          <a:off x="0" y="0"/>
+          <a:ext cx="0" cy="0"/>
+          <a:chOff x="0" y="0"/>
+          <a:chExt cx="0" cy="0"/>
+        </a:xfrm>
+      </p:grpSpPr>
+      <p:sp>
+        <p:nvSpPr>
+          <p:cNvPr id="5" name="Title 4"/>
+          <p:cNvSpPr>
+            <a:spLocks noGrp="1"/>
+          </p:cNvSpPr>
+          <p:nvPr>
+            <p:ph type="title"/>
+          </p:nvPr>
+        </p:nvSpPr>
+        <p:spPr/>
+        <p:txBody>
+          <a:bodyPr/>
+          <a:lstStyle/>
+          <a:p>
+            <a:r>
+              <a:rPr lang="en-US" dirty="0" smtClean="0"/>
+              <a:t>Virtue Import Storyboard</a:t>
+            </a:r>
+            <a:endParaRPr lang="en-US" dirty="0"/>
+          </a:p>
+        </p:txBody>
+      </p:sp>
+      <p:pic>
+        <p:nvPicPr>
+          <p:cNvPr id="7" name="Content Placeholder 6"/>
+          <p:cNvPicPr>
+            <a:picLocks noGrp="1" noChangeAspect="1"/>
+          </p:cNvPicPr>
+          <p:nvPr>
             <p:ph idx="1"/>
           </p:nvPr>
-        </p:nvSpPr>
-        <p:spPr>
-          <a:xfrm>
-            <a:off x="838200" y="1825625"/>
-            <a:ext cx="10515600" cy="2012950"/>
-          </a:xfrm>
-        </p:spPr>
-        <p:txBody>
-          <a:bodyPr>
-            <a:normAutofit fontScale="85000" lnSpcReduction="20000"/>
-          </a:bodyPr>
-          <a:lstStyle/>
-          <a:p>
-            <a:r>
-              <a:rPr lang="en-US" dirty="0" smtClean="0">
-                <a:latin typeface="Consolas" panose="020B0609020204030204" pitchFamily="49" charset="0"/>
-              </a:rPr>
-              <a:t>build.py</a:t>
-            </a:r>
-            <a:r>
-              <a:rPr lang="en-US" dirty="0" smtClean="0"/>
-              <a:t>: builds all of the containers specified in the </a:t>
-            </a:r>
-            <a:r>
-              <a:rPr lang="en-US" dirty="0" err="1" smtClean="0"/>
-              <a:t>VirtueDockerConfig.yml</a:t>
-            </a:r>
-            <a:r>
-              <a:rPr lang="en-US" dirty="0" smtClean="0"/>
-              <a:t> file</a:t>
-            </a:r>
-          </a:p>
-          <a:p>
-            <a:r>
-              <a:rPr lang="en-US" dirty="0" smtClean="0">
-                <a:latin typeface="Consolas" panose="020B0609020204030204" pitchFamily="49" charset="0"/>
-              </a:rPr>
-              <a:t>run.py</a:t>
-            </a:r>
-            <a:r>
-              <a:rPr lang="en-US" dirty="0" smtClean="0"/>
-              <a:t>: runs an image specified in the </a:t>
-            </a:r>
-            <a:r>
-              <a:rPr lang="en-US" dirty="0" err="1" smtClean="0"/>
-              <a:t>VirtueDockerConfig.yml</a:t>
-            </a:r>
-            <a:r>
-              <a:rPr lang="en-US" dirty="0" smtClean="0"/>
-              <a:t> file</a:t>
-            </a:r>
-          </a:p>
-          <a:p>
-            <a:pPr lvl="1"/>
-            <a:r>
-              <a:rPr lang="en-US" dirty="0" smtClean="0"/>
-              <a:t>Gets copied to the Unity VM </a:t>
-            </a:r>
-          </a:p>
-          <a:p>
-            <a:pPr lvl="1"/>
-            <a:r>
-              <a:rPr lang="en-US" dirty="0" smtClean="0"/>
-              <a:t>Used to start the container once we’re in The Cloud</a:t>
-            </a:r>
-          </a:p>
-          <a:p>
-            <a:r>
-              <a:rPr lang="en-US" dirty="0" smtClean="0"/>
-              <a:t>AppArmor and </a:t>
-            </a:r>
-            <a:r>
-              <a:rPr lang="en-US" dirty="0" err="1" smtClean="0"/>
-              <a:t>seccomp</a:t>
-            </a:r>
-            <a:r>
-              <a:rPr lang="en-US" dirty="0" smtClean="0"/>
-              <a:t> policies are specified per-container</a:t>
-            </a:r>
-          </a:p>
-        </p:txBody>
-      </p:sp>
-      <p:sp>
-        <p:nvSpPr>
-          <p:cNvPr id="4" name="Rectangle 3"/>
+        </p:nvPicPr>
+        <p:blipFill>
+          <a:blip r:embed="rId2" cstate="print">
+            <a:extLst>
+              <a:ext uri="{28A0092B-C50C-407E-A947-70E740481C1C}">
+                <a14:useLocalDpi xmlns:a14="http://schemas.microsoft.com/office/drawing/2010/main" val="0"/>
+              </a:ext>
+            </a:extLst>
+          </a:blip>
+          <a:stretch>
+            <a:fillRect/>
+          </a:stretch>
+        </p:blipFill>
+        <p:spPr>
+          <a:xfrm>
+            <a:off x="5226728" y="1439929"/>
+            <a:ext cx="1197935" cy="1156184"/>
+          </a:xfrm>
+        </p:spPr>
+      </p:pic>
+      <p:grpSp>
+        <p:nvGrpSpPr>
+          <p:cNvPr id="14" name="Group 13"/>
+          <p:cNvGrpSpPr/>
+          <p:nvPr/>
+        </p:nvGrpSpPr>
+        <p:grpSpPr>
+          <a:xfrm>
+            <a:off x="572871" y="1271236"/>
+            <a:ext cx="3855650" cy="2570433"/>
+            <a:chOff x="838200" y="1341691"/>
+            <a:chExt cx="3855650" cy="2570433"/>
+          </a:xfrm>
+        </p:grpSpPr>
+        <p:pic>
+          <p:nvPicPr>
+            <p:cNvPr id="9" name="Picture 8"/>
+            <p:cNvPicPr>
+              <a:picLocks noChangeAspect="1"/>
+            </p:cNvPicPr>
+            <p:nvPr/>
+          </p:nvPicPr>
+          <p:blipFill>
+            <a:blip r:embed="rId3" cstate="print">
+              <a:extLst>
+                <a:ext uri="{28A0092B-C50C-407E-A947-70E740481C1C}">
+                  <a14:useLocalDpi xmlns:a14="http://schemas.microsoft.com/office/drawing/2010/main" val="0"/>
+                </a:ext>
+              </a:extLst>
+            </a:blip>
+            <a:stretch>
+              <a:fillRect/>
+            </a:stretch>
+          </p:blipFill>
+          <p:spPr>
+            <a:xfrm>
+              <a:off x="838200" y="1341691"/>
+              <a:ext cx="3855650" cy="2570433"/>
+            </a:xfrm>
+            <a:prstGeom prst="rect">
+              <a:avLst/>
+            </a:prstGeom>
+          </p:spPr>
+        </p:pic>
+        <p:sp>
+          <p:nvSpPr>
+            <p:cNvPr id="10" name="TextBox 9"/>
+            <p:cNvSpPr txBox="1"/>
+            <p:nvPr/>
+          </p:nvSpPr>
+          <p:spPr>
+            <a:xfrm>
+              <a:off x="933253" y="1833851"/>
+              <a:ext cx="2526461" cy="1692771"/>
+            </a:xfrm>
+            <a:prstGeom prst="rect">
+              <a:avLst/>
+            </a:prstGeom>
+            <a:noFill/>
+          </p:spPr>
+          <p:txBody>
+            <a:bodyPr wrap="none" rtlCol="0">
+              <a:spAutoFit/>
+            </a:bodyPr>
+            <a:lstStyle/>
+            <a:p>
+              <a:r>
+                <a:rPr lang="en-US" sz="2000" dirty="0" smtClean="0"/>
+                <a:t>Virtue Role Explorer</a:t>
+              </a:r>
+            </a:p>
+            <a:p>
+              <a:r>
+                <a:rPr lang="en-US" sz="1400" dirty="0" smtClean="0"/>
+                <a:t>       </a:t>
+              </a:r>
+              <a:r>
+                <a:rPr lang="en-US" sz="1400" u="sng" dirty="0" smtClean="0"/>
+                <a:t>Android Developer</a:t>
+              </a:r>
+            </a:p>
+            <a:p>
+              <a:r>
+                <a:rPr lang="en-US" sz="1400" dirty="0"/>
+                <a:t> </a:t>
+              </a:r>
+              <a:r>
+                <a:rPr lang="en-US" sz="1400" dirty="0" smtClean="0"/>
+                <a:t>      </a:t>
+              </a:r>
+              <a:r>
+                <a:rPr lang="en-US" sz="1400" u="sng" dirty="0" smtClean="0"/>
+                <a:t>MS Office Document Author</a:t>
+              </a:r>
+            </a:p>
+            <a:p>
+              <a:r>
+                <a:rPr lang="en-US" sz="1400" dirty="0"/>
+                <a:t> </a:t>
+              </a:r>
+              <a:r>
+                <a:rPr lang="en-US" sz="1400" dirty="0" smtClean="0"/>
+                <a:t>      </a:t>
+              </a:r>
+              <a:r>
+                <a:rPr lang="en-US" sz="1400" u="sng" dirty="0" smtClean="0"/>
+                <a:t>Router Administration</a:t>
+              </a:r>
+            </a:p>
+            <a:p>
+              <a:r>
+                <a:rPr lang="en-US" sz="1400" dirty="0"/>
+                <a:t> </a:t>
+              </a:r>
+              <a:r>
+                <a:rPr lang="en-US" sz="1400" dirty="0" smtClean="0"/>
+                <a:t>      </a:t>
+              </a:r>
+              <a:r>
+                <a:rPr lang="en-US" sz="1400" u="sng" dirty="0" smtClean="0"/>
+                <a:t>Security Engineer</a:t>
+              </a:r>
+            </a:p>
+            <a:p>
+              <a:r>
+                <a:rPr lang="en-US" sz="1400" dirty="0"/>
+                <a:t> </a:t>
+              </a:r>
+              <a:r>
+                <a:rPr lang="en-US" sz="1400" dirty="0" smtClean="0"/>
+                <a:t>      </a:t>
+              </a:r>
+              <a:r>
+                <a:rPr lang="en-US" sz="1400" u="sng" dirty="0" smtClean="0"/>
+                <a:t>Financial Analyst</a:t>
+              </a:r>
+            </a:p>
+            <a:p>
+              <a:r>
+                <a:rPr lang="en-US" sz="1400" dirty="0"/>
+                <a:t> </a:t>
+              </a:r>
+              <a:r>
+                <a:rPr lang="en-US" sz="1400" dirty="0" smtClean="0"/>
+                <a:t>      </a:t>
+              </a:r>
+              <a:endParaRPr lang="en-US" sz="1400" dirty="0"/>
+            </a:p>
+          </p:txBody>
+        </p:sp>
+      </p:grpSp>
+      <p:sp>
+        <p:nvSpPr>
+          <p:cNvPr id="11" name="Oval Callout 10"/>
           <p:cNvSpPr/>
           <p:nvPr/>
         </p:nvSpPr>
         <p:spPr>
           <a:xfrm>
-            <a:off x="942967" y="4371976"/>
-            <a:ext cx="1552575" cy="658812"/>
-          </a:xfrm>
-          <a:prstGeom prst="rect">
+            <a:off x="6523348" y="1209316"/>
+            <a:ext cx="1583704" cy="612648"/>
+          </a:xfrm>
+          <a:prstGeom prst="wedgeEllipseCallout">
+            <a:avLst>
+              <a:gd name="adj1" fmla="val -64132"/>
+              <a:gd name="adj2" fmla="val 44036"/>
+            </a:avLst>
+          </a:prstGeom>
+        </p:spPr>
+        <p:style>
+          <a:lnRef idx="2">
+            <a:schemeClr val="dk1"/>
+          </a:lnRef>
+          <a:fillRef idx="1">
+            <a:schemeClr val="lt1"/>
+          </a:fillRef>
+          <a:effectRef idx="0">
+            <a:schemeClr val="dk1"/>
+          </a:effectRef>
+          <a:fontRef idx="minor">
+            <a:schemeClr val="dk1"/>
+          </a:fontRef>
+        </p:style>
+        <p:txBody>
+          <a:bodyPr rtlCol="0" anchor="ctr"/>
+          <a:lstStyle/>
+          <a:p>
+            <a:pPr algn="ctr"/>
+            <a:r>
+              <a:rPr lang="en-US" sz="1200" dirty="0" smtClean="0"/>
+              <a:t>I need a router admin role…</a:t>
+            </a:r>
+            <a:endParaRPr lang="en-US" sz="1200" dirty="0"/>
+          </a:p>
+        </p:txBody>
+      </p:sp>
+      <p:sp>
+        <p:nvSpPr>
+          <p:cNvPr id="13" name="Vertical Scroll 12"/>
+          <p:cNvSpPr/>
+          <p:nvPr/>
+        </p:nvSpPr>
+        <p:spPr>
+          <a:xfrm>
+            <a:off x="5009997" y="2895954"/>
+            <a:ext cx="2413262" cy="1583703"/>
+          </a:xfrm>
+          <a:prstGeom prst="verticalScroll">
             <a:avLst/>
           </a:prstGeom>
         </p:spPr>
@@ -11722,169 +13480,462 @@
           <a:bodyPr rtlCol="0" anchor="ctr"/>
           <a:lstStyle/>
           <a:p>
-            <a:pPr algn="ctr"/>
-            <a:r>
-              <a:rPr lang="en-US" dirty="0" smtClean="0"/>
-              <a:t>virtue-base</a:t>
-            </a:r>
-            <a:br>
-              <a:rPr lang="en-US" dirty="0" smtClean="0"/>
-            </a:br>
-            <a:r>
-              <a:rPr lang="en-US" dirty="0" smtClean="0"/>
-              <a:t>Container</a:t>
-            </a:r>
-            <a:endParaRPr lang="en-US" dirty="0"/>
-          </a:p>
-        </p:txBody>
-      </p:sp>
-      <p:sp>
-        <p:nvSpPr>
-          <p:cNvPr id="5" name="Rectangle 4"/>
-          <p:cNvSpPr/>
-          <p:nvPr/>
-        </p:nvSpPr>
-        <p:spPr>
-          <a:xfrm>
-            <a:off x="2867016" y="4371976"/>
-            <a:ext cx="1562101" cy="658812"/>
-          </a:xfrm>
-          <a:prstGeom prst="rect">
-            <a:avLst/>
-          </a:prstGeom>
-        </p:spPr>
-        <p:style>
-          <a:lnRef idx="2">
-            <a:schemeClr val="accent1">
-              <a:shade val="50000"/>
-            </a:schemeClr>
-          </a:lnRef>
-          <a:fillRef idx="1">
-            <a:schemeClr val="accent1"/>
-          </a:fillRef>
-          <a:effectRef idx="0">
-            <a:schemeClr val="accent1"/>
-          </a:effectRef>
-          <a:fontRef idx="minor">
-            <a:schemeClr val="lt1"/>
-          </a:fontRef>
-        </p:style>
-        <p:txBody>
-          <a:bodyPr rtlCol="0" anchor="ctr"/>
-          <a:lstStyle/>
-          <a:p>
-            <a:pPr algn="ctr"/>
-            <a:r>
-              <a:rPr lang="en-US" dirty="0" smtClean="0"/>
-              <a:t>App-Specific </a:t>
-            </a:r>
-            <a:r>
-              <a:rPr lang="en-US" dirty="0" err="1" smtClean="0"/>
-              <a:t>Dockerfile</a:t>
-            </a:r>
-            <a:endParaRPr lang="en-US" dirty="0"/>
-          </a:p>
-        </p:txBody>
-      </p:sp>
-      <p:sp>
-        <p:nvSpPr>
-          <p:cNvPr id="6" name="Rectangle 5"/>
-          <p:cNvSpPr/>
-          <p:nvPr/>
-        </p:nvSpPr>
-        <p:spPr>
-          <a:xfrm>
-            <a:off x="2867015" y="5322188"/>
-            <a:ext cx="1562102" cy="642750"/>
-          </a:xfrm>
-          <a:prstGeom prst="rect">
-            <a:avLst/>
-          </a:prstGeom>
-        </p:spPr>
-        <p:style>
-          <a:lnRef idx="1">
-            <a:schemeClr val="accent6"/>
-          </a:lnRef>
-          <a:fillRef idx="2">
-            <a:schemeClr val="accent6"/>
-          </a:fillRef>
-          <a:effectRef idx="1">
-            <a:schemeClr val="accent6"/>
-          </a:effectRef>
-          <a:fontRef idx="minor">
-            <a:schemeClr val="dk1"/>
-          </a:fontRef>
-        </p:style>
-        <p:txBody>
-          <a:bodyPr rtlCol="0" anchor="ctr"/>
-          <a:lstStyle/>
-          <a:p>
-            <a:pPr algn="ctr"/>
-            <a:r>
-              <a:rPr lang="en-US" i="1" dirty="0" smtClean="0"/>
-              <a:t>build.py</a:t>
-            </a:r>
-            <a:endParaRPr lang="en-US" i="1" dirty="0"/>
-          </a:p>
-        </p:txBody>
-      </p:sp>
-      <p:sp>
-        <p:nvSpPr>
-          <p:cNvPr id="7" name="Rectangle 6"/>
-          <p:cNvSpPr/>
-          <p:nvPr/>
-        </p:nvSpPr>
-        <p:spPr>
-          <a:xfrm>
-            <a:off x="933441" y="5306126"/>
-            <a:ext cx="1562101" cy="658812"/>
-          </a:xfrm>
-          <a:prstGeom prst="rect">
-            <a:avLst/>
-          </a:prstGeom>
-        </p:spPr>
-        <p:style>
-          <a:lnRef idx="2">
-            <a:schemeClr val="accent1">
-              <a:shade val="50000"/>
-            </a:schemeClr>
-          </a:lnRef>
-          <a:fillRef idx="1">
-            <a:schemeClr val="accent1"/>
-          </a:fillRef>
-          <a:effectRef idx="0">
-            <a:schemeClr val="accent1"/>
-          </a:effectRef>
-          <a:fontRef idx="minor">
-            <a:schemeClr val="lt1"/>
-          </a:fontRef>
-        </p:style>
-        <p:txBody>
-          <a:bodyPr rtlCol="0" anchor="ctr"/>
-          <a:lstStyle/>
-          <a:p>
-            <a:pPr algn="ctr"/>
-            <a:r>
-              <a:rPr lang="en-US" dirty="0" smtClean="0"/>
-              <a:t>Application Files</a:t>
-            </a:r>
-            <a:endParaRPr lang="en-US" dirty="0"/>
-          </a:p>
-        </p:txBody>
-      </p:sp>
+            <a:r>
+              <a:rPr lang="en-US" dirty="0" smtClean="0">
+                <a:latin typeface="Consolas" panose="020B0609020204030204" pitchFamily="49" charset="0"/>
+              </a:rPr>
+              <a:t>Router Admin:</a:t>
+            </a:r>
+          </a:p>
+          <a:p>
+            <a:r>
+              <a:rPr lang="en-US" sz="1200" dirty="0" smtClean="0">
+                <a:latin typeface="Consolas" panose="020B0609020204030204" pitchFamily="49" charset="0"/>
+              </a:rPr>
+              <a:t>  PowerShell</a:t>
+            </a:r>
+          </a:p>
+          <a:p>
+            <a:r>
+              <a:rPr lang="en-US" sz="1200" dirty="0">
+                <a:latin typeface="Consolas" panose="020B0609020204030204" pitchFamily="49" charset="0"/>
+              </a:rPr>
+              <a:t> </a:t>
+            </a:r>
+            <a:r>
+              <a:rPr lang="en-US" sz="1200" dirty="0" smtClean="0">
+                <a:latin typeface="Consolas" panose="020B0609020204030204" pitchFamily="49" charset="0"/>
+              </a:rPr>
+              <a:t> bash-with-net-tools</a:t>
+            </a:r>
+          </a:p>
+          <a:p>
+            <a:r>
+              <a:rPr lang="en-US" sz="1200" dirty="0">
+                <a:latin typeface="Consolas" panose="020B0609020204030204" pitchFamily="49" charset="0"/>
+              </a:rPr>
+              <a:t> </a:t>
+            </a:r>
+            <a:r>
+              <a:rPr lang="en-US" sz="1200" dirty="0" smtClean="0">
+                <a:latin typeface="Consolas" panose="020B0609020204030204" pitchFamily="49" charset="0"/>
+              </a:rPr>
+              <a:t> </a:t>
+            </a:r>
+            <a:r>
+              <a:rPr lang="en-US" sz="1200" dirty="0" err="1" smtClean="0">
+                <a:latin typeface="Consolas" panose="020B0609020204030204" pitchFamily="49" charset="0"/>
+              </a:rPr>
+              <a:t>firefox</a:t>
+            </a:r>
+            <a:endParaRPr lang="en-US" sz="1200" dirty="0" smtClean="0">
+              <a:latin typeface="Consolas" panose="020B0609020204030204" pitchFamily="49" charset="0"/>
+            </a:endParaRPr>
+          </a:p>
+          <a:p>
+            <a:r>
+              <a:rPr lang="en-US" sz="1200" dirty="0">
+                <a:latin typeface="Consolas" panose="020B0609020204030204" pitchFamily="49" charset="0"/>
+              </a:rPr>
+              <a:t> </a:t>
+            </a:r>
+            <a:r>
+              <a:rPr lang="en-US" sz="1200" dirty="0" smtClean="0">
+                <a:latin typeface="Consolas" panose="020B0609020204030204" pitchFamily="49" charset="0"/>
+              </a:rPr>
+              <a:t> </a:t>
+            </a:r>
+            <a:endParaRPr lang="en-US" sz="1200" dirty="0">
+              <a:latin typeface="Consolas" panose="020B0609020204030204" pitchFamily="49" charset="0"/>
+            </a:endParaRPr>
+          </a:p>
+        </p:txBody>
+      </p:sp>
+      <p:grpSp>
+        <p:nvGrpSpPr>
+          <p:cNvPr id="38" name="Group 37"/>
+          <p:cNvGrpSpPr/>
+          <p:nvPr/>
+        </p:nvGrpSpPr>
+        <p:grpSpPr>
+          <a:xfrm>
+            <a:off x="667924" y="4046105"/>
+            <a:ext cx="3469064" cy="2570433"/>
+            <a:chOff x="8173039" y="2410282"/>
+            <a:chExt cx="3469064" cy="2570433"/>
+          </a:xfrm>
+        </p:grpSpPr>
+        <p:grpSp>
+          <p:nvGrpSpPr>
+            <p:cNvPr id="17" name="Group 16"/>
+            <p:cNvGrpSpPr/>
+            <p:nvPr/>
+          </p:nvGrpSpPr>
+          <p:grpSpPr>
+            <a:xfrm>
+              <a:off x="8173039" y="2410282"/>
+              <a:ext cx="3469064" cy="2570433"/>
+              <a:chOff x="8267307" y="2241404"/>
+              <a:chExt cx="3469064" cy="2570433"/>
+            </a:xfrm>
+          </p:grpSpPr>
+          <p:sp>
+            <p:nvSpPr>
+              <p:cNvPr id="15" name="Flowchart: Magnetic Disk 14"/>
+              <p:cNvSpPr/>
+              <p:nvPr/>
+            </p:nvSpPr>
+            <p:spPr>
+              <a:xfrm>
+                <a:off x="8267307" y="2241404"/>
+                <a:ext cx="3469064" cy="2570433"/>
+              </a:xfrm>
+              <a:prstGeom prst="flowChartMagneticDisk">
+                <a:avLst/>
+              </a:prstGeom>
+            </p:spPr>
+            <p:style>
+              <a:lnRef idx="1">
+                <a:schemeClr val="accent6"/>
+              </a:lnRef>
+              <a:fillRef idx="2">
+                <a:schemeClr val="accent6"/>
+              </a:fillRef>
+              <a:effectRef idx="1">
+                <a:schemeClr val="accent6"/>
+              </a:effectRef>
+              <a:fontRef idx="minor">
+                <a:schemeClr val="dk1"/>
+              </a:fontRef>
+            </p:style>
+            <p:txBody>
+              <a:bodyPr rtlCol="0" anchor="ctr"/>
+              <a:lstStyle/>
+              <a:p>
+                <a:pPr algn="ctr"/>
+                <a:endParaRPr lang="en-US" dirty="0"/>
+              </a:p>
+            </p:txBody>
+          </p:sp>
+          <p:sp>
+            <p:nvSpPr>
+              <p:cNvPr id="16" name="TextBox 15"/>
+              <p:cNvSpPr txBox="1"/>
+              <p:nvPr/>
+            </p:nvSpPr>
+            <p:spPr>
+              <a:xfrm>
+                <a:off x="8733286" y="2548898"/>
+                <a:ext cx="2537105" cy="369332"/>
+              </a:xfrm>
+              <a:prstGeom prst="rect">
+                <a:avLst/>
+              </a:prstGeom>
+              <a:noFill/>
+            </p:spPr>
+            <p:txBody>
+              <a:bodyPr wrap="none" rtlCol="0">
+                <a:spAutoFit/>
+              </a:bodyPr>
+              <a:lstStyle/>
+              <a:p>
+                <a:pPr algn="ctr"/>
+                <a:r>
+                  <a:rPr lang="en-US" dirty="0" smtClean="0"/>
+                  <a:t>Virtue Container Registry</a:t>
+                </a:r>
+                <a:endParaRPr lang="en-US" dirty="0"/>
+              </a:p>
+            </p:txBody>
+          </p:sp>
+        </p:grpSp>
+        <p:sp>
+          <p:nvSpPr>
+            <p:cNvPr id="18" name="Rounded Rectangle 17"/>
+            <p:cNvSpPr/>
+            <p:nvPr/>
+          </p:nvSpPr>
+          <p:spPr>
+            <a:xfrm>
+              <a:off x="8361575" y="3381181"/>
+              <a:ext cx="1351961" cy="367645"/>
+            </a:xfrm>
+            <a:prstGeom prst="roundRect">
+              <a:avLst/>
+            </a:prstGeom>
+          </p:spPr>
+          <p:style>
+            <a:lnRef idx="1">
+              <a:schemeClr val="accent3"/>
+            </a:lnRef>
+            <a:fillRef idx="2">
+              <a:schemeClr val="accent3"/>
+            </a:fillRef>
+            <a:effectRef idx="1">
+              <a:schemeClr val="accent3"/>
+            </a:effectRef>
+            <a:fontRef idx="minor">
+              <a:schemeClr val="dk1"/>
+            </a:fontRef>
+          </p:style>
+          <p:txBody>
+            <a:bodyPr rtlCol="0" anchor="ctr"/>
+            <a:lstStyle/>
+            <a:p>
+              <a:pPr algn="ctr"/>
+              <a:r>
+                <a:rPr lang="en-US" sz="1600" dirty="0" smtClean="0">
+                  <a:latin typeface="Consolas" panose="020B0609020204030204" pitchFamily="49" charset="0"/>
+                </a:rPr>
+                <a:t>PowerShell</a:t>
+              </a:r>
+              <a:endParaRPr lang="en-US" sz="1600" dirty="0">
+                <a:latin typeface="Consolas" panose="020B0609020204030204" pitchFamily="49" charset="0"/>
+              </a:endParaRPr>
+            </a:p>
+          </p:txBody>
+        </p:sp>
+        <p:sp>
+          <p:nvSpPr>
+            <p:cNvPr id="20" name="Rounded Rectangle 19"/>
+            <p:cNvSpPr/>
+            <p:nvPr/>
+          </p:nvSpPr>
+          <p:spPr>
+            <a:xfrm>
+              <a:off x="9902073" y="3381180"/>
+              <a:ext cx="1545996" cy="367645"/>
+            </a:xfrm>
+            <a:prstGeom prst="roundRect">
+              <a:avLst/>
+            </a:prstGeom>
+          </p:spPr>
+          <p:style>
+            <a:lnRef idx="1">
+              <a:schemeClr val="accent3"/>
+            </a:lnRef>
+            <a:fillRef idx="2">
+              <a:schemeClr val="accent3"/>
+            </a:fillRef>
+            <a:effectRef idx="1">
+              <a:schemeClr val="accent3"/>
+            </a:effectRef>
+            <a:fontRef idx="minor">
+              <a:schemeClr val="dk1"/>
+            </a:fontRef>
+          </p:style>
+          <p:txBody>
+            <a:bodyPr rtlCol="0" anchor="ctr"/>
+            <a:lstStyle/>
+            <a:p>
+              <a:pPr algn="ctr"/>
+              <a:r>
+                <a:rPr lang="en-US" sz="1600" dirty="0" smtClean="0">
+                  <a:latin typeface="Consolas" panose="020B0609020204030204" pitchFamily="49" charset="0"/>
+                </a:rPr>
+                <a:t>bash</a:t>
+              </a:r>
+              <a:endParaRPr lang="en-US" sz="1600" dirty="0">
+                <a:latin typeface="Consolas" panose="020B0609020204030204" pitchFamily="49" charset="0"/>
+              </a:endParaRPr>
+            </a:p>
+          </p:txBody>
+        </p:sp>
+        <p:sp>
+          <p:nvSpPr>
+            <p:cNvPr id="21" name="Rounded Rectangle 20"/>
+            <p:cNvSpPr/>
+            <p:nvPr/>
+          </p:nvSpPr>
+          <p:spPr>
+            <a:xfrm>
+              <a:off x="8361574" y="3841670"/>
+              <a:ext cx="1351961" cy="367645"/>
+            </a:xfrm>
+            <a:prstGeom prst="roundRect">
+              <a:avLst/>
+            </a:prstGeom>
+          </p:spPr>
+          <p:style>
+            <a:lnRef idx="1">
+              <a:schemeClr val="accent3"/>
+            </a:lnRef>
+            <a:fillRef idx="2">
+              <a:schemeClr val="accent3"/>
+            </a:fillRef>
+            <a:effectRef idx="1">
+              <a:schemeClr val="accent3"/>
+            </a:effectRef>
+            <a:fontRef idx="minor">
+              <a:schemeClr val="dk1"/>
+            </a:fontRef>
+          </p:style>
+          <p:txBody>
+            <a:bodyPr rtlCol="0" anchor="ctr"/>
+            <a:lstStyle/>
+            <a:p>
+              <a:pPr algn="ctr"/>
+              <a:r>
+                <a:rPr lang="en-US" sz="1600" dirty="0" smtClean="0">
+                  <a:latin typeface="Consolas" panose="020B0609020204030204" pitchFamily="49" charset="0"/>
+                </a:rPr>
+                <a:t>Firefox</a:t>
+              </a:r>
+              <a:endParaRPr lang="en-US" sz="1600" dirty="0">
+                <a:latin typeface="Consolas" panose="020B0609020204030204" pitchFamily="49" charset="0"/>
+              </a:endParaRPr>
+            </a:p>
+          </p:txBody>
+        </p:sp>
+        <p:sp>
+          <p:nvSpPr>
+            <p:cNvPr id="22" name="Rounded Rectangle 21"/>
+            <p:cNvSpPr/>
+            <p:nvPr/>
+          </p:nvSpPr>
+          <p:spPr>
+            <a:xfrm>
+              <a:off x="9902073" y="3841669"/>
+              <a:ext cx="1545996" cy="367645"/>
+            </a:xfrm>
+            <a:prstGeom prst="roundRect">
+              <a:avLst/>
+            </a:prstGeom>
+          </p:spPr>
+          <p:style>
+            <a:lnRef idx="1">
+              <a:schemeClr val="accent3"/>
+            </a:lnRef>
+            <a:fillRef idx="2">
+              <a:schemeClr val="accent3"/>
+            </a:fillRef>
+            <a:effectRef idx="1">
+              <a:schemeClr val="accent3"/>
+            </a:effectRef>
+            <a:fontRef idx="minor">
+              <a:schemeClr val="dk1"/>
+            </a:fontRef>
+          </p:style>
+          <p:txBody>
+            <a:bodyPr rtlCol="0" anchor="ctr"/>
+            <a:lstStyle/>
+            <a:p>
+              <a:pPr algn="ctr"/>
+              <a:r>
+                <a:rPr lang="en-US" sz="1600" dirty="0" smtClean="0">
+                  <a:latin typeface="Consolas" panose="020B0609020204030204" pitchFamily="49" charset="0"/>
+                </a:rPr>
+                <a:t>Office</a:t>
+              </a:r>
+              <a:endParaRPr lang="en-US" sz="1600" dirty="0">
+                <a:latin typeface="Consolas" panose="020B0609020204030204" pitchFamily="49" charset="0"/>
+              </a:endParaRPr>
+            </a:p>
+          </p:txBody>
+        </p:sp>
+        <p:sp>
+          <p:nvSpPr>
+            <p:cNvPr id="23" name="Rounded Rectangle 22"/>
+            <p:cNvSpPr/>
+            <p:nvPr/>
+          </p:nvSpPr>
+          <p:spPr>
+            <a:xfrm>
+              <a:off x="9902073" y="4295836"/>
+              <a:ext cx="1545996" cy="367645"/>
+            </a:xfrm>
+            <a:prstGeom prst="roundRect">
+              <a:avLst/>
+            </a:prstGeom>
+          </p:spPr>
+          <p:style>
+            <a:lnRef idx="1">
+              <a:schemeClr val="accent3"/>
+            </a:lnRef>
+            <a:fillRef idx="2">
+              <a:schemeClr val="accent3"/>
+            </a:fillRef>
+            <a:effectRef idx="1">
+              <a:schemeClr val="accent3"/>
+            </a:effectRef>
+            <a:fontRef idx="minor">
+              <a:schemeClr val="dk1"/>
+            </a:fontRef>
+          </p:style>
+          <p:txBody>
+            <a:bodyPr rtlCol="0" anchor="ctr"/>
+            <a:lstStyle/>
+            <a:p>
+              <a:pPr algn="ctr"/>
+              <a:r>
+                <a:rPr lang="en-US" sz="1600" dirty="0" smtClean="0">
+                  <a:latin typeface="Consolas" panose="020B0609020204030204" pitchFamily="49" charset="0"/>
+                </a:rPr>
+                <a:t>IMINT Tools</a:t>
+              </a:r>
+              <a:endParaRPr lang="en-US" sz="1600" dirty="0">
+                <a:latin typeface="Consolas" panose="020B0609020204030204" pitchFamily="49" charset="0"/>
+              </a:endParaRPr>
+            </a:p>
+          </p:txBody>
+        </p:sp>
+        <p:sp>
+          <p:nvSpPr>
+            <p:cNvPr id="24" name="Rounded Rectangle 23"/>
+            <p:cNvSpPr/>
+            <p:nvPr/>
+          </p:nvSpPr>
+          <p:spPr>
+            <a:xfrm>
+              <a:off x="8361574" y="4295835"/>
+              <a:ext cx="1351961" cy="367645"/>
+            </a:xfrm>
+            <a:prstGeom prst="roundRect">
+              <a:avLst/>
+            </a:prstGeom>
+          </p:spPr>
+          <p:style>
+            <a:lnRef idx="1">
+              <a:schemeClr val="accent3"/>
+            </a:lnRef>
+            <a:fillRef idx="2">
+              <a:schemeClr val="accent3"/>
+            </a:fillRef>
+            <a:effectRef idx="1">
+              <a:schemeClr val="accent3"/>
+            </a:effectRef>
+            <a:fontRef idx="minor">
+              <a:schemeClr val="dk1"/>
+            </a:fontRef>
+          </p:style>
+          <p:txBody>
+            <a:bodyPr rtlCol="0" anchor="ctr"/>
+            <a:lstStyle/>
+            <a:p>
+              <a:pPr algn="ctr"/>
+              <a:r>
+                <a:rPr lang="en-US" sz="1600" dirty="0" smtClean="0">
+                  <a:latin typeface="Consolas" panose="020B0609020204030204" pitchFamily="49" charset="0"/>
+                </a:rPr>
+                <a:t>chrome</a:t>
+              </a:r>
+              <a:endParaRPr lang="en-US" sz="1600" dirty="0">
+                <a:latin typeface="Consolas" panose="020B0609020204030204" pitchFamily="49" charset="0"/>
+              </a:endParaRPr>
+            </a:p>
+          </p:txBody>
+        </p:sp>
+      </p:grpSp>
       <p:cxnSp>
         <p:nvCxnSpPr>
-          <p:cNvPr id="9" name="Straight Arrow Connector 8"/>
-          <p:cNvCxnSpPr>
-            <a:stCxn id="5" idx="2"/>
-            <a:endCxn id="6" idx="0"/>
-          </p:cNvCxnSpPr>
+          <p:cNvPr id="26" name="Straight Arrow Connector 25"/>
+          <p:cNvCxnSpPr/>
           <p:nvPr/>
         </p:nvCxnSpPr>
         <p:spPr>
-          <a:xfrm flipH="1">
-            <a:off x="3648066" y="5030788"/>
-            <a:ext cx="1" cy="291400"/>
+          <a:xfrm>
+            <a:off x="2733773" y="2691518"/>
+            <a:ext cx="2276224" cy="395591"/>
           </a:xfrm>
           <a:prstGeom prst="straightConnector1">
             <a:avLst/>
@@ -11895,100 +13946,193 @@
         </p:spPr>
         <p:style>
           <a:lnRef idx="3">
-            <a:schemeClr val="dk1"/>
+            <a:schemeClr val="accent2"/>
           </a:lnRef>
           <a:fillRef idx="0">
-            <a:schemeClr val="dk1"/>
+            <a:schemeClr val="accent2"/>
           </a:fillRef>
           <a:effectRef idx="2">
-            <a:schemeClr val="dk1"/>
+            <a:schemeClr val="accent2"/>
           </a:effectRef>
           <a:fontRef idx="minor">
             <a:schemeClr val="tx1"/>
           </a:fontRef>
         </p:style>
       </p:cxnSp>
-      <p:cxnSp>
-        <p:nvCxnSpPr>
-          <p:cNvPr id="10" name="Straight Arrow Connector 9"/>
-          <p:cNvCxnSpPr>
-            <a:stCxn id="7" idx="3"/>
-            <a:endCxn id="6" idx="1"/>
-          </p:cNvCxnSpPr>
-          <p:nvPr/>
-        </p:nvCxnSpPr>
-        <p:spPr>
-          <a:xfrm>
-            <a:off x="2495542" y="5635532"/>
-            <a:ext cx="371473" cy="8031"/>
-          </a:xfrm>
-          <a:prstGeom prst="straightConnector1">
+      <p:sp>
+        <p:nvSpPr>
+          <p:cNvPr id="35" name="Action Button: Home 34">
+            <a:hlinkClick r:id="rId4" action="ppaction://hlinksldjump" highlightClick="1"/>
+          </p:cNvPr>
+          <p:cNvSpPr/>
+          <p:nvPr/>
+        </p:nvSpPr>
+        <p:spPr>
+          <a:xfrm>
+            <a:off x="11660863" y="188793"/>
+            <a:ext cx="352663" cy="352663"/>
+          </a:xfrm>
+          <a:prstGeom prst="actionButtonHome">
             <a:avLst/>
           </a:prstGeom>
-          <a:ln>
-            <a:tailEnd type="triangle"/>
-          </a:ln>
         </p:spPr>
         <p:style>
-          <a:lnRef idx="3">
+          <a:lnRef idx="2">
             <a:schemeClr val="dk1"/>
           </a:lnRef>
-          <a:fillRef idx="0">
-            <a:schemeClr val="dk1"/>
+          <a:fillRef idx="1">
+            <a:schemeClr val="lt1"/>
           </a:fillRef>
-          <a:effectRef idx="2">
+          <a:effectRef idx="0">
             <a:schemeClr val="dk1"/>
           </a:effectRef>
           <a:fontRef idx="minor">
-            <a:schemeClr val="tx1"/>
+            <a:schemeClr val="dk1"/>
           </a:fontRef>
         </p:style>
-      </p:cxnSp>
-      <p:cxnSp>
-        <p:nvCxnSpPr>
-          <p:cNvPr id="13" name="Straight Arrow Connector 12"/>
-          <p:cNvCxnSpPr/>
-          <p:nvPr/>
-        </p:nvCxnSpPr>
-        <p:spPr>
-          <a:xfrm>
-            <a:off x="2495542" y="5030788"/>
-            <a:ext cx="371473" cy="291400"/>
-          </a:xfrm>
-          <a:prstGeom prst="straightConnector1">
+        <p:txBody>
+          <a:bodyPr rtlCol="0" anchor="ctr"/>
+          <a:lstStyle/>
+          <a:p>
+            <a:pPr algn="ctr"/>
+            <a:endParaRPr lang="en-US"/>
+          </a:p>
+        </p:txBody>
+      </p:sp>
+      <p:sp>
+        <p:nvSpPr>
+          <p:cNvPr id="36" name="Rectangle 35"/>
+          <p:cNvSpPr/>
+          <p:nvPr/>
+        </p:nvSpPr>
+        <p:spPr>
+          <a:xfrm>
+            <a:off x="5118056" y="5377337"/>
+            <a:ext cx="2197144" cy="989814"/>
+          </a:xfrm>
+          <a:prstGeom prst="rect">
             <a:avLst/>
           </a:prstGeom>
-          <a:ln>
-            <a:tailEnd type="triangle"/>
-          </a:ln>
         </p:spPr>
         <p:style>
-          <a:lnRef idx="3">
-            <a:schemeClr val="dk1"/>
+          <a:lnRef idx="1">
+            <a:schemeClr val="accent2"/>
           </a:lnRef>
-          <a:fillRef idx="0">
-            <a:schemeClr val="dk1"/>
+          <a:fillRef idx="2">
+            <a:schemeClr val="accent2"/>
           </a:fillRef>
-          <a:effectRef idx="2">
-            <a:schemeClr val="dk1"/>
+          <a:effectRef idx="1">
+            <a:schemeClr val="accent2"/>
           </a:effectRef>
           <a:fontRef idx="minor">
-            <a:schemeClr val="tx1"/>
+            <a:schemeClr val="dk1"/>
           </a:fontRef>
         </p:style>
-      </p:cxnSp>
-      <p:sp>
-        <p:nvSpPr>
-          <p:cNvPr id="16" name="Bevel 15"/>
+        <p:txBody>
+          <a:bodyPr rtlCol="0" anchor="ctr"/>
+          <a:lstStyle/>
+          <a:p>
+            <a:pPr algn="ctr"/>
+            <a:r>
+              <a:rPr lang="en-US" dirty="0" smtClean="0"/>
+              <a:t>Virtue Importer</a:t>
+            </a:r>
+            <a:endParaRPr lang="en-US" dirty="0"/>
+          </a:p>
+        </p:txBody>
+      </p:sp>
+      <p:sp>
+        <p:nvSpPr>
+          <p:cNvPr id="37" name="Down Arrow 36"/>
           <p:cNvSpPr/>
           <p:nvPr/>
         </p:nvSpPr>
         <p:spPr>
           <a:xfrm>
-            <a:off x="5019668" y="5168457"/>
-            <a:ext cx="1504950" cy="934150"/>
-          </a:xfrm>
-          <a:prstGeom prst="bevel">
+            <a:off x="6008593" y="4595213"/>
+            <a:ext cx="416070" cy="617810"/>
+          </a:xfrm>
+          <a:prstGeom prst="downArrow">
+            <a:avLst/>
+          </a:prstGeom>
+        </p:spPr>
+        <p:style>
+          <a:lnRef idx="2">
+            <a:schemeClr val="dk1">
+              <a:shade val="50000"/>
+            </a:schemeClr>
+          </a:lnRef>
+          <a:fillRef idx="1">
+            <a:schemeClr val="dk1"/>
+          </a:fillRef>
+          <a:effectRef idx="0">
+            <a:schemeClr val="dk1"/>
+          </a:effectRef>
+          <a:fontRef idx="minor">
+            <a:schemeClr val="lt1"/>
+          </a:fontRef>
+        </p:style>
+        <p:txBody>
+          <a:bodyPr rtlCol="0" anchor="ctr"/>
+          <a:lstStyle/>
+          <a:p>
+            <a:pPr algn="ctr"/>
+            <a:endParaRPr lang="en-US"/>
+          </a:p>
+        </p:txBody>
+      </p:sp>
+      <p:sp>
+        <p:nvSpPr>
+          <p:cNvPr id="40" name="Down Arrow 39"/>
+          <p:cNvSpPr/>
+          <p:nvPr/>
+        </p:nvSpPr>
+        <p:spPr>
+          <a:xfrm rot="16200000">
+            <a:off x="4419487" y="5560444"/>
+            <a:ext cx="416070" cy="617810"/>
+          </a:xfrm>
+          <a:prstGeom prst="downArrow">
+            <a:avLst/>
+          </a:prstGeom>
+        </p:spPr>
+        <p:style>
+          <a:lnRef idx="2">
+            <a:schemeClr val="dk1">
+              <a:shade val="50000"/>
+            </a:schemeClr>
+          </a:lnRef>
+          <a:fillRef idx="1">
+            <a:schemeClr val="dk1"/>
+          </a:fillRef>
+          <a:effectRef idx="0">
+            <a:schemeClr val="dk1"/>
+          </a:effectRef>
+          <a:fontRef idx="minor">
+            <a:schemeClr val="lt1"/>
+          </a:fontRef>
+        </p:style>
+        <p:txBody>
+          <a:bodyPr rtlCol="0" anchor="ctr"/>
+          <a:lstStyle/>
+          <a:p>
+            <a:pPr algn="ctr"/>
+            <a:endParaRPr lang="en-US"/>
+          </a:p>
+        </p:txBody>
+      </p:sp>
+      <p:sp>
+        <p:nvSpPr>
+          <p:cNvPr id="41" name="Flowchart: Magnetic Disk 40"/>
+          <p:cNvSpPr/>
+          <p:nvPr/>
+        </p:nvSpPr>
+        <p:spPr>
+          <a:xfrm>
+            <a:off x="8107052" y="4265646"/>
+            <a:ext cx="1479328" cy="935179"/>
+          </a:xfrm>
+          <a:prstGeom prst="flowChartMagneticDisk">
             <a:avLst/>
           </a:prstGeom>
         </p:spPr>
@@ -12013,7 +14157,7 @@
             <a:pPr algn="ctr"/>
             <a:r>
               <a:rPr lang="en-US" dirty="0" smtClean="0"/>
-              <a:t>App Image</a:t>
+              <a:t>OpenLDAP</a:t>
             </a:r>
             <a:endParaRPr lang="en-US" dirty="0"/>
           </a:p>
@@ -12021,19 +14165,19 @@
       </p:sp>
       <p:cxnSp>
         <p:nvCxnSpPr>
-          <p:cNvPr id="18" name="Straight Arrow Connector 17"/>
+          <p:cNvPr id="43" name="Elbow Connector 42"/>
           <p:cNvCxnSpPr>
-            <a:stCxn id="6" idx="3"/>
-            <a:endCxn id="16" idx="4"/>
+            <a:stCxn id="36" idx="3"/>
+            <a:endCxn id="41" idx="3"/>
           </p:cNvCxnSpPr>
           <p:nvPr/>
         </p:nvCxnSpPr>
         <p:spPr>
           <a:xfrm flipV="1">
-            <a:off x="4429117" y="5635532"/>
-            <a:ext cx="590551" cy="8031"/>
-          </a:xfrm>
-          <a:prstGeom prst="straightConnector1">
+            <a:off x="7315200" y="5200825"/>
+            <a:ext cx="1531516" cy="671419"/>
+          </a:xfrm>
+          <a:prstGeom prst="bentConnector2">
             <a:avLst/>
           </a:prstGeom>
           <a:ln>
@@ -12057,28 +14201,28 @@
       </p:cxnSp>
       <p:sp>
         <p:nvSpPr>
-          <p:cNvPr id="22" name="Rectangle 21"/>
+          <p:cNvPr id="46" name="Flowchart: Magnetic Disk 45"/>
           <p:cNvSpPr/>
           <p:nvPr/>
         </p:nvSpPr>
         <p:spPr>
           <a:xfrm>
-            <a:off x="7372345" y="5312663"/>
-            <a:ext cx="1562102" cy="642750"/>
-          </a:xfrm>
-          <a:prstGeom prst="rect">
+            <a:off x="9789441" y="4265646"/>
+            <a:ext cx="1479328" cy="935179"/>
+          </a:xfrm>
+          <a:prstGeom prst="flowChartMagneticDisk">
             <a:avLst/>
           </a:prstGeom>
         </p:spPr>
         <p:style>
           <a:lnRef idx="1">
-            <a:schemeClr val="accent6"/>
+            <a:schemeClr val="accent3"/>
           </a:lnRef>
           <a:fillRef idx="2">
-            <a:schemeClr val="accent6"/>
+            <a:schemeClr val="accent3"/>
           </a:fillRef>
           <a:effectRef idx="1">
-            <a:schemeClr val="accent6"/>
+            <a:schemeClr val="accent3"/>
           </a:effectRef>
           <a:fontRef idx="minor">
             <a:schemeClr val="dk1"/>
@@ -12090,120 +14234,28 @@
           <a:p>
             <a:pPr algn="ctr"/>
             <a:r>
-              <a:rPr lang="en-US" i="1" dirty="0" smtClean="0"/>
-              <a:t>run.py</a:t>
-            </a:r>
-            <a:endParaRPr lang="en-US" i="1" dirty="0"/>
-          </a:p>
-        </p:txBody>
-      </p:sp>
-      <p:sp>
-        <p:nvSpPr>
-          <p:cNvPr id="23" name="Flowchart: Document 22"/>
-          <p:cNvSpPr/>
-          <p:nvPr/>
-        </p:nvSpPr>
-        <p:spPr>
-          <a:xfrm>
-            <a:off x="6896095" y="4236816"/>
-            <a:ext cx="1085851" cy="695325"/>
-          </a:xfrm>
-          <a:prstGeom prst="flowChartDocument">
-            <a:avLst/>
-          </a:prstGeom>
-        </p:spPr>
-        <p:style>
-          <a:lnRef idx="2">
-            <a:schemeClr val="accent1">
-              <a:shade val="50000"/>
-            </a:schemeClr>
-          </a:lnRef>
-          <a:fillRef idx="1">
-            <a:schemeClr val="accent1"/>
-          </a:fillRef>
-          <a:effectRef idx="0">
-            <a:schemeClr val="accent1"/>
-          </a:effectRef>
-          <a:fontRef idx="minor">
-            <a:schemeClr val="lt1"/>
-          </a:fontRef>
-        </p:style>
-        <p:txBody>
-          <a:bodyPr rtlCol="0" anchor="ctr"/>
-          <a:lstStyle/>
-          <a:p>
-            <a:pPr algn="ctr"/>
-            <a:r>
-              <a:rPr lang="en-US" sz="1600" dirty="0" smtClean="0"/>
-              <a:t>AppArmor Policy</a:t>
-            </a:r>
-            <a:endParaRPr lang="en-US" sz="1600" dirty="0"/>
-          </a:p>
-        </p:txBody>
-      </p:sp>
-      <p:sp>
-        <p:nvSpPr>
-          <p:cNvPr id="24" name="Flowchart: Document 23"/>
-          <p:cNvSpPr/>
-          <p:nvPr/>
-        </p:nvSpPr>
-        <p:spPr>
-          <a:xfrm>
-            <a:off x="8220071" y="4236816"/>
-            <a:ext cx="1085851" cy="695325"/>
-          </a:xfrm>
-          <a:prstGeom prst="flowChartDocument">
-            <a:avLst/>
-          </a:prstGeom>
-        </p:spPr>
-        <p:style>
-          <a:lnRef idx="2">
-            <a:schemeClr val="accent1">
-              <a:shade val="50000"/>
-            </a:schemeClr>
-          </a:lnRef>
-          <a:fillRef idx="1">
-            <a:schemeClr val="accent1"/>
-          </a:fillRef>
-          <a:effectRef idx="0">
-            <a:schemeClr val="accent1"/>
-          </a:effectRef>
-          <a:fontRef idx="minor">
-            <a:schemeClr val="lt1"/>
-          </a:fontRef>
-        </p:style>
-        <p:txBody>
-          <a:bodyPr rtlCol="0" anchor="ctr"/>
-          <a:lstStyle/>
-          <a:p>
-            <a:pPr algn="ctr"/>
-            <a:r>
-              <a:rPr lang="en-US" sz="1600" dirty="0" err="1" smtClean="0"/>
-              <a:t>SecComp</a:t>
-            </a:r>
-            <a:r>
-              <a:rPr lang="en-US" sz="1600" dirty="0" smtClean="0"/>
-              <a:t> Policy</a:t>
-            </a:r>
-            <a:endParaRPr lang="en-US" sz="1600" dirty="0"/>
+              <a:rPr lang="en-US" dirty="0" smtClean="0"/>
+              <a:t>Local Container Store</a:t>
+            </a:r>
+            <a:endParaRPr lang="en-US" dirty="0"/>
           </a:p>
         </p:txBody>
       </p:sp>
       <p:cxnSp>
         <p:nvCxnSpPr>
-          <p:cNvPr id="26" name="Straight Arrow Connector 25"/>
+          <p:cNvPr id="48" name="Elbow Connector 47"/>
           <p:cNvCxnSpPr>
-            <a:stCxn id="16" idx="0"/>
-            <a:endCxn id="22" idx="1"/>
+            <a:stCxn id="36" idx="3"/>
+            <a:endCxn id="46" idx="3"/>
           </p:cNvCxnSpPr>
           <p:nvPr/>
         </p:nvCxnSpPr>
         <p:spPr>
           <a:xfrm flipV="1">
-            <a:off x="6524618" y="5634038"/>
-            <a:ext cx="847727" cy="1494"/>
-          </a:xfrm>
-          <a:prstGeom prst="straightConnector1">
+            <a:off x="7315200" y="5200825"/>
+            <a:ext cx="3213905" cy="671419"/>
+          </a:xfrm>
+          <a:prstGeom prst="bentConnector2">
             <a:avLst/>
           </a:prstGeom>
           <a:ln>
@@ -12225,198 +14277,85 @@
           </a:fontRef>
         </p:style>
       </p:cxnSp>
-      <p:cxnSp>
-        <p:nvCxnSpPr>
-          <p:cNvPr id="30" name="Straight Arrow Connector 29"/>
-          <p:cNvCxnSpPr>
-            <a:stCxn id="23" idx="2"/>
-          </p:cNvCxnSpPr>
-          <p:nvPr/>
-        </p:nvCxnSpPr>
-        <p:spPr>
-          <a:xfrm>
-            <a:off x="7439021" y="4886172"/>
-            <a:ext cx="323846" cy="436016"/>
-          </a:xfrm>
-          <a:prstGeom prst="straightConnector1">
-            <a:avLst/>
-          </a:prstGeom>
-          <a:ln>
-            <a:tailEnd type="triangle"/>
-          </a:ln>
-        </p:spPr>
-        <p:style>
-          <a:lnRef idx="3">
-            <a:schemeClr val="dk1"/>
-          </a:lnRef>
-          <a:fillRef idx="0">
-            <a:schemeClr val="dk1"/>
-          </a:fillRef>
-          <a:effectRef idx="2">
-            <a:schemeClr val="dk1"/>
-          </a:effectRef>
-          <a:fontRef idx="minor">
-            <a:schemeClr val="tx1"/>
-          </a:fontRef>
-        </p:style>
-      </p:cxnSp>
-      <p:cxnSp>
-        <p:nvCxnSpPr>
-          <p:cNvPr id="32" name="Straight Arrow Connector 31"/>
-          <p:cNvCxnSpPr>
-            <a:stCxn id="24" idx="2"/>
-          </p:cNvCxnSpPr>
-          <p:nvPr/>
-        </p:nvCxnSpPr>
-        <p:spPr>
-          <a:xfrm flipH="1">
-            <a:off x="8458192" y="4886172"/>
-            <a:ext cx="304805" cy="436016"/>
-          </a:xfrm>
-          <a:prstGeom prst="straightConnector1">
-            <a:avLst/>
-          </a:prstGeom>
-          <a:ln>
-            <a:tailEnd type="triangle"/>
-          </a:ln>
-        </p:spPr>
-        <p:style>
-          <a:lnRef idx="3">
-            <a:schemeClr val="dk1"/>
-          </a:lnRef>
-          <a:fillRef idx="0">
-            <a:schemeClr val="dk1"/>
-          </a:fillRef>
-          <a:effectRef idx="2">
-            <a:schemeClr val="dk1"/>
-          </a:effectRef>
-          <a:fontRef idx="minor">
-            <a:schemeClr val="tx1"/>
-          </a:fontRef>
-        </p:style>
-      </p:cxnSp>
-      <p:sp>
-        <p:nvSpPr>
-          <p:cNvPr id="35" name="Bevel 34"/>
-          <p:cNvSpPr/>
-          <p:nvPr/>
-        </p:nvSpPr>
-        <p:spPr>
-          <a:xfrm>
-            <a:off x="9848850" y="5161248"/>
-            <a:ext cx="1504950" cy="934150"/>
-          </a:xfrm>
-          <a:prstGeom prst="bevel">
-            <a:avLst/>
-          </a:prstGeom>
-        </p:spPr>
-        <p:style>
-          <a:lnRef idx="1">
-            <a:schemeClr val="accent6"/>
-          </a:lnRef>
-          <a:fillRef idx="3">
-            <a:schemeClr val="accent6"/>
-          </a:fillRef>
-          <a:effectRef idx="2">
-            <a:schemeClr val="accent6"/>
-          </a:effectRef>
-          <a:fontRef idx="minor">
-            <a:schemeClr val="lt1"/>
-          </a:fontRef>
-        </p:style>
-        <p:txBody>
-          <a:bodyPr rtlCol="0" anchor="ctr"/>
-          <a:lstStyle/>
-          <a:p>
-            <a:pPr algn="ctr"/>
-            <a:r>
-              <a:rPr lang="en-US" dirty="0" smtClean="0"/>
-              <a:t>Running Container</a:t>
-            </a:r>
-            <a:endParaRPr lang="en-US" dirty="0"/>
-          </a:p>
-        </p:txBody>
-      </p:sp>
-      <p:cxnSp>
-        <p:nvCxnSpPr>
-          <p:cNvPr id="37" name="Straight Arrow Connector 36"/>
-          <p:cNvCxnSpPr>
-            <a:stCxn id="22" idx="3"/>
-            <a:endCxn id="35" idx="4"/>
-          </p:cNvCxnSpPr>
-          <p:nvPr/>
-        </p:nvCxnSpPr>
-        <p:spPr>
-          <a:xfrm flipV="1">
-            <a:off x="8934447" y="5628323"/>
-            <a:ext cx="914403" cy="5715"/>
-          </a:xfrm>
-          <a:prstGeom prst="straightConnector1">
-            <a:avLst/>
-          </a:prstGeom>
-          <a:ln>
-            <a:tailEnd type="triangle"/>
-          </a:ln>
-        </p:spPr>
-        <p:style>
-          <a:lnRef idx="3">
-            <a:schemeClr val="dk1"/>
-          </a:lnRef>
-          <a:fillRef idx="0">
-            <a:schemeClr val="dk1"/>
-          </a:fillRef>
-          <a:effectRef idx="2">
-            <a:schemeClr val="dk1"/>
-          </a:effectRef>
-          <a:fontRef idx="minor">
-            <a:schemeClr val="tx1"/>
-          </a:fontRef>
-        </p:style>
-      </p:cxnSp>
-      <p:sp>
-        <p:nvSpPr>
-          <p:cNvPr id="21" name="Action Button: Home 20">
-            <a:hlinkClick r:id="rId2" action="ppaction://hlinksldjump" highlightClick="1"/>
-          </p:cNvPr>
-          <p:cNvSpPr/>
-          <p:nvPr/>
-        </p:nvSpPr>
-        <p:spPr>
-          <a:xfrm>
-            <a:off x="11660863" y="188793"/>
-            <a:ext cx="352663" cy="352663"/>
-          </a:xfrm>
-          <a:prstGeom prst="actionButtonHome">
-            <a:avLst/>
-          </a:prstGeom>
-        </p:spPr>
-        <p:style>
-          <a:lnRef idx="2">
-            <a:schemeClr val="dk1"/>
-          </a:lnRef>
-          <a:fillRef idx="1">
-            <a:schemeClr val="lt1"/>
-          </a:fillRef>
-          <a:effectRef idx="0">
-            <a:schemeClr val="dk1"/>
-          </a:effectRef>
-          <a:fontRef idx="minor">
-            <a:schemeClr val="dk1"/>
-          </a:fontRef>
-        </p:style>
-        <p:txBody>
-          <a:bodyPr rtlCol="0" anchor="ctr"/>
-          <a:lstStyle/>
-          <a:p>
-            <a:pPr algn="ctr"/>
-            <a:endParaRPr lang="en-US"/>
-          </a:p>
-        </p:txBody>
-      </p:sp>
     </p:spTree>
     <p:extLst>
       <p:ext uri="{BB962C8B-B14F-4D97-AF65-F5344CB8AC3E}">
-        <p14:creationId xmlns:p14="http://schemas.microsoft.com/office/powerpoint/2010/main" val="1910985161"/>
+        <p14:creationId xmlns:p14="http://schemas.microsoft.com/office/powerpoint/2010/main" val="2974165223"/>
+      </p:ext>
+    </p:extLst>
+  </p:cSld>
+  <p:clrMapOvr>
+    <a:masterClrMapping/>
+  </p:clrMapOvr>
+  <p:timing>
+    <p:tnLst>
+      <p:par>
+        <p:cTn id="1" dur="indefinite" restart="never" nodeType="tmRoot"/>
+      </p:par>
+    </p:tnLst>
+  </p:timing>
+</p:sld>
+</file>
+
+<file path=ppt/slides/slide16.xml><?xml version="1.0" encoding="utf-8"?>
+<p:sld xmlns:a="http://schemas.openxmlformats.org/drawingml/2006/main" xmlns:r="http://schemas.openxmlformats.org/officeDocument/2006/relationships" xmlns:p="http://schemas.openxmlformats.org/presentationml/2006/main">
+  <p:cSld>
+    <p:spTree>
+      <p:nvGrpSpPr>
+        <p:cNvPr id="1" name=""/>
+        <p:cNvGrpSpPr/>
+        <p:nvPr/>
+      </p:nvGrpSpPr>
+      <p:grpSpPr>
+        <a:xfrm>
+          <a:off x="0" y="0"/>
+          <a:ext cx="0" cy="0"/>
+          <a:chOff x="0" y="0"/>
+          <a:chExt cx="0" cy="0"/>
+        </a:xfrm>
+      </p:grpSpPr>
+      <p:sp>
+        <p:nvSpPr>
+          <p:cNvPr id="2" name="Title 1"/>
+          <p:cNvSpPr>
+            <a:spLocks noGrp="1"/>
+          </p:cNvSpPr>
+          <p:nvPr>
+            <p:ph type="title"/>
+          </p:nvPr>
+        </p:nvSpPr>
+        <p:spPr/>
+        <p:txBody>
+          <a:bodyPr/>
+          <a:lstStyle/>
+          <a:p>
+            <a:endParaRPr lang="en-US"/>
+          </a:p>
+        </p:txBody>
+      </p:sp>
+      <p:sp>
+        <p:nvSpPr>
+          <p:cNvPr id="3" name="Content Placeholder 2"/>
+          <p:cNvSpPr>
+            <a:spLocks noGrp="1"/>
+          </p:cNvSpPr>
+          <p:nvPr>
+            <p:ph idx="1"/>
+          </p:nvPr>
+        </p:nvSpPr>
+        <p:spPr/>
+        <p:txBody>
+          <a:bodyPr/>
+          <a:lstStyle/>
+          <a:p>
+            <a:endParaRPr lang="en-US"/>
+          </a:p>
+        </p:txBody>
+      </p:sp>
+    </p:spTree>
+    <p:extLst>
+      <p:ext uri="{BB962C8B-B14F-4D97-AF65-F5344CB8AC3E}">
+        <p14:creationId xmlns:p14="http://schemas.microsoft.com/office/powerpoint/2010/main" val="3327255779"/>
       </p:ext>
     </p:extLst>
   </p:cSld>
@@ -13684,34 +15623,207 @@
           </a:p>
         </p:txBody>
       </p:sp>
+      <p:sp>
+        <p:nvSpPr>
+          <p:cNvPr id="7" name="Rectangle 6"/>
+          <p:cNvSpPr/>
+          <p:nvPr/>
+        </p:nvSpPr>
+        <p:spPr>
+          <a:xfrm>
+            <a:off x="6092982" y="1224642"/>
+            <a:ext cx="4194018" cy="1763001"/>
+          </a:xfrm>
+          <a:prstGeom prst="rect">
+            <a:avLst/>
+          </a:prstGeom>
+        </p:spPr>
+        <p:style>
+          <a:lnRef idx="2">
+            <a:schemeClr val="dk1"/>
+          </a:lnRef>
+          <a:fillRef idx="1">
+            <a:schemeClr val="lt1"/>
+          </a:fillRef>
+          <a:effectRef idx="0">
+            <a:schemeClr val="dk1"/>
+          </a:effectRef>
+          <a:fontRef idx="minor">
+            <a:schemeClr val="dk1"/>
+          </a:fontRef>
+        </p:style>
+        <p:txBody>
+          <a:bodyPr rtlCol="0" anchor="t"/>
+          <a:lstStyle/>
+          <a:p>
+            <a:pPr algn="ctr"/>
+            <a:r>
+              <a:rPr lang="en-US" sz="1400" b="1" dirty="0" smtClean="0"/>
+              <a:t>Virtue Service “Excalibur”</a:t>
+            </a:r>
+            <a:endParaRPr lang="en-US" sz="1400" b="1" dirty="0"/>
+          </a:p>
+        </p:txBody>
+      </p:sp>
+      <p:sp>
+        <p:nvSpPr>
+          <p:cNvPr id="38" name="Rectangle 37"/>
+          <p:cNvSpPr/>
+          <p:nvPr/>
+        </p:nvSpPr>
+        <p:spPr>
+          <a:xfrm>
+            <a:off x="6197852" y="1570180"/>
+            <a:ext cx="1955548" cy="271816"/>
+          </a:xfrm>
+          <a:prstGeom prst="rect">
+            <a:avLst/>
+          </a:prstGeom>
+        </p:spPr>
+        <p:style>
+          <a:lnRef idx="2">
+            <a:schemeClr val="dk1"/>
+          </a:lnRef>
+          <a:fillRef idx="1">
+            <a:schemeClr val="lt1"/>
+          </a:fillRef>
+          <a:effectRef idx="0">
+            <a:schemeClr val="dk1"/>
+          </a:effectRef>
+          <a:fontRef idx="minor">
+            <a:schemeClr val="dk1"/>
+          </a:fontRef>
+        </p:style>
+        <p:txBody>
+          <a:bodyPr rtlCol="0" anchor="t"/>
+          <a:lstStyle/>
+          <a:p>
+            <a:pPr algn="ctr"/>
+            <a:r>
+              <a:rPr lang="en-US" sz="1100" dirty="0" smtClean="0"/>
+              <a:t>Authentication</a:t>
+            </a:r>
+            <a:endParaRPr lang="en-US" sz="1100" dirty="0"/>
+          </a:p>
+        </p:txBody>
+      </p:sp>
+      <p:sp>
+        <p:nvSpPr>
+          <p:cNvPr id="39" name="Rectangle 38"/>
+          <p:cNvSpPr/>
+          <p:nvPr/>
+        </p:nvSpPr>
+        <p:spPr>
+          <a:xfrm>
+            <a:off x="6197852" y="1923803"/>
+            <a:ext cx="1955548" cy="271816"/>
+          </a:xfrm>
+          <a:prstGeom prst="rect">
+            <a:avLst/>
+          </a:prstGeom>
+        </p:spPr>
+        <p:style>
+          <a:lnRef idx="2">
+            <a:schemeClr val="dk1"/>
+          </a:lnRef>
+          <a:fillRef idx="1">
+            <a:schemeClr val="lt1"/>
+          </a:fillRef>
+          <a:effectRef idx="0">
+            <a:schemeClr val="dk1"/>
+          </a:effectRef>
+          <a:fontRef idx="minor">
+            <a:schemeClr val="dk1"/>
+          </a:fontRef>
+        </p:style>
+        <p:txBody>
+          <a:bodyPr rtlCol="0" anchor="t"/>
+          <a:lstStyle/>
+          <a:p>
+            <a:pPr algn="ctr"/>
+            <a:r>
+              <a:rPr lang="en-US" sz="1100" dirty="0" smtClean="0"/>
+              <a:t>AWS Controls</a:t>
+            </a:r>
+            <a:endParaRPr lang="en-US" sz="1100" dirty="0"/>
+          </a:p>
+        </p:txBody>
+      </p:sp>
+      <p:sp>
+        <p:nvSpPr>
+          <p:cNvPr id="40" name="Rectangle 39">
+            <a:hlinkClick r:id="rId8" action="ppaction://hlinksldjump"/>
+          </p:cNvPr>
+          <p:cNvSpPr/>
+          <p:nvPr/>
+        </p:nvSpPr>
+        <p:spPr>
+          <a:xfrm>
+            <a:off x="6197852" y="2277426"/>
+            <a:ext cx="1955548" cy="271816"/>
+          </a:xfrm>
+          <a:prstGeom prst="rect">
+            <a:avLst/>
+          </a:prstGeom>
+        </p:spPr>
+        <p:style>
+          <a:lnRef idx="1">
+            <a:schemeClr val="accent4"/>
+          </a:lnRef>
+          <a:fillRef idx="2">
+            <a:schemeClr val="accent4"/>
+          </a:fillRef>
+          <a:effectRef idx="1">
+            <a:schemeClr val="accent4"/>
+          </a:effectRef>
+          <a:fontRef idx="minor">
+            <a:schemeClr val="dk1"/>
+          </a:fontRef>
+        </p:style>
+        <p:txBody>
+          <a:bodyPr rtlCol="0" anchor="t"/>
+          <a:lstStyle/>
+          <a:p>
+            <a:pPr algn="ctr"/>
+            <a:r>
+              <a:rPr lang="en-US" sz="1100" dirty="0" smtClean="0"/>
+              <a:t>Sensor Controls</a:t>
+            </a:r>
+            <a:endParaRPr lang="en-US" sz="1100" dirty="0"/>
+          </a:p>
+        </p:txBody>
+      </p:sp>
       <p:grpSp>
         <p:nvGrpSpPr>
-          <p:cNvPr id="60" name="Group 59"/>
+          <p:cNvPr id="59" name="Group 58"/>
           <p:cNvGrpSpPr/>
           <p:nvPr/>
         </p:nvGrpSpPr>
         <p:grpSpPr>
           <a:xfrm>
-            <a:off x="6092982" y="1224642"/>
-            <a:ext cx="4194018" cy="1763001"/>
-            <a:chOff x="6092982" y="1224642"/>
-            <a:chExt cx="4194018" cy="1763001"/>
+            <a:off x="8242425" y="1557021"/>
+            <a:ext cx="1955549" cy="1340087"/>
+            <a:chOff x="8242425" y="1557021"/>
+            <a:chExt cx="1955549" cy="1340087"/>
           </a:xfrm>
         </p:grpSpPr>
         <p:sp>
           <p:nvSpPr>
-            <p:cNvPr id="7" name="Rectangle 6"/>
+            <p:cNvPr id="41" name="Rectangle 40"/>
             <p:cNvSpPr/>
             <p:nvPr/>
           </p:nvSpPr>
           <p:spPr>
             <a:xfrm>
-              <a:off x="6092982" y="1224642"/>
-              <a:ext cx="4194018" cy="1763001"/>
+              <a:off x="8242425" y="1557021"/>
+              <a:ext cx="1955549" cy="1340087"/>
             </a:xfrm>
             <a:prstGeom prst="rect">
               <a:avLst/>
             </a:prstGeom>
+            <a:ln>
+              <a:prstDash val="dash"/>
+            </a:ln>
           </p:spPr>
           <p:style>
             <a:lnRef idx="2">
@@ -13733,23 +15845,23 @@
             <a:p>
               <a:pPr algn="ctr"/>
               <a:r>
-                <a:rPr lang="en-US" sz="1400" b="1" dirty="0" smtClean="0"/>
-                <a:t>Virtue Service “Excalibur”</a:t>
+                <a:rPr lang="en-US" sz="1100" i="1" dirty="0" smtClean="0"/>
+                <a:t>Data Controls</a:t>
               </a:r>
-              <a:endParaRPr lang="en-US" sz="1400" b="1" dirty="0"/>
+              <a:endParaRPr lang="en-US" sz="1100" i="1" dirty="0"/>
             </a:p>
           </p:txBody>
         </p:sp>
         <p:sp>
           <p:nvSpPr>
-            <p:cNvPr id="38" name="Rectangle 37"/>
+            <p:cNvPr id="42" name="Rectangle 41"/>
             <p:cNvSpPr/>
             <p:nvPr/>
           </p:nvSpPr>
           <p:spPr>
             <a:xfrm>
-              <a:off x="6197852" y="1760297"/>
-              <a:ext cx="1955548" cy="271816"/>
+              <a:off x="8327962" y="1819851"/>
+              <a:ext cx="1793812" cy="271816"/>
             </a:xfrm>
             <a:prstGeom prst="rect">
               <a:avLst/>
@@ -13776,7 +15888,7 @@
               <a:pPr algn="ctr"/>
               <a:r>
                 <a:rPr lang="en-US" sz="1100" dirty="0" smtClean="0"/>
-                <a:t>Authentication</a:t>
+                <a:t>Object Schema</a:t>
               </a:r>
               <a:endParaRPr lang="en-US" sz="1100" dirty="0"/>
             </a:p>
@@ -13784,14 +15896,14 @@
         </p:sp>
         <p:sp>
           <p:nvSpPr>
-            <p:cNvPr id="39" name="Rectangle 38"/>
+            <p:cNvPr id="43" name="Rectangle 42"/>
             <p:cNvSpPr/>
             <p:nvPr/>
           </p:nvSpPr>
           <p:spPr>
             <a:xfrm>
-              <a:off x="6197852" y="2113920"/>
-              <a:ext cx="1955548" cy="271816"/>
+              <a:off x="8327962" y="2173474"/>
+              <a:ext cx="1793812" cy="271816"/>
             </a:xfrm>
             <a:prstGeom prst="rect">
               <a:avLst/>
@@ -13818,7 +15930,7 @@
               <a:pPr algn="ctr"/>
               <a:r>
                 <a:rPr lang="en-US" sz="1100" dirty="0" smtClean="0"/>
-                <a:t>AWS Controls</a:t>
+                <a:t>Virtue Admin API</a:t>
               </a:r>
               <a:endParaRPr lang="en-US" sz="1100" dirty="0"/>
             </a:p>
@@ -13826,30 +15938,28 @@
         </p:sp>
         <p:sp>
           <p:nvSpPr>
-            <p:cNvPr id="40" name="Rectangle 39">
-              <a:hlinkClick r:id="rId8" action="ppaction://hlinksldjump"/>
-            </p:cNvPr>
+            <p:cNvPr id="44" name="Rectangle 43"/>
             <p:cNvSpPr/>
             <p:nvPr/>
           </p:nvSpPr>
           <p:spPr>
             <a:xfrm>
-              <a:off x="6197852" y="2467543"/>
-              <a:ext cx="1955548" cy="271816"/>
+              <a:off x="8327962" y="2527097"/>
+              <a:ext cx="1793812" cy="271816"/>
             </a:xfrm>
             <a:prstGeom prst="rect">
               <a:avLst/>
             </a:prstGeom>
           </p:spPr>
           <p:style>
-            <a:lnRef idx="1">
-              <a:schemeClr val="accent4"/>
+            <a:lnRef idx="2">
+              <a:schemeClr val="dk1"/>
             </a:lnRef>
-            <a:fillRef idx="2">
-              <a:schemeClr val="accent4"/>
+            <a:fillRef idx="1">
+              <a:schemeClr val="lt1"/>
             </a:fillRef>
-            <a:effectRef idx="1">
-              <a:schemeClr val="accent4"/>
+            <a:effectRef idx="0">
+              <a:schemeClr val="dk1"/>
             </a:effectRef>
             <a:fontRef idx="minor">
               <a:schemeClr val="dk1"/>
@@ -13862,198 +15972,12 @@
               <a:pPr algn="ctr"/>
               <a:r>
                 <a:rPr lang="en-US" sz="1100" dirty="0" smtClean="0"/>
-                <a:t>Sensor Controls</a:t>
+                <a:t>User API</a:t>
               </a:r>
               <a:endParaRPr lang="en-US" sz="1100" dirty="0"/>
             </a:p>
           </p:txBody>
         </p:sp>
-        <p:grpSp>
-          <p:nvGrpSpPr>
-            <p:cNvPr id="59" name="Group 58"/>
-            <p:cNvGrpSpPr/>
-            <p:nvPr/>
-          </p:nvGrpSpPr>
-          <p:grpSpPr>
-            <a:xfrm>
-              <a:off x="8242425" y="1557021"/>
-              <a:ext cx="1955549" cy="1340087"/>
-              <a:chOff x="8242425" y="1557021"/>
-              <a:chExt cx="1955549" cy="1340087"/>
-            </a:xfrm>
-          </p:grpSpPr>
-          <p:sp>
-            <p:nvSpPr>
-              <p:cNvPr id="41" name="Rectangle 40"/>
-              <p:cNvSpPr/>
-              <p:nvPr/>
-            </p:nvSpPr>
-            <p:spPr>
-              <a:xfrm>
-                <a:off x="8242425" y="1557021"/>
-                <a:ext cx="1955549" cy="1340087"/>
-              </a:xfrm>
-              <a:prstGeom prst="rect">
-                <a:avLst/>
-              </a:prstGeom>
-              <a:ln>
-                <a:prstDash val="dash"/>
-              </a:ln>
-            </p:spPr>
-            <p:style>
-              <a:lnRef idx="2">
-                <a:schemeClr val="dk1"/>
-              </a:lnRef>
-              <a:fillRef idx="1">
-                <a:schemeClr val="lt1"/>
-              </a:fillRef>
-              <a:effectRef idx="0">
-                <a:schemeClr val="dk1"/>
-              </a:effectRef>
-              <a:fontRef idx="minor">
-                <a:schemeClr val="dk1"/>
-              </a:fontRef>
-            </p:style>
-            <p:txBody>
-              <a:bodyPr rtlCol="0" anchor="t"/>
-              <a:lstStyle/>
-              <a:p>
-                <a:pPr algn="ctr"/>
-                <a:r>
-                  <a:rPr lang="en-US" sz="1100" i="1" dirty="0" smtClean="0"/>
-                  <a:t>Data Controls</a:t>
-                </a:r>
-                <a:endParaRPr lang="en-US" sz="1100" i="1" dirty="0"/>
-              </a:p>
-            </p:txBody>
-          </p:sp>
-          <p:sp>
-            <p:nvSpPr>
-              <p:cNvPr id="42" name="Rectangle 41"/>
-              <p:cNvSpPr/>
-              <p:nvPr/>
-            </p:nvSpPr>
-            <p:spPr>
-              <a:xfrm>
-                <a:off x="8327962" y="1819851"/>
-                <a:ext cx="1793812" cy="271816"/>
-              </a:xfrm>
-              <a:prstGeom prst="rect">
-                <a:avLst/>
-              </a:prstGeom>
-            </p:spPr>
-            <p:style>
-              <a:lnRef idx="2">
-                <a:schemeClr val="dk1"/>
-              </a:lnRef>
-              <a:fillRef idx="1">
-                <a:schemeClr val="lt1"/>
-              </a:fillRef>
-              <a:effectRef idx="0">
-                <a:schemeClr val="dk1"/>
-              </a:effectRef>
-              <a:fontRef idx="minor">
-                <a:schemeClr val="dk1"/>
-              </a:fontRef>
-            </p:style>
-            <p:txBody>
-              <a:bodyPr rtlCol="0" anchor="t"/>
-              <a:lstStyle/>
-              <a:p>
-                <a:pPr algn="ctr"/>
-                <a:r>
-                  <a:rPr lang="en-US" sz="1100" dirty="0" smtClean="0"/>
-                  <a:t>Object Schema</a:t>
-                </a:r>
-                <a:endParaRPr lang="en-US" sz="1100" dirty="0"/>
-              </a:p>
-            </p:txBody>
-          </p:sp>
-          <p:sp>
-            <p:nvSpPr>
-              <p:cNvPr id="43" name="Rectangle 42"/>
-              <p:cNvSpPr/>
-              <p:nvPr/>
-            </p:nvSpPr>
-            <p:spPr>
-              <a:xfrm>
-                <a:off x="8327962" y="2173474"/>
-                <a:ext cx="1793812" cy="271816"/>
-              </a:xfrm>
-              <a:prstGeom prst="rect">
-                <a:avLst/>
-              </a:prstGeom>
-            </p:spPr>
-            <p:style>
-              <a:lnRef idx="2">
-                <a:schemeClr val="dk1"/>
-              </a:lnRef>
-              <a:fillRef idx="1">
-                <a:schemeClr val="lt1"/>
-              </a:fillRef>
-              <a:effectRef idx="0">
-                <a:schemeClr val="dk1"/>
-              </a:effectRef>
-              <a:fontRef idx="minor">
-                <a:schemeClr val="dk1"/>
-              </a:fontRef>
-            </p:style>
-            <p:txBody>
-              <a:bodyPr rtlCol="0" anchor="t"/>
-              <a:lstStyle/>
-              <a:p>
-                <a:pPr algn="ctr"/>
-                <a:r>
-                  <a:rPr lang="en-US" sz="1100" dirty="0" smtClean="0"/>
-                  <a:t>Virtue Admin API</a:t>
-                </a:r>
-                <a:endParaRPr lang="en-US" sz="1100" dirty="0"/>
-              </a:p>
-            </p:txBody>
-          </p:sp>
-          <p:sp>
-            <p:nvSpPr>
-              <p:cNvPr id="44" name="Rectangle 43"/>
-              <p:cNvSpPr/>
-              <p:nvPr/>
-            </p:nvSpPr>
-            <p:spPr>
-              <a:xfrm>
-                <a:off x="8327962" y="2527097"/>
-                <a:ext cx="1793812" cy="271816"/>
-              </a:xfrm>
-              <a:prstGeom prst="rect">
-                <a:avLst/>
-              </a:prstGeom>
-            </p:spPr>
-            <p:style>
-              <a:lnRef idx="2">
-                <a:schemeClr val="dk1"/>
-              </a:lnRef>
-              <a:fillRef idx="1">
-                <a:schemeClr val="lt1"/>
-              </a:fillRef>
-              <a:effectRef idx="0">
-                <a:schemeClr val="dk1"/>
-              </a:effectRef>
-              <a:fontRef idx="minor">
-                <a:schemeClr val="dk1"/>
-              </a:fontRef>
-            </p:style>
-            <p:txBody>
-              <a:bodyPr rtlCol="0" anchor="t"/>
-              <a:lstStyle/>
-              <a:p>
-                <a:pPr algn="ctr"/>
-                <a:r>
-                  <a:rPr lang="en-US" sz="1100" dirty="0" smtClean="0"/>
-                  <a:t>User API</a:t>
-                </a:r>
-                <a:endParaRPr lang="en-US" sz="1100" dirty="0"/>
-              </a:p>
-            </p:txBody>
-          </p:sp>
-        </p:grpSp>
       </p:grpSp>
       <p:grpSp>
         <p:nvGrpSpPr>
@@ -14826,6 +16750,50 @@
           </p:txBody>
         </p:sp>
       </p:grpSp>
+      <p:sp>
+        <p:nvSpPr>
+          <p:cNvPr id="67" name="Rectangle 66">
+            <a:hlinkClick r:id="rId11" action="ppaction://hlinksldjump"/>
+          </p:cNvPr>
+          <p:cNvSpPr/>
+          <p:nvPr/>
+        </p:nvSpPr>
+        <p:spPr>
+          <a:xfrm>
+            <a:off x="6197852" y="2630984"/>
+            <a:ext cx="1955548" cy="271816"/>
+          </a:xfrm>
+          <a:prstGeom prst="rect">
+            <a:avLst/>
+          </a:prstGeom>
+        </p:spPr>
+        <p:style>
+          <a:lnRef idx="1">
+            <a:schemeClr val="accent3"/>
+          </a:lnRef>
+          <a:fillRef idx="2">
+            <a:schemeClr val="accent3"/>
+          </a:fillRef>
+          <a:effectRef idx="1">
+            <a:schemeClr val="accent3"/>
+          </a:effectRef>
+          <a:fontRef idx="minor">
+            <a:schemeClr val="dk1"/>
+          </a:fontRef>
+        </p:style>
+        <p:txBody>
+          <a:bodyPr rtlCol="0" anchor="t"/>
+          <a:lstStyle/>
+          <a:p>
+            <a:pPr algn="ctr"/>
+            <a:r>
+              <a:rPr lang="en-US" sz="1100" dirty="0" smtClean="0"/>
+              <a:t>Virtue Import / Export</a:t>
+            </a:r>
+            <a:endParaRPr lang="en-US" sz="1100" dirty="0"/>
+          </a:p>
+        </p:txBody>
+      </p:sp>
     </p:spTree>
     <p:extLst>
       <p:ext uri="{BB962C8B-B14F-4D97-AF65-F5344CB8AC3E}">
@@ -16090,7 +18058,7 @@
     </p:spTree>
     <p:extLst>
       <p:ext uri="{BB962C8B-B14F-4D97-AF65-F5344CB8AC3E}">
-        <p14:creationId xmlns:p14="http://schemas.microsoft.com/office/powerpoint/2010/main" val="2229290021"/>
+        <p14:creationId xmlns:p14="http://schemas.microsoft.com/office/powerpoint/2010/main" val="256703308"/>
       </p:ext>
     </p:extLst>
   </p:cSld>
@@ -17989,12 +19957,16 @@
           </p:cNvGraphicFramePr>
           <p:nvPr>
             <p:ph sz="half" idx="1"/>
-            <p:extLst/>
+            <p:extLst>
+              <p:ext uri="{D42A27DB-BD31-4B8C-83A1-F6EECF244321}">
+                <p14:modId xmlns:p14="http://schemas.microsoft.com/office/powerpoint/2010/main" val="4080043393"/>
+              </p:ext>
+            </p:extLst>
           </p:nvPr>
         </p:nvGraphicFramePr>
         <p:xfrm>
-          <a:off x="2152650" y="1690689"/>
-          <a:ext cx="8186738" cy="2148840"/>
+          <a:off x="2152650" y="1238016"/>
+          <a:ext cx="8186738" cy="2519680"/>
         </p:xfrm>
         <a:graphic>
           <a:graphicData uri="http://schemas.openxmlformats.org/drawingml/2006/table">
@@ -18287,6 +20259,62 @@
                     <a:p>
                       <a:r>
                         <a:rPr lang="en-US" dirty="0" smtClean="0"/>
+                        <a:t>Host SSH</a:t>
+                      </a:r>
+                      <a:r>
+                        <a:rPr lang="en-US" baseline="0" dirty="0" smtClean="0"/>
+                        <a:t> sensor</a:t>
+                      </a:r>
+                      <a:endParaRPr lang="en-US" dirty="0"/>
+                    </a:p>
+                  </a:txBody>
+                  <a:tcPr marL="45057" marR="45057"/>
+                </a:tc>
+                <a:tc>
+                  <a:txBody>
+                    <a:bodyPr/>
+                    <a:lstStyle/>
+                    <a:p>
+                      <a:r>
+                        <a:rPr lang="en-US" dirty="0" smtClean="0"/>
+                        <a:t>Unity</a:t>
+                      </a:r>
+                      <a:r>
+                        <a:rPr lang="en-US" baseline="0" dirty="0" smtClean="0"/>
+                        <a:t> Host</a:t>
+                      </a:r>
+                      <a:endParaRPr lang="en-US" dirty="0"/>
+                    </a:p>
+                  </a:txBody>
+                  <a:tcPr marL="45057" marR="45057"/>
+                </a:tc>
+                <a:tc>
+                  <a:txBody>
+                    <a:bodyPr/>
+                    <a:lstStyle/>
+                    <a:p>
+                      <a:r>
+                        <a:rPr lang="en-US" sz="1400" baseline="0" dirty="0" smtClean="0">
+                          <a:latin typeface="Consolas" panose="020B0609020204030204" pitchFamily="49" charset="0"/>
+                        </a:rPr>
+                        <a:t>SSH authentication events</a:t>
+                      </a:r>
+                      <a:endParaRPr lang="en-US" sz="1400" dirty="0">
+                        <a:latin typeface="Consolas" panose="020B0609020204030204" pitchFamily="49" charset="0"/>
+                      </a:endParaRPr>
+                    </a:p>
+                  </a:txBody>
+                  <a:tcPr marL="45057" marR="45057"/>
+                </a:tc>
+              </a:tr>
+              <a:tr h="370840">
+                <a:tc>
+                  <a:txBody>
+                    <a:bodyPr/>
+                    <a:lstStyle/>
+                    <a:p>
+                      <a:r>
+                        <a:rPr lang="en-US" dirty="0" smtClean="0"/>
                         <a:t>LSM</a:t>
                       </a:r>
                       <a:endParaRPr lang="en-US" dirty="0"/>
@@ -18413,7 +20441,7 @@
         </p:nvSpPr>
         <p:spPr>
           <a:xfrm>
-            <a:off x="2152650" y="3973671"/>
+            <a:off x="2152650" y="4055152"/>
             <a:ext cx="8186738" cy="2341405"/>
           </a:xfrm>
         </p:spPr>
@@ -18429,11 +20457,7 @@
           <a:p>
             <a:r>
               <a:rPr lang="en-US" dirty="0" smtClean="0"/>
-              <a:t>As program matures and threat picture clarifies, we will expand the number of things </a:t>
-            </a:r>
-            <a:r>
-              <a:rPr lang="en-US" smtClean="0"/>
-              <a:t>we sense</a:t>
+              <a:t>As program matures and threat picture clarifies, we will expand the number of things we sense</a:t>
             </a:r>
             <a:endParaRPr lang="en-US" dirty="0"/>
           </a:p>

--- a/docs/design/design-diagrams.pptx
+++ b/docs/design/design-diagrams.pptx
@@ -18065,6 +18065,13 @@
   <p:clrMapOvr>
     <a:masterClrMapping/>
   </p:clrMapOvr>
+  <p:timing>
+    <p:tnLst>
+      <p:par>
+        <p:cTn id="1" dur="indefinite" restart="never" nodeType="tmRoot"/>
+      </p:par>
+    </p:tnLst>
+  </p:timing>
 </p:sld>
 </file>
 
